--- a/Figures.pptx
+++ b/Figures.pptx
@@ -7,6 +7,8 @@
   <p:sldIdLst>
     <p:sldId id="256" r:id="rId2"/>
     <p:sldId id="257" r:id="rId3"/>
+    <p:sldId id="258" r:id="rId4"/>
+    <p:sldId id="259" r:id="rId5"/>
   </p:sldIdLst>
   <p:sldSz cx="12192000" cy="6858000"/>
   <p:notesSz cx="6858000" cy="9144000"/>
@@ -105,6 +107,11 @@
       </a:defRPr>
     </a:lvl9pPr>
   </p:defaultTextStyle>
+  <p:extLst>
+    <p:ext uri="{EFAFB233-063F-42B5-8137-9DF3F51BA10A}">
+      <p15:sldGuideLst xmlns:p15="http://schemas.microsoft.com/office/powerpoint/2012/main"/>
+    </p:ext>
+  </p:extLst>
 </p:presentation>
 </file>
 
@@ -3671,60 +3678,6 @@
           </a:p>
         </p:txBody>
       </p:sp>
-      <p:sp>
-        <p:nvSpPr>
-          <p:cNvPr id="14" name="Cylindre 13">
-            <a:extLst>
-              <a:ext uri="{FF2B5EF4-FFF2-40B4-BE49-F238E27FC236}">
-                <a16:creationId xmlns:a16="http://schemas.microsoft.com/office/drawing/2014/main" id="{065692CC-447B-D54E-A0F8-D7FBC9A1F4BD}"/>
-              </a:ext>
-            </a:extLst>
-          </p:cNvPr>
-          <p:cNvSpPr/>
-          <p:nvPr/>
-        </p:nvSpPr>
-        <p:spPr>
-          <a:xfrm rot="7309303">
-            <a:off x="5988000" y="1846438"/>
-            <a:ext cx="216000" cy="432000"/>
-          </a:xfrm>
-          <a:prstGeom prst="can">
-            <a:avLst>
-              <a:gd name="adj" fmla="val 52625"/>
-            </a:avLst>
-          </a:prstGeom>
-          <a:noFill/>
-          <a:ln w="28575">
-            <a:solidFill>
-              <a:srgbClr val="C00000"/>
-            </a:solidFill>
-          </a:ln>
-        </p:spPr>
-        <p:style>
-          <a:lnRef idx="2">
-            <a:schemeClr val="accent1">
-              <a:shade val="50000"/>
-            </a:schemeClr>
-          </a:lnRef>
-          <a:fillRef idx="1">
-            <a:schemeClr val="accent1"/>
-          </a:fillRef>
-          <a:effectRef idx="0">
-            <a:schemeClr val="accent1"/>
-          </a:effectRef>
-          <a:fontRef idx="minor">
-            <a:schemeClr val="lt1"/>
-          </a:fontRef>
-        </p:style>
-        <p:txBody>
-          <a:bodyPr rtlCol="0" anchor="ctr"/>
-          <a:lstStyle/>
-          <a:p>
-            <a:pPr algn="ctr"/>
-            <a:endParaRPr lang="fr-FR"/>
-          </a:p>
-        </p:txBody>
-      </p:sp>
       <p:cxnSp>
         <p:nvCxnSpPr>
           <p:cNvPr id="17" name="Connecteur droit 16">
@@ -4673,98 +4626,6 @@
           </a:p>
         </p:txBody>
       </p:sp>
-      <p:cxnSp>
-        <p:nvCxnSpPr>
-          <p:cNvPr id="42" name="Connecteur droit 41">
-            <a:extLst>
-              <a:ext uri="{FF2B5EF4-FFF2-40B4-BE49-F238E27FC236}">
-                <a16:creationId xmlns:a16="http://schemas.microsoft.com/office/drawing/2014/main" id="{58B5DB70-9BFE-B5B1-8978-687F48A7E63C}"/>
-              </a:ext>
-            </a:extLst>
-          </p:cNvPr>
-          <p:cNvCxnSpPr>
-            <a:cxnSpLocks/>
-          </p:cNvCxnSpPr>
-          <p:nvPr/>
-        </p:nvCxnSpPr>
-        <p:spPr>
-          <a:xfrm flipH="1" flipV="1">
-            <a:off x="6226413" y="2148948"/>
-            <a:ext cx="350277" cy="203660"/>
-          </a:xfrm>
-          <a:prstGeom prst="line">
-            <a:avLst/>
-          </a:prstGeom>
-          <a:noFill/>
-          <a:ln w="28575">
-            <a:solidFill>
-              <a:srgbClr val="002060"/>
-            </a:solidFill>
-          </a:ln>
-        </p:spPr>
-        <p:style>
-          <a:lnRef idx="2">
-            <a:schemeClr val="accent1">
-              <a:shade val="50000"/>
-            </a:schemeClr>
-          </a:lnRef>
-          <a:fillRef idx="1">
-            <a:schemeClr val="accent1"/>
-          </a:fillRef>
-          <a:effectRef idx="0">
-            <a:schemeClr val="accent1"/>
-          </a:effectRef>
-          <a:fontRef idx="minor">
-            <a:schemeClr val="lt1"/>
-          </a:fontRef>
-        </p:style>
-      </p:cxnSp>
-      <p:cxnSp>
-        <p:nvCxnSpPr>
-          <p:cNvPr id="46" name="Connecteur droit 45">
-            <a:extLst>
-              <a:ext uri="{FF2B5EF4-FFF2-40B4-BE49-F238E27FC236}">
-                <a16:creationId xmlns:a16="http://schemas.microsoft.com/office/drawing/2014/main" id="{C28F26FD-582B-59E0-8AA6-7C8A01FF802D}"/>
-              </a:ext>
-            </a:extLst>
-          </p:cNvPr>
-          <p:cNvCxnSpPr>
-            <a:cxnSpLocks/>
-          </p:cNvCxnSpPr>
-          <p:nvPr/>
-        </p:nvCxnSpPr>
-        <p:spPr>
-          <a:xfrm flipH="1" flipV="1">
-            <a:off x="5676900" y="1818819"/>
-            <a:ext cx="224593" cy="130584"/>
-          </a:xfrm>
-          <a:prstGeom prst="line">
-            <a:avLst/>
-          </a:prstGeom>
-          <a:noFill/>
-          <a:ln w="28575">
-            <a:solidFill>
-              <a:srgbClr val="002060"/>
-            </a:solidFill>
-          </a:ln>
-        </p:spPr>
-        <p:style>
-          <a:lnRef idx="2">
-            <a:schemeClr val="accent1">
-              <a:shade val="50000"/>
-            </a:schemeClr>
-          </a:lnRef>
-          <a:fillRef idx="1">
-            <a:schemeClr val="accent1"/>
-          </a:fillRef>
-          <a:effectRef idx="0">
-            <a:schemeClr val="accent1"/>
-          </a:effectRef>
-          <a:fontRef idx="minor">
-            <a:schemeClr val="lt1"/>
-          </a:fontRef>
-        </p:style>
-      </p:cxnSp>
       <p:sp>
         <p:nvSpPr>
           <p:cNvPr id="58" name="Parallélogramme 57">
@@ -4819,98 +4680,286 @@
           </a:p>
         </p:txBody>
       </p:sp>
-      <p:cxnSp>
-        <p:nvCxnSpPr>
-          <p:cNvPr id="59" name="Connecteur droit 58">
-            <a:extLst>
-              <a:ext uri="{FF2B5EF4-FFF2-40B4-BE49-F238E27FC236}">
-                <a16:creationId xmlns:a16="http://schemas.microsoft.com/office/drawing/2014/main" id="{D5166EF9-AF30-25BB-EB84-B8755DFC3970}"/>
-              </a:ext>
-            </a:extLst>
-          </p:cNvPr>
-          <p:cNvCxnSpPr>
-            <a:cxnSpLocks/>
-          </p:cNvCxnSpPr>
+      <p:grpSp>
+        <p:nvGrpSpPr>
+          <p:cNvPr id="3" name="Groupe 2">
+            <a:extLst>
+              <a:ext uri="{FF2B5EF4-FFF2-40B4-BE49-F238E27FC236}">
+                <a16:creationId xmlns:a16="http://schemas.microsoft.com/office/drawing/2014/main" id="{2D36384F-68E8-E27A-FEC3-C23ABC553ABE}"/>
+              </a:ext>
+            </a:extLst>
+          </p:cNvPr>
+          <p:cNvGrpSpPr/>
           <p:nvPr/>
-        </p:nvCxnSpPr>
-        <p:spPr>
-          <a:xfrm flipH="1">
-            <a:off x="6194666" y="2075134"/>
-            <a:ext cx="127204" cy="188340"/>
+        </p:nvGrpSpPr>
+        <p:grpSpPr>
+          <a:xfrm>
+            <a:off x="5676900" y="1818819"/>
+            <a:ext cx="899790" cy="533789"/>
+            <a:chOff x="5676900" y="1818819"/>
+            <a:chExt cx="899790" cy="533789"/>
           </a:xfrm>
-          <a:prstGeom prst="line">
-            <a:avLst/>
-          </a:prstGeom>
-          <a:noFill/>
-          <a:ln w="28575">
-            <a:solidFill>
-              <a:srgbClr val="002060"/>
-            </a:solidFill>
-          </a:ln>
-        </p:spPr>
-        <p:style>
-          <a:lnRef idx="2">
-            <a:schemeClr val="accent1">
-              <a:shade val="50000"/>
-            </a:schemeClr>
-          </a:lnRef>
-          <a:fillRef idx="1">
-            <a:schemeClr val="accent1"/>
-          </a:fillRef>
-          <a:effectRef idx="0">
-            <a:schemeClr val="accent1"/>
-          </a:effectRef>
-          <a:fontRef idx="minor">
-            <a:schemeClr val="lt1"/>
-          </a:fontRef>
-        </p:style>
-      </p:cxnSp>
-      <p:cxnSp>
-        <p:nvCxnSpPr>
-          <p:cNvPr id="1024" name="Connecteur droit 1023">
-            <a:extLst>
-              <a:ext uri="{FF2B5EF4-FFF2-40B4-BE49-F238E27FC236}">
-                <a16:creationId xmlns:a16="http://schemas.microsoft.com/office/drawing/2014/main" id="{FC6D1E2E-EB0A-5FAF-D8C3-6433B738293C}"/>
-              </a:ext>
-            </a:extLst>
-          </p:cNvPr>
-          <p:cNvCxnSpPr>
-            <a:cxnSpLocks/>
-          </p:cNvCxnSpPr>
-          <p:nvPr/>
-        </p:nvCxnSpPr>
-        <p:spPr>
-          <a:xfrm flipH="1">
-            <a:off x="5827140" y="1856779"/>
-            <a:ext cx="127204" cy="188340"/>
-          </a:xfrm>
-          <a:prstGeom prst="line">
-            <a:avLst/>
-          </a:prstGeom>
-          <a:noFill/>
-          <a:ln w="28575">
-            <a:solidFill>
-              <a:srgbClr val="002060"/>
-            </a:solidFill>
-          </a:ln>
-        </p:spPr>
-        <p:style>
-          <a:lnRef idx="2">
-            <a:schemeClr val="accent1">
-              <a:shade val="50000"/>
-            </a:schemeClr>
-          </a:lnRef>
-          <a:fillRef idx="1">
-            <a:schemeClr val="accent1"/>
-          </a:fillRef>
-          <a:effectRef idx="0">
-            <a:schemeClr val="accent1"/>
-          </a:effectRef>
-          <a:fontRef idx="minor">
-            <a:schemeClr val="lt1"/>
-          </a:fontRef>
-        </p:style>
-      </p:cxnSp>
+        </p:grpSpPr>
+        <p:sp>
+          <p:nvSpPr>
+            <p:cNvPr id="14" name="Cylindre 13">
+              <a:extLst>
+                <a:ext uri="{FF2B5EF4-FFF2-40B4-BE49-F238E27FC236}">
+                  <a16:creationId xmlns:a16="http://schemas.microsoft.com/office/drawing/2014/main" id="{065692CC-447B-D54E-A0F8-D7FBC9A1F4BD}"/>
+                </a:ext>
+              </a:extLst>
+            </p:cNvPr>
+            <p:cNvSpPr/>
+            <p:nvPr/>
+          </p:nvSpPr>
+          <p:spPr>
+            <a:xfrm rot="7309303">
+              <a:off x="5988000" y="1846438"/>
+              <a:ext cx="216000" cy="432000"/>
+            </a:xfrm>
+            <a:prstGeom prst="can">
+              <a:avLst>
+                <a:gd name="adj" fmla="val 52625"/>
+              </a:avLst>
+            </a:prstGeom>
+            <a:noFill/>
+            <a:ln w="28575">
+              <a:solidFill>
+                <a:srgbClr val="C00000"/>
+              </a:solidFill>
+            </a:ln>
+          </p:spPr>
+          <p:style>
+            <a:lnRef idx="2">
+              <a:schemeClr val="accent1">
+                <a:shade val="50000"/>
+              </a:schemeClr>
+            </a:lnRef>
+            <a:fillRef idx="1">
+              <a:schemeClr val="accent1"/>
+            </a:fillRef>
+            <a:effectRef idx="0">
+              <a:schemeClr val="accent1"/>
+            </a:effectRef>
+            <a:fontRef idx="minor">
+              <a:schemeClr val="lt1"/>
+            </a:fontRef>
+          </p:style>
+          <p:txBody>
+            <a:bodyPr rtlCol="0" anchor="ctr"/>
+            <a:lstStyle/>
+            <a:p>
+              <a:pPr algn="ctr"/>
+              <a:endParaRPr lang="fr-FR"/>
+            </a:p>
+          </p:txBody>
+        </p:sp>
+        <p:grpSp>
+          <p:nvGrpSpPr>
+            <p:cNvPr id="2" name="Groupe 1">
+              <a:extLst>
+                <a:ext uri="{FF2B5EF4-FFF2-40B4-BE49-F238E27FC236}">
+                  <a16:creationId xmlns:a16="http://schemas.microsoft.com/office/drawing/2014/main" id="{7E2A8FFB-AFC3-D8F5-1165-75AE9E69CD6E}"/>
+                </a:ext>
+              </a:extLst>
+            </p:cNvPr>
+            <p:cNvGrpSpPr/>
+            <p:nvPr/>
+          </p:nvGrpSpPr>
+          <p:grpSpPr>
+            <a:xfrm>
+              <a:off x="5676900" y="1818819"/>
+              <a:ext cx="899790" cy="533789"/>
+              <a:chOff x="5676900" y="1818819"/>
+              <a:chExt cx="899790" cy="533789"/>
+            </a:xfrm>
+          </p:grpSpPr>
+          <p:cxnSp>
+            <p:nvCxnSpPr>
+              <p:cNvPr id="42" name="Connecteur droit 41">
+                <a:extLst>
+                  <a:ext uri="{FF2B5EF4-FFF2-40B4-BE49-F238E27FC236}">
+                    <a16:creationId xmlns:a16="http://schemas.microsoft.com/office/drawing/2014/main" id="{58B5DB70-9BFE-B5B1-8978-687F48A7E63C}"/>
+                  </a:ext>
+                </a:extLst>
+              </p:cNvPr>
+              <p:cNvCxnSpPr>
+                <a:cxnSpLocks/>
+              </p:cNvCxnSpPr>
+              <p:nvPr/>
+            </p:nvCxnSpPr>
+            <p:spPr>
+              <a:xfrm flipH="1" flipV="1">
+                <a:off x="6226413" y="2148948"/>
+                <a:ext cx="350277" cy="203660"/>
+              </a:xfrm>
+              <a:prstGeom prst="line">
+                <a:avLst/>
+              </a:prstGeom>
+              <a:noFill/>
+              <a:ln w="28575">
+                <a:solidFill>
+                  <a:srgbClr val="002060"/>
+                </a:solidFill>
+              </a:ln>
+            </p:spPr>
+            <p:style>
+              <a:lnRef idx="2">
+                <a:schemeClr val="accent1">
+                  <a:shade val="50000"/>
+                </a:schemeClr>
+              </a:lnRef>
+              <a:fillRef idx="1">
+                <a:schemeClr val="accent1"/>
+              </a:fillRef>
+              <a:effectRef idx="0">
+                <a:schemeClr val="accent1"/>
+              </a:effectRef>
+              <a:fontRef idx="minor">
+                <a:schemeClr val="lt1"/>
+              </a:fontRef>
+            </p:style>
+          </p:cxnSp>
+          <p:cxnSp>
+            <p:nvCxnSpPr>
+              <p:cNvPr id="46" name="Connecteur droit 45">
+                <a:extLst>
+                  <a:ext uri="{FF2B5EF4-FFF2-40B4-BE49-F238E27FC236}">
+                    <a16:creationId xmlns:a16="http://schemas.microsoft.com/office/drawing/2014/main" id="{C28F26FD-582B-59E0-8AA6-7C8A01FF802D}"/>
+                  </a:ext>
+                </a:extLst>
+              </p:cNvPr>
+              <p:cNvCxnSpPr>
+                <a:cxnSpLocks/>
+              </p:cNvCxnSpPr>
+              <p:nvPr/>
+            </p:nvCxnSpPr>
+            <p:spPr>
+              <a:xfrm flipH="1" flipV="1">
+                <a:off x="5676900" y="1818819"/>
+                <a:ext cx="224593" cy="130584"/>
+              </a:xfrm>
+              <a:prstGeom prst="line">
+                <a:avLst/>
+              </a:prstGeom>
+              <a:noFill/>
+              <a:ln w="28575">
+                <a:solidFill>
+                  <a:srgbClr val="002060"/>
+                </a:solidFill>
+              </a:ln>
+            </p:spPr>
+            <p:style>
+              <a:lnRef idx="2">
+                <a:schemeClr val="accent1">
+                  <a:shade val="50000"/>
+                </a:schemeClr>
+              </a:lnRef>
+              <a:fillRef idx="1">
+                <a:schemeClr val="accent1"/>
+              </a:fillRef>
+              <a:effectRef idx="0">
+                <a:schemeClr val="accent1"/>
+              </a:effectRef>
+              <a:fontRef idx="minor">
+                <a:schemeClr val="lt1"/>
+              </a:fontRef>
+            </p:style>
+          </p:cxnSp>
+          <p:cxnSp>
+            <p:nvCxnSpPr>
+              <p:cNvPr id="59" name="Connecteur droit 58">
+                <a:extLst>
+                  <a:ext uri="{FF2B5EF4-FFF2-40B4-BE49-F238E27FC236}">
+                    <a16:creationId xmlns:a16="http://schemas.microsoft.com/office/drawing/2014/main" id="{D5166EF9-AF30-25BB-EB84-B8755DFC3970}"/>
+                  </a:ext>
+                </a:extLst>
+              </p:cNvPr>
+              <p:cNvCxnSpPr>
+                <a:cxnSpLocks/>
+              </p:cNvCxnSpPr>
+              <p:nvPr/>
+            </p:nvCxnSpPr>
+            <p:spPr>
+              <a:xfrm flipH="1">
+                <a:off x="6194666" y="2075134"/>
+                <a:ext cx="127204" cy="188340"/>
+              </a:xfrm>
+              <a:prstGeom prst="line">
+                <a:avLst/>
+              </a:prstGeom>
+              <a:noFill/>
+              <a:ln w="28575">
+                <a:solidFill>
+                  <a:srgbClr val="002060"/>
+                </a:solidFill>
+              </a:ln>
+            </p:spPr>
+            <p:style>
+              <a:lnRef idx="2">
+                <a:schemeClr val="accent1">
+                  <a:shade val="50000"/>
+                </a:schemeClr>
+              </a:lnRef>
+              <a:fillRef idx="1">
+                <a:schemeClr val="accent1"/>
+              </a:fillRef>
+              <a:effectRef idx="0">
+                <a:schemeClr val="accent1"/>
+              </a:effectRef>
+              <a:fontRef idx="minor">
+                <a:schemeClr val="lt1"/>
+              </a:fontRef>
+            </p:style>
+          </p:cxnSp>
+          <p:cxnSp>
+            <p:nvCxnSpPr>
+              <p:cNvPr id="1024" name="Connecteur droit 1023">
+                <a:extLst>
+                  <a:ext uri="{FF2B5EF4-FFF2-40B4-BE49-F238E27FC236}">
+                    <a16:creationId xmlns:a16="http://schemas.microsoft.com/office/drawing/2014/main" id="{FC6D1E2E-EB0A-5FAF-D8C3-6433B738293C}"/>
+                  </a:ext>
+                </a:extLst>
+              </p:cNvPr>
+              <p:cNvCxnSpPr>
+                <a:cxnSpLocks/>
+              </p:cNvCxnSpPr>
+              <p:nvPr/>
+            </p:nvCxnSpPr>
+            <p:spPr>
+              <a:xfrm flipH="1">
+                <a:off x="5827140" y="1856779"/>
+                <a:ext cx="127204" cy="188340"/>
+              </a:xfrm>
+              <a:prstGeom prst="line">
+                <a:avLst/>
+              </a:prstGeom>
+              <a:noFill/>
+              <a:ln w="28575">
+                <a:solidFill>
+                  <a:srgbClr val="002060"/>
+                </a:solidFill>
+              </a:ln>
+            </p:spPr>
+            <p:style>
+              <a:lnRef idx="2">
+                <a:schemeClr val="accent1">
+                  <a:shade val="50000"/>
+                </a:schemeClr>
+              </a:lnRef>
+              <a:fillRef idx="1">
+                <a:schemeClr val="accent1"/>
+              </a:fillRef>
+              <a:effectRef idx="0">
+                <a:schemeClr val="accent1"/>
+              </a:effectRef>
+              <a:fontRef idx="minor">
+                <a:schemeClr val="lt1"/>
+              </a:fontRef>
+            </p:style>
+          </p:cxnSp>
+        </p:grpSp>
+      </p:grpSp>
       <p:cxnSp>
         <p:nvCxnSpPr>
           <p:cNvPr id="1028" name="Connecteur droit 1027">
@@ -5007,6 +5056,3390 @@
     <p:extLst>
       <p:ext uri="{BB962C8B-B14F-4D97-AF65-F5344CB8AC3E}">
         <p14:creationId xmlns:p14="http://schemas.microsoft.com/office/powerpoint/2010/main" val="183839897"/>
+      </p:ext>
+    </p:extLst>
+  </p:cSld>
+  <p:clrMapOvr>
+    <a:masterClrMapping/>
+  </p:clrMapOvr>
+</p:sld>
+</file>
+
+<file path=ppt/slides/slide3.xml><?xml version="1.0" encoding="utf-8"?>
+<p:sld xmlns:a="http://schemas.openxmlformats.org/drawingml/2006/main" xmlns:r="http://schemas.openxmlformats.org/officeDocument/2006/relationships" xmlns:p="http://schemas.openxmlformats.org/presentationml/2006/main">
+  <p:cSld>
+    <p:spTree>
+      <p:nvGrpSpPr>
+        <p:cNvPr id="1" name=""/>
+        <p:cNvGrpSpPr/>
+        <p:nvPr/>
+      </p:nvGrpSpPr>
+      <p:grpSpPr>
+        <a:xfrm>
+          <a:off x="0" y="0"/>
+          <a:ext cx="0" cy="0"/>
+          <a:chOff x="0" y="0"/>
+          <a:chExt cx="0" cy="0"/>
+        </a:xfrm>
+      </p:grpSpPr>
+      <p:grpSp>
+        <p:nvGrpSpPr>
+          <p:cNvPr id="6" name="Groupe 5">
+            <a:extLst>
+              <a:ext uri="{FF2B5EF4-FFF2-40B4-BE49-F238E27FC236}">
+                <a16:creationId xmlns:a16="http://schemas.microsoft.com/office/drawing/2014/main" id="{8A478074-C3D4-D1D4-16C4-AF9B2C9A8E82}"/>
+              </a:ext>
+            </a:extLst>
+          </p:cNvPr>
+          <p:cNvGrpSpPr/>
+          <p:nvPr/>
+        </p:nvGrpSpPr>
+        <p:grpSpPr>
+          <a:xfrm>
+            <a:off x="2761828" y="2863227"/>
+            <a:ext cx="659580" cy="444655"/>
+            <a:chOff x="5676900" y="1818819"/>
+            <a:chExt cx="659580" cy="444655"/>
+          </a:xfrm>
+        </p:grpSpPr>
+        <p:sp>
+          <p:nvSpPr>
+            <p:cNvPr id="7" name="Cylindre 6">
+              <a:extLst>
+                <a:ext uri="{FF2B5EF4-FFF2-40B4-BE49-F238E27FC236}">
+                  <a16:creationId xmlns:a16="http://schemas.microsoft.com/office/drawing/2014/main" id="{1174696C-9924-CF56-E0DE-5CBC9432BAD8}"/>
+                </a:ext>
+              </a:extLst>
+            </p:cNvPr>
+            <p:cNvSpPr/>
+            <p:nvPr/>
+          </p:nvSpPr>
+          <p:spPr>
+            <a:xfrm rot="7309303">
+              <a:off x="5988000" y="1846438"/>
+              <a:ext cx="216000" cy="432000"/>
+            </a:xfrm>
+            <a:prstGeom prst="can">
+              <a:avLst>
+                <a:gd name="adj" fmla="val 52625"/>
+              </a:avLst>
+            </a:prstGeom>
+            <a:noFill/>
+            <a:ln w="28575">
+              <a:solidFill>
+                <a:srgbClr val="C00000"/>
+              </a:solidFill>
+            </a:ln>
+          </p:spPr>
+          <p:style>
+            <a:lnRef idx="2">
+              <a:schemeClr val="accent1">
+                <a:shade val="50000"/>
+              </a:schemeClr>
+            </a:lnRef>
+            <a:fillRef idx="1">
+              <a:schemeClr val="accent1"/>
+            </a:fillRef>
+            <a:effectRef idx="0">
+              <a:schemeClr val="accent1"/>
+            </a:effectRef>
+            <a:fontRef idx="minor">
+              <a:schemeClr val="lt1"/>
+            </a:fontRef>
+          </p:style>
+          <p:txBody>
+            <a:bodyPr rtlCol="0" anchor="ctr"/>
+            <a:lstStyle/>
+            <a:p>
+              <a:pPr algn="ctr"/>
+              <a:endParaRPr lang="fr-FR"/>
+            </a:p>
+          </p:txBody>
+        </p:sp>
+        <p:grpSp>
+          <p:nvGrpSpPr>
+            <p:cNvPr id="8" name="Groupe 7">
+              <a:extLst>
+                <a:ext uri="{FF2B5EF4-FFF2-40B4-BE49-F238E27FC236}">
+                  <a16:creationId xmlns:a16="http://schemas.microsoft.com/office/drawing/2014/main" id="{2CF3F547-41DE-A00C-94B0-DEAEF4A035BE}"/>
+                </a:ext>
+              </a:extLst>
+            </p:cNvPr>
+            <p:cNvGrpSpPr/>
+            <p:nvPr/>
+          </p:nvGrpSpPr>
+          <p:grpSpPr>
+            <a:xfrm>
+              <a:off x="5676900" y="1818819"/>
+              <a:ext cx="659580" cy="444655"/>
+              <a:chOff x="5676900" y="1818819"/>
+              <a:chExt cx="659580" cy="444655"/>
+            </a:xfrm>
+          </p:grpSpPr>
+          <p:cxnSp>
+            <p:nvCxnSpPr>
+              <p:cNvPr id="9" name="Connecteur droit 8">
+                <a:extLst>
+                  <a:ext uri="{FF2B5EF4-FFF2-40B4-BE49-F238E27FC236}">
+                    <a16:creationId xmlns:a16="http://schemas.microsoft.com/office/drawing/2014/main" id="{8112F1E2-DD62-923A-AE9C-89185E823BB9}"/>
+                  </a:ext>
+                </a:extLst>
+              </p:cNvPr>
+              <p:cNvCxnSpPr>
+                <a:cxnSpLocks/>
+              </p:cNvCxnSpPr>
+              <p:nvPr/>
+            </p:nvCxnSpPr>
+            <p:spPr>
+              <a:xfrm flipH="1" flipV="1">
+                <a:off x="6226413" y="2148948"/>
+                <a:ext cx="110067" cy="63996"/>
+              </a:xfrm>
+              <a:prstGeom prst="line">
+                <a:avLst/>
+              </a:prstGeom>
+              <a:noFill/>
+              <a:ln w="28575">
+                <a:solidFill>
+                  <a:srgbClr val="002060"/>
+                </a:solidFill>
+              </a:ln>
+            </p:spPr>
+            <p:style>
+              <a:lnRef idx="2">
+                <a:schemeClr val="accent1">
+                  <a:shade val="50000"/>
+                </a:schemeClr>
+              </a:lnRef>
+              <a:fillRef idx="1">
+                <a:schemeClr val="accent1"/>
+              </a:fillRef>
+              <a:effectRef idx="0">
+                <a:schemeClr val="accent1"/>
+              </a:effectRef>
+              <a:fontRef idx="minor">
+                <a:schemeClr val="lt1"/>
+              </a:fontRef>
+            </p:style>
+          </p:cxnSp>
+          <p:cxnSp>
+            <p:nvCxnSpPr>
+              <p:cNvPr id="10" name="Connecteur droit 9">
+                <a:extLst>
+                  <a:ext uri="{FF2B5EF4-FFF2-40B4-BE49-F238E27FC236}">
+                    <a16:creationId xmlns:a16="http://schemas.microsoft.com/office/drawing/2014/main" id="{00D6FCFB-AD7E-9151-6D1A-B73551B87030}"/>
+                  </a:ext>
+                </a:extLst>
+              </p:cNvPr>
+              <p:cNvCxnSpPr>
+                <a:cxnSpLocks/>
+              </p:cNvCxnSpPr>
+              <p:nvPr/>
+            </p:nvCxnSpPr>
+            <p:spPr>
+              <a:xfrm flipH="1" flipV="1">
+                <a:off x="5676900" y="1818819"/>
+                <a:ext cx="224593" cy="130584"/>
+              </a:xfrm>
+              <a:prstGeom prst="line">
+                <a:avLst/>
+              </a:prstGeom>
+              <a:noFill/>
+              <a:ln w="28575">
+                <a:solidFill>
+                  <a:srgbClr val="002060"/>
+                </a:solidFill>
+              </a:ln>
+            </p:spPr>
+            <p:style>
+              <a:lnRef idx="2">
+                <a:schemeClr val="accent1">
+                  <a:shade val="50000"/>
+                </a:schemeClr>
+              </a:lnRef>
+              <a:fillRef idx="1">
+                <a:schemeClr val="accent1"/>
+              </a:fillRef>
+              <a:effectRef idx="0">
+                <a:schemeClr val="accent1"/>
+              </a:effectRef>
+              <a:fontRef idx="minor">
+                <a:schemeClr val="lt1"/>
+              </a:fontRef>
+            </p:style>
+          </p:cxnSp>
+          <p:cxnSp>
+            <p:nvCxnSpPr>
+              <p:cNvPr id="11" name="Connecteur droit 10">
+                <a:extLst>
+                  <a:ext uri="{FF2B5EF4-FFF2-40B4-BE49-F238E27FC236}">
+                    <a16:creationId xmlns:a16="http://schemas.microsoft.com/office/drawing/2014/main" id="{42E0F549-60CF-C5B3-2DC0-3A2CEDD0C623}"/>
+                  </a:ext>
+                </a:extLst>
+              </p:cNvPr>
+              <p:cNvCxnSpPr>
+                <a:cxnSpLocks/>
+              </p:cNvCxnSpPr>
+              <p:nvPr/>
+            </p:nvCxnSpPr>
+            <p:spPr>
+              <a:xfrm flipH="1">
+                <a:off x="6194666" y="2075134"/>
+                <a:ext cx="127204" cy="188340"/>
+              </a:xfrm>
+              <a:prstGeom prst="line">
+                <a:avLst/>
+              </a:prstGeom>
+              <a:noFill/>
+              <a:ln w="28575">
+                <a:solidFill>
+                  <a:srgbClr val="002060"/>
+                </a:solidFill>
+              </a:ln>
+            </p:spPr>
+            <p:style>
+              <a:lnRef idx="2">
+                <a:schemeClr val="accent1">
+                  <a:shade val="50000"/>
+                </a:schemeClr>
+              </a:lnRef>
+              <a:fillRef idx="1">
+                <a:schemeClr val="accent1"/>
+              </a:fillRef>
+              <a:effectRef idx="0">
+                <a:schemeClr val="accent1"/>
+              </a:effectRef>
+              <a:fontRef idx="minor">
+                <a:schemeClr val="lt1"/>
+              </a:fontRef>
+            </p:style>
+          </p:cxnSp>
+          <p:cxnSp>
+            <p:nvCxnSpPr>
+              <p:cNvPr id="12" name="Connecteur droit 11">
+                <a:extLst>
+                  <a:ext uri="{FF2B5EF4-FFF2-40B4-BE49-F238E27FC236}">
+                    <a16:creationId xmlns:a16="http://schemas.microsoft.com/office/drawing/2014/main" id="{34618F33-35FA-388E-DBBB-8A6728DA68E6}"/>
+                  </a:ext>
+                </a:extLst>
+              </p:cNvPr>
+              <p:cNvCxnSpPr>
+                <a:cxnSpLocks/>
+              </p:cNvCxnSpPr>
+              <p:nvPr/>
+            </p:nvCxnSpPr>
+            <p:spPr>
+              <a:xfrm flipH="1">
+                <a:off x="5827140" y="1856779"/>
+                <a:ext cx="127204" cy="188340"/>
+              </a:xfrm>
+              <a:prstGeom prst="line">
+                <a:avLst/>
+              </a:prstGeom>
+              <a:noFill/>
+              <a:ln w="28575">
+                <a:solidFill>
+                  <a:srgbClr val="002060"/>
+                </a:solidFill>
+              </a:ln>
+            </p:spPr>
+            <p:style>
+              <a:lnRef idx="2">
+                <a:schemeClr val="accent1">
+                  <a:shade val="50000"/>
+                </a:schemeClr>
+              </a:lnRef>
+              <a:fillRef idx="1">
+                <a:schemeClr val="accent1"/>
+              </a:fillRef>
+              <a:effectRef idx="0">
+                <a:schemeClr val="accent1"/>
+              </a:effectRef>
+              <a:fontRef idx="minor">
+                <a:schemeClr val="lt1"/>
+              </a:fontRef>
+            </p:style>
+          </p:cxnSp>
+        </p:grpSp>
+      </p:grpSp>
+      <p:grpSp>
+        <p:nvGrpSpPr>
+          <p:cNvPr id="13" name="Groupe 12">
+            <a:extLst>
+              <a:ext uri="{FF2B5EF4-FFF2-40B4-BE49-F238E27FC236}">
+                <a16:creationId xmlns:a16="http://schemas.microsoft.com/office/drawing/2014/main" id="{72BF01C7-E1FD-75C8-0B0A-EF5095B63B79}"/>
+              </a:ext>
+            </a:extLst>
+          </p:cNvPr>
+          <p:cNvGrpSpPr/>
+          <p:nvPr/>
+        </p:nvGrpSpPr>
+        <p:grpSpPr>
+          <a:xfrm>
+            <a:off x="2693957" y="4890949"/>
+            <a:ext cx="660879" cy="444655"/>
+            <a:chOff x="5676900" y="1818819"/>
+            <a:chExt cx="660879" cy="444655"/>
+          </a:xfrm>
+        </p:grpSpPr>
+        <p:sp>
+          <p:nvSpPr>
+            <p:cNvPr id="14" name="Cylindre 13">
+              <a:extLst>
+                <a:ext uri="{FF2B5EF4-FFF2-40B4-BE49-F238E27FC236}">
+                  <a16:creationId xmlns:a16="http://schemas.microsoft.com/office/drawing/2014/main" id="{B2DAFEB1-0679-7B9F-1268-ED2E9687DB26}"/>
+                </a:ext>
+              </a:extLst>
+            </p:cNvPr>
+            <p:cNvSpPr/>
+            <p:nvPr/>
+          </p:nvSpPr>
+          <p:spPr>
+            <a:xfrm rot="7309303">
+              <a:off x="5988000" y="1846438"/>
+              <a:ext cx="216000" cy="432000"/>
+            </a:xfrm>
+            <a:prstGeom prst="can">
+              <a:avLst>
+                <a:gd name="adj" fmla="val 52625"/>
+              </a:avLst>
+            </a:prstGeom>
+            <a:noFill/>
+            <a:ln w="28575">
+              <a:solidFill>
+                <a:srgbClr val="C00000"/>
+              </a:solidFill>
+            </a:ln>
+          </p:spPr>
+          <p:style>
+            <a:lnRef idx="2">
+              <a:schemeClr val="accent1">
+                <a:shade val="50000"/>
+              </a:schemeClr>
+            </a:lnRef>
+            <a:fillRef idx="1">
+              <a:schemeClr val="accent1"/>
+            </a:fillRef>
+            <a:effectRef idx="0">
+              <a:schemeClr val="accent1"/>
+            </a:effectRef>
+            <a:fontRef idx="minor">
+              <a:schemeClr val="lt1"/>
+            </a:fontRef>
+          </p:style>
+          <p:txBody>
+            <a:bodyPr rtlCol="0" anchor="ctr"/>
+            <a:lstStyle/>
+            <a:p>
+              <a:pPr algn="ctr"/>
+              <a:endParaRPr lang="fr-FR"/>
+            </a:p>
+          </p:txBody>
+        </p:sp>
+        <p:grpSp>
+          <p:nvGrpSpPr>
+            <p:cNvPr id="15" name="Groupe 14">
+              <a:extLst>
+                <a:ext uri="{FF2B5EF4-FFF2-40B4-BE49-F238E27FC236}">
+                  <a16:creationId xmlns:a16="http://schemas.microsoft.com/office/drawing/2014/main" id="{AD0FAEE8-A548-67F4-9D52-DC33FC91955E}"/>
+                </a:ext>
+              </a:extLst>
+            </p:cNvPr>
+            <p:cNvGrpSpPr/>
+            <p:nvPr/>
+          </p:nvGrpSpPr>
+          <p:grpSpPr>
+            <a:xfrm>
+              <a:off x="5676900" y="1818819"/>
+              <a:ext cx="660879" cy="444655"/>
+              <a:chOff x="5676900" y="1818819"/>
+              <a:chExt cx="660879" cy="444655"/>
+            </a:xfrm>
+          </p:grpSpPr>
+          <p:cxnSp>
+            <p:nvCxnSpPr>
+              <p:cNvPr id="16" name="Connecteur droit 15">
+                <a:extLst>
+                  <a:ext uri="{FF2B5EF4-FFF2-40B4-BE49-F238E27FC236}">
+                    <a16:creationId xmlns:a16="http://schemas.microsoft.com/office/drawing/2014/main" id="{79500EE9-CA4B-2597-5344-A137E326FBFA}"/>
+                  </a:ext>
+                </a:extLst>
+              </p:cNvPr>
+              <p:cNvCxnSpPr>
+                <a:cxnSpLocks/>
+              </p:cNvCxnSpPr>
+              <p:nvPr/>
+            </p:nvCxnSpPr>
+            <p:spPr>
+              <a:xfrm flipH="1" flipV="1">
+                <a:off x="6226413" y="2148948"/>
+                <a:ext cx="111366" cy="64751"/>
+              </a:xfrm>
+              <a:prstGeom prst="line">
+                <a:avLst/>
+              </a:prstGeom>
+              <a:noFill/>
+              <a:ln w="28575">
+                <a:solidFill>
+                  <a:srgbClr val="002060"/>
+                </a:solidFill>
+              </a:ln>
+            </p:spPr>
+            <p:style>
+              <a:lnRef idx="2">
+                <a:schemeClr val="accent1">
+                  <a:shade val="50000"/>
+                </a:schemeClr>
+              </a:lnRef>
+              <a:fillRef idx="1">
+                <a:schemeClr val="accent1"/>
+              </a:fillRef>
+              <a:effectRef idx="0">
+                <a:schemeClr val="accent1"/>
+              </a:effectRef>
+              <a:fontRef idx="minor">
+                <a:schemeClr val="lt1"/>
+              </a:fontRef>
+            </p:style>
+          </p:cxnSp>
+          <p:cxnSp>
+            <p:nvCxnSpPr>
+              <p:cNvPr id="17" name="Connecteur droit 16">
+                <a:extLst>
+                  <a:ext uri="{FF2B5EF4-FFF2-40B4-BE49-F238E27FC236}">
+                    <a16:creationId xmlns:a16="http://schemas.microsoft.com/office/drawing/2014/main" id="{5A8BCEF6-12DC-FCCD-1488-E92B81D601F0}"/>
+                  </a:ext>
+                </a:extLst>
+              </p:cNvPr>
+              <p:cNvCxnSpPr>
+                <a:cxnSpLocks/>
+              </p:cNvCxnSpPr>
+              <p:nvPr/>
+            </p:nvCxnSpPr>
+            <p:spPr>
+              <a:xfrm flipH="1" flipV="1">
+                <a:off x="5676900" y="1818819"/>
+                <a:ext cx="224593" cy="130584"/>
+              </a:xfrm>
+              <a:prstGeom prst="line">
+                <a:avLst/>
+              </a:prstGeom>
+              <a:noFill/>
+              <a:ln w="28575">
+                <a:solidFill>
+                  <a:srgbClr val="002060"/>
+                </a:solidFill>
+              </a:ln>
+            </p:spPr>
+            <p:style>
+              <a:lnRef idx="2">
+                <a:schemeClr val="accent1">
+                  <a:shade val="50000"/>
+                </a:schemeClr>
+              </a:lnRef>
+              <a:fillRef idx="1">
+                <a:schemeClr val="accent1"/>
+              </a:fillRef>
+              <a:effectRef idx="0">
+                <a:schemeClr val="accent1"/>
+              </a:effectRef>
+              <a:fontRef idx="minor">
+                <a:schemeClr val="lt1"/>
+              </a:fontRef>
+            </p:style>
+          </p:cxnSp>
+          <p:cxnSp>
+            <p:nvCxnSpPr>
+              <p:cNvPr id="18" name="Connecteur droit 17">
+                <a:extLst>
+                  <a:ext uri="{FF2B5EF4-FFF2-40B4-BE49-F238E27FC236}">
+                    <a16:creationId xmlns:a16="http://schemas.microsoft.com/office/drawing/2014/main" id="{A9F4F89A-88B9-3381-2A8E-99366DE61EFF}"/>
+                  </a:ext>
+                </a:extLst>
+              </p:cNvPr>
+              <p:cNvCxnSpPr>
+                <a:cxnSpLocks/>
+              </p:cNvCxnSpPr>
+              <p:nvPr/>
+            </p:nvCxnSpPr>
+            <p:spPr>
+              <a:xfrm flipH="1">
+                <a:off x="6194666" y="2075134"/>
+                <a:ext cx="127204" cy="188340"/>
+              </a:xfrm>
+              <a:prstGeom prst="line">
+                <a:avLst/>
+              </a:prstGeom>
+              <a:noFill/>
+              <a:ln w="28575">
+                <a:solidFill>
+                  <a:srgbClr val="002060"/>
+                </a:solidFill>
+              </a:ln>
+            </p:spPr>
+            <p:style>
+              <a:lnRef idx="2">
+                <a:schemeClr val="accent1">
+                  <a:shade val="50000"/>
+                </a:schemeClr>
+              </a:lnRef>
+              <a:fillRef idx="1">
+                <a:schemeClr val="accent1"/>
+              </a:fillRef>
+              <a:effectRef idx="0">
+                <a:schemeClr val="accent1"/>
+              </a:effectRef>
+              <a:fontRef idx="minor">
+                <a:schemeClr val="lt1"/>
+              </a:fontRef>
+            </p:style>
+          </p:cxnSp>
+          <p:cxnSp>
+            <p:nvCxnSpPr>
+              <p:cNvPr id="19" name="Connecteur droit 18">
+                <a:extLst>
+                  <a:ext uri="{FF2B5EF4-FFF2-40B4-BE49-F238E27FC236}">
+                    <a16:creationId xmlns:a16="http://schemas.microsoft.com/office/drawing/2014/main" id="{4EBCDD72-4638-BAC9-5E2A-7FA0C28E3177}"/>
+                  </a:ext>
+                </a:extLst>
+              </p:cNvPr>
+              <p:cNvCxnSpPr>
+                <a:cxnSpLocks/>
+              </p:cNvCxnSpPr>
+              <p:nvPr/>
+            </p:nvCxnSpPr>
+            <p:spPr>
+              <a:xfrm flipH="1">
+                <a:off x="5827140" y="1856779"/>
+                <a:ext cx="127204" cy="188340"/>
+              </a:xfrm>
+              <a:prstGeom prst="line">
+                <a:avLst/>
+              </a:prstGeom>
+              <a:noFill/>
+              <a:ln w="28575">
+                <a:solidFill>
+                  <a:srgbClr val="002060"/>
+                </a:solidFill>
+              </a:ln>
+            </p:spPr>
+            <p:style>
+              <a:lnRef idx="2">
+                <a:schemeClr val="accent1">
+                  <a:shade val="50000"/>
+                </a:schemeClr>
+              </a:lnRef>
+              <a:fillRef idx="1">
+                <a:schemeClr val="accent1"/>
+              </a:fillRef>
+              <a:effectRef idx="0">
+                <a:schemeClr val="accent1"/>
+              </a:effectRef>
+              <a:fontRef idx="minor">
+                <a:schemeClr val="lt1"/>
+              </a:fontRef>
+            </p:style>
+          </p:cxnSp>
+        </p:grpSp>
+      </p:grpSp>
+      <p:cxnSp>
+        <p:nvCxnSpPr>
+          <p:cNvPr id="28" name="Connecteur droit 27">
+            <a:extLst>
+              <a:ext uri="{FF2B5EF4-FFF2-40B4-BE49-F238E27FC236}">
+                <a16:creationId xmlns:a16="http://schemas.microsoft.com/office/drawing/2014/main" id="{A2ADC020-7997-ED16-AFCA-8E4AECE33BF4}"/>
+              </a:ext>
+            </a:extLst>
+          </p:cNvPr>
+          <p:cNvCxnSpPr>
+            <a:cxnSpLocks/>
+            <a:endCxn id="7" idx="2"/>
+          </p:cNvCxnSpPr>
+          <p:nvPr/>
+        </p:nvCxnSpPr>
+        <p:spPr>
+          <a:xfrm flipH="1">
+            <a:off x="3237874" y="2045928"/>
+            <a:ext cx="1653709" cy="969151"/>
+          </a:xfrm>
+          <a:prstGeom prst="line">
+            <a:avLst/>
+          </a:prstGeom>
+          <a:noFill/>
+          <a:ln w="28575">
+            <a:solidFill>
+              <a:srgbClr val="C00000"/>
+            </a:solidFill>
+          </a:ln>
+        </p:spPr>
+        <p:style>
+          <a:lnRef idx="2">
+            <a:schemeClr val="accent1">
+              <a:shade val="50000"/>
+            </a:schemeClr>
+          </a:lnRef>
+          <a:fillRef idx="1">
+            <a:schemeClr val="accent1"/>
+          </a:fillRef>
+          <a:effectRef idx="0">
+            <a:schemeClr val="accent1"/>
+          </a:effectRef>
+          <a:fontRef idx="minor">
+            <a:schemeClr val="lt1"/>
+          </a:fontRef>
+        </p:style>
+      </p:cxnSp>
+      <p:cxnSp>
+        <p:nvCxnSpPr>
+          <p:cNvPr id="34" name="Connecteur droit 33">
+            <a:extLst>
+              <a:ext uri="{FF2B5EF4-FFF2-40B4-BE49-F238E27FC236}">
+                <a16:creationId xmlns:a16="http://schemas.microsoft.com/office/drawing/2014/main" id="{3AC51D9B-66A8-A3BA-EE6E-02379B840F45}"/>
+              </a:ext>
+            </a:extLst>
+          </p:cNvPr>
+          <p:cNvCxnSpPr>
+            <a:cxnSpLocks/>
+            <a:endCxn id="7" idx="4"/>
+          </p:cNvCxnSpPr>
+          <p:nvPr/>
+        </p:nvCxnSpPr>
+        <p:spPr>
+          <a:xfrm flipH="1" flipV="1">
+            <a:off x="3123982" y="3198613"/>
+            <a:ext cx="0" cy="1872000"/>
+          </a:xfrm>
+          <a:prstGeom prst="line">
+            <a:avLst/>
+          </a:prstGeom>
+          <a:noFill/>
+          <a:ln w="28575">
+            <a:solidFill>
+              <a:srgbClr val="C00000"/>
+            </a:solidFill>
+          </a:ln>
+        </p:spPr>
+        <p:style>
+          <a:lnRef idx="2">
+            <a:schemeClr val="accent1">
+              <a:shade val="50000"/>
+            </a:schemeClr>
+          </a:lnRef>
+          <a:fillRef idx="1">
+            <a:schemeClr val="accent1"/>
+          </a:fillRef>
+          <a:effectRef idx="0">
+            <a:schemeClr val="accent1"/>
+          </a:effectRef>
+          <a:fontRef idx="minor">
+            <a:schemeClr val="lt1"/>
+          </a:fontRef>
+        </p:style>
+      </p:cxnSp>
+      <p:grpSp>
+        <p:nvGrpSpPr>
+          <p:cNvPr id="41" name="Groupe 40">
+            <a:extLst>
+              <a:ext uri="{FF2B5EF4-FFF2-40B4-BE49-F238E27FC236}">
+                <a16:creationId xmlns:a16="http://schemas.microsoft.com/office/drawing/2014/main" id="{C90D3402-3447-02F6-919C-80DD8C76CFF5}"/>
+              </a:ext>
+            </a:extLst>
+          </p:cNvPr>
+          <p:cNvGrpSpPr/>
+          <p:nvPr/>
+        </p:nvGrpSpPr>
+        <p:grpSpPr>
+          <a:xfrm>
+            <a:off x="4504643" y="1798997"/>
+            <a:ext cx="659580" cy="444655"/>
+            <a:chOff x="5676900" y="1818819"/>
+            <a:chExt cx="659580" cy="444655"/>
+          </a:xfrm>
+        </p:grpSpPr>
+        <p:sp>
+          <p:nvSpPr>
+            <p:cNvPr id="42" name="Cylindre 41">
+              <a:extLst>
+                <a:ext uri="{FF2B5EF4-FFF2-40B4-BE49-F238E27FC236}">
+                  <a16:creationId xmlns:a16="http://schemas.microsoft.com/office/drawing/2014/main" id="{905F6CD9-501E-59CF-423E-7A5736797DC1}"/>
+                </a:ext>
+              </a:extLst>
+            </p:cNvPr>
+            <p:cNvSpPr/>
+            <p:nvPr/>
+          </p:nvSpPr>
+          <p:spPr>
+            <a:xfrm rot="7309303">
+              <a:off x="5988000" y="1846438"/>
+              <a:ext cx="216000" cy="432000"/>
+            </a:xfrm>
+            <a:prstGeom prst="can">
+              <a:avLst>
+                <a:gd name="adj" fmla="val 52625"/>
+              </a:avLst>
+            </a:prstGeom>
+            <a:noFill/>
+            <a:ln w="28575">
+              <a:solidFill>
+                <a:srgbClr val="C00000"/>
+              </a:solidFill>
+            </a:ln>
+          </p:spPr>
+          <p:style>
+            <a:lnRef idx="2">
+              <a:schemeClr val="accent1">
+                <a:shade val="50000"/>
+              </a:schemeClr>
+            </a:lnRef>
+            <a:fillRef idx="1">
+              <a:schemeClr val="accent1"/>
+            </a:fillRef>
+            <a:effectRef idx="0">
+              <a:schemeClr val="accent1"/>
+            </a:effectRef>
+            <a:fontRef idx="minor">
+              <a:schemeClr val="lt1"/>
+            </a:fontRef>
+          </p:style>
+          <p:txBody>
+            <a:bodyPr rtlCol="0" anchor="ctr"/>
+            <a:lstStyle/>
+            <a:p>
+              <a:pPr algn="ctr"/>
+              <a:endParaRPr lang="fr-FR"/>
+            </a:p>
+          </p:txBody>
+        </p:sp>
+        <p:grpSp>
+          <p:nvGrpSpPr>
+            <p:cNvPr id="43" name="Groupe 42">
+              <a:extLst>
+                <a:ext uri="{FF2B5EF4-FFF2-40B4-BE49-F238E27FC236}">
+                  <a16:creationId xmlns:a16="http://schemas.microsoft.com/office/drawing/2014/main" id="{4B767709-1724-078F-7A41-DFA056C920F5}"/>
+                </a:ext>
+              </a:extLst>
+            </p:cNvPr>
+            <p:cNvGrpSpPr/>
+            <p:nvPr/>
+          </p:nvGrpSpPr>
+          <p:grpSpPr>
+            <a:xfrm>
+              <a:off x="5676900" y="1818819"/>
+              <a:ext cx="659580" cy="444655"/>
+              <a:chOff x="5676900" y="1818819"/>
+              <a:chExt cx="659580" cy="444655"/>
+            </a:xfrm>
+          </p:grpSpPr>
+          <p:cxnSp>
+            <p:nvCxnSpPr>
+              <p:cNvPr id="44" name="Connecteur droit 43">
+                <a:extLst>
+                  <a:ext uri="{FF2B5EF4-FFF2-40B4-BE49-F238E27FC236}">
+                    <a16:creationId xmlns:a16="http://schemas.microsoft.com/office/drawing/2014/main" id="{85BE2FE9-8A26-25C9-7288-98197B32BE97}"/>
+                  </a:ext>
+                </a:extLst>
+              </p:cNvPr>
+              <p:cNvCxnSpPr>
+                <a:cxnSpLocks/>
+              </p:cNvCxnSpPr>
+              <p:nvPr/>
+            </p:nvCxnSpPr>
+            <p:spPr>
+              <a:xfrm flipH="1" flipV="1">
+                <a:off x="6226413" y="2148948"/>
+                <a:ext cx="110067" cy="63996"/>
+              </a:xfrm>
+              <a:prstGeom prst="line">
+                <a:avLst/>
+              </a:prstGeom>
+              <a:noFill/>
+              <a:ln w="28575">
+                <a:solidFill>
+                  <a:srgbClr val="002060"/>
+                </a:solidFill>
+              </a:ln>
+            </p:spPr>
+            <p:style>
+              <a:lnRef idx="2">
+                <a:schemeClr val="accent1">
+                  <a:shade val="50000"/>
+                </a:schemeClr>
+              </a:lnRef>
+              <a:fillRef idx="1">
+                <a:schemeClr val="accent1"/>
+              </a:fillRef>
+              <a:effectRef idx="0">
+                <a:schemeClr val="accent1"/>
+              </a:effectRef>
+              <a:fontRef idx="minor">
+                <a:schemeClr val="lt1"/>
+              </a:fontRef>
+            </p:style>
+          </p:cxnSp>
+          <p:cxnSp>
+            <p:nvCxnSpPr>
+              <p:cNvPr id="45" name="Connecteur droit 44">
+                <a:extLst>
+                  <a:ext uri="{FF2B5EF4-FFF2-40B4-BE49-F238E27FC236}">
+                    <a16:creationId xmlns:a16="http://schemas.microsoft.com/office/drawing/2014/main" id="{C923BD7B-CDD1-E398-F00A-5EE35AE7BCC9}"/>
+                  </a:ext>
+                </a:extLst>
+              </p:cNvPr>
+              <p:cNvCxnSpPr>
+                <a:cxnSpLocks/>
+              </p:cNvCxnSpPr>
+              <p:nvPr/>
+            </p:nvCxnSpPr>
+            <p:spPr>
+              <a:xfrm flipH="1" flipV="1">
+                <a:off x="5676900" y="1818819"/>
+                <a:ext cx="224593" cy="130584"/>
+              </a:xfrm>
+              <a:prstGeom prst="line">
+                <a:avLst/>
+              </a:prstGeom>
+              <a:noFill/>
+              <a:ln w="28575">
+                <a:solidFill>
+                  <a:srgbClr val="002060"/>
+                </a:solidFill>
+              </a:ln>
+            </p:spPr>
+            <p:style>
+              <a:lnRef idx="2">
+                <a:schemeClr val="accent1">
+                  <a:shade val="50000"/>
+                </a:schemeClr>
+              </a:lnRef>
+              <a:fillRef idx="1">
+                <a:schemeClr val="accent1"/>
+              </a:fillRef>
+              <a:effectRef idx="0">
+                <a:schemeClr val="accent1"/>
+              </a:effectRef>
+              <a:fontRef idx="minor">
+                <a:schemeClr val="lt1"/>
+              </a:fontRef>
+            </p:style>
+          </p:cxnSp>
+          <p:cxnSp>
+            <p:nvCxnSpPr>
+              <p:cNvPr id="46" name="Connecteur droit 45">
+                <a:extLst>
+                  <a:ext uri="{FF2B5EF4-FFF2-40B4-BE49-F238E27FC236}">
+                    <a16:creationId xmlns:a16="http://schemas.microsoft.com/office/drawing/2014/main" id="{119169CC-9277-BE84-C406-4A1BA9C80F19}"/>
+                  </a:ext>
+                </a:extLst>
+              </p:cNvPr>
+              <p:cNvCxnSpPr>
+                <a:cxnSpLocks/>
+              </p:cNvCxnSpPr>
+              <p:nvPr/>
+            </p:nvCxnSpPr>
+            <p:spPr>
+              <a:xfrm flipH="1">
+                <a:off x="6194666" y="2075134"/>
+                <a:ext cx="127204" cy="188340"/>
+              </a:xfrm>
+              <a:prstGeom prst="line">
+                <a:avLst/>
+              </a:prstGeom>
+              <a:noFill/>
+              <a:ln w="28575">
+                <a:solidFill>
+                  <a:srgbClr val="002060"/>
+                </a:solidFill>
+              </a:ln>
+            </p:spPr>
+            <p:style>
+              <a:lnRef idx="2">
+                <a:schemeClr val="accent1">
+                  <a:shade val="50000"/>
+                </a:schemeClr>
+              </a:lnRef>
+              <a:fillRef idx="1">
+                <a:schemeClr val="accent1"/>
+              </a:fillRef>
+              <a:effectRef idx="0">
+                <a:schemeClr val="accent1"/>
+              </a:effectRef>
+              <a:fontRef idx="minor">
+                <a:schemeClr val="lt1"/>
+              </a:fontRef>
+            </p:style>
+          </p:cxnSp>
+          <p:cxnSp>
+            <p:nvCxnSpPr>
+              <p:cNvPr id="47" name="Connecteur droit 46">
+                <a:extLst>
+                  <a:ext uri="{FF2B5EF4-FFF2-40B4-BE49-F238E27FC236}">
+                    <a16:creationId xmlns:a16="http://schemas.microsoft.com/office/drawing/2014/main" id="{F530E18C-D372-3DBA-0903-AA3D25890555}"/>
+                  </a:ext>
+                </a:extLst>
+              </p:cNvPr>
+              <p:cNvCxnSpPr>
+                <a:cxnSpLocks/>
+              </p:cNvCxnSpPr>
+              <p:nvPr/>
+            </p:nvCxnSpPr>
+            <p:spPr>
+              <a:xfrm flipH="1">
+                <a:off x="5827140" y="1856779"/>
+                <a:ext cx="127204" cy="188340"/>
+              </a:xfrm>
+              <a:prstGeom prst="line">
+                <a:avLst/>
+              </a:prstGeom>
+              <a:noFill/>
+              <a:ln w="28575">
+                <a:solidFill>
+                  <a:srgbClr val="002060"/>
+                </a:solidFill>
+              </a:ln>
+            </p:spPr>
+            <p:style>
+              <a:lnRef idx="2">
+                <a:schemeClr val="accent1">
+                  <a:shade val="50000"/>
+                </a:schemeClr>
+              </a:lnRef>
+              <a:fillRef idx="1">
+                <a:schemeClr val="accent1"/>
+              </a:fillRef>
+              <a:effectRef idx="0">
+                <a:schemeClr val="accent1"/>
+              </a:effectRef>
+              <a:fontRef idx="minor">
+                <a:schemeClr val="lt1"/>
+              </a:fontRef>
+            </p:style>
+          </p:cxnSp>
+        </p:grpSp>
+      </p:grpSp>
+      <p:grpSp>
+        <p:nvGrpSpPr>
+          <p:cNvPr id="48" name="Groupe 47">
+            <a:extLst>
+              <a:ext uri="{FF2B5EF4-FFF2-40B4-BE49-F238E27FC236}">
+                <a16:creationId xmlns:a16="http://schemas.microsoft.com/office/drawing/2014/main" id="{FB4E16A3-87BF-11BB-D04B-6F463B140203}"/>
+              </a:ext>
+            </a:extLst>
+          </p:cNvPr>
+          <p:cNvGrpSpPr/>
+          <p:nvPr/>
+        </p:nvGrpSpPr>
+        <p:grpSpPr>
+          <a:xfrm>
+            <a:off x="4504643" y="3842922"/>
+            <a:ext cx="659580" cy="444655"/>
+            <a:chOff x="5676900" y="1818819"/>
+            <a:chExt cx="659580" cy="444655"/>
+          </a:xfrm>
+        </p:grpSpPr>
+        <p:sp>
+          <p:nvSpPr>
+            <p:cNvPr id="49" name="Cylindre 48">
+              <a:extLst>
+                <a:ext uri="{FF2B5EF4-FFF2-40B4-BE49-F238E27FC236}">
+                  <a16:creationId xmlns:a16="http://schemas.microsoft.com/office/drawing/2014/main" id="{B8269F4D-F171-8EEE-EF3E-78EEFFC198C6}"/>
+                </a:ext>
+              </a:extLst>
+            </p:cNvPr>
+            <p:cNvSpPr/>
+            <p:nvPr/>
+          </p:nvSpPr>
+          <p:spPr>
+            <a:xfrm rot="7309303">
+              <a:off x="5988000" y="1846438"/>
+              <a:ext cx="216000" cy="432000"/>
+            </a:xfrm>
+            <a:prstGeom prst="can">
+              <a:avLst>
+                <a:gd name="adj" fmla="val 52625"/>
+              </a:avLst>
+            </a:prstGeom>
+            <a:noFill/>
+            <a:ln w="28575">
+              <a:solidFill>
+                <a:srgbClr val="C00000"/>
+              </a:solidFill>
+            </a:ln>
+          </p:spPr>
+          <p:style>
+            <a:lnRef idx="2">
+              <a:schemeClr val="accent1">
+                <a:shade val="50000"/>
+              </a:schemeClr>
+            </a:lnRef>
+            <a:fillRef idx="1">
+              <a:schemeClr val="accent1"/>
+            </a:fillRef>
+            <a:effectRef idx="0">
+              <a:schemeClr val="accent1"/>
+            </a:effectRef>
+            <a:fontRef idx="minor">
+              <a:schemeClr val="lt1"/>
+            </a:fontRef>
+          </p:style>
+          <p:txBody>
+            <a:bodyPr rtlCol="0" anchor="ctr"/>
+            <a:lstStyle/>
+            <a:p>
+              <a:pPr algn="ctr"/>
+              <a:endParaRPr lang="fr-FR"/>
+            </a:p>
+          </p:txBody>
+        </p:sp>
+        <p:grpSp>
+          <p:nvGrpSpPr>
+            <p:cNvPr id="50" name="Groupe 49">
+              <a:extLst>
+                <a:ext uri="{FF2B5EF4-FFF2-40B4-BE49-F238E27FC236}">
+                  <a16:creationId xmlns:a16="http://schemas.microsoft.com/office/drawing/2014/main" id="{926F389D-07F3-0805-9ED6-3FE57C8C8D36}"/>
+                </a:ext>
+              </a:extLst>
+            </p:cNvPr>
+            <p:cNvGrpSpPr/>
+            <p:nvPr/>
+          </p:nvGrpSpPr>
+          <p:grpSpPr>
+            <a:xfrm>
+              <a:off x="5676900" y="1818819"/>
+              <a:ext cx="659580" cy="444655"/>
+              <a:chOff x="5676900" y="1818819"/>
+              <a:chExt cx="659580" cy="444655"/>
+            </a:xfrm>
+          </p:grpSpPr>
+          <p:cxnSp>
+            <p:nvCxnSpPr>
+              <p:cNvPr id="51" name="Connecteur droit 50">
+                <a:extLst>
+                  <a:ext uri="{FF2B5EF4-FFF2-40B4-BE49-F238E27FC236}">
+                    <a16:creationId xmlns:a16="http://schemas.microsoft.com/office/drawing/2014/main" id="{886EF6EF-5354-95E7-7982-3381ED97D094}"/>
+                  </a:ext>
+                </a:extLst>
+              </p:cNvPr>
+              <p:cNvCxnSpPr>
+                <a:cxnSpLocks/>
+              </p:cNvCxnSpPr>
+              <p:nvPr/>
+            </p:nvCxnSpPr>
+            <p:spPr>
+              <a:xfrm flipH="1" flipV="1">
+                <a:off x="6226413" y="2148948"/>
+                <a:ext cx="110067" cy="63996"/>
+              </a:xfrm>
+              <a:prstGeom prst="line">
+                <a:avLst/>
+              </a:prstGeom>
+              <a:noFill/>
+              <a:ln w="28575">
+                <a:solidFill>
+                  <a:srgbClr val="002060"/>
+                </a:solidFill>
+              </a:ln>
+            </p:spPr>
+            <p:style>
+              <a:lnRef idx="2">
+                <a:schemeClr val="accent1">
+                  <a:shade val="50000"/>
+                </a:schemeClr>
+              </a:lnRef>
+              <a:fillRef idx="1">
+                <a:schemeClr val="accent1"/>
+              </a:fillRef>
+              <a:effectRef idx="0">
+                <a:schemeClr val="accent1"/>
+              </a:effectRef>
+              <a:fontRef idx="minor">
+                <a:schemeClr val="lt1"/>
+              </a:fontRef>
+            </p:style>
+          </p:cxnSp>
+          <p:cxnSp>
+            <p:nvCxnSpPr>
+              <p:cNvPr id="52" name="Connecteur droit 51">
+                <a:extLst>
+                  <a:ext uri="{FF2B5EF4-FFF2-40B4-BE49-F238E27FC236}">
+                    <a16:creationId xmlns:a16="http://schemas.microsoft.com/office/drawing/2014/main" id="{1DC0CC28-5287-D129-5B70-CFCD5FF8B110}"/>
+                  </a:ext>
+                </a:extLst>
+              </p:cNvPr>
+              <p:cNvCxnSpPr>
+                <a:cxnSpLocks/>
+              </p:cNvCxnSpPr>
+              <p:nvPr/>
+            </p:nvCxnSpPr>
+            <p:spPr>
+              <a:xfrm flipH="1" flipV="1">
+                <a:off x="5676900" y="1818819"/>
+                <a:ext cx="224593" cy="130584"/>
+              </a:xfrm>
+              <a:prstGeom prst="line">
+                <a:avLst/>
+              </a:prstGeom>
+              <a:noFill/>
+              <a:ln w="28575">
+                <a:solidFill>
+                  <a:srgbClr val="002060"/>
+                </a:solidFill>
+              </a:ln>
+            </p:spPr>
+            <p:style>
+              <a:lnRef idx="2">
+                <a:schemeClr val="accent1">
+                  <a:shade val="50000"/>
+                </a:schemeClr>
+              </a:lnRef>
+              <a:fillRef idx="1">
+                <a:schemeClr val="accent1"/>
+              </a:fillRef>
+              <a:effectRef idx="0">
+                <a:schemeClr val="accent1"/>
+              </a:effectRef>
+              <a:fontRef idx="minor">
+                <a:schemeClr val="lt1"/>
+              </a:fontRef>
+            </p:style>
+          </p:cxnSp>
+          <p:cxnSp>
+            <p:nvCxnSpPr>
+              <p:cNvPr id="53" name="Connecteur droit 52">
+                <a:extLst>
+                  <a:ext uri="{FF2B5EF4-FFF2-40B4-BE49-F238E27FC236}">
+                    <a16:creationId xmlns:a16="http://schemas.microsoft.com/office/drawing/2014/main" id="{2DF249D5-7EC9-AA41-4894-2809E4CA7D2A}"/>
+                  </a:ext>
+                </a:extLst>
+              </p:cNvPr>
+              <p:cNvCxnSpPr>
+                <a:cxnSpLocks/>
+              </p:cNvCxnSpPr>
+              <p:nvPr/>
+            </p:nvCxnSpPr>
+            <p:spPr>
+              <a:xfrm flipH="1">
+                <a:off x="6194666" y="2075134"/>
+                <a:ext cx="127204" cy="188340"/>
+              </a:xfrm>
+              <a:prstGeom prst="line">
+                <a:avLst/>
+              </a:prstGeom>
+              <a:noFill/>
+              <a:ln w="28575">
+                <a:solidFill>
+                  <a:srgbClr val="002060"/>
+                </a:solidFill>
+              </a:ln>
+            </p:spPr>
+            <p:style>
+              <a:lnRef idx="2">
+                <a:schemeClr val="accent1">
+                  <a:shade val="50000"/>
+                </a:schemeClr>
+              </a:lnRef>
+              <a:fillRef idx="1">
+                <a:schemeClr val="accent1"/>
+              </a:fillRef>
+              <a:effectRef idx="0">
+                <a:schemeClr val="accent1"/>
+              </a:effectRef>
+              <a:fontRef idx="minor">
+                <a:schemeClr val="lt1"/>
+              </a:fontRef>
+            </p:style>
+          </p:cxnSp>
+          <p:cxnSp>
+            <p:nvCxnSpPr>
+              <p:cNvPr id="54" name="Connecteur droit 53">
+                <a:extLst>
+                  <a:ext uri="{FF2B5EF4-FFF2-40B4-BE49-F238E27FC236}">
+                    <a16:creationId xmlns:a16="http://schemas.microsoft.com/office/drawing/2014/main" id="{B2B6CFEC-CABE-2C12-DF90-F29402E1BDCF}"/>
+                  </a:ext>
+                </a:extLst>
+              </p:cNvPr>
+              <p:cNvCxnSpPr>
+                <a:cxnSpLocks/>
+              </p:cNvCxnSpPr>
+              <p:nvPr/>
+            </p:nvCxnSpPr>
+            <p:spPr>
+              <a:xfrm flipH="1">
+                <a:off x="5827140" y="1856779"/>
+                <a:ext cx="127204" cy="188340"/>
+              </a:xfrm>
+              <a:prstGeom prst="line">
+                <a:avLst/>
+              </a:prstGeom>
+              <a:noFill/>
+              <a:ln w="28575">
+                <a:solidFill>
+                  <a:srgbClr val="002060"/>
+                </a:solidFill>
+              </a:ln>
+            </p:spPr>
+            <p:style>
+              <a:lnRef idx="2">
+                <a:schemeClr val="accent1">
+                  <a:shade val="50000"/>
+                </a:schemeClr>
+              </a:lnRef>
+              <a:fillRef idx="1">
+                <a:schemeClr val="accent1"/>
+              </a:fillRef>
+              <a:effectRef idx="0">
+                <a:schemeClr val="accent1"/>
+              </a:effectRef>
+              <a:fontRef idx="minor">
+                <a:schemeClr val="lt1"/>
+              </a:fontRef>
+            </p:style>
+          </p:cxnSp>
+        </p:grpSp>
+      </p:grpSp>
+      <p:cxnSp>
+        <p:nvCxnSpPr>
+          <p:cNvPr id="55" name="Connecteur droit 54">
+            <a:extLst>
+              <a:ext uri="{FF2B5EF4-FFF2-40B4-BE49-F238E27FC236}">
+                <a16:creationId xmlns:a16="http://schemas.microsoft.com/office/drawing/2014/main" id="{81BF40A8-A43A-CEA7-85B8-69675EEE3486}"/>
+              </a:ext>
+            </a:extLst>
+          </p:cNvPr>
+          <p:cNvCxnSpPr>
+            <a:cxnSpLocks/>
+          </p:cNvCxnSpPr>
+          <p:nvPr/>
+        </p:nvCxnSpPr>
+        <p:spPr>
+          <a:xfrm flipH="1" flipV="1">
+            <a:off x="4923743" y="2170846"/>
+            <a:ext cx="0" cy="1872000"/>
+          </a:xfrm>
+          <a:prstGeom prst="line">
+            <a:avLst/>
+          </a:prstGeom>
+          <a:noFill/>
+          <a:ln w="28575">
+            <a:solidFill>
+              <a:srgbClr val="C00000"/>
+            </a:solidFill>
+          </a:ln>
+        </p:spPr>
+        <p:style>
+          <a:lnRef idx="2">
+            <a:schemeClr val="accent1">
+              <a:shade val="50000"/>
+            </a:schemeClr>
+          </a:lnRef>
+          <a:fillRef idx="1">
+            <a:schemeClr val="accent1"/>
+          </a:fillRef>
+          <a:effectRef idx="0">
+            <a:schemeClr val="accent1"/>
+          </a:effectRef>
+          <a:fontRef idx="minor">
+            <a:schemeClr val="lt1"/>
+          </a:fontRef>
+        </p:style>
+      </p:cxnSp>
+      <p:cxnSp>
+        <p:nvCxnSpPr>
+          <p:cNvPr id="56" name="Connecteur droit 55">
+            <a:extLst>
+              <a:ext uri="{FF2B5EF4-FFF2-40B4-BE49-F238E27FC236}">
+                <a16:creationId xmlns:a16="http://schemas.microsoft.com/office/drawing/2014/main" id="{439D1C1D-1952-0E35-5726-3A70CBE1E773}"/>
+              </a:ext>
+            </a:extLst>
+          </p:cNvPr>
+          <p:cNvCxnSpPr>
+            <a:cxnSpLocks/>
+          </p:cNvCxnSpPr>
+          <p:nvPr/>
+        </p:nvCxnSpPr>
+        <p:spPr>
+          <a:xfrm flipH="1">
+            <a:off x="3211723" y="4098780"/>
+            <a:ext cx="1653709" cy="969151"/>
+          </a:xfrm>
+          <a:prstGeom prst="line">
+            <a:avLst/>
+          </a:prstGeom>
+          <a:noFill/>
+          <a:ln w="28575">
+            <a:solidFill>
+              <a:srgbClr val="C00000"/>
+            </a:solidFill>
+          </a:ln>
+        </p:spPr>
+        <p:style>
+          <a:lnRef idx="2">
+            <a:schemeClr val="accent1">
+              <a:shade val="50000"/>
+            </a:schemeClr>
+          </a:lnRef>
+          <a:fillRef idx="1">
+            <a:schemeClr val="accent1"/>
+          </a:fillRef>
+          <a:effectRef idx="0">
+            <a:schemeClr val="accent1"/>
+          </a:effectRef>
+          <a:fontRef idx="minor">
+            <a:schemeClr val="lt1"/>
+          </a:fontRef>
+        </p:style>
+      </p:cxnSp>
+      <p:sp>
+        <p:nvSpPr>
+          <p:cNvPr id="58" name="Ellipse 57">
+            <a:extLst>
+              <a:ext uri="{FF2B5EF4-FFF2-40B4-BE49-F238E27FC236}">
+                <a16:creationId xmlns:a16="http://schemas.microsoft.com/office/drawing/2014/main" id="{501C20AF-D3B1-4782-0E31-060E47D1055C}"/>
+              </a:ext>
+            </a:extLst>
+          </p:cNvPr>
+          <p:cNvSpPr/>
+          <p:nvPr/>
+        </p:nvSpPr>
+        <p:spPr>
+          <a:xfrm>
+            <a:off x="2557439" y="2709833"/>
+            <a:ext cx="224593" cy="218355"/>
+          </a:xfrm>
+          <a:prstGeom prst="ellipse">
+            <a:avLst/>
+          </a:prstGeom>
+          <a:noFill/>
+          <a:ln w="19050">
+            <a:solidFill>
+              <a:srgbClr val="002060"/>
+            </a:solidFill>
+          </a:ln>
+        </p:spPr>
+        <p:style>
+          <a:lnRef idx="2">
+            <a:schemeClr val="accent1">
+              <a:shade val="50000"/>
+            </a:schemeClr>
+          </a:lnRef>
+          <a:fillRef idx="1">
+            <a:schemeClr val="accent1"/>
+          </a:fillRef>
+          <a:effectRef idx="0">
+            <a:schemeClr val="accent1"/>
+          </a:effectRef>
+          <a:fontRef idx="minor">
+            <a:schemeClr val="lt1"/>
+          </a:fontRef>
+        </p:style>
+        <p:txBody>
+          <a:bodyPr rtlCol="0" anchor="ctr"/>
+          <a:lstStyle/>
+          <a:p>
+            <a:pPr algn="ctr"/>
+            <a:r>
+              <a:rPr lang="fr-FR" sz="1100" b="1" dirty="0">
+                <a:solidFill>
+                  <a:srgbClr val="002060"/>
+                </a:solidFill>
+              </a:rPr>
+              <a:t>M</a:t>
+            </a:r>
+            <a:endParaRPr lang="fr-FR" b="1" dirty="0">
+              <a:solidFill>
+                <a:srgbClr val="002060"/>
+              </a:solidFill>
+            </a:endParaRPr>
+          </a:p>
+        </p:txBody>
+      </p:sp>
+      <p:sp>
+        <p:nvSpPr>
+          <p:cNvPr id="59" name="Ellipse 58">
+            <a:extLst>
+              <a:ext uri="{FF2B5EF4-FFF2-40B4-BE49-F238E27FC236}">
+                <a16:creationId xmlns:a16="http://schemas.microsoft.com/office/drawing/2014/main" id="{2EC55828-D8D3-9E33-56C3-4826F304F827}"/>
+              </a:ext>
+            </a:extLst>
+          </p:cNvPr>
+          <p:cNvSpPr/>
+          <p:nvPr/>
+        </p:nvSpPr>
+        <p:spPr>
+          <a:xfrm>
+            <a:off x="2486472" y="4711537"/>
+            <a:ext cx="224593" cy="218355"/>
+          </a:xfrm>
+          <a:prstGeom prst="ellipse">
+            <a:avLst/>
+          </a:prstGeom>
+          <a:noFill/>
+          <a:ln w="19050">
+            <a:solidFill>
+              <a:srgbClr val="002060"/>
+            </a:solidFill>
+          </a:ln>
+        </p:spPr>
+        <p:style>
+          <a:lnRef idx="2">
+            <a:schemeClr val="accent1">
+              <a:shade val="50000"/>
+            </a:schemeClr>
+          </a:lnRef>
+          <a:fillRef idx="1">
+            <a:schemeClr val="accent1"/>
+          </a:fillRef>
+          <a:effectRef idx="0">
+            <a:schemeClr val="accent1"/>
+          </a:effectRef>
+          <a:fontRef idx="minor">
+            <a:schemeClr val="lt1"/>
+          </a:fontRef>
+        </p:style>
+        <p:txBody>
+          <a:bodyPr rtlCol="0" anchor="ctr"/>
+          <a:lstStyle/>
+          <a:p>
+            <a:pPr algn="ctr"/>
+            <a:r>
+              <a:rPr lang="fr-FR" sz="1100" b="1" dirty="0">
+                <a:solidFill>
+                  <a:srgbClr val="002060"/>
+                </a:solidFill>
+              </a:rPr>
+              <a:t>M</a:t>
+            </a:r>
+            <a:endParaRPr lang="fr-FR" b="1" dirty="0">
+              <a:solidFill>
+                <a:srgbClr val="002060"/>
+              </a:solidFill>
+            </a:endParaRPr>
+          </a:p>
+        </p:txBody>
+      </p:sp>
+      <p:sp>
+        <p:nvSpPr>
+          <p:cNvPr id="60" name="Ellipse 59">
+            <a:extLst>
+              <a:ext uri="{FF2B5EF4-FFF2-40B4-BE49-F238E27FC236}">
+                <a16:creationId xmlns:a16="http://schemas.microsoft.com/office/drawing/2014/main" id="{FFBA7405-7228-4350-645B-A6036DD108C3}"/>
+              </a:ext>
+            </a:extLst>
+          </p:cNvPr>
+          <p:cNvSpPr/>
+          <p:nvPr/>
+        </p:nvSpPr>
+        <p:spPr>
+          <a:xfrm>
+            <a:off x="4307684" y="3673126"/>
+            <a:ext cx="224593" cy="218355"/>
+          </a:xfrm>
+          <a:prstGeom prst="ellipse">
+            <a:avLst/>
+          </a:prstGeom>
+          <a:noFill/>
+          <a:ln w="19050">
+            <a:solidFill>
+              <a:srgbClr val="002060"/>
+            </a:solidFill>
+          </a:ln>
+        </p:spPr>
+        <p:style>
+          <a:lnRef idx="2">
+            <a:schemeClr val="accent1">
+              <a:shade val="50000"/>
+            </a:schemeClr>
+          </a:lnRef>
+          <a:fillRef idx="1">
+            <a:schemeClr val="accent1"/>
+          </a:fillRef>
+          <a:effectRef idx="0">
+            <a:schemeClr val="accent1"/>
+          </a:effectRef>
+          <a:fontRef idx="minor">
+            <a:schemeClr val="lt1"/>
+          </a:fontRef>
+        </p:style>
+        <p:txBody>
+          <a:bodyPr rtlCol="0" anchor="ctr"/>
+          <a:lstStyle/>
+          <a:p>
+            <a:pPr algn="ctr"/>
+            <a:r>
+              <a:rPr lang="fr-FR" sz="1100" b="1" dirty="0">
+                <a:solidFill>
+                  <a:srgbClr val="002060"/>
+                </a:solidFill>
+              </a:rPr>
+              <a:t>M</a:t>
+            </a:r>
+            <a:endParaRPr lang="fr-FR" b="1" dirty="0">
+              <a:solidFill>
+                <a:srgbClr val="002060"/>
+              </a:solidFill>
+            </a:endParaRPr>
+          </a:p>
+        </p:txBody>
+      </p:sp>
+      <p:sp>
+        <p:nvSpPr>
+          <p:cNvPr id="61" name="Ellipse 60">
+            <a:extLst>
+              <a:ext uri="{FF2B5EF4-FFF2-40B4-BE49-F238E27FC236}">
+                <a16:creationId xmlns:a16="http://schemas.microsoft.com/office/drawing/2014/main" id="{0B7D52A1-0971-4D30-A344-2D3661A37811}"/>
+              </a:ext>
+            </a:extLst>
+          </p:cNvPr>
+          <p:cNvSpPr/>
+          <p:nvPr/>
+        </p:nvSpPr>
+        <p:spPr>
+          <a:xfrm>
+            <a:off x="4295045" y="1645698"/>
+            <a:ext cx="224593" cy="218355"/>
+          </a:xfrm>
+          <a:prstGeom prst="ellipse">
+            <a:avLst/>
+          </a:prstGeom>
+          <a:noFill/>
+          <a:ln w="19050">
+            <a:solidFill>
+              <a:srgbClr val="002060"/>
+            </a:solidFill>
+          </a:ln>
+        </p:spPr>
+        <p:style>
+          <a:lnRef idx="2">
+            <a:schemeClr val="accent1">
+              <a:shade val="50000"/>
+            </a:schemeClr>
+          </a:lnRef>
+          <a:fillRef idx="1">
+            <a:schemeClr val="accent1"/>
+          </a:fillRef>
+          <a:effectRef idx="0">
+            <a:schemeClr val="accent1"/>
+          </a:effectRef>
+          <a:fontRef idx="minor">
+            <a:schemeClr val="lt1"/>
+          </a:fontRef>
+        </p:style>
+        <p:txBody>
+          <a:bodyPr rtlCol="0" anchor="ctr"/>
+          <a:lstStyle/>
+          <a:p>
+            <a:pPr algn="ctr"/>
+            <a:r>
+              <a:rPr lang="fr-FR" sz="1100" b="1" dirty="0">
+                <a:solidFill>
+                  <a:srgbClr val="002060"/>
+                </a:solidFill>
+              </a:rPr>
+              <a:t>M</a:t>
+            </a:r>
+            <a:endParaRPr lang="fr-FR" b="1" dirty="0">
+              <a:solidFill>
+                <a:srgbClr val="002060"/>
+              </a:solidFill>
+            </a:endParaRPr>
+          </a:p>
+        </p:txBody>
+      </p:sp>
+      <p:sp>
+        <p:nvSpPr>
+          <p:cNvPr id="63" name="Parallélogramme 62">
+            <a:extLst>
+              <a:ext uri="{FF2B5EF4-FFF2-40B4-BE49-F238E27FC236}">
+                <a16:creationId xmlns:a16="http://schemas.microsoft.com/office/drawing/2014/main" id="{EFDC5AAA-5C20-29C7-D667-1E94C6F194AB}"/>
+              </a:ext>
+            </a:extLst>
+          </p:cNvPr>
+          <p:cNvSpPr/>
+          <p:nvPr/>
+        </p:nvSpPr>
+        <p:spPr>
+          <a:xfrm rot="16200000" flipV="1">
+            <a:off x="3621361" y="4368199"/>
+            <a:ext cx="311550" cy="197740"/>
+          </a:xfrm>
+          <a:prstGeom prst="parallelogram">
+            <a:avLst>
+              <a:gd name="adj" fmla="val 65507"/>
+            </a:avLst>
+          </a:prstGeom>
+          <a:noFill/>
+          <a:ln w="28575">
+            <a:solidFill>
+              <a:srgbClr val="C00000"/>
+            </a:solidFill>
+          </a:ln>
+        </p:spPr>
+        <p:style>
+          <a:lnRef idx="2">
+            <a:schemeClr val="accent1">
+              <a:shade val="50000"/>
+            </a:schemeClr>
+          </a:lnRef>
+          <a:fillRef idx="1">
+            <a:schemeClr val="accent1"/>
+          </a:fillRef>
+          <a:effectRef idx="0">
+            <a:schemeClr val="accent1"/>
+          </a:effectRef>
+          <a:fontRef idx="minor">
+            <a:schemeClr val="lt1"/>
+          </a:fontRef>
+        </p:style>
+        <p:txBody>
+          <a:bodyPr rtlCol="0" anchor="ctr"/>
+          <a:lstStyle/>
+          <a:p>
+            <a:pPr algn="ctr"/>
+            <a:endParaRPr lang="fr-FR"/>
+          </a:p>
+        </p:txBody>
+      </p:sp>
+      <p:cxnSp>
+        <p:nvCxnSpPr>
+          <p:cNvPr id="64" name="Connecteur droit 63">
+            <a:extLst>
+              <a:ext uri="{FF2B5EF4-FFF2-40B4-BE49-F238E27FC236}">
+                <a16:creationId xmlns:a16="http://schemas.microsoft.com/office/drawing/2014/main" id="{5A5563C5-3B3D-7169-D125-90061FE8F3FF}"/>
+              </a:ext>
+            </a:extLst>
+          </p:cNvPr>
+          <p:cNvCxnSpPr>
+            <a:cxnSpLocks/>
+          </p:cNvCxnSpPr>
+          <p:nvPr/>
+        </p:nvCxnSpPr>
+        <p:spPr>
+          <a:xfrm flipH="1" flipV="1">
+            <a:off x="3777136" y="4467069"/>
+            <a:ext cx="224593" cy="130584"/>
+          </a:xfrm>
+          <a:prstGeom prst="line">
+            <a:avLst/>
+          </a:prstGeom>
+          <a:noFill/>
+          <a:ln w="28575">
+            <a:solidFill>
+              <a:srgbClr val="C00000"/>
+            </a:solidFill>
+          </a:ln>
+        </p:spPr>
+        <p:style>
+          <a:lnRef idx="2">
+            <a:schemeClr val="accent1">
+              <a:shade val="50000"/>
+            </a:schemeClr>
+          </a:lnRef>
+          <a:fillRef idx="1">
+            <a:schemeClr val="accent1"/>
+          </a:fillRef>
+          <a:effectRef idx="0">
+            <a:schemeClr val="accent1"/>
+          </a:effectRef>
+          <a:fontRef idx="minor">
+            <a:schemeClr val="lt1"/>
+          </a:fontRef>
+        </p:style>
+      </p:cxnSp>
+    </p:spTree>
+    <p:extLst>
+      <p:ext uri="{BB962C8B-B14F-4D97-AF65-F5344CB8AC3E}">
+        <p14:creationId xmlns:p14="http://schemas.microsoft.com/office/powerpoint/2010/main" val="804557007"/>
+      </p:ext>
+    </p:extLst>
+  </p:cSld>
+  <p:clrMapOvr>
+    <a:masterClrMapping/>
+  </p:clrMapOvr>
+</p:sld>
+</file>
+
+<file path=ppt/slides/slide4.xml><?xml version="1.0" encoding="utf-8"?>
+<p:sld xmlns:a="http://schemas.openxmlformats.org/drawingml/2006/main" xmlns:r="http://schemas.openxmlformats.org/officeDocument/2006/relationships" xmlns:p="http://schemas.openxmlformats.org/presentationml/2006/main">
+  <p:cSld>
+    <p:spTree>
+      <p:nvGrpSpPr>
+        <p:cNvPr id="1" name=""/>
+        <p:cNvGrpSpPr/>
+        <p:nvPr/>
+      </p:nvGrpSpPr>
+      <p:grpSpPr>
+        <a:xfrm>
+          <a:off x="0" y="0"/>
+          <a:ext cx="0" cy="0"/>
+          <a:chOff x="0" y="0"/>
+          <a:chExt cx="0" cy="0"/>
+        </a:xfrm>
+      </p:grpSpPr>
+      <p:grpSp>
+        <p:nvGrpSpPr>
+          <p:cNvPr id="6" name="Groupe 5">
+            <a:extLst>
+              <a:ext uri="{FF2B5EF4-FFF2-40B4-BE49-F238E27FC236}">
+                <a16:creationId xmlns:a16="http://schemas.microsoft.com/office/drawing/2014/main" id="{8A478074-C3D4-D1D4-16C4-AF9B2C9A8E82}"/>
+              </a:ext>
+            </a:extLst>
+          </p:cNvPr>
+          <p:cNvGrpSpPr/>
+          <p:nvPr/>
+        </p:nvGrpSpPr>
+        <p:grpSpPr>
+          <a:xfrm>
+            <a:off x="2761828" y="2863227"/>
+            <a:ext cx="659580" cy="444655"/>
+            <a:chOff x="5676900" y="1818819"/>
+            <a:chExt cx="659580" cy="444655"/>
+          </a:xfrm>
+        </p:grpSpPr>
+        <p:sp>
+          <p:nvSpPr>
+            <p:cNvPr id="7" name="Cylindre 6">
+              <a:extLst>
+                <a:ext uri="{FF2B5EF4-FFF2-40B4-BE49-F238E27FC236}">
+                  <a16:creationId xmlns:a16="http://schemas.microsoft.com/office/drawing/2014/main" id="{1174696C-9924-CF56-E0DE-5CBC9432BAD8}"/>
+                </a:ext>
+              </a:extLst>
+            </p:cNvPr>
+            <p:cNvSpPr/>
+            <p:nvPr/>
+          </p:nvSpPr>
+          <p:spPr>
+            <a:xfrm rot="7309303">
+              <a:off x="5988000" y="1846438"/>
+              <a:ext cx="216000" cy="432000"/>
+            </a:xfrm>
+            <a:prstGeom prst="can">
+              <a:avLst>
+                <a:gd name="adj" fmla="val 52625"/>
+              </a:avLst>
+            </a:prstGeom>
+            <a:noFill/>
+            <a:ln w="28575">
+              <a:solidFill>
+                <a:srgbClr val="C00000"/>
+              </a:solidFill>
+            </a:ln>
+          </p:spPr>
+          <p:style>
+            <a:lnRef idx="2">
+              <a:schemeClr val="accent1">
+                <a:shade val="50000"/>
+              </a:schemeClr>
+            </a:lnRef>
+            <a:fillRef idx="1">
+              <a:schemeClr val="accent1"/>
+            </a:fillRef>
+            <a:effectRef idx="0">
+              <a:schemeClr val="accent1"/>
+            </a:effectRef>
+            <a:fontRef idx="minor">
+              <a:schemeClr val="lt1"/>
+            </a:fontRef>
+          </p:style>
+          <p:txBody>
+            <a:bodyPr rtlCol="0" anchor="ctr"/>
+            <a:lstStyle/>
+            <a:p>
+              <a:pPr algn="ctr"/>
+              <a:endParaRPr lang="fr-FR"/>
+            </a:p>
+          </p:txBody>
+        </p:sp>
+        <p:grpSp>
+          <p:nvGrpSpPr>
+            <p:cNvPr id="8" name="Groupe 7">
+              <a:extLst>
+                <a:ext uri="{FF2B5EF4-FFF2-40B4-BE49-F238E27FC236}">
+                  <a16:creationId xmlns:a16="http://schemas.microsoft.com/office/drawing/2014/main" id="{2CF3F547-41DE-A00C-94B0-DEAEF4A035BE}"/>
+                </a:ext>
+              </a:extLst>
+            </p:cNvPr>
+            <p:cNvGrpSpPr/>
+            <p:nvPr/>
+          </p:nvGrpSpPr>
+          <p:grpSpPr>
+            <a:xfrm>
+              <a:off x="5676900" y="1818819"/>
+              <a:ext cx="659580" cy="444655"/>
+              <a:chOff x="5676900" y="1818819"/>
+              <a:chExt cx="659580" cy="444655"/>
+            </a:xfrm>
+          </p:grpSpPr>
+          <p:cxnSp>
+            <p:nvCxnSpPr>
+              <p:cNvPr id="9" name="Connecteur droit 8">
+                <a:extLst>
+                  <a:ext uri="{FF2B5EF4-FFF2-40B4-BE49-F238E27FC236}">
+                    <a16:creationId xmlns:a16="http://schemas.microsoft.com/office/drawing/2014/main" id="{8112F1E2-DD62-923A-AE9C-89185E823BB9}"/>
+                  </a:ext>
+                </a:extLst>
+              </p:cNvPr>
+              <p:cNvCxnSpPr>
+                <a:cxnSpLocks/>
+              </p:cNvCxnSpPr>
+              <p:nvPr/>
+            </p:nvCxnSpPr>
+            <p:spPr>
+              <a:xfrm flipH="1" flipV="1">
+                <a:off x="6226413" y="2148948"/>
+                <a:ext cx="110067" cy="63996"/>
+              </a:xfrm>
+              <a:prstGeom prst="line">
+                <a:avLst/>
+              </a:prstGeom>
+              <a:noFill/>
+              <a:ln w="28575">
+                <a:solidFill>
+                  <a:srgbClr val="002060"/>
+                </a:solidFill>
+              </a:ln>
+            </p:spPr>
+            <p:style>
+              <a:lnRef idx="2">
+                <a:schemeClr val="accent1">
+                  <a:shade val="50000"/>
+                </a:schemeClr>
+              </a:lnRef>
+              <a:fillRef idx="1">
+                <a:schemeClr val="accent1"/>
+              </a:fillRef>
+              <a:effectRef idx="0">
+                <a:schemeClr val="accent1"/>
+              </a:effectRef>
+              <a:fontRef idx="minor">
+                <a:schemeClr val="lt1"/>
+              </a:fontRef>
+            </p:style>
+          </p:cxnSp>
+          <p:cxnSp>
+            <p:nvCxnSpPr>
+              <p:cNvPr id="10" name="Connecteur droit 9">
+                <a:extLst>
+                  <a:ext uri="{FF2B5EF4-FFF2-40B4-BE49-F238E27FC236}">
+                    <a16:creationId xmlns:a16="http://schemas.microsoft.com/office/drawing/2014/main" id="{00D6FCFB-AD7E-9151-6D1A-B73551B87030}"/>
+                  </a:ext>
+                </a:extLst>
+              </p:cNvPr>
+              <p:cNvCxnSpPr>
+                <a:cxnSpLocks/>
+              </p:cNvCxnSpPr>
+              <p:nvPr/>
+            </p:nvCxnSpPr>
+            <p:spPr>
+              <a:xfrm flipH="1" flipV="1">
+                <a:off x="5676900" y="1818819"/>
+                <a:ext cx="224593" cy="130584"/>
+              </a:xfrm>
+              <a:prstGeom prst="line">
+                <a:avLst/>
+              </a:prstGeom>
+              <a:noFill/>
+              <a:ln w="28575">
+                <a:solidFill>
+                  <a:srgbClr val="002060"/>
+                </a:solidFill>
+              </a:ln>
+            </p:spPr>
+            <p:style>
+              <a:lnRef idx="2">
+                <a:schemeClr val="accent1">
+                  <a:shade val="50000"/>
+                </a:schemeClr>
+              </a:lnRef>
+              <a:fillRef idx="1">
+                <a:schemeClr val="accent1"/>
+              </a:fillRef>
+              <a:effectRef idx="0">
+                <a:schemeClr val="accent1"/>
+              </a:effectRef>
+              <a:fontRef idx="minor">
+                <a:schemeClr val="lt1"/>
+              </a:fontRef>
+            </p:style>
+          </p:cxnSp>
+          <p:cxnSp>
+            <p:nvCxnSpPr>
+              <p:cNvPr id="11" name="Connecteur droit 10">
+                <a:extLst>
+                  <a:ext uri="{FF2B5EF4-FFF2-40B4-BE49-F238E27FC236}">
+                    <a16:creationId xmlns:a16="http://schemas.microsoft.com/office/drawing/2014/main" id="{42E0F549-60CF-C5B3-2DC0-3A2CEDD0C623}"/>
+                  </a:ext>
+                </a:extLst>
+              </p:cNvPr>
+              <p:cNvCxnSpPr>
+                <a:cxnSpLocks/>
+              </p:cNvCxnSpPr>
+              <p:nvPr/>
+            </p:nvCxnSpPr>
+            <p:spPr>
+              <a:xfrm flipH="1">
+                <a:off x="6194666" y="2075134"/>
+                <a:ext cx="127204" cy="188340"/>
+              </a:xfrm>
+              <a:prstGeom prst="line">
+                <a:avLst/>
+              </a:prstGeom>
+              <a:noFill/>
+              <a:ln w="28575">
+                <a:solidFill>
+                  <a:srgbClr val="002060"/>
+                </a:solidFill>
+              </a:ln>
+            </p:spPr>
+            <p:style>
+              <a:lnRef idx="2">
+                <a:schemeClr val="accent1">
+                  <a:shade val="50000"/>
+                </a:schemeClr>
+              </a:lnRef>
+              <a:fillRef idx="1">
+                <a:schemeClr val="accent1"/>
+              </a:fillRef>
+              <a:effectRef idx="0">
+                <a:schemeClr val="accent1"/>
+              </a:effectRef>
+              <a:fontRef idx="minor">
+                <a:schemeClr val="lt1"/>
+              </a:fontRef>
+            </p:style>
+          </p:cxnSp>
+          <p:cxnSp>
+            <p:nvCxnSpPr>
+              <p:cNvPr id="12" name="Connecteur droit 11">
+                <a:extLst>
+                  <a:ext uri="{FF2B5EF4-FFF2-40B4-BE49-F238E27FC236}">
+                    <a16:creationId xmlns:a16="http://schemas.microsoft.com/office/drawing/2014/main" id="{34618F33-35FA-388E-DBBB-8A6728DA68E6}"/>
+                  </a:ext>
+                </a:extLst>
+              </p:cNvPr>
+              <p:cNvCxnSpPr>
+                <a:cxnSpLocks/>
+              </p:cNvCxnSpPr>
+              <p:nvPr/>
+            </p:nvCxnSpPr>
+            <p:spPr>
+              <a:xfrm flipH="1">
+                <a:off x="5827140" y="1856779"/>
+                <a:ext cx="127204" cy="188340"/>
+              </a:xfrm>
+              <a:prstGeom prst="line">
+                <a:avLst/>
+              </a:prstGeom>
+              <a:noFill/>
+              <a:ln w="28575">
+                <a:solidFill>
+                  <a:srgbClr val="002060"/>
+                </a:solidFill>
+              </a:ln>
+            </p:spPr>
+            <p:style>
+              <a:lnRef idx="2">
+                <a:schemeClr val="accent1">
+                  <a:shade val="50000"/>
+                </a:schemeClr>
+              </a:lnRef>
+              <a:fillRef idx="1">
+                <a:schemeClr val="accent1"/>
+              </a:fillRef>
+              <a:effectRef idx="0">
+                <a:schemeClr val="accent1"/>
+              </a:effectRef>
+              <a:fontRef idx="minor">
+                <a:schemeClr val="lt1"/>
+              </a:fontRef>
+            </p:style>
+          </p:cxnSp>
+        </p:grpSp>
+      </p:grpSp>
+      <p:grpSp>
+        <p:nvGrpSpPr>
+          <p:cNvPr id="13" name="Groupe 12">
+            <a:extLst>
+              <a:ext uri="{FF2B5EF4-FFF2-40B4-BE49-F238E27FC236}">
+                <a16:creationId xmlns:a16="http://schemas.microsoft.com/office/drawing/2014/main" id="{72BF01C7-E1FD-75C8-0B0A-EF5095B63B79}"/>
+              </a:ext>
+            </a:extLst>
+          </p:cNvPr>
+          <p:cNvGrpSpPr/>
+          <p:nvPr/>
+        </p:nvGrpSpPr>
+        <p:grpSpPr>
+          <a:xfrm>
+            <a:off x="2693957" y="4890949"/>
+            <a:ext cx="660879" cy="444655"/>
+            <a:chOff x="5676900" y="1818819"/>
+            <a:chExt cx="660879" cy="444655"/>
+          </a:xfrm>
+        </p:grpSpPr>
+        <p:sp>
+          <p:nvSpPr>
+            <p:cNvPr id="14" name="Cylindre 13">
+              <a:extLst>
+                <a:ext uri="{FF2B5EF4-FFF2-40B4-BE49-F238E27FC236}">
+                  <a16:creationId xmlns:a16="http://schemas.microsoft.com/office/drawing/2014/main" id="{B2DAFEB1-0679-7B9F-1268-ED2E9687DB26}"/>
+                </a:ext>
+              </a:extLst>
+            </p:cNvPr>
+            <p:cNvSpPr/>
+            <p:nvPr/>
+          </p:nvSpPr>
+          <p:spPr>
+            <a:xfrm rot="7309303">
+              <a:off x="5988000" y="1846438"/>
+              <a:ext cx="216000" cy="432000"/>
+            </a:xfrm>
+            <a:prstGeom prst="can">
+              <a:avLst>
+                <a:gd name="adj" fmla="val 52625"/>
+              </a:avLst>
+            </a:prstGeom>
+            <a:noFill/>
+            <a:ln w="28575">
+              <a:solidFill>
+                <a:srgbClr val="C00000"/>
+              </a:solidFill>
+            </a:ln>
+          </p:spPr>
+          <p:style>
+            <a:lnRef idx="2">
+              <a:schemeClr val="accent1">
+                <a:shade val="50000"/>
+              </a:schemeClr>
+            </a:lnRef>
+            <a:fillRef idx="1">
+              <a:schemeClr val="accent1"/>
+            </a:fillRef>
+            <a:effectRef idx="0">
+              <a:schemeClr val="accent1"/>
+            </a:effectRef>
+            <a:fontRef idx="minor">
+              <a:schemeClr val="lt1"/>
+            </a:fontRef>
+          </p:style>
+          <p:txBody>
+            <a:bodyPr rtlCol="0" anchor="ctr"/>
+            <a:lstStyle/>
+            <a:p>
+              <a:pPr algn="ctr"/>
+              <a:endParaRPr lang="fr-FR"/>
+            </a:p>
+          </p:txBody>
+        </p:sp>
+        <p:grpSp>
+          <p:nvGrpSpPr>
+            <p:cNvPr id="15" name="Groupe 14">
+              <a:extLst>
+                <a:ext uri="{FF2B5EF4-FFF2-40B4-BE49-F238E27FC236}">
+                  <a16:creationId xmlns:a16="http://schemas.microsoft.com/office/drawing/2014/main" id="{AD0FAEE8-A548-67F4-9D52-DC33FC91955E}"/>
+                </a:ext>
+              </a:extLst>
+            </p:cNvPr>
+            <p:cNvGrpSpPr/>
+            <p:nvPr/>
+          </p:nvGrpSpPr>
+          <p:grpSpPr>
+            <a:xfrm>
+              <a:off x="5676900" y="1818819"/>
+              <a:ext cx="660879" cy="444655"/>
+              <a:chOff x="5676900" y="1818819"/>
+              <a:chExt cx="660879" cy="444655"/>
+            </a:xfrm>
+          </p:grpSpPr>
+          <p:cxnSp>
+            <p:nvCxnSpPr>
+              <p:cNvPr id="16" name="Connecteur droit 15">
+                <a:extLst>
+                  <a:ext uri="{FF2B5EF4-FFF2-40B4-BE49-F238E27FC236}">
+                    <a16:creationId xmlns:a16="http://schemas.microsoft.com/office/drawing/2014/main" id="{79500EE9-CA4B-2597-5344-A137E326FBFA}"/>
+                  </a:ext>
+                </a:extLst>
+              </p:cNvPr>
+              <p:cNvCxnSpPr>
+                <a:cxnSpLocks/>
+              </p:cNvCxnSpPr>
+              <p:nvPr/>
+            </p:nvCxnSpPr>
+            <p:spPr>
+              <a:xfrm flipH="1" flipV="1">
+                <a:off x="6226413" y="2148948"/>
+                <a:ext cx="111366" cy="64751"/>
+              </a:xfrm>
+              <a:prstGeom prst="line">
+                <a:avLst/>
+              </a:prstGeom>
+              <a:noFill/>
+              <a:ln w="28575">
+                <a:solidFill>
+                  <a:srgbClr val="002060"/>
+                </a:solidFill>
+              </a:ln>
+            </p:spPr>
+            <p:style>
+              <a:lnRef idx="2">
+                <a:schemeClr val="accent1">
+                  <a:shade val="50000"/>
+                </a:schemeClr>
+              </a:lnRef>
+              <a:fillRef idx="1">
+                <a:schemeClr val="accent1"/>
+              </a:fillRef>
+              <a:effectRef idx="0">
+                <a:schemeClr val="accent1"/>
+              </a:effectRef>
+              <a:fontRef idx="minor">
+                <a:schemeClr val="lt1"/>
+              </a:fontRef>
+            </p:style>
+          </p:cxnSp>
+          <p:cxnSp>
+            <p:nvCxnSpPr>
+              <p:cNvPr id="17" name="Connecteur droit 16">
+                <a:extLst>
+                  <a:ext uri="{FF2B5EF4-FFF2-40B4-BE49-F238E27FC236}">
+                    <a16:creationId xmlns:a16="http://schemas.microsoft.com/office/drawing/2014/main" id="{5A8BCEF6-12DC-FCCD-1488-E92B81D601F0}"/>
+                  </a:ext>
+                </a:extLst>
+              </p:cNvPr>
+              <p:cNvCxnSpPr>
+                <a:cxnSpLocks/>
+              </p:cNvCxnSpPr>
+              <p:nvPr/>
+            </p:nvCxnSpPr>
+            <p:spPr>
+              <a:xfrm flipH="1" flipV="1">
+                <a:off x="5676900" y="1818819"/>
+                <a:ext cx="224593" cy="130584"/>
+              </a:xfrm>
+              <a:prstGeom prst="line">
+                <a:avLst/>
+              </a:prstGeom>
+              <a:noFill/>
+              <a:ln w="28575">
+                <a:solidFill>
+                  <a:srgbClr val="002060"/>
+                </a:solidFill>
+              </a:ln>
+            </p:spPr>
+            <p:style>
+              <a:lnRef idx="2">
+                <a:schemeClr val="accent1">
+                  <a:shade val="50000"/>
+                </a:schemeClr>
+              </a:lnRef>
+              <a:fillRef idx="1">
+                <a:schemeClr val="accent1"/>
+              </a:fillRef>
+              <a:effectRef idx="0">
+                <a:schemeClr val="accent1"/>
+              </a:effectRef>
+              <a:fontRef idx="minor">
+                <a:schemeClr val="lt1"/>
+              </a:fontRef>
+            </p:style>
+          </p:cxnSp>
+          <p:cxnSp>
+            <p:nvCxnSpPr>
+              <p:cNvPr id="18" name="Connecteur droit 17">
+                <a:extLst>
+                  <a:ext uri="{FF2B5EF4-FFF2-40B4-BE49-F238E27FC236}">
+                    <a16:creationId xmlns:a16="http://schemas.microsoft.com/office/drawing/2014/main" id="{A9F4F89A-88B9-3381-2A8E-99366DE61EFF}"/>
+                  </a:ext>
+                </a:extLst>
+              </p:cNvPr>
+              <p:cNvCxnSpPr>
+                <a:cxnSpLocks/>
+              </p:cNvCxnSpPr>
+              <p:nvPr/>
+            </p:nvCxnSpPr>
+            <p:spPr>
+              <a:xfrm flipH="1">
+                <a:off x="6194666" y="2075134"/>
+                <a:ext cx="127204" cy="188340"/>
+              </a:xfrm>
+              <a:prstGeom prst="line">
+                <a:avLst/>
+              </a:prstGeom>
+              <a:noFill/>
+              <a:ln w="28575">
+                <a:solidFill>
+                  <a:srgbClr val="002060"/>
+                </a:solidFill>
+              </a:ln>
+            </p:spPr>
+            <p:style>
+              <a:lnRef idx="2">
+                <a:schemeClr val="accent1">
+                  <a:shade val="50000"/>
+                </a:schemeClr>
+              </a:lnRef>
+              <a:fillRef idx="1">
+                <a:schemeClr val="accent1"/>
+              </a:fillRef>
+              <a:effectRef idx="0">
+                <a:schemeClr val="accent1"/>
+              </a:effectRef>
+              <a:fontRef idx="minor">
+                <a:schemeClr val="lt1"/>
+              </a:fontRef>
+            </p:style>
+          </p:cxnSp>
+          <p:cxnSp>
+            <p:nvCxnSpPr>
+              <p:cNvPr id="19" name="Connecteur droit 18">
+                <a:extLst>
+                  <a:ext uri="{FF2B5EF4-FFF2-40B4-BE49-F238E27FC236}">
+                    <a16:creationId xmlns:a16="http://schemas.microsoft.com/office/drawing/2014/main" id="{4EBCDD72-4638-BAC9-5E2A-7FA0C28E3177}"/>
+                  </a:ext>
+                </a:extLst>
+              </p:cNvPr>
+              <p:cNvCxnSpPr>
+                <a:cxnSpLocks/>
+              </p:cNvCxnSpPr>
+              <p:nvPr/>
+            </p:nvCxnSpPr>
+            <p:spPr>
+              <a:xfrm flipH="1">
+                <a:off x="5827140" y="1856779"/>
+                <a:ext cx="127204" cy="188340"/>
+              </a:xfrm>
+              <a:prstGeom prst="line">
+                <a:avLst/>
+              </a:prstGeom>
+              <a:noFill/>
+              <a:ln w="28575">
+                <a:solidFill>
+                  <a:srgbClr val="002060"/>
+                </a:solidFill>
+              </a:ln>
+            </p:spPr>
+            <p:style>
+              <a:lnRef idx="2">
+                <a:schemeClr val="accent1">
+                  <a:shade val="50000"/>
+                </a:schemeClr>
+              </a:lnRef>
+              <a:fillRef idx="1">
+                <a:schemeClr val="accent1"/>
+              </a:fillRef>
+              <a:effectRef idx="0">
+                <a:schemeClr val="accent1"/>
+              </a:effectRef>
+              <a:fontRef idx="minor">
+                <a:schemeClr val="lt1"/>
+              </a:fontRef>
+            </p:style>
+          </p:cxnSp>
+        </p:grpSp>
+      </p:grpSp>
+      <p:cxnSp>
+        <p:nvCxnSpPr>
+          <p:cNvPr id="28" name="Connecteur droit 27">
+            <a:extLst>
+              <a:ext uri="{FF2B5EF4-FFF2-40B4-BE49-F238E27FC236}">
+                <a16:creationId xmlns:a16="http://schemas.microsoft.com/office/drawing/2014/main" id="{A2ADC020-7997-ED16-AFCA-8E4AECE33BF4}"/>
+              </a:ext>
+            </a:extLst>
+          </p:cNvPr>
+          <p:cNvCxnSpPr>
+            <a:cxnSpLocks/>
+            <a:endCxn id="7" idx="2"/>
+          </p:cNvCxnSpPr>
+          <p:nvPr/>
+        </p:nvCxnSpPr>
+        <p:spPr>
+          <a:xfrm flipH="1">
+            <a:off x="3237874" y="2045928"/>
+            <a:ext cx="1653709" cy="969151"/>
+          </a:xfrm>
+          <a:prstGeom prst="line">
+            <a:avLst/>
+          </a:prstGeom>
+          <a:noFill/>
+          <a:ln w="28575">
+            <a:solidFill>
+              <a:srgbClr val="C00000"/>
+            </a:solidFill>
+          </a:ln>
+        </p:spPr>
+        <p:style>
+          <a:lnRef idx="2">
+            <a:schemeClr val="accent1">
+              <a:shade val="50000"/>
+            </a:schemeClr>
+          </a:lnRef>
+          <a:fillRef idx="1">
+            <a:schemeClr val="accent1"/>
+          </a:fillRef>
+          <a:effectRef idx="0">
+            <a:schemeClr val="accent1"/>
+          </a:effectRef>
+          <a:fontRef idx="minor">
+            <a:schemeClr val="lt1"/>
+          </a:fontRef>
+        </p:style>
+      </p:cxnSp>
+      <p:cxnSp>
+        <p:nvCxnSpPr>
+          <p:cNvPr id="34" name="Connecteur droit 33">
+            <a:extLst>
+              <a:ext uri="{FF2B5EF4-FFF2-40B4-BE49-F238E27FC236}">
+                <a16:creationId xmlns:a16="http://schemas.microsoft.com/office/drawing/2014/main" id="{3AC51D9B-66A8-A3BA-EE6E-02379B840F45}"/>
+              </a:ext>
+            </a:extLst>
+          </p:cNvPr>
+          <p:cNvCxnSpPr>
+            <a:cxnSpLocks/>
+            <a:endCxn id="7" idx="4"/>
+          </p:cNvCxnSpPr>
+          <p:nvPr/>
+        </p:nvCxnSpPr>
+        <p:spPr>
+          <a:xfrm flipH="1" flipV="1">
+            <a:off x="3123982" y="3198613"/>
+            <a:ext cx="0" cy="1872000"/>
+          </a:xfrm>
+          <a:prstGeom prst="line">
+            <a:avLst/>
+          </a:prstGeom>
+          <a:noFill/>
+          <a:ln w="28575">
+            <a:solidFill>
+              <a:srgbClr val="C00000"/>
+            </a:solidFill>
+          </a:ln>
+        </p:spPr>
+        <p:style>
+          <a:lnRef idx="2">
+            <a:schemeClr val="accent1">
+              <a:shade val="50000"/>
+            </a:schemeClr>
+          </a:lnRef>
+          <a:fillRef idx="1">
+            <a:schemeClr val="accent1"/>
+          </a:fillRef>
+          <a:effectRef idx="0">
+            <a:schemeClr val="accent1"/>
+          </a:effectRef>
+          <a:fontRef idx="minor">
+            <a:schemeClr val="lt1"/>
+          </a:fontRef>
+        </p:style>
+      </p:cxnSp>
+      <p:grpSp>
+        <p:nvGrpSpPr>
+          <p:cNvPr id="41" name="Groupe 40">
+            <a:extLst>
+              <a:ext uri="{FF2B5EF4-FFF2-40B4-BE49-F238E27FC236}">
+                <a16:creationId xmlns:a16="http://schemas.microsoft.com/office/drawing/2014/main" id="{C90D3402-3447-02F6-919C-80DD8C76CFF5}"/>
+              </a:ext>
+            </a:extLst>
+          </p:cNvPr>
+          <p:cNvGrpSpPr/>
+          <p:nvPr/>
+        </p:nvGrpSpPr>
+        <p:grpSpPr>
+          <a:xfrm>
+            <a:off x="4504643" y="1798997"/>
+            <a:ext cx="659580" cy="444655"/>
+            <a:chOff x="5676900" y="1818819"/>
+            <a:chExt cx="659580" cy="444655"/>
+          </a:xfrm>
+        </p:grpSpPr>
+        <p:sp>
+          <p:nvSpPr>
+            <p:cNvPr id="42" name="Cylindre 41">
+              <a:extLst>
+                <a:ext uri="{FF2B5EF4-FFF2-40B4-BE49-F238E27FC236}">
+                  <a16:creationId xmlns:a16="http://schemas.microsoft.com/office/drawing/2014/main" id="{905F6CD9-501E-59CF-423E-7A5736797DC1}"/>
+                </a:ext>
+              </a:extLst>
+            </p:cNvPr>
+            <p:cNvSpPr/>
+            <p:nvPr/>
+          </p:nvSpPr>
+          <p:spPr>
+            <a:xfrm rot="7309303">
+              <a:off x="5988000" y="1846438"/>
+              <a:ext cx="216000" cy="432000"/>
+            </a:xfrm>
+            <a:prstGeom prst="can">
+              <a:avLst>
+                <a:gd name="adj" fmla="val 52625"/>
+              </a:avLst>
+            </a:prstGeom>
+            <a:noFill/>
+            <a:ln w="28575">
+              <a:solidFill>
+                <a:srgbClr val="C00000"/>
+              </a:solidFill>
+            </a:ln>
+          </p:spPr>
+          <p:style>
+            <a:lnRef idx="2">
+              <a:schemeClr val="accent1">
+                <a:shade val="50000"/>
+              </a:schemeClr>
+            </a:lnRef>
+            <a:fillRef idx="1">
+              <a:schemeClr val="accent1"/>
+            </a:fillRef>
+            <a:effectRef idx="0">
+              <a:schemeClr val="accent1"/>
+            </a:effectRef>
+            <a:fontRef idx="minor">
+              <a:schemeClr val="lt1"/>
+            </a:fontRef>
+          </p:style>
+          <p:txBody>
+            <a:bodyPr rtlCol="0" anchor="ctr"/>
+            <a:lstStyle/>
+            <a:p>
+              <a:pPr algn="ctr"/>
+              <a:endParaRPr lang="fr-FR"/>
+            </a:p>
+          </p:txBody>
+        </p:sp>
+        <p:grpSp>
+          <p:nvGrpSpPr>
+            <p:cNvPr id="43" name="Groupe 42">
+              <a:extLst>
+                <a:ext uri="{FF2B5EF4-FFF2-40B4-BE49-F238E27FC236}">
+                  <a16:creationId xmlns:a16="http://schemas.microsoft.com/office/drawing/2014/main" id="{4B767709-1724-078F-7A41-DFA056C920F5}"/>
+                </a:ext>
+              </a:extLst>
+            </p:cNvPr>
+            <p:cNvGrpSpPr/>
+            <p:nvPr/>
+          </p:nvGrpSpPr>
+          <p:grpSpPr>
+            <a:xfrm>
+              <a:off x="5676900" y="1818819"/>
+              <a:ext cx="659580" cy="444655"/>
+              <a:chOff x="5676900" y="1818819"/>
+              <a:chExt cx="659580" cy="444655"/>
+            </a:xfrm>
+          </p:grpSpPr>
+          <p:cxnSp>
+            <p:nvCxnSpPr>
+              <p:cNvPr id="44" name="Connecteur droit 43">
+                <a:extLst>
+                  <a:ext uri="{FF2B5EF4-FFF2-40B4-BE49-F238E27FC236}">
+                    <a16:creationId xmlns:a16="http://schemas.microsoft.com/office/drawing/2014/main" id="{85BE2FE9-8A26-25C9-7288-98197B32BE97}"/>
+                  </a:ext>
+                </a:extLst>
+              </p:cNvPr>
+              <p:cNvCxnSpPr>
+                <a:cxnSpLocks/>
+              </p:cNvCxnSpPr>
+              <p:nvPr/>
+            </p:nvCxnSpPr>
+            <p:spPr>
+              <a:xfrm flipH="1" flipV="1">
+                <a:off x="6226413" y="2148948"/>
+                <a:ext cx="110067" cy="63996"/>
+              </a:xfrm>
+              <a:prstGeom prst="line">
+                <a:avLst/>
+              </a:prstGeom>
+              <a:noFill/>
+              <a:ln w="28575">
+                <a:solidFill>
+                  <a:srgbClr val="002060"/>
+                </a:solidFill>
+              </a:ln>
+            </p:spPr>
+            <p:style>
+              <a:lnRef idx="2">
+                <a:schemeClr val="accent1">
+                  <a:shade val="50000"/>
+                </a:schemeClr>
+              </a:lnRef>
+              <a:fillRef idx="1">
+                <a:schemeClr val="accent1"/>
+              </a:fillRef>
+              <a:effectRef idx="0">
+                <a:schemeClr val="accent1"/>
+              </a:effectRef>
+              <a:fontRef idx="minor">
+                <a:schemeClr val="lt1"/>
+              </a:fontRef>
+            </p:style>
+          </p:cxnSp>
+          <p:cxnSp>
+            <p:nvCxnSpPr>
+              <p:cNvPr id="45" name="Connecteur droit 44">
+                <a:extLst>
+                  <a:ext uri="{FF2B5EF4-FFF2-40B4-BE49-F238E27FC236}">
+                    <a16:creationId xmlns:a16="http://schemas.microsoft.com/office/drawing/2014/main" id="{C923BD7B-CDD1-E398-F00A-5EE35AE7BCC9}"/>
+                  </a:ext>
+                </a:extLst>
+              </p:cNvPr>
+              <p:cNvCxnSpPr>
+                <a:cxnSpLocks/>
+              </p:cNvCxnSpPr>
+              <p:nvPr/>
+            </p:nvCxnSpPr>
+            <p:spPr>
+              <a:xfrm flipH="1" flipV="1">
+                <a:off x="5676900" y="1818819"/>
+                <a:ext cx="224593" cy="130584"/>
+              </a:xfrm>
+              <a:prstGeom prst="line">
+                <a:avLst/>
+              </a:prstGeom>
+              <a:noFill/>
+              <a:ln w="28575">
+                <a:solidFill>
+                  <a:srgbClr val="002060"/>
+                </a:solidFill>
+              </a:ln>
+            </p:spPr>
+            <p:style>
+              <a:lnRef idx="2">
+                <a:schemeClr val="accent1">
+                  <a:shade val="50000"/>
+                </a:schemeClr>
+              </a:lnRef>
+              <a:fillRef idx="1">
+                <a:schemeClr val="accent1"/>
+              </a:fillRef>
+              <a:effectRef idx="0">
+                <a:schemeClr val="accent1"/>
+              </a:effectRef>
+              <a:fontRef idx="minor">
+                <a:schemeClr val="lt1"/>
+              </a:fontRef>
+            </p:style>
+          </p:cxnSp>
+          <p:cxnSp>
+            <p:nvCxnSpPr>
+              <p:cNvPr id="46" name="Connecteur droit 45">
+                <a:extLst>
+                  <a:ext uri="{FF2B5EF4-FFF2-40B4-BE49-F238E27FC236}">
+                    <a16:creationId xmlns:a16="http://schemas.microsoft.com/office/drawing/2014/main" id="{119169CC-9277-BE84-C406-4A1BA9C80F19}"/>
+                  </a:ext>
+                </a:extLst>
+              </p:cNvPr>
+              <p:cNvCxnSpPr>
+                <a:cxnSpLocks/>
+              </p:cNvCxnSpPr>
+              <p:nvPr/>
+            </p:nvCxnSpPr>
+            <p:spPr>
+              <a:xfrm flipH="1">
+                <a:off x="6194666" y="2075134"/>
+                <a:ext cx="127204" cy="188340"/>
+              </a:xfrm>
+              <a:prstGeom prst="line">
+                <a:avLst/>
+              </a:prstGeom>
+              <a:noFill/>
+              <a:ln w="28575">
+                <a:solidFill>
+                  <a:srgbClr val="002060"/>
+                </a:solidFill>
+              </a:ln>
+            </p:spPr>
+            <p:style>
+              <a:lnRef idx="2">
+                <a:schemeClr val="accent1">
+                  <a:shade val="50000"/>
+                </a:schemeClr>
+              </a:lnRef>
+              <a:fillRef idx="1">
+                <a:schemeClr val="accent1"/>
+              </a:fillRef>
+              <a:effectRef idx="0">
+                <a:schemeClr val="accent1"/>
+              </a:effectRef>
+              <a:fontRef idx="minor">
+                <a:schemeClr val="lt1"/>
+              </a:fontRef>
+            </p:style>
+          </p:cxnSp>
+          <p:cxnSp>
+            <p:nvCxnSpPr>
+              <p:cNvPr id="47" name="Connecteur droit 46">
+                <a:extLst>
+                  <a:ext uri="{FF2B5EF4-FFF2-40B4-BE49-F238E27FC236}">
+                    <a16:creationId xmlns:a16="http://schemas.microsoft.com/office/drawing/2014/main" id="{F530E18C-D372-3DBA-0903-AA3D25890555}"/>
+                  </a:ext>
+                </a:extLst>
+              </p:cNvPr>
+              <p:cNvCxnSpPr>
+                <a:cxnSpLocks/>
+              </p:cNvCxnSpPr>
+              <p:nvPr/>
+            </p:nvCxnSpPr>
+            <p:spPr>
+              <a:xfrm flipH="1">
+                <a:off x="5827140" y="1856779"/>
+                <a:ext cx="127204" cy="188340"/>
+              </a:xfrm>
+              <a:prstGeom prst="line">
+                <a:avLst/>
+              </a:prstGeom>
+              <a:noFill/>
+              <a:ln w="28575">
+                <a:solidFill>
+                  <a:srgbClr val="002060"/>
+                </a:solidFill>
+              </a:ln>
+            </p:spPr>
+            <p:style>
+              <a:lnRef idx="2">
+                <a:schemeClr val="accent1">
+                  <a:shade val="50000"/>
+                </a:schemeClr>
+              </a:lnRef>
+              <a:fillRef idx="1">
+                <a:schemeClr val="accent1"/>
+              </a:fillRef>
+              <a:effectRef idx="0">
+                <a:schemeClr val="accent1"/>
+              </a:effectRef>
+              <a:fontRef idx="minor">
+                <a:schemeClr val="lt1"/>
+              </a:fontRef>
+            </p:style>
+          </p:cxnSp>
+        </p:grpSp>
+      </p:grpSp>
+      <p:grpSp>
+        <p:nvGrpSpPr>
+          <p:cNvPr id="48" name="Groupe 47">
+            <a:extLst>
+              <a:ext uri="{FF2B5EF4-FFF2-40B4-BE49-F238E27FC236}">
+                <a16:creationId xmlns:a16="http://schemas.microsoft.com/office/drawing/2014/main" id="{FB4E16A3-87BF-11BB-D04B-6F463B140203}"/>
+              </a:ext>
+            </a:extLst>
+          </p:cNvPr>
+          <p:cNvGrpSpPr/>
+          <p:nvPr/>
+        </p:nvGrpSpPr>
+        <p:grpSpPr>
+          <a:xfrm>
+            <a:off x="4504643" y="3842922"/>
+            <a:ext cx="659580" cy="444655"/>
+            <a:chOff x="5676900" y="1818819"/>
+            <a:chExt cx="659580" cy="444655"/>
+          </a:xfrm>
+        </p:grpSpPr>
+        <p:sp>
+          <p:nvSpPr>
+            <p:cNvPr id="49" name="Cylindre 48">
+              <a:extLst>
+                <a:ext uri="{FF2B5EF4-FFF2-40B4-BE49-F238E27FC236}">
+                  <a16:creationId xmlns:a16="http://schemas.microsoft.com/office/drawing/2014/main" id="{B8269F4D-F171-8EEE-EF3E-78EEFFC198C6}"/>
+                </a:ext>
+              </a:extLst>
+            </p:cNvPr>
+            <p:cNvSpPr/>
+            <p:nvPr/>
+          </p:nvSpPr>
+          <p:spPr>
+            <a:xfrm rot="7309303">
+              <a:off x="5988000" y="1846438"/>
+              <a:ext cx="216000" cy="432000"/>
+            </a:xfrm>
+            <a:prstGeom prst="can">
+              <a:avLst>
+                <a:gd name="adj" fmla="val 52625"/>
+              </a:avLst>
+            </a:prstGeom>
+            <a:noFill/>
+            <a:ln w="28575">
+              <a:solidFill>
+                <a:srgbClr val="C00000"/>
+              </a:solidFill>
+            </a:ln>
+          </p:spPr>
+          <p:style>
+            <a:lnRef idx="2">
+              <a:schemeClr val="accent1">
+                <a:shade val="50000"/>
+              </a:schemeClr>
+            </a:lnRef>
+            <a:fillRef idx="1">
+              <a:schemeClr val="accent1"/>
+            </a:fillRef>
+            <a:effectRef idx="0">
+              <a:schemeClr val="accent1"/>
+            </a:effectRef>
+            <a:fontRef idx="minor">
+              <a:schemeClr val="lt1"/>
+            </a:fontRef>
+          </p:style>
+          <p:txBody>
+            <a:bodyPr rtlCol="0" anchor="ctr"/>
+            <a:lstStyle/>
+            <a:p>
+              <a:pPr algn="ctr"/>
+              <a:endParaRPr lang="fr-FR"/>
+            </a:p>
+          </p:txBody>
+        </p:sp>
+        <p:grpSp>
+          <p:nvGrpSpPr>
+            <p:cNvPr id="50" name="Groupe 49">
+              <a:extLst>
+                <a:ext uri="{FF2B5EF4-FFF2-40B4-BE49-F238E27FC236}">
+                  <a16:creationId xmlns:a16="http://schemas.microsoft.com/office/drawing/2014/main" id="{926F389D-07F3-0805-9ED6-3FE57C8C8D36}"/>
+                </a:ext>
+              </a:extLst>
+            </p:cNvPr>
+            <p:cNvGrpSpPr/>
+            <p:nvPr/>
+          </p:nvGrpSpPr>
+          <p:grpSpPr>
+            <a:xfrm>
+              <a:off x="5676900" y="1818819"/>
+              <a:ext cx="659580" cy="444655"/>
+              <a:chOff x="5676900" y="1818819"/>
+              <a:chExt cx="659580" cy="444655"/>
+            </a:xfrm>
+          </p:grpSpPr>
+          <p:cxnSp>
+            <p:nvCxnSpPr>
+              <p:cNvPr id="51" name="Connecteur droit 50">
+                <a:extLst>
+                  <a:ext uri="{FF2B5EF4-FFF2-40B4-BE49-F238E27FC236}">
+                    <a16:creationId xmlns:a16="http://schemas.microsoft.com/office/drawing/2014/main" id="{886EF6EF-5354-95E7-7982-3381ED97D094}"/>
+                  </a:ext>
+                </a:extLst>
+              </p:cNvPr>
+              <p:cNvCxnSpPr>
+                <a:cxnSpLocks/>
+              </p:cNvCxnSpPr>
+              <p:nvPr/>
+            </p:nvCxnSpPr>
+            <p:spPr>
+              <a:xfrm flipH="1" flipV="1">
+                <a:off x="6226413" y="2148948"/>
+                <a:ext cx="110067" cy="63996"/>
+              </a:xfrm>
+              <a:prstGeom prst="line">
+                <a:avLst/>
+              </a:prstGeom>
+              <a:noFill/>
+              <a:ln w="28575">
+                <a:solidFill>
+                  <a:srgbClr val="002060"/>
+                </a:solidFill>
+              </a:ln>
+            </p:spPr>
+            <p:style>
+              <a:lnRef idx="2">
+                <a:schemeClr val="accent1">
+                  <a:shade val="50000"/>
+                </a:schemeClr>
+              </a:lnRef>
+              <a:fillRef idx="1">
+                <a:schemeClr val="accent1"/>
+              </a:fillRef>
+              <a:effectRef idx="0">
+                <a:schemeClr val="accent1"/>
+              </a:effectRef>
+              <a:fontRef idx="minor">
+                <a:schemeClr val="lt1"/>
+              </a:fontRef>
+            </p:style>
+          </p:cxnSp>
+          <p:cxnSp>
+            <p:nvCxnSpPr>
+              <p:cNvPr id="52" name="Connecteur droit 51">
+                <a:extLst>
+                  <a:ext uri="{FF2B5EF4-FFF2-40B4-BE49-F238E27FC236}">
+                    <a16:creationId xmlns:a16="http://schemas.microsoft.com/office/drawing/2014/main" id="{1DC0CC28-5287-D129-5B70-CFCD5FF8B110}"/>
+                  </a:ext>
+                </a:extLst>
+              </p:cNvPr>
+              <p:cNvCxnSpPr>
+                <a:cxnSpLocks/>
+              </p:cNvCxnSpPr>
+              <p:nvPr/>
+            </p:nvCxnSpPr>
+            <p:spPr>
+              <a:xfrm flipH="1" flipV="1">
+                <a:off x="5676900" y="1818819"/>
+                <a:ext cx="224593" cy="130584"/>
+              </a:xfrm>
+              <a:prstGeom prst="line">
+                <a:avLst/>
+              </a:prstGeom>
+              <a:noFill/>
+              <a:ln w="28575">
+                <a:solidFill>
+                  <a:srgbClr val="002060"/>
+                </a:solidFill>
+              </a:ln>
+            </p:spPr>
+            <p:style>
+              <a:lnRef idx="2">
+                <a:schemeClr val="accent1">
+                  <a:shade val="50000"/>
+                </a:schemeClr>
+              </a:lnRef>
+              <a:fillRef idx="1">
+                <a:schemeClr val="accent1"/>
+              </a:fillRef>
+              <a:effectRef idx="0">
+                <a:schemeClr val="accent1"/>
+              </a:effectRef>
+              <a:fontRef idx="minor">
+                <a:schemeClr val="lt1"/>
+              </a:fontRef>
+            </p:style>
+          </p:cxnSp>
+          <p:cxnSp>
+            <p:nvCxnSpPr>
+              <p:cNvPr id="53" name="Connecteur droit 52">
+                <a:extLst>
+                  <a:ext uri="{FF2B5EF4-FFF2-40B4-BE49-F238E27FC236}">
+                    <a16:creationId xmlns:a16="http://schemas.microsoft.com/office/drawing/2014/main" id="{2DF249D5-7EC9-AA41-4894-2809E4CA7D2A}"/>
+                  </a:ext>
+                </a:extLst>
+              </p:cNvPr>
+              <p:cNvCxnSpPr>
+                <a:cxnSpLocks/>
+              </p:cNvCxnSpPr>
+              <p:nvPr/>
+            </p:nvCxnSpPr>
+            <p:spPr>
+              <a:xfrm flipH="1">
+                <a:off x="6194666" y="2075134"/>
+                <a:ext cx="127204" cy="188340"/>
+              </a:xfrm>
+              <a:prstGeom prst="line">
+                <a:avLst/>
+              </a:prstGeom>
+              <a:noFill/>
+              <a:ln w="28575">
+                <a:solidFill>
+                  <a:srgbClr val="002060"/>
+                </a:solidFill>
+              </a:ln>
+            </p:spPr>
+            <p:style>
+              <a:lnRef idx="2">
+                <a:schemeClr val="accent1">
+                  <a:shade val="50000"/>
+                </a:schemeClr>
+              </a:lnRef>
+              <a:fillRef idx="1">
+                <a:schemeClr val="accent1"/>
+              </a:fillRef>
+              <a:effectRef idx="0">
+                <a:schemeClr val="accent1"/>
+              </a:effectRef>
+              <a:fontRef idx="minor">
+                <a:schemeClr val="lt1"/>
+              </a:fontRef>
+            </p:style>
+          </p:cxnSp>
+          <p:cxnSp>
+            <p:nvCxnSpPr>
+              <p:cNvPr id="54" name="Connecteur droit 53">
+                <a:extLst>
+                  <a:ext uri="{FF2B5EF4-FFF2-40B4-BE49-F238E27FC236}">
+                    <a16:creationId xmlns:a16="http://schemas.microsoft.com/office/drawing/2014/main" id="{B2B6CFEC-CABE-2C12-DF90-F29402E1BDCF}"/>
+                  </a:ext>
+                </a:extLst>
+              </p:cNvPr>
+              <p:cNvCxnSpPr>
+                <a:cxnSpLocks/>
+              </p:cNvCxnSpPr>
+              <p:nvPr/>
+            </p:nvCxnSpPr>
+            <p:spPr>
+              <a:xfrm flipH="1">
+                <a:off x="5827140" y="1856779"/>
+                <a:ext cx="127204" cy="188340"/>
+              </a:xfrm>
+              <a:prstGeom prst="line">
+                <a:avLst/>
+              </a:prstGeom>
+              <a:noFill/>
+              <a:ln w="28575">
+                <a:solidFill>
+                  <a:srgbClr val="002060"/>
+                </a:solidFill>
+              </a:ln>
+            </p:spPr>
+            <p:style>
+              <a:lnRef idx="2">
+                <a:schemeClr val="accent1">
+                  <a:shade val="50000"/>
+                </a:schemeClr>
+              </a:lnRef>
+              <a:fillRef idx="1">
+                <a:schemeClr val="accent1"/>
+              </a:fillRef>
+              <a:effectRef idx="0">
+                <a:schemeClr val="accent1"/>
+              </a:effectRef>
+              <a:fontRef idx="minor">
+                <a:schemeClr val="lt1"/>
+              </a:fontRef>
+            </p:style>
+          </p:cxnSp>
+        </p:grpSp>
+      </p:grpSp>
+      <p:cxnSp>
+        <p:nvCxnSpPr>
+          <p:cNvPr id="55" name="Connecteur droit 54">
+            <a:extLst>
+              <a:ext uri="{FF2B5EF4-FFF2-40B4-BE49-F238E27FC236}">
+                <a16:creationId xmlns:a16="http://schemas.microsoft.com/office/drawing/2014/main" id="{81BF40A8-A43A-CEA7-85B8-69675EEE3486}"/>
+              </a:ext>
+            </a:extLst>
+          </p:cNvPr>
+          <p:cNvCxnSpPr>
+            <a:cxnSpLocks/>
+          </p:cNvCxnSpPr>
+          <p:nvPr/>
+        </p:nvCxnSpPr>
+        <p:spPr>
+          <a:xfrm flipH="1" flipV="1">
+            <a:off x="4923743" y="2170846"/>
+            <a:ext cx="0" cy="1872000"/>
+          </a:xfrm>
+          <a:prstGeom prst="line">
+            <a:avLst/>
+          </a:prstGeom>
+          <a:noFill/>
+          <a:ln w="28575">
+            <a:solidFill>
+              <a:srgbClr val="C00000"/>
+            </a:solidFill>
+          </a:ln>
+        </p:spPr>
+        <p:style>
+          <a:lnRef idx="2">
+            <a:schemeClr val="accent1">
+              <a:shade val="50000"/>
+            </a:schemeClr>
+          </a:lnRef>
+          <a:fillRef idx="1">
+            <a:schemeClr val="accent1"/>
+          </a:fillRef>
+          <a:effectRef idx="0">
+            <a:schemeClr val="accent1"/>
+          </a:effectRef>
+          <a:fontRef idx="minor">
+            <a:schemeClr val="lt1"/>
+          </a:fontRef>
+        </p:style>
+      </p:cxnSp>
+      <p:cxnSp>
+        <p:nvCxnSpPr>
+          <p:cNvPr id="56" name="Connecteur droit 55">
+            <a:extLst>
+              <a:ext uri="{FF2B5EF4-FFF2-40B4-BE49-F238E27FC236}">
+                <a16:creationId xmlns:a16="http://schemas.microsoft.com/office/drawing/2014/main" id="{439D1C1D-1952-0E35-5726-3A70CBE1E773}"/>
+              </a:ext>
+            </a:extLst>
+          </p:cNvPr>
+          <p:cNvCxnSpPr>
+            <a:cxnSpLocks/>
+          </p:cNvCxnSpPr>
+          <p:nvPr/>
+        </p:nvCxnSpPr>
+        <p:spPr>
+          <a:xfrm flipH="1">
+            <a:off x="3211723" y="4098780"/>
+            <a:ext cx="1653709" cy="969151"/>
+          </a:xfrm>
+          <a:prstGeom prst="line">
+            <a:avLst/>
+          </a:prstGeom>
+          <a:noFill/>
+          <a:ln w="28575">
+            <a:solidFill>
+              <a:srgbClr val="C00000"/>
+            </a:solidFill>
+          </a:ln>
+        </p:spPr>
+        <p:style>
+          <a:lnRef idx="2">
+            <a:schemeClr val="accent1">
+              <a:shade val="50000"/>
+            </a:schemeClr>
+          </a:lnRef>
+          <a:fillRef idx="1">
+            <a:schemeClr val="accent1"/>
+          </a:fillRef>
+          <a:effectRef idx="0">
+            <a:schemeClr val="accent1"/>
+          </a:effectRef>
+          <a:fontRef idx="minor">
+            <a:schemeClr val="lt1"/>
+          </a:fontRef>
+        </p:style>
+      </p:cxnSp>
+      <p:sp>
+        <p:nvSpPr>
+          <p:cNvPr id="58" name="Ellipse 57">
+            <a:extLst>
+              <a:ext uri="{FF2B5EF4-FFF2-40B4-BE49-F238E27FC236}">
+                <a16:creationId xmlns:a16="http://schemas.microsoft.com/office/drawing/2014/main" id="{501C20AF-D3B1-4782-0E31-060E47D1055C}"/>
+              </a:ext>
+            </a:extLst>
+          </p:cNvPr>
+          <p:cNvSpPr/>
+          <p:nvPr/>
+        </p:nvSpPr>
+        <p:spPr>
+          <a:xfrm>
+            <a:off x="2557439" y="2709833"/>
+            <a:ext cx="224593" cy="218355"/>
+          </a:xfrm>
+          <a:prstGeom prst="ellipse">
+            <a:avLst/>
+          </a:prstGeom>
+          <a:noFill/>
+          <a:ln w="19050">
+            <a:solidFill>
+              <a:srgbClr val="002060"/>
+            </a:solidFill>
+          </a:ln>
+        </p:spPr>
+        <p:style>
+          <a:lnRef idx="2">
+            <a:schemeClr val="accent1">
+              <a:shade val="50000"/>
+            </a:schemeClr>
+          </a:lnRef>
+          <a:fillRef idx="1">
+            <a:schemeClr val="accent1"/>
+          </a:fillRef>
+          <a:effectRef idx="0">
+            <a:schemeClr val="accent1"/>
+          </a:effectRef>
+          <a:fontRef idx="minor">
+            <a:schemeClr val="lt1"/>
+          </a:fontRef>
+        </p:style>
+        <p:txBody>
+          <a:bodyPr rtlCol="0" anchor="ctr"/>
+          <a:lstStyle/>
+          <a:p>
+            <a:pPr algn="ctr"/>
+            <a:r>
+              <a:rPr lang="fr-FR" sz="1100" b="1" dirty="0">
+                <a:solidFill>
+                  <a:srgbClr val="002060"/>
+                </a:solidFill>
+              </a:rPr>
+              <a:t>M</a:t>
+            </a:r>
+            <a:endParaRPr lang="fr-FR" b="1" dirty="0">
+              <a:solidFill>
+                <a:srgbClr val="002060"/>
+              </a:solidFill>
+            </a:endParaRPr>
+          </a:p>
+        </p:txBody>
+      </p:sp>
+      <p:sp>
+        <p:nvSpPr>
+          <p:cNvPr id="59" name="Ellipse 58">
+            <a:extLst>
+              <a:ext uri="{FF2B5EF4-FFF2-40B4-BE49-F238E27FC236}">
+                <a16:creationId xmlns:a16="http://schemas.microsoft.com/office/drawing/2014/main" id="{2EC55828-D8D3-9E33-56C3-4826F304F827}"/>
+              </a:ext>
+            </a:extLst>
+          </p:cNvPr>
+          <p:cNvSpPr/>
+          <p:nvPr/>
+        </p:nvSpPr>
+        <p:spPr>
+          <a:xfrm>
+            <a:off x="2486472" y="4711537"/>
+            <a:ext cx="224593" cy="218355"/>
+          </a:xfrm>
+          <a:prstGeom prst="ellipse">
+            <a:avLst/>
+          </a:prstGeom>
+          <a:noFill/>
+          <a:ln w="19050">
+            <a:solidFill>
+              <a:srgbClr val="002060"/>
+            </a:solidFill>
+          </a:ln>
+        </p:spPr>
+        <p:style>
+          <a:lnRef idx="2">
+            <a:schemeClr val="accent1">
+              <a:shade val="50000"/>
+            </a:schemeClr>
+          </a:lnRef>
+          <a:fillRef idx="1">
+            <a:schemeClr val="accent1"/>
+          </a:fillRef>
+          <a:effectRef idx="0">
+            <a:schemeClr val="accent1"/>
+          </a:effectRef>
+          <a:fontRef idx="minor">
+            <a:schemeClr val="lt1"/>
+          </a:fontRef>
+        </p:style>
+        <p:txBody>
+          <a:bodyPr rtlCol="0" anchor="ctr"/>
+          <a:lstStyle/>
+          <a:p>
+            <a:pPr algn="ctr"/>
+            <a:r>
+              <a:rPr lang="fr-FR" sz="1100" b="1" dirty="0">
+                <a:solidFill>
+                  <a:srgbClr val="002060"/>
+                </a:solidFill>
+              </a:rPr>
+              <a:t>M</a:t>
+            </a:r>
+            <a:endParaRPr lang="fr-FR" b="1" dirty="0">
+              <a:solidFill>
+                <a:srgbClr val="002060"/>
+              </a:solidFill>
+            </a:endParaRPr>
+          </a:p>
+        </p:txBody>
+      </p:sp>
+      <p:sp>
+        <p:nvSpPr>
+          <p:cNvPr id="60" name="Ellipse 59">
+            <a:extLst>
+              <a:ext uri="{FF2B5EF4-FFF2-40B4-BE49-F238E27FC236}">
+                <a16:creationId xmlns:a16="http://schemas.microsoft.com/office/drawing/2014/main" id="{FFBA7405-7228-4350-645B-A6036DD108C3}"/>
+              </a:ext>
+            </a:extLst>
+          </p:cNvPr>
+          <p:cNvSpPr/>
+          <p:nvPr/>
+        </p:nvSpPr>
+        <p:spPr>
+          <a:xfrm>
+            <a:off x="4307684" y="3673126"/>
+            <a:ext cx="224593" cy="218355"/>
+          </a:xfrm>
+          <a:prstGeom prst="ellipse">
+            <a:avLst/>
+          </a:prstGeom>
+          <a:noFill/>
+          <a:ln w="19050">
+            <a:solidFill>
+              <a:srgbClr val="002060"/>
+            </a:solidFill>
+          </a:ln>
+        </p:spPr>
+        <p:style>
+          <a:lnRef idx="2">
+            <a:schemeClr val="accent1">
+              <a:shade val="50000"/>
+            </a:schemeClr>
+          </a:lnRef>
+          <a:fillRef idx="1">
+            <a:schemeClr val="accent1"/>
+          </a:fillRef>
+          <a:effectRef idx="0">
+            <a:schemeClr val="accent1"/>
+          </a:effectRef>
+          <a:fontRef idx="minor">
+            <a:schemeClr val="lt1"/>
+          </a:fontRef>
+        </p:style>
+        <p:txBody>
+          <a:bodyPr rtlCol="0" anchor="ctr"/>
+          <a:lstStyle/>
+          <a:p>
+            <a:pPr algn="ctr"/>
+            <a:r>
+              <a:rPr lang="fr-FR" sz="1100" b="1" dirty="0">
+                <a:solidFill>
+                  <a:srgbClr val="002060"/>
+                </a:solidFill>
+              </a:rPr>
+              <a:t>M</a:t>
+            </a:r>
+            <a:endParaRPr lang="fr-FR" b="1" dirty="0">
+              <a:solidFill>
+                <a:srgbClr val="002060"/>
+              </a:solidFill>
+            </a:endParaRPr>
+          </a:p>
+        </p:txBody>
+      </p:sp>
+      <p:sp>
+        <p:nvSpPr>
+          <p:cNvPr id="61" name="Ellipse 60">
+            <a:extLst>
+              <a:ext uri="{FF2B5EF4-FFF2-40B4-BE49-F238E27FC236}">
+                <a16:creationId xmlns:a16="http://schemas.microsoft.com/office/drawing/2014/main" id="{0B7D52A1-0971-4D30-A344-2D3661A37811}"/>
+              </a:ext>
+            </a:extLst>
+          </p:cNvPr>
+          <p:cNvSpPr/>
+          <p:nvPr/>
+        </p:nvSpPr>
+        <p:spPr>
+          <a:xfrm>
+            <a:off x="4295045" y="1645698"/>
+            <a:ext cx="224593" cy="218355"/>
+          </a:xfrm>
+          <a:prstGeom prst="ellipse">
+            <a:avLst/>
+          </a:prstGeom>
+          <a:noFill/>
+          <a:ln w="19050">
+            <a:solidFill>
+              <a:srgbClr val="002060"/>
+            </a:solidFill>
+          </a:ln>
+        </p:spPr>
+        <p:style>
+          <a:lnRef idx="2">
+            <a:schemeClr val="accent1">
+              <a:shade val="50000"/>
+            </a:schemeClr>
+          </a:lnRef>
+          <a:fillRef idx="1">
+            <a:schemeClr val="accent1"/>
+          </a:fillRef>
+          <a:effectRef idx="0">
+            <a:schemeClr val="accent1"/>
+          </a:effectRef>
+          <a:fontRef idx="minor">
+            <a:schemeClr val="lt1"/>
+          </a:fontRef>
+        </p:style>
+        <p:txBody>
+          <a:bodyPr rtlCol="0" anchor="ctr"/>
+          <a:lstStyle/>
+          <a:p>
+            <a:pPr algn="ctr"/>
+            <a:r>
+              <a:rPr lang="fr-FR" sz="1100" b="1" dirty="0">
+                <a:solidFill>
+                  <a:srgbClr val="002060"/>
+                </a:solidFill>
+              </a:rPr>
+              <a:t>M</a:t>
+            </a:r>
+            <a:endParaRPr lang="fr-FR" b="1" dirty="0">
+              <a:solidFill>
+                <a:srgbClr val="002060"/>
+              </a:solidFill>
+            </a:endParaRPr>
+          </a:p>
+        </p:txBody>
+      </p:sp>
+      <p:sp>
+        <p:nvSpPr>
+          <p:cNvPr id="63" name="Parallélogramme 62">
+            <a:extLst>
+              <a:ext uri="{FF2B5EF4-FFF2-40B4-BE49-F238E27FC236}">
+                <a16:creationId xmlns:a16="http://schemas.microsoft.com/office/drawing/2014/main" id="{EFDC5AAA-5C20-29C7-D667-1E94C6F194AB}"/>
+              </a:ext>
+            </a:extLst>
+          </p:cNvPr>
+          <p:cNvSpPr/>
+          <p:nvPr/>
+        </p:nvSpPr>
+        <p:spPr>
+          <a:xfrm rot="16200000" flipV="1">
+            <a:off x="3621361" y="4368199"/>
+            <a:ext cx="311550" cy="197740"/>
+          </a:xfrm>
+          <a:prstGeom prst="parallelogram">
+            <a:avLst>
+              <a:gd name="adj" fmla="val 65507"/>
+            </a:avLst>
+          </a:prstGeom>
+          <a:noFill/>
+          <a:ln w="28575">
+            <a:solidFill>
+              <a:srgbClr val="C00000"/>
+            </a:solidFill>
+          </a:ln>
+        </p:spPr>
+        <p:style>
+          <a:lnRef idx="2">
+            <a:schemeClr val="accent1">
+              <a:shade val="50000"/>
+            </a:schemeClr>
+          </a:lnRef>
+          <a:fillRef idx="1">
+            <a:schemeClr val="accent1"/>
+          </a:fillRef>
+          <a:effectRef idx="0">
+            <a:schemeClr val="accent1"/>
+          </a:effectRef>
+          <a:fontRef idx="minor">
+            <a:schemeClr val="lt1"/>
+          </a:fontRef>
+        </p:style>
+        <p:txBody>
+          <a:bodyPr rtlCol="0" anchor="ctr"/>
+          <a:lstStyle/>
+          <a:p>
+            <a:pPr algn="ctr"/>
+            <a:endParaRPr lang="fr-FR"/>
+          </a:p>
+        </p:txBody>
+      </p:sp>
+      <p:cxnSp>
+        <p:nvCxnSpPr>
+          <p:cNvPr id="64" name="Connecteur droit 63">
+            <a:extLst>
+              <a:ext uri="{FF2B5EF4-FFF2-40B4-BE49-F238E27FC236}">
+                <a16:creationId xmlns:a16="http://schemas.microsoft.com/office/drawing/2014/main" id="{5A5563C5-3B3D-7169-D125-90061FE8F3FF}"/>
+              </a:ext>
+            </a:extLst>
+          </p:cNvPr>
+          <p:cNvCxnSpPr>
+            <a:cxnSpLocks/>
+          </p:cNvCxnSpPr>
+          <p:nvPr/>
+        </p:nvCxnSpPr>
+        <p:spPr>
+          <a:xfrm flipH="1" flipV="1">
+            <a:off x="3777136" y="4467069"/>
+            <a:ext cx="224593" cy="130584"/>
+          </a:xfrm>
+          <a:prstGeom prst="line">
+            <a:avLst/>
+          </a:prstGeom>
+          <a:noFill/>
+          <a:ln w="28575">
+            <a:solidFill>
+              <a:srgbClr val="C00000"/>
+            </a:solidFill>
+          </a:ln>
+        </p:spPr>
+        <p:style>
+          <a:lnRef idx="2">
+            <a:schemeClr val="accent1">
+              <a:shade val="50000"/>
+            </a:schemeClr>
+          </a:lnRef>
+          <a:fillRef idx="1">
+            <a:schemeClr val="accent1"/>
+          </a:fillRef>
+          <a:effectRef idx="0">
+            <a:schemeClr val="accent1"/>
+          </a:effectRef>
+          <a:fontRef idx="minor">
+            <a:schemeClr val="lt1"/>
+          </a:fontRef>
+        </p:style>
+      </p:cxnSp>
+    </p:spTree>
+    <p:extLst>
+      <p:ext uri="{BB962C8B-B14F-4D97-AF65-F5344CB8AC3E}">
+        <p14:creationId xmlns:p14="http://schemas.microsoft.com/office/powerpoint/2010/main" val="4005203864"/>
       </p:ext>
     </p:extLst>
   </p:cSld>

--- a/Figures.pptx
+++ b/Figures.pptx
@@ -9,6 +9,7 @@
     <p:sldId id="257" r:id="rId3"/>
     <p:sldId id="258" r:id="rId4"/>
     <p:sldId id="259" r:id="rId5"/>
+    <p:sldId id="260" r:id="rId6"/>
   </p:sldIdLst>
   <p:sldSz cx="12192000" cy="6858000"/>
   <p:notesSz cx="6858000" cy="9144000"/>
@@ -262,7 +263,7 @@
           <a:p>
             <a:fld id="{8650A246-1026-46AD-AFCC-0ACF25FECB60}" type="datetimeFigureOut">
               <a:rPr lang="fr-FR" smtClean="0"/>
-              <a:t>07/01/2023</a:t>
+              <a:t>15/05/2023</a:t>
             </a:fld>
             <a:endParaRPr lang="fr-FR"/>
           </a:p>
@@ -550,7 +551,7 @@
           <a:p>
             <a:fld id="{8650A246-1026-46AD-AFCC-0ACF25FECB60}" type="datetimeFigureOut">
               <a:rPr lang="fr-FR" smtClean="0"/>
-              <a:t>07/01/2023</a:t>
+              <a:t>15/05/2023</a:t>
             </a:fld>
             <a:endParaRPr lang="fr-FR"/>
           </a:p>
@@ -748,7 +749,7 @@
           <a:p>
             <a:fld id="{8650A246-1026-46AD-AFCC-0ACF25FECB60}" type="datetimeFigureOut">
               <a:rPr lang="fr-FR" smtClean="0"/>
-              <a:t>07/01/2023</a:t>
+              <a:t>15/05/2023</a:t>
             </a:fld>
             <a:endParaRPr lang="fr-FR"/>
           </a:p>
@@ -956,7 +957,7 @@
           <a:p>
             <a:fld id="{8650A246-1026-46AD-AFCC-0ACF25FECB60}" type="datetimeFigureOut">
               <a:rPr lang="fr-FR" smtClean="0"/>
-              <a:t>07/01/2023</a:t>
+              <a:t>15/05/2023</a:t>
             </a:fld>
             <a:endParaRPr lang="fr-FR"/>
           </a:p>
@@ -1154,7 +1155,7 @@
           <a:p>
             <a:fld id="{8650A246-1026-46AD-AFCC-0ACF25FECB60}" type="datetimeFigureOut">
               <a:rPr lang="fr-FR" smtClean="0"/>
-              <a:t>07/01/2023</a:t>
+              <a:t>15/05/2023</a:t>
             </a:fld>
             <a:endParaRPr lang="fr-FR"/>
           </a:p>
@@ -1429,7 +1430,7 @@
           <a:p>
             <a:fld id="{8650A246-1026-46AD-AFCC-0ACF25FECB60}" type="datetimeFigureOut">
               <a:rPr lang="fr-FR" smtClean="0"/>
-              <a:t>07/01/2023</a:t>
+              <a:t>15/05/2023</a:t>
             </a:fld>
             <a:endParaRPr lang="fr-FR"/>
           </a:p>
@@ -1694,7 +1695,7 @@
           <a:p>
             <a:fld id="{8650A246-1026-46AD-AFCC-0ACF25FECB60}" type="datetimeFigureOut">
               <a:rPr lang="fr-FR" smtClean="0"/>
-              <a:t>07/01/2023</a:t>
+              <a:t>15/05/2023</a:t>
             </a:fld>
             <a:endParaRPr lang="fr-FR"/>
           </a:p>
@@ -2106,7 +2107,7 @@
           <a:p>
             <a:fld id="{8650A246-1026-46AD-AFCC-0ACF25FECB60}" type="datetimeFigureOut">
               <a:rPr lang="fr-FR" smtClean="0"/>
-              <a:t>07/01/2023</a:t>
+              <a:t>15/05/2023</a:t>
             </a:fld>
             <a:endParaRPr lang="fr-FR"/>
           </a:p>
@@ -2247,7 +2248,7 @@
           <a:p>
             <a:fld id="{8650A246-1026-46AD-AFCC-0ACF25FECB60}" type="datetimeFigureOut">
               <a:rPr lang="fr-FR" smtClean="0"/>
-              <a:t>07/01/2023</a:t>
+              <a:t>15/05/2023</a:t>
             </a:fld>
             <a:endParaRPr lang="fr-FR"/>
           </a:p>
@@ -2461,7 +2462,7 @@
           <a:p>
             <a:fld id="{8650A246-1026-46AD-AFCC-0ACF25FECB60}" type="datetimeFigureOut">
               <a:rPr lang="fr-FR" smtClean="0"/>
-              <a:t>07/01/2023</a:t>
+              <a:t>15/05/2023</a:t>
             </a:fld>
             <a:endParaRPr lang="fr-FR"/>
           </a:p>
@@ -2574,7 +2575,7 @@
           <a:p>
             <a:fld id="{8650A246-1026-46AD-AFCC-0ACF25FECB60}" type="datetimeFigureOut">
               <a:rPr lang="fr-FR" smtClean="0"/>
-              <a:t>07/01/2023</a:t>
+              <a:t>15/05/2023</a:t>
             </a:fld>
             <a:endParaRPr lang="fr-FR"/>
           </a:p>
@@ -2885,7 +2886,7 @@
           <a:p>
             <a:fld id="{8650A246-1026-46AD-AFCC-0ACF25FECB60}" type="datetimeFigureOut">
               <a:rPr lang="fr-FR" smtClean="0"/>
-              <a:t>07/01/2023</a:t>
+              <a:t>15/05/2023</a:t>
             </a:fld>
             <a:endParaRPr lang="fr-FR"/>
           </a:p>
@@ -3126,7 +3127,7 @@
           <a:p>
             <a:fld id="{8650A246-1026-46AD-AFCC-0ACF25FECB60}" type="datetimeFigureOut">
               <a:rPr lang="fr-FR" smtClean="0"/>
-              <a:t>07/01/2023</a:t>
+              <a:t>15/05/2023</a:t>
             </a:fld>
             <a:endParaRPr lang="fr-FR"/>
           </a:p>
@@ -6788,10 +6789,10 @@
         </p:nvGrpSpPr>
         <p:grpSpPr>
           <a:xfrm>
-            <a:off x="2761828" y="2863227"/>
-            <a:ext cx="659580" cy="444655"/>
+            <a:off x="6085840" y="4112332"/>
+            <a:ext cx="867406" cy="500534"/>
             <a:chOff x="5676900" y="1818819"/>
-            <a:chExt cx="659580" cy="444655"/>
+            <a:chExt cx="867406" cy="500534"/>
           </a:xfrm>
         </p:grpSpPr>
         <p:sp>
@@ -6863,9 +6864,9 @@
           <p:grpSpPr>
             <a:xfrm>
               <a:off x="5676900" y="1818819"/>
-              <a:ext cx="659580" cy="444655"/>
+              <a:ext cx="867406" cy="500534"/>
               <a:chOff x="5676900" y="1818819"/>
-              <a:chExt cx="659580" cy="444655"/>
+              <a:chExt cx="867406" cy="500534"/>
             </a:xfrm>
           </p:grpSpPr>
           <p:cxnSp>
@@ -6885,7 +6886,7 @@
             <p:spPr>
               <a:xfrm flipH="1" flipV="1">
                 <a:off x="6226413" y="2148948"/>
-                <a:ext cx="110067" cy="63996"/>
+                <a:ext cx="317893" cy="170405"/>
               </a:xfrm>
               <a:prstGeom prst="line">
                 <a:avLst/>
@@ -7054,12 +7055,66 @@
           </p:cxnSp>
         </p:grpSp>
       </p:grpSp>
+      <p:sp>
+        <p:nvSpPr>
+          <p:cNvPr id="14" name="Cylindre 13">
+            <a:extLst>
+              <a:ext uri="{FF2B5EF4-FFF2-40B4-BE49-F238E27FC236}">
+                <a16:creationId xmlns:a16="http://schemas.microsoft.com/office/drawing/2014/main" id="{B2DAFEB1-0679-7B9F-1268-ED2E9687DB26}"/>
+              </a:ext>
+            </a:extLst>
+          </p:cNvPr>
+          <p:cNvSpPr/>
+          <p:nvPr/>
+        </p:nvSpPr>
+        <p:spPr>
+          <a:xfrm rot="7309303">
+            <a:off x="5344552" y="2711926"/>
+            <a:ext cx="216000" cy="432000"/>
+          </a:xfrm>
+          <a:prstGeom prst="can">
+            <a:avLst>
+              <a:gd name="adj" fmla="val 52625"/>
+            </a:avLst>
+          </a:prstGeom>
+          <a:noFill/>
+          <a:ln w="28575">
+            <a:solidFill>
+              <a:srgbClr val="002060"/>
+            </a:solidFill>
+          </a:ln>
+        </p:spPr>
+        <p:style>
+          <a:lnRef idx="2">
+            <a:schemeClr val="accent1">
+              <a:shade val="50000"/>
+            </a:schemeClr>
+          </a:lnRef>
+          <a:fillRef idx="1">
+            <a:schemeClr val="accent1"/>
+          </a:fillRef>
+          <a:effectRef idx="0">
+            <a:schemeClr val="accent1"/>
+          </a:effectRef>
+          <a:fontRef idx="minor">
+            <a:schemeClr val="lt1"/>
+          </a:fontRef>
+        </p:style>
+        <p:txBody>
+          <a:bodyPr rtlCol="0" anchor="ctr"/>
+          <a:lstStyle/>
+          <a:p>
+            <a:pPr algn="ctr"/>
+            <a:endParaRPr lang="fr-FR"/>
+          </a:p>
+        </p:txBody>
+      </p:sp>
       <p:grpSp>
         <p:nvGrpSpPr>
-          <p:cNvPr id="13" name="Groupe 12">
-            <a:extLst>
-              <a:ext uri="{FF2B5EF4-FFF2-40B4-BE49-F238E27FC236}">
-                <a16:creationId xmlns:a16="http://schemas.microsoft.com/office/drawing/2014/main" id="{72BF01C7-E1FD-75C8-0B0A-EF5095B63B79}"/>
+          <p:cNvPr id="15" name="Groupe 14">
+            <a:extLst>
+              <a:ext uri="{FF2B5EF4-FFF2-40B4-BE49-F238E27FC236}">
+                <a16:creationId xmlns:a16="http://schemas.microsoft.com/office/drawing/2014/main" id="{AD0FAEE8-A548-67F4-9D52-DC33FC91955E}"/>
               </a:ext>
             </a:extLst>
           </p:cNvPr>
@@ -7068,38 +7123,39 @@
         </p:nvGrpSpPr>
         <p:grpSpPr>
           <a:xfrm>
-            <a:off x="2693957" y="4890949"/>
-            <a:ext cx="660879" cy="444655"/>
+            <a:off x="5033452" y="2684307"/>
+            <a:ext cx="1769048" cy="1034829"/>
             <a:chOff x="5676900" y="1818819"/>
-            <a:chExt cx="660879" cy="444655"/>
+            <a:chExt cx="1769048" cy="1034829"/>
           </a:xfrm>
         </p:grpSpPr>
-        <p:sp>
-          <p:nvSpPr>
-            <p:cNvPr id="14" name="Cylindre 13">
+        <p:cxnSp>
+          <p:nvCxnSpPr>
+            <p:cNvPr id="16" name="Connecteur droit 15">
               <a:extLst>
                 <a:ext uri="{FF2B5EF4-FFF2-40B4-BE49-F238E27FC236}">
-                  <a16:creationId xmlns:a16="http://schemas.microsoft.com/office/drawing/2014/main" id="{B2DAFEB1-0679-7B9F-1268-ED2E9687DB26}"/>
+                  <a16:creationId xmlns:a16="http://schemas.microsoft.com/office/drawing/2014/main" id="{79500EE9-CA4B-2597-5344-A137E326FBFA}"/>
                 </a:ext>
               </a:extLst>
             </p:cNvPr>
-            <p:cNvSpPr/>
+            <p:cNvCxnSpPr>
+              <a:cxnSpLocks/>
+              <a:stCxn id="49" idx="3"/>
+            </p:cNvCxnSpPr>
             <p:nvPr/>
-          </p:nvSpPr>
+          </p:nvCxnSpPr>
           <p:spPr>
-            <a:xfrm rot="7309303">
-              <a:off x="5988000" y="1846438"/>
-              <a:ext cx="216000" cy="432000"/>
+            <a:xfrm flipH="1" flipV="1">
+              <a:off x="6226413" y="2148948"/>
+              <a:ext cx="1219535" cy="704700"/>
             </a:xfrm>
-            <a:prstGeom prst="can">
-              <a:avLst>
-                <a:gd name="adj" fmla="val 52625"/>
-              </a:avLst>
+            <a:prstGeom prst="line">
+              <a:avLst/>
             </a:prstGeom>
             <a:noFill/>
             <a:ln w="28575">
               <a:solidFill>
-                <a:srgbClr val="C00000"/>
+                <a:srgbClr val="00B050"/>
               </a:solidFill>
             </a:ln>
           </p:spPr>
@@ -7119,315 +7175,146 @@
               <a:schemeClr val="lt1"/>
             </a:fontRef>
           </p:style>
-          <p:txBody>
-            <a:bodyPr rtlCol="0" anchor="ctr"/>
-            <a:lstStyle/>
-            <a:p>
-              <a:pPr algn="ctr"/>
-              <a:endParaRPr lang="fr-FR"/>
-            </a:p>
-          </p:txBody>
-        </p:sp>
-        <p:grpSp>
-          <p:nvGrpSpPr>
-            <p:cNvPr id="15" name="Groupe 14">
+        </p:cxnSp>
+        <p:cxnSp>
+          <p:nvCxnSpPr>
+            <p:cNvPr id="17" name="Connecteur droit 16">
               <a:extLst>
                 <a:ext uri="{FF2B5EF4-FFF2-40B4-BE49-F238E27FC236}">
-                  <a16:creationId xmlns:a16="http://schemas.microsoft.com/office/drawing/2014/main" id="{AD0FAEE8-A548-67F4-9D52-DC33FC91955E}"/>
+                  <a16:creationId xmlns:a16="http://schemas.microsoft.com/office/drawing/2014/main" id="{5A8BCEF6-12DC-FCCD-1488-E92B81D601F0}"/>
                 </a:ext>
               </a:extLst>
             </p:cNvPr>
-            <p:cNvGrpSpPr/>
+            <p:cNvCxnSpPr>
+              <a:cxnSpLocks/>
+            </p:cNvCxnSpPr>
             <p:nvPr/>
-          </p:nvGrpSpPr>
-          <p:grpSpPr>
-            <a:xfrm>
+          </p:nvCxnSpPr>
+          <p:spPr>
+            <a:xfrm flipH="1" flipV="1">
               <a:off x="5676900" y="1818819"/>
-              <a:ext cx="660879" cy="444655"/>
-              <a:chOff x="5676900" y="1818819"/>
-              <a:chExt cx="660879" cy="444655"/>
+              <a:ext cx="224593" cy="130584"/>
             </a:xfrm>
-          </p:grpSpPr>
-          <p:cxnSp>
-            <p:nvCxnSpPr>
-              <p:cNvPr id="16" name="Connecteur droit 15">
-                <a:extLst>
-                  <a:ext uri="{FF2B5EF4-FFF2-40B4-BE49-F238E27FC236}">
-                    <a16:creationId xmlns:a16="http://schemas.microsoft.com/office/drawing/2014/main" id="{79500EE9-CA4B-2597-5344-A137E326FBFA}"/>
-                  </a:ext>
-                </a:extLst>
-              </p:cNvPr>
-              <p:cNvCxnSpPr>
-                <a:cxnSpLocks/>
-              </p:cNvCxnSpPr>
-              <p:nvPr/>
-            </p:nvCxnSpPr>
-            <p:spPr>
-              <a:xfrm flipH="1" flipV="1">
-                <a:off x="6226413" y="2148948"/>
-                <a:ext cx="111366" cy="64751"/>
-              </a:xfrm>
-              <a:prstGeom prst="line">
-                <a:avLst/>
-              </a:prstGeom>
-              <a:noFill/>
-              <a:ln w="28575">
-                <a:solidFill>
-                  <a:srgbClr val="002060"/>
-                </a:solidFill>
-              </a:ln>
-            </p:spPr>
-            <p:style>
-              <a:lnRef idx="2">
-                <a:schemeClr val="accent1">
-                  <a:shade val="50000"/>
-                </a:schemeClr>
-              </a:lnRef>
-              <a:fillRef idx="1">
-                <a:schemeClr val="accent1"/>
-              </a:fillRef>
-              <a:effectRef idx="0">
-                <a:schemeClr val="accent1"/>
-              </a:effectRef>
-              <a:fontRef idx="minor">
-                <a:schemeClr val="lt1"/>
-              </a:fontRef>
-            </p:style>
-          </p:cxnSp>
-          <p:cxnSp>
-            <p:nvCxnSpPr>
-              <p:cNvPr id="17" name="Connecteur droit 16">
-                <a:extLst>
-                  <a:ext uri="{FF2B5EF4-FFF2-40B4-BE49-F238E27FC236}">
-                    <a16:creationId xmlns:a16="http://schemas.microsoft.com/office/drawing/2014/main" id="{5A8BCEF6-12DC-FCCD-1488-E92B81D601F0}"/>
-                  </a:ext>
-                </a:extLst>
-              </p:cNvPr>
-              <p:cNvCxnSpPr>
-                <a:cxnSpLocks/>
-              </p:cNvCxnSpPr>
-              <p:nvPr/>
-            </p:nvCxnSpPr>
-            <p:spPr>
-              <a:xfrm flipH="1" flipV="1">
-                <a:off x="5676900" y="1818819"/>
-                <a:ext cx="224593" cy="130584"/>
-              </a:xfrm>
-              <a:prstGeom prst="line">
-                <a:avLst/>
-              </a:prstGeom>
-              <a:noFill/>
-              <a:ln w="28575">
-                <a:solidFill>
-                  <a:srgbClr val="002060"/>
-                </a:solidFill>
-              </a:ln>
-            </p:spPr>
-            <p:style>
-              <a:lnRef idx="2">
-                <a:schemeClr val="accent1">
-                  <a:shade val="50000"/>
-                </a:schemeClr>
-              </a:lnRef>
-              <a:fillRef idx="1">
-                <a:schemeClr val="accent1"/>
-              </a:fillRef>
-              <a:effectRef idx="0">
-                <a:schemeClr val="accent1"/>
-              </a:effectRef>
-              <a:fontRef idx="minor">
-                <a:schemeClr val="lt1"/>
-              </a:fontRef>
-            </p:style>
-          </p:cxnSp>
-          <p:cxnSp>
-            <p:nvCxnSpPr>
-              <p:cNvPr id="18" name="Connecteur droit 17">
-                <a:extLst>
-                  <a:ext uri="{FF2B5EF4-FFF2-40B4-BE49-F238E27FC236}">
-                    <a16:creationId xmlns:a16="http://schemas.microsoft.com/office/drawing/2014/main" id="{A9F4F89A-88B9-3381-2A8E-99366DE61EFF}"/>
-                  </a:ext>
-                </a:extLst>
-              </p:cNvPr>
-              <p:cNvCxnSpPr>
-                <a:cxnSpLocks/>
-              </p:cNvCxnSpPr>
-              <p:nvPr/>
-            </p:nvCxnSpPr>
-            <p:spPr>
-              <a:xfrm flipH="1">
-                <a:off x="6194666" y="2075134"/>
-                <a:ext cx="127204" cy="188340"/>
-              </a:xfrm>
-              <a:prstGeom prst="line">
-                <a:avLst/>
-              </a:prstGeom>
-              <a:noFill/>
-              <a:ln w="28575">
-                <a:solidFill>
-                  <a:srgbClr val="002060"/>
-                </a:solidFill>
-              </a:ln>
-            </p:spPr>
-            <p:style>
-              <a:lnRef idx="2">
-                <a:schemeClr val="accent1">
-                  <a:shade val="50000"/>
-                </a:schemeClr>
-              </a:lnRef>
-              <a:fillRef idx="1">
-                <a:schemeClr val="accent1"/>
-              </a:fillRef>
-              <a:effectRef idx="0">
-                <a:schemeClr val="accent1"/>
-              </a:effectRef>
-              <a:fontRef idx="minor">
-                <a:schemeClr val="lt1"/>
-              </a:fontRef>
-            </p:style>
-          </p:cxnSp>
-          <p:cxnSp>
-            <p:nvCxnSpPr>
-              <p:cNvPr id="19" name="Connecteur droit 18">
-                <a:extLst>
-                  <a:ext uri="{FF2B5EF4-FFF2-40B4-BE49-F238E27FC236}">
-                    <a16:creationId xmlns:a16="http://schemas.microsoft.com/office/drawing/2014/main" id="{4EBCDD72-4638-BAC9-5E2A-7FA0C28E3177}"/>
-                  </a:ext>
-                </a:extLst>
-              </p:cNvPr>
-              <p:cNvCxnSpPr>
-                <a:cxnSpLocks/>
-              </p:cNvCxnSpPr>
-              <p:nvPr/>
-            </p:nvCxnSpPr>
-            <p:spPr>
-              <a:xfrm flipH="1">
-                <a:off x="5827140" y="1856779"/>
-                <a:ext cx="127204" cy="188340"/>
-              </a:xfrm>
-              <a:prstGeom prst="line">
-                <a:avLst/>
-              </a:prstGeom>
-              <a:noFill/>
-              <a:ln w="28575">
-                <a:solidFill>
-                  <a:srgbClr val="002060"/>
-                </a:solidFill>
-              </a:ln>
-            </p:spPr>
-            <p:style>
-              <a:lnRef idx="2">
-                <a:schemeClr val="accent1">
-                  <a:shade val="50000"/>
-                </a:schemeClr>
-              </a:lnRef>
-              <a:fillRef idx="1">
-                <a:schemeClr val="accent1"/>
-              </a:fillRef>
-              <a:effectRef idx="0">
-                <a:schemeClr val="accent1"/>
-              </a:effectRef>
-              <a:fontRef idx="minor">
-                <a:schemeClr val="lt1"/>
-              </a:fontRef>
-            </p:style>
-          </p:cxnSp>
-        </p:grpSp>
+            <a:prstGeom prst="line">
+              <a:avLst/>
+            </a:prstGeom>
+            <a:noFill/>
+            <a:ln w="28575">
+              <a:solidFill>
+                <a:srgbClr val="00B050"/>
+              </a:solidFill>
+            </a:ln>
+          </p:spPr>
+          <p:style>
+            <a:lnRef idx="2">
+              <a:schemeClr val="accent1">
+                <a:shade val="50000"/>
+              </a:schemeClr>
+            </a:lnRef>
+            <a:fillRef idx="1">
+              <a:schemeClr val="accent1"/>
+            </a:fillRef>
+            <a:effectRef idx="0">
+              <a:schemeClr val="accent1"/>
+            </a:effectRef>
+            <a:fontRef idx="minor">
+              <a:schemeClr val="lt1"/>
+            </a:fontRef>
+          </p:style>
+        </p:cxnSp>
+        <p:cxnSp>
+          <p:nvCxnSpPr>
+            <p:cNvPr id="18" name="Connecteur droit 17">
+              <a:extLst>
+                <a:ext uri="{FF2B5EF4-FFF2-40B4-BE49-F238E27FC236}">
+                  <a16:creationId xmlns:a16="http://schemas.microsoft.com/office/drawing/2014/main" id="{A9F4F89A-88B9-3381-2A8E-99366DE61EFF}"/>
+                </a:ext>
+              </a:extLst>
+            </p:cNvPr>
+            <p:cNvCxnSpPr>
+              <a:cxnSpLocks/>
+            </p:cNvCxnSpPr>
+            <p:nvPr/>
+          </p:nvCxnSpPr>
+          <p:spPr>
+            <a:xfrm flipH="1">
+              <a:off x="6194666" y="2075134"/>
+              <a:ext cx="127204" cy="188340"/>
+            </a:xfrm>
+            <a:prstGeom prst="line">
+              <a:avLst/>
+            </a:prstGeom>
+            <a:noFill/>
+            <a:ln w="28575">
+              <a:solidFill>
+                <a:srgbClr val="00B050"/>
+              </a:solidFill>
+            </a:ln>
+          </p:spPr>
+          <p:style>
+            <a:lnRef idx="2">
+              <a:schemeClr val="accent1">
+                <a:shade val="50000"/>
+              </a:schemeClr>
+            </a:lnRef>
+            <a:fillRef idx="1">
+              <a:schemeClr val="accent1"/>
+            </a:fillRef>
+            <a:effectRef idx="0">
+              <a:schemeClr val="accent1"/>
+            </a:effectRef>
+            <a:fontRef idx="minor">
+              <a:schemeClr val="lt1"/>
+            </a:fontRef>
+          </p:style>
+        </p:cxnSp>
+        <p:cxnSp>
+          <p:nvCxnSpPr>
+            <p:cNvPr id="19" name="Connecteur droit 18">
+              <a:extLst>
+                <a:ext uri="{FF2B5EF4-FFF2-40B4-BE49-F238E27FC236}">
+                  <a16:creationId xmlns:a16="http://schemas.microsoft.com/office/drawing/2014/main" id="{4EBCDD72-4638-BAC9-5E2A-7FA0C28E3177}"/>
+                </a:ext>
+              </a:extLst>
+            </p:cNvPr>
+            <p:cNvCxnSpPr>
+              <a:cxnSpLocks/>
+            </p:cNvCxnSpPr>
+            <p:nvPr/>
+          </p:nvCxnSpPr>
+          <p:spPr>
+            <a:xfrm flipH="1">
+              <a:off x="5827140" y="1856779"/>
+              <a:ext cx="127204" cy="188340"/>
+            </a:xfrm>
+            <a:prstGeom prst="line">
+              <a:avLst/>
+            </a:prstGeom>
+            <a:noFill/>
+            <a:ln w="28575">
+              <a:solidFill>
+                <a:srgbClr val="00B050"/>
+              </a:solidFill>
+            </a:ln>
+          </p:spPr>
+          <p:style>
+            <a:lnRef idx="2">
+              <a:schemeClr val="accent1">
+                <a:shade val="50000"/>
+              </a:schemeClr>
+            </a:lnRef>
+            <a:fillRef idx="1">
+              <a:schemeClr val="accent1"/>
+            </a:fillRef>
+            <a:effectRef idx="0">
+              <a:schemeClr val="accent1"/>
+            </a:effectRef>
+            <a:fontRef idx="minor">
+              <a:schemeClr val="lt1"/>
+            </a:fontRef>
+          </p:style>
+        </p:cxnSp>
       </p:grpSp>
-      <p:cxnSp>
-        <p:nvCxnSpPr>
-          <p:cNvPr id="28" name="Connecteur droit 27">
-            <a:extLst>
-              <a:ext uri="{FF2B5EF4-FFF2-40B4-BE49-F238E27FC236}">
-                <a16:creationId xmlns:a16="http://schemas.microsoft.com/office/drawing/2014/main" id="{A2ADC020-7997-ED16-AFCA-8E4AECE33BF4}"/>
-              </a:ext>
-            </a:extLst>
-          </p:cNvPr>
-          <p:cNvCxnSpPr>
-            <a:cxnSpLocks/>
-            <a:endCxn id="7" idx="2"/>
-          </p:cNvCxnSpPr>
-          <p:nvPr/>
-        </p:nvCxnSpPr>
-        <p:spPr>
-          <a:xfrm flipH="1">
-            <a:off x="3237874" y="2045928"/>
-            <a:ext cx="1653709" cy="969151"/>
-          </a:xfrm>
-          <a:prstGeom prst="line">
-            <a:avLst/>
-          </a:prstGeom>
-          <a:noFill/>
-          <a:ln w="28575">
-            <a:solidFill>
-              <a:srgbClr val="C00000"/>
-            </a:solidFill>
-          </a:ln>
-        </p:spPr>
-        <p:style>
-          <a:lnRef idx="2">
-            <a:schemeClr val="accent1">
-              <a:shade val="50000"/>
-            </a:schemeClr>
-          </a:lnRef>
-          <a:fillRef idx="1">
-            <a:schemeClr val="accent1"/>
-          </a:fillRef>
-          <a:effectRef idx="0">
-            <a:schemeClr val="accent1"/>
-          </a:effectRef>
-          <a:fontRef idx="minor">
-            <a:schemeClr val="lt1"/>
-          </a:fontRef>
-        </p:style>
-      </p:cxnSp>
-      <p:cxnSp>
-        <p:nvCxnSpPr>
-          <p:cNvPr id="34" name="Connecteur droit 33">
-            <a:extLst>
-              <a:ext uri="{FF2B5EF4-FFF2-40B4-BE49-F238E27FC236}">
-                <a16:creationId xmlns:a16="http://schemas.microsoft.com/office/drawing/2014/main" id="{3AC51D9B-66A8-A3BA-EE6E-02379B840F45}"/>
-              </a:ext>
-            </a:extLst>
-          </p:cNvPr>
-          <p:cNvCxnSpPr>
-            <a:cxnSpLocks/>
-            <a:endCxn id="7" idx="4"/>
-          </p:cNvCxnSpPr>
-          <p:nvPr/>
-        </p:nvCxnSpPr>
-        <p:spPr>
-          <a:xfrm flipH="1" flipV="1">
-            <a:off x="3123982" y="3198613"/>
-            <a:ext cx="0" cy="1872000"/>
-          </a:xfrm>
-          <a:prstGeom prst="line">
-            <a:avLst/>
-          </a:prstGeom>
-          <a:noFill/>
-          <a:ln w="28575">
-            <a:solidFill>
-              <a:srgbClr val="C00000"/>
-            </a:solidFill>
-          </a:ln>
-        </p:spPr>
-        <p:style>
-          <a:lnRef idx="2">
-            <a:schemeClr val="accent1">
-              <a:shade val="50000"/>
-            </a:schemeClr>
-          </a:lnRef>
-          <a:fillRef idx="1">
-            <a:schemeClr val="accent1"/>
-          </a:fillRef>
-          <a:effectRef idx="0">
-            <a:schemeClr val="accent1"/>
-          </a:effectRef>
-          <a:fontRef idx="minor">
-            <a:schemeClr val="lt1"/>
-          </a:fontRef>
-        </p:style>
-      </p:cxnSp>
       <p:grpSp>
         <p:nvGrpSpPr>
           <p:cNvPr id="41" name="Groupe 40">
@@ -7442,10 +7329,10 @@
         </p:nvGrpSpPr>
         <p:grpSpPr>
           <a:xfrm>
-            <a:off x="4504643" y="1798997"/>
-            <a:ext cx="659580" cy="444655"/>
-            <a:chOff x="5676900" y="1818819"/>
-            <a:chExt cx="659580" cy="444655"/>
+            <a:off x="5380982" y="3695228"/>
+            <a:ext cx="712431" cy="475384"/>
+            <a:chOff x="5624049" y="1788090"/>
+            <a:chExt cx="712431" cy="475384"/>
           </a:xfrm>
         </p:grpSpPr>
         <p:sp>
@@ -7516,10 +7403,10 @@
           </p:nvGrpSpPr>
           <p:grpSpPr>
             <a:xfrm>
-              <a:off x="5676900" y="1818819"/>
-              <a:ext cx="659580" cy="444655"/>
-              <a:chOff x="5676900" y="1818819"/>
-              <a:chExt cx="659580" cy="444655"/>
+              <a:off x="5624049" y="1788090"/>
+              <a:ext cx="712431" cy="475384"/>
+              <a:chOff x="5624049" y="1788090"/>
+              <a:chExt cx="712431" cy="475384"/>
             </a:xfrm>
           </p:grpSpPr>
           <p:cxnSp>
@@ -7584,8 +7471,8 @@
             </p:nvCxnSpPr>
             <p:spPr>
               <a:xfrm flipH="1" flipV="1">
-                <a:off x="5676900" y="1818819"/>
-                <a:ext cx="224593" cy="130584"/>
+                <a:off x="5624049" y="1788090"/>
+                <a:ext cx="277444" cy="161313"/>
               </a:xfrm>
               <a:prstGeom prst="line">
                 <a:avLst/>
@@ -7722,10 +7609,10 @@
         </p:nvGrpSpPr>
         <p:grpSpPr>
           <a:xfrm>
-            <a:off x="4504643" y="3842922"/>
-            <a:ext cx="659580" cy="444655"/>
-            <a:chOff x="5676900" y="1818819"/>
-            <a:chExt cx="659580" cy="444655"/>
+            <a:off x="6717174" y="3627369"/>
+            <a:ext cx="494730" cy="406695"/>
+            <a:chOff x="5827140" y="1856779"/>
+            <a:chExt cx="494730" cy="406695"/>
           </a:xfrm>
         </p:grpSpPr>
         <p:sp>
@@ -7753,7 +7640,7 @@
             <a:noFill/>
             <a:ln w="28575">
               <a:solidFill>
-                <a:srgbClr val="C00000"/>
+                <a:srgbClr val="002060"/>
               </a:solidFill>
             </a:ln>
           </p:spPr>
@@ -7796,104 +7683,12 @@
           </p:nvGrpSpPr>
           <p:grpSpPr>
             <a:xfrm>
-              <a:off x="5676900" y="1818819"/>
-              <a:ext cx="659580" cy="444655"/>
-              <a:chOff x="5676900" y="1818819"/>
-              <a:chExt cx="659580" cy="444655"/>
+              <a:off x="5827140" y="1856779"/>
+              <a:ext cx="494730" cy="406695"/>
+              <a:chOff x="5827140" y="1856779"/>
+              <a:chExt cx="494730" cy="406695"/>
             </a:xfrm>
           </p:grpSpPr>
-          <p:cxnSp>
-            <p:nvCxnSpPr>
-              <p:cNvPr id="51" name="Connecteur droit 50">
-                <a:extLst>
-                  <a:ext uri="{FF2B5EF4-FFF2-40B4-BE49-F238E27FC236}">
-                    <a16:creationId xmlns:a16="http://schemas.microsoft.com/office/drawing/2014/main" id="{886EF6EF-5354-95E7-7982-3381ED97D094}"/>
-                  </a:ext>
-                </a:extLst>
-              </p:cNvPr>
-              <p:cNvCxnSpPr>
-                <a:cxnSpLocks/>
-              </p:cNvCxnSpPr>
-              <p:nvPr/>
-            </p:nvCxnSpPr>
-            <p:spPr>
-              <a:xfrm flipH="1" flipV="1">
-                <a:off x="6226413" y="2148948"/>
-                <a:ext cx="110067" cy="63996"/>
-              </a:xfrm>
-              <a:prstGeom prst="line">
-                <a:avLst/>
-              </a:prstGeom>
-              <a:noFill/>
-              <a:ln w="28575">
-                <a:solidFill>
-                  <a:srgbClr val="002060"/>
-                </a:solidFill>
-              </a:ln>
-            </p:spPr>
-            <p:style>
-              <a:lnRef idx="2">
-                <a:schemeClr val="accent1">
-                  <a:shade val="50000"/>
-                </a:schemeClr>
-              </a:lnRef>
-              <a:fillRef idx="1">
-                <a:schemeClr val="accent1"/>
-              </a:fillRef>
-              <a:effectRef idx="0">
-                <a:schemeClr val="accent1"/>
-              </a:effectRef>
-              <a:fontRef idx="minor">
-                <a:schemeClr val="lt1"/>
-              </a:fontRef>
-            </p:style>
-          </p:cxnSp>
-          <p:cxnSp>
-            <p:nvCxnSpPr>
-              <p:cNvPr id="52" name="Connecteur droit 51">
-                <a:extLst>
-                  <a:ext uri="{FF2B5EF4-FFF2-40B4-BE49-F238E27FC236}">
-                    <a16:creationId xmlns:a16="http://schemas.microsoft.com/office/drawing/2014/main" id="{1DC0CC28-5287-D129-5B70-CFCD5FF8B110}"/>
-                  </a:ext>
-                </a:extLst>
-              </p:cNvPr>
-              <p:cNvCxnSpPr>
-                <a:cxnSpLocks/>
-              </p:cNvCxnSpPr>
-              <p:nvPr/>
-            </p:nvCxnSpPr>
-            <p:spPr>
-              <a:xfrm flipH="1" flipV="1">
-                <a:off x="5676900" y="1818819"/>
-                <a:ext cx="224593" cy="130584"/>
-              </a:xfrm>
-              <a:prstGeom prst="line">
-                <a:avLst/>
-              </a:prstGeom>
-              <a:noFill/>
-              <a:ln w="28575">
-                <a:solidFill>
-                  <a:srgbClr val="002060"/>
-                </a:solidFill>
-              </a:ln>
-            </p:spPr>
-            <p:style>
-              <a:lnRef idx="2">
-                <a:schemeClr val="accent1">
-                  <a:shade val="50000"/>
-                </a:schemeClr>
-              </a:lnRef>
-              <a:fillRef idx="1">
-                <a:schemeClr val="accent1"/>
-              </a:fillRef>
-              <a:effectRef idx="0">
-                <a:schemeClr val="accent1"/>
-              </a:effectRef>
-              <a:fontRef idx="minor">
-                <a:schemeClr val="lt1"/>
-              </a:fontRef>
-            </p:style>
-          </p:cxnSp>
           <p:cxnSp>
             <p:nvCxnSpPr>
               <p:cNvPr id="53" name="Connecteur droit 52">
@@ -7919,7 +7714,7 @@
               <a:noFill/>
               <a:ln w="28575">
                 <a:solidFill>
-                  <a:srgbClr val="002060"/>
+                  <a:srgbClr val="00B050"/>
                 </a:solidFill>
               </a:ln>
             </p:spPr>
@@ -7965,7 +7760,7 @@
               <a:noFill/>
               <a:ln w="28575">
                 <a:solidFill>
-                  <a:srgbClr val="002060"/>
+                  <a:srgbClr val="00B050"/>
                 </a:solidFill>
               </a:ln>
             </p:spPr>
@@ -7990,10 +7785,10 @@
       </p:grpSp>
       <p:cxnSp>
         <p:nvCxnSpPr>
-          <p:cNvPr id="55" name="Connecteur droit 54">
-            <a:extLst>
-              <a:ext uri="{FF2B5EF4-FFF2-40B4-BE49-F238E27FC236}">
-                <a16:creationId xmlns:a16="http://schemas.microsoft.com/office/drawing/2014/main" id="{81BF40A8-A43A-CEA7-85B8-69675EEE3486}"/>
+          <p:cNvPr id="56" name="Connecteur droit 55">
+            <a:extLst>
+              <a:ext uri="{FF2B5EF4-FFF2-40B4-BE49-F238E27FC236}">
+                <a16:creationId xmlns:a16="http://schemas.microsoft.com/office/drawing/2014/main" id="{439D1C1D-1952-0E35-5726-3A70CBE1E773}"/>
               </a:ext>
             </a:extLst>
           </p:cNvPr>
@@ -8003,9 +7798,9 @@
           <p:nvPr/>
         </p:nvCxnSpPr>
         <p:spPr>
-          <a:xfrm flipH="1" flipV="1">
-            <a:off x="4923743" y="2170846"/>
-            <a:ext cx="0" cy="1872000"/>
+          <a:xfrm flipH="1">
+            <a:off x="5498802" y="3977248"/>
+            <a:ext cx="340884" cy="199774"/>
           </a:xfrm>
           <a:prstGeom prst="line">
             <a:avLst/>
@@ -8034,58 +7829,12 @@
           </a:fontRef>
         </p:style>
       </p:cxnSp>
-      <p:cxnSp>
-        <p:nvCxnSpPr>
-          <p:cNvPr id="56" name="Connecteur droit 55">
-            <a:extLst>
-              <a:ext uri="{FF2B5EF4-FFF2-40B4-BE49-F238E27FC236}">
-                <a16:creationId xmlns:a16="http://schemas.microsoft.com/office/drawing/2014/main" id="{439D1C1D-1952-0E35-5726-3A70CBE1E773}"/>
-              </a:ext>
-            </a:extLst>
-          </p:cNvPr>
-          <p:cNvCxnSpPr>
-            <a:cxnSpLocks/>
-          </p:cNvCxnSpPr>
-          <p:nvPr/>
-        </p:nvCxnSpPr>
-        <p:spPr>
-          <a:xfrm flipH="1">
-            <a:off x="3211723" y="4098780"/>
-            <a:ext cx="1653709" cy="969151"/>
-          </a:xfrm>
-          <a:prstGeom prst="line">
-            <a:avLst/>
-          </a:prstGeom>
-          <a:noFill/>
-          <a:ln w="28575">
-            <a:solidFill>
-              <a:srgbClr val="C00000"/>
-            </a:solidFill>
-          </a:ln>
-        </p:spPr>
-        <p:style>
-          <a:lnRef idx="2">
-            <a:schemeClr val="accent1">
-              <a:shade val="50000"/>
-            </a:schemeClr>
-          </a:lnRef>
-          <a:fillRef idx="1">
-            <a:schemeClr val="accent1"/>
-          </a:fillRef>
-          <a:effectRef idx="0">
-            <a:schemeClr val="accent1"/>
-          </a:effectRef>
-          <a:fontRef idx="minor">
-            <a:schemeClr val="lt1"/>
-          </a:fontRef>
-        </p:style>
-      </p:cxnSp>
       <p:sp>
         <p:nvSpPr>
-          <p:cNvPr id="58" name="Ellipse 57">
-            <a:extLst>
-              <a:ext uri="{FF2B5EF4-FFF2-40B4-BE49-F238E27FC236}">
-                <a16:creationId xmlns:a16="http://schemas.microsoft.com/office/drawing/2014/main" id="{501C20AF-D3B1-4782-0E31-060E47D1055C}"/>
+          <p:cNvPr id="60" name="Ellipse 59">
+            <a:extLst>
+              <a:ext uri="{FF2B5EF4-FFF2-40B4-BE49-F238E27FC236}">
+                <a16:creationId xmlns:a16="http://schemas.microsoft.com/office/drawing/2014/main" id="{FFBA7405-7228-4350-645B-A6036DD108C3}"/>
               </a:ext>
             </a:extLst>
           </p:cNvPr>
@@ -8094,7 +7843,7 @@
         </p:nvSpPr>
         <p:spPr>
           <a:xfrm>
-            <a:off x="2557439" y="2709833"/>
+            <a:off x="5880688" y="3571799"/>
             <a:ext cx="224593" cy="218355"/>
           </a:xfrm>
           <a:prstGeom prst="ellipse">
@@ -8144,12 +7893,112 @@
           </a:p>
         </p:txBody>
       </p:sp>
+      <p:cxnSp>
+        <p:nvCxnSpPr>
+          <p:cNvPr id="4" name="Connecteur droit 3">
+            <a:extLst>
+              <a:ext uri="{FF2B5EF4-FFF2-40B4-BE49-F238E27FC236}">
+                <a16:creationId xmlns:a16="http://schemas.microsoft.com/office/drawing/2014/main" id="{53C60B0E-8F00-AD0C-4EDB-35EB1BC7A0AA}"/>
+              </a:ext>
+            </a:extLst>
+          </p:cNvPr>
+          <p:cNvCxnSpPr>
+            <a:cxnSpLocks/>
+          </p:cNvCxnSpPr>
+          <p:nvPr/>
+        </p:nvCxnSpPr>
+        <p:spPr>
+          <a:xfrm flipH="1">
+            <a:off x="6177799" y="4384952"/>
+            <a:ext cx="293551" cy="172035"/>
+          </a:xfrm>
+          <a:prstGeom prst="line">
+            <a:avLst/>
+          </a:prstGeom>
+          <a:noFill/>
+          <a:ln w="28575">
+            <a:solidFill>
+              <a:srgbClr val="C00000"/>
+            </a:solidFill>
+          </a:ln>
+        </p:spPr>
+        <p:style>
+          <a:lnRef idx="2">
+            <a:schemeClr val="accent1">
+              <a:shade val="50000"/>
+            </a:schemeClr>
+          </a:lnRef>
+          <a:fillRef idx="1">
+            <a:schemeClr val="accent1"/>
+          </a:fillRef>
+          <a:effectRef idx="0">
+            <a:schemeClr val="accent1"/>
+          </a:effectRef>
+          <a:fontRef idx="minor">
+            <a:schemeClr val="lt1"/>
+          </a:fontRef>
+        </p:style>
+      </p:cxnSp>
       <p:sp>
         <p:nvSpPr>
-          <p:cNvPr id="59" name="Ellipse 58">
-            <a:extLst>
-              <a:ext uri="{FF2B5EF4-FFF2-40B4-BE49-F238E27FC236}">
-                <a16:creationId xmlns:a16="http://schemas.microsoft.com/office/drawing/2014/main" id="{2EC55828-D8D3-9E33-56C3-4826F304F827}"/>
+          <p:cNvPr id="26" name="Parallélogramme 25">
+            <a:extLst>
+              <a:ext uri="{FF2B5EF4-FFF2-40B4-BE49-F238E27FC236}">
+                <a16:creationId xmlns:a16="http://schemas.microsoft.com/office/drawing/2014/main" id="{71F8D9F4-557F-DC87-33D9-4C7DF789AFDE}"/>
+              </a:ext>
+            </a:extLst>
+          </p:cNvPr>
+          <p:cNvSpPr/>
+          <p:nvPr/>
+        </p:nvSpPr>
+        <p:spPr>
+          <a:xfrm rot="12600000" flipV="1">
+            <a:off x="5358211" y="4393960"/>
+            <a:ext cx="965674" cy="364196"/>
+          </a:xfrm>
+          <a:prstGeom prst="parallelogram">
+            <a:avLst>
+              <a:gd name="adj" fmla="val 56449"/>
+            </a:avLst>
+          </a:prstGeom>
+          <a:noFill/>
+          <a:ln w="28575">
+            <a:solidFill>
+              <a:srgbClr val="C00000"/>
+            </a:solidFill>
+          </a:ln>
+        </p:spPr>
+        <p:style>
+          <a:lnRef idx="2">
+            <a:schemeClr val="accent1">
+              <a:shade val="50000"/>
+            </a:schemeClr>
+          </a:lnRef>
+          <a:fillRef idx="1">
+            <a:schemeClr val="accent1"/>
+          </a:fillRef>
+          <a:effectRef idx="0">
+            <a:schemeClr val="accent1"/>
+          </a:effectRef>
+          <a:fontRef idx="minor">
+            <a:schemeClr val="lt1"/>
+          </a:fontRef>
+        </p:style>
+        <p:txBody>
+          <a:bodyPr rtlCol="0" anchor="ctr"/>
+          <a:lstStyle/>
+          <a:p>
+            <a:pPr algn="ctr"/>
+            <a:endParaRPr lang="fr-FR"/>
+          </a:p>
+        </p:txBody>
+      </p:sp>
+      <p:sp>
+        <p:nvSpPr>
+          <p:cNvPr id="29" name="Ellipse 28">
+            <a:extLst>
+              <a:ext uri="{FF2B5EF4-FFF2-40B4-BE49-F238E27FC236}">
+                <a16:creationId xmlns:a16="http://schemas.microsoft.com/office/drawing/2014/main" id="{F969CD62-A227-9E20-0DF2-B55E905E3DF7}"/>
               </a:ext>
             </a:extLst>
           </p:cNvPr>
@@ -8158,7 +8007,833 @@
         </p:nvSpPr>
         <p:spPr>
           <a:xfrm>
-            <a:off x="2486472" y="4711537"/>
+            <a:off x="5779011" y="4510368"/>
+            <a:ext cx="75308" cy="133262"/>
+          </a:xfrm>
+          <a:prstGeom prst="ellipse">
+            <a:avLst/>
+          </a:prstGeom>
+          <a:solidFill>
+            <a:srgbClr val="C00000"/>
+          </a:solidFill>
+          <a:ln w="19050">
+            <a:solidFill>
+              <a:srgbClr val="C00000"/>
+            </a:solidFill>
+          </a:ln>
+        </p:spPr>
+        <p:style>
+          <a:lnRef idx="2">
+            <a:schemeClr val="accent1">
+              <a:shade val="50000"/>
+            </a:schemeClr>
+          </a:lnRef>
+          <a:fillRef idx="1">
+            <a:schemeClr val="accent1"/>
+          </a:fillRef>
+          <a:effectRef idx="0">
+            <a:schemeClr val="accent1"/>
+          </a:effectRef>
+          <a:fontRef idx="minor">
+            <a:schemeClr val="lt1"/>
+          </a:fontRef>
+        </p:style>
+        <p:txBody>
+          <a:bodyPr rtlCol="0" anchor="ctr"/>
+          <a:lstStyle/>
+          <a:p>
+            <a:pPr algn="ctr"/>
+            <a:endParaRPr lang="fr-FR" b="1" dirty="0">
+              <a:solidFill>
+                <a:srgbClr val="002060"/>
+              </a:solidFill>
+            </a:endParaRPr>
+          </a:p>
+        </p:txBody>
+      </p:sp>
+      <p:cxnSp>
+        <p:nvCxnSpPr>
+          <p:cNvPr id="30" name="Connecteur droit 29">
+            <a:extLst>
+              <a:ext uri="{FF2B5EF4-FFF2-40B4-BE49-F238E27FC236}">
+                <a16:creationId xmlns:a16="http://schemas.microsoft.com/office/drawing/2014/main" id="{6F4E20E7-8E76-CDC1-6CBB-E27F3D7F5A79}"/>
+              </a:ext>
+            </a:extLst>
+          </p:cNvPr>
+          <p:cNvCxnSpPr>
+            <a:cxnSpLocks/>
+          </p:cNvCxnSpPr>
+          <p:nvPr/>
+        </p:nvCxnSpPr>
+        <p:spPr>
+          <a:xfrm flipV="1">
+            <a:off x="5388113" y="3017520"/>
+            <a:ext cx="0" cy="677708"/>
+          </a:xfrm>
+          <a:prstGeom prst="line">
+            <a:avLst/>
+          </a:prstGeom>
+          <a:noFill/>
+          <a:ln w="28575">
+            <a:solidFill>
+              <a:srgbClr val="002060"/>
+            </a:solidFill>
+          </a:ln>
+        </p:spPr>
+        <p:style>
+          <a:lnRef idx="2">
+            <a:schemeClr val="accent1">
+              <a:shade val="50000"/>
+            </a:schemeClr>
+          </a:lnRef>
+          <a:fillRef idx="1">
+            <a:schemeClr val="accent1"/>
+          </a:fillRef>
+          <a:effectRef idx="0">
+            <a:schemeClr val="accent1"/>
+          </a:effectRef>
+          <a:fontRef idx="minor">
+            <a:schemeClr val="lt1"/>
+          </a:fontRef>
+        </p:style>
+      </p:cxnSp>
+      <p:cxnSp>
+        <p:nvCxnSpPr>
+          <p:cNvPr id="35" name="Connecteur droit 34">
+            <a:extLst>
+              <a:ext uri="{FF2B5EF4-FFF2-40B4-BE49-F238E27FC236}">
+                <a16:creationId xmlns:a16="http://schemas.microsoft.com/office/drawing/2014/main" id="{80D4726D-76D2-CFE0-D5B3-16ED030A9453}"/>
+              </a:ext>
+            </a:extLst>
+          </p:cNvPr>
+          <p:cNvCxnSpPr>
+            <a:cxnSpLocks/>
+          </p:cNvCxnSpPr>
+          <p:nvPr/>
+        </p:nvCxnSpPr>
+        <p:spPr>
+          <a:xfrm flipH="1" flipV="1">
+            <a:off x="6939248" y="3934955"/>
+            <a:ext cx="0" cy="688071"/>
+          </a:xfrm>
+          <a:prstGeom prst="line">
+            <a:avLst/>
+          </a:prstGeom>
+          <a:noFill/>
+          <a:ln w="28575">
+            <a:solidFill>
+              <a:srgbClr val="002060"/>
+            </a:solidFill>
+          </a:ln>
+        </p:spPr>
+        <p:style>
+          <a:lnRef idx="2">
+            <a:schemeClr val="accent1">
+              <a:shade val="50000"/>
+            </a:schemeClr>
+          </a:lnRef>
+          <a:fillRef idx="1">
+            <a:schemeClr val="accent1"/>
+          </a:fillRef>
+          <a:effectRef idx="0">
+            <a:schemeClr val="accent1"/>
+          </a:effectRef>
+          <a:fontRef idx="minor">
+            <a:schemeClr val="lt1"/>
+          </a:fontRef>
+        </p:style>
+      </p:cxnSp>
+      <p:cxnSp>
+        <p:nvCxnSpPr>
+          <p:cNvPr id="73" name="Connecteur droit 72">
+            <a:extLst>
+              <a:ext uri="{FF2B5EF4-FFF2-40B4-BE49-F238E27FC236}">
+                <a16:creationId xmlns:a16="http://schemas.microsoft.com/office/drawing/2014/main" id="{C6441EEF-AA3D-3ACB-C9A1-5629008D65F6}"/>
+              </a:ext>
+            </a:extLst>
+          </p:cNvPr>
+          <p:cNvCxnSpPr>
+            <a:cxnSpLocks/>
+          </p:cNvCxnSpPr>
+          <p:nvPr/>
+        </p:nvCxnSpPr>
+        <p:spPr>
+          <a:xfrm flipH="1" flipV="1">
+            <a:off x="7121523" y="3924795"/>
+            <a:ext cx="260820" cy="151647"/>
+          </a:xfrm>
+          <a:prstGeom prst="line">
+            <a:avLst/>
+          </a:prstGeom>
+          <a:noFill/>
+          <a:ln w="28575">
+            <a:solidFill>
+              <a:srgbClr val="00B050"/>
+            </a:solidFill>
+          </a:ln>
+        </p:spPr>
+        <p:style>
+          <a:lnRef idx="2">
+            <a:schemeClr val="accent1">
+              <a:shade val="50000"/>
+            </a:schemeClr>
+          </a:lnRef>
+          <a:fillRef idx="1">
+            <a:schemeClr val="accent1"/>
+          </a:fillRef>
+          <a:effectRef idx="0">
+            <a:schemeClr val="accent1"/>
+          </a:effectRef>
+          <a:fontRef idx="minor">
+            <a:schemeClr val="lt1"/>
+          </a:fontRef>
+        </p:style>
+      </p:cxnSp>
+      <p:cxnSp>
+        <p:nvCxnSpPr>
+          <p:cNvPr id="3" name="Connecteur droit 2">
+            <a:extLst>
+              <a:ext uri="{FF2B5EF4-FFF2-40B4-BE49-F238E27FC236}">
+                <a16:creationId xmlns:a16="http://schemas.microsoft.com/office/drawing/2014/main" id="{ED9D095F-DD07-D664-96C1-FF6429C6AB13}"/>
+              </a:ext>
+            </a:extLst>
+          </p:cNvPr>
+          <p:cNvCxnSpPr>
+            <a:cxnSpLocks/>
+          </p:cNvCxnSpPr>
+          <p:nvPr/>
+        </p:nvCxnSpPr>
+        <p:spPr>
+          <a:xfrm>
+            <a:off x="5033452" y="1864053"/>
+            <a:ext cx="5668" cy="820254"/>
+          </a:xfrm>
+          <a:prstGeom prst="line">
+            <a:avLst/>
+          </a:prstGeom>
+          <a:noFill/>
+          <a:ln w="28575">
+            <a:solidFill>
+              <a:srgbClr val="00B050"/>
+            </a:solidFill>
+          </a:ln>
+        </p:spPr>
+        <p:style>
+          <a:lnRef idx="2">
+            <a:schemeClr val="accent1">
+              <a:shade val="50000"/>
+            </a:schemeClr>
+          </a:lnRef>
+          <a:fillRef idx="1">
+            <a:schemeClr val="accent1"/>
+          </a:fillRef>
+          <a:effectRef idx="0">
+            <a:schemeClr val="accent1"/>
+          </a:effectRef>
+          <a:fontRef idx="minor">
+            <a:schemeClr val="lt1"/>
+          </a:fontRef>
+        </p:style>
+      </p:cxnSp>
+      <p:sp>
+        <p:nvSpPr>
+          <p:cNvPr id="2" name="Cylindre 1">
+            <a:extLst>
+              <a:ext uri="{FF2B5EF4-FFF2-40B4-BE49-F238E27FC236}">
+                <a16:creationId xmlns:a16="http://schemas.microsoft.com/office/drawing/2014/main" id="{D74B9C12-F758-966D-CFE9-125E47FAC129}"/>
+              </a:ext>
+            </a:extLst>
+          </p:cNvPr>
+          <p:cNvSpPr/>
+          <p:nvPr/>
+        </p:nvSpPr>
+        <p:spPr>
+          <a:xfrm rot="7309303">
+            <a:off x="4989908" y="1559221"/>
+            <a:ext cx="216000" cy="432000"/>
+          </a:xfrm>
+          <a:prstGeom prst="can">
+            <a:avLst>
+              <a:gd name="adj" fmla="val 52625"/>
+            </a:avLst>
+          </a:prstGeom>
+          <a:noFill/>
+          <a:ln w="28575">
+            <a:solidFill>
+              <a:srgbClr val="00B050"/>
+            </a:solidFill>
+          </a:ln>
+        </p:spPr>
+        <p:style>
+          <a:lnRef idx="2">
+            <a:schemeClr val="accent1">
+              <a:shade val="50000"/>
+            </a:schemeClr>
+          </a:lnRef>
+          <a:fillRef idx="1">
+            <a:schemeClr val="accent1"/>
+          </a:fillRef>
+          <a:effectRef idx="0">
+            <a:schemeClr val="accent1"/>
+          </a:effectRef>
+          <a:fontRef idx="minor">
+            <a:schemeClr val="lt1"/>
+          </a:fontRef>
+        </p:style>
+        <p:txBody>
+          <a:bodyPr rtlCol="0" anchor="ctr"/>
+          <a:lstStyle/>
+          <a:p>
+            <a:pPr algn="ctr"/>
+            <a:endParaRPr lang="fr-FR"/>
+          </a:p>
+        </p:txBody>
+      </p:sp>
+      <p:cxnSp>
+        <p:nvCxnSpPr>
+          <p:cNvPr id="24" name="Connecteur droit 23">
+            <a:extLst>
+              <a:ext uri="{FF2B5EF4-FFF2-40B4-BE49-F238E27FC236}">
+                <a16:creationId xmlns:a16="http://schemas.microsoft.com/office/drawing/2014/main" id="{54BAF615-7936-F7B7-A50B-E17547F29FDD}"/>
+              </a:ext>
+            </a:extLst>
+          </p:cNvPr>
+          <p:cNvCxnSpPr>
+            <a:cxnSpLocks/>
+          </p:cNvCxnSpPr>
+          <p:nvPr/>
+        </p:nvCxnSpPr>
+        <p:spPr>
+          <a:xfrm>
+            <a:off x="7377320" y="3262999"/>
+            <a:ext cx="5668" cy="820254"/>
+          </a:xfrm>
+          <a:prstGeom prst="line">
+            <a:avLst/>
+          </a:prstGeom>
+          <a:noFill/>
+          <a:ln w="28575">
+            <a:solidFill>
+              <a:srgbClr val="00B050"/>
+            </a:solidFill>
+          </a:ln>
+        </p:spPr>
+        <p:style>
+          <a:lnRef idx="2">
+            <a:schemeClr val="accent1">
+              <a:shade val="50000"/>
+            </a:schemeClr>
+          </a:lnRef>
+          <a:fillRef idx="1">
+            <a:schemeClr val="accent1"/>
+          </a:fillRef>
+          <a:effectRef idx="0">
+            <a:schemeClr val="accent1"/>
+          </a:effectRef>
+          <a:fontRef idx="minor">
+            <a:schemeClr val="lt1"/>
+          </a:fontRef>
+        </p:style>
+      </p:cxnSp>
+      <p:sp>
+        <p:nvSpPr>
+          <p:cNvPr id="25" name="Cylindre 24">
+            <a:extLst>
+              <a:ext uri="{FF2B5EF4-FFF2-40B4-BE49-F238E27FC236}">
+                <a16:creationId xmlns:a16="http://schemas.microsoft.com/office/drawing/2014/main" id="{92A01305-6F73-527C-84BF-C8556ED1202F}"/>
+              </a:ext>
+            </a:extLst>
+          </p:cNvPr>
+          <p:cNvSpPr/>
+          <p:nvPr/>
+        </p:nvSpPr>
+        <p:spPr>
+          <a:xfrm rot="7309303">
+            <a:off x="7333776" y="2958167"/>
+            <a:ext cx="216000" cy="432000"/>
+          </a:xfrm>
+          <a:prstGeom prst="can">
+            <a:avLst>
+              <a:gd name="adj" fmla="val 52625"/>
+            </a:avLst>
+          </a:prstGeom>
+          <a:noFill/>
+          <a:ln w="28575">
+            <a:solidFill>
+              <a:srgbClr val="00B050"/>
+            </a:solidFill>
+          </a:ln>
+        </p:spPr>
+        <p:style>
+          <a:lnRef idx="2">
+            <a:schemeClr val="accent1">
+              <a:shade val="50000"/>
+            </a:schemeClr>
+          </a:lnRef>
+          <a:fillRef idx="1">
+            <a:schemeClr val="accent1"/>
+          </a:fillRef>
+          <a:effectRef idx="0">
+            <a:schemeClr val="accent1"/>
+          </a:effectRef>
+          <a:fontRef idx="minor">
+            <a:schemeClr val="lt1"/>
+          </a:fontRef>
+        </p:style>
+        <p:txBody>
+          <a:bodyPr rtlCol="0" anchor="ctr"/>
+          <a:lstStyle/>
+          <a:p>
+            <a:pPr algn="ctr"/>
+            <a:endParaRPr lang="fr-FR"/>
+          </a:p>
+        </p:txBody>
+      </p:sp>
+      <p:cxnSp>
+        <p:nvCxnSpPr>
+          <p:cNvPr id="33" name="Connecteur droit 32">
+            <a:extLst>
+              <a:ext uri="{FF2B5EF4-FFF2-40B4-BE49-F238E27FC236}">
+                <a16:creationId xmlns:a16="http://schemas.microsoft.com/office/drawing/2014/main" id="{671A8FBC-3F23-07A2-9C77-520B910E5424}"/>
+              </a:ext>
+            </a:extLst>
+          </p:cNvPr>
+          <p:cNvCxnSpPr>
+            <a:cxnSpLocks/>
+          </p:cNvCxnSpPr>
+          <p:nvPr/>
+        </p:nvCxnSpPr>
+        <p:spPr>
+          <a:xfrm flipH="1" flipV="1">
+            <a:off x="5281442" y="1889113"/>
+            <a:ext cx="1976800" cy="1171162"/>
+          </a:xfrm>
+          <a:prstGeom prst="line">
+            <a:avLst/>
+          </a:prstGeom>
+          <a:noFill/>
+          <a:ln w="28575">
+            <a:solidFill>
+              <a:schemeClr val="accent2"/>
+            </a:solidFill>
+          </a:ln>
+        </p:spPr>
+        <p:style>
+          <a:lnRef idx="2">
+            <a:schemeClr val="accent1">
+              <a:shade val="50000"/>
+            </a:schemeClr>
+          </a:lnRef>
+          <a:fillRef idx="1">
+            <a:schemeClr val="accent1"/>
+          </a:fillRef>
+          <a:effectRef idx="0">
+            <a:schemeClr val="accent1"/>
+          </a:effectRef>
+          <a:fontRef idx="minor">
+            <a:schemeClr val="lt1"/>
+          </a:fontRef>
+        </p:style>
+      </p:cxnSp>
+      <p:cxnSp>
+        <p:nvCxnSpPr>
+          <p:cNvPr id="34" name="Connecteur droit 33">
+            <a:extLst>
+              <a:ext uri="{FF2B5EF4-FFF2-40B4-BE49-F238E27FC236}">
+                <a16:creationId xmlns:a16="http://schemas.microsoft.com/office/drawing/2014/main" id="{F61997F7-F7A7-7F26-0ED6-BDE8DE580E03}"/>
+              </a:ext>
+            </a:extLst>
+          </p:cNvPr>
+          <p:cNvCxnSpPr>
+            <a:cxnSpLocks/>
+          </p:cNvCxnSpPr>
+          <p:nvPr/>
+        </p:nvCxnSpPr>
+        <p:spPr>
+          <a:xfrm flipH="1" flipV="1">
+            <a:off x="7564617" y="3259549"/>
+            <a:ext cx="194839" cy="115433"/>
+          </a:xfrm>
+          <a:prstGeom prst="line">
+            <a:avLst/>
+          </a:prstGeom>
+          <a:noFill/>
+          <a:ln w="28575">
+            <a:solidFill>
+              <a:schemeClr val="accent2"/>
+            </a:solidFill>
+          </a:ln>
+        </p:spPr>
+        <p:style>
+          <a:lnRef idx="2">
+            <a:schemeClr val="accent1">
+              <a:shade val="50000"/>
+            </a:schemeClr>
+          </a:lnRef>
+          <a:fillRef idx="1">
+            <a:schemeClr val="accent1"/>
+          </a:fillRef>
+          <a:effectRef idx="0">
+            <a:schemeClr val="accent1"/>
+          </a:effectRef>
+          <a:fontRef idx="minor">
+            <a:schemeClr val="lt1"/>
+          </a:fontRef>
+        </p:style>
+      </p:cxnSp>
+      <p:cxnSp>
+        <p:nvCxnSpPr>
+          <p:cNvPr id="37" name="Connecteur droit 36">
+            <a:extLst>
+              <a:ext uri="{FF2B5EF4-FFF2-40B4-BE49-F238E27FC236}">
+                <a16:creationId xmlns:a16="http://schemas.microsoft.com/office/drawing/2014/main" id="{3656C43F-5FD6-E1B8-8975-ECDCA6B94584}"/>
+              </a:ext>
+            </a:extLst>
+          </p:cNvPr>
+          <p:cNvCxnSpPr>
+            <a:cxnSpLocks/>
+          </p:cNvCxnSpPr>
+          <p:nvPr/>
+        </p:nvCxnSpPr>
+        <p:spPr>
+          <a:xfrm flipH="1" flipV="1">
+            <a:off x="4715558" y="1550349"/>
+            <a:ext cx="194839" cy="115433"/>
+          </a:xfrm>
+          <a:prstGeom prst="line">
+            <a:avLst/>
+          </a:prstGeom>
+          <a:noFill/>
+          <a:ln w="28575">
+            <a:solidFill>
+              <a:schemeClr val="accent2"/>
+            </a:solidFill>
+          </a:ln>
+        </p:spPr>
+        <p:style>
+          <a:lnRef idx="2">
+            <a:schemeClr val="accent1">
+              <a:shade val="50000"/>
+            </a:schemeClr>
+          </a:lnRef>
+          <a:fillRef idx="1">
+            <a:schemeClr val="accent1"/>
+          </a:fillRef>
+          <a:effectRef idx="0">
+            <a:schemeClr val="accent1"/>
+          </a:effectRef>
+          <a:fontRef idx="minor">
+            <a:schemeClr val="lt1"/>
+          </a:fontRef>
+        </p:style>
+      </p:cxnSp>
+      <p:cxnSp>
+        <p:nvCxnSpPr>
+          <p:cNvPr id="51" name="Connecteur droit 50">
+            <a:extLst>
+              <a:ext uri="{FF2B5EF4-FFF2-40B4-BE49-F238E27FC236}">
+                <a16:creationId xmlns:a16="http://schemas.microsoft.com/office/drawing/2014/main" id="{4862DD24-F64C-E8F1-AD6A-D602736EF848}"/>
+              </a:ext>
+            </a:extLst>
+          </p:cNvPr>
+          <p:cNvCxnSpPr>
+            <a:cxnSpLocks/>
+          </p:cNvCxnSpPr>
+          <p:nvPr/>
+        </p:nvCxnSpPr>
+        <p:spPr>
+          <a:xfrm flipH="1">
+            <a:off x="4846795" y="1551528"/>
+            <a:ext cx="127204" cy="188340"/>
+          </a:xfrm>
+          <a:prstGeom prst="line">
+            <a:avLst/>
+          </a:prstGeom>
+          <a:noFill/>
+          <a:ln w="28575">
+            <a:solidFill>
+              <a:schemeClr val="accent2"/>
+            </a:solidFill>
+          </a:ln>
+        </p:spPr>
+        <p:style>
+          <a:lnRef idx="2">
+            <a:schemeClr val="accent1">
+              <a:shade val="50000"/>
+            </a:schemeClr>
+          </a:lnRef>
+          <a:fillRef idx="1">
+            <a:schemeClr val="accent1"/>
+          </a:fillRef>
+          <a:effectRef idx="0">
+            <a:schemeClr val="accent1"/>
+          </a:effectRef>
+          <a:fontRef idx="minor">
+            <a:schemeClr val="lt1"/>
+          </a:fontRef>
+        </p:style>
+      </p:cxnSp>
+      <p:cxnSp>
+        <p:nvCxnSpPr>
+          <p:cNvPr id="52" name="Connecteur droit 51">
+            <a:extLst>
+              <a:ext uri="{FF2B5EF4-FFF2-40B4-BE49-F238E27FC236}">
+                <a16:creationId xmlns:a16="http://schemas.microsoft.com/office/drawing/2014/main" id="{4EB3F146-6254-9C25-1BE5-04F03C19E8AE}"/>
+              </a:ext>
+            </a:extLst>
+          </p:cNvPr>
+          <p:cNvCxnSpPr>
+            <a:cxnSpLocks/>
+          </p:cNvCxnSpPr>
+          <p:nvPr/>
+        </p:nvCxnSpPr>
+        <p:spPr>
+          <a:xfrm flipH="1">
+            <a:off x="5196045" y="1780128"/>
+            <a:ext cx="127204" cy="188340"/>
+          </a:xfrm>
+          <a:prstGeom prst="line">
+            <a:avLst/>
+          </a:prstGeom>
+          <a:noFill/>
+          <a:ln w="28575">
+            <a:solidFill>
+              <a:schemeClr val="accent2"/>
+            </a:solidFill>
+          </a:ln>
+        </p:spPr>
+        <p:style>
+          <a:lnRef idx="2">
+            <a:schemeClr val="accent1">
+              <a:shade val="50000"/>
+            </a:schemeClr>
+          </a:lnRef>
+          <a:fillRef idx="1">
+            <a:schemeClr val="accent1"/>
+          </a:fillRef>
+          <a:effectRef idx="0">
+            <a:schemeClr val="accent1"/>
+          </a:effectRef>
+          <a:fontRef idx="minor">
+            <a:schemeClr val="lt1"/>
+          </a:fontRef>
+        </p:style>
+      </p:cxnSp>
+      <p:cxnSp>
+        <p:nvCxnSpPr>
+          <p:cNvPr id="55" name="Connecteur droit 54">
+            <a:extLst>
+              <a:ext uri="{FF2B5EF4-FFF2-40B4-BE49-F238E27FC236}">
+                <a16:creationId xmlns:a16="http://schemas.microsoft.com/office/drawing/2014/main" id="{6E8960A7-F695-00B6-15F8-5F9019BDBDC0}"/>
+              </a:ext>
+            </a:extLst>
+          </p:cNvPr>
+          <p:cNvCxnSpPr>
+            <a:cxnSpLocks/>
+          </p:cNvCxnSpPr>
+          <p:nvPr/>
+        </p:nvCxnSpPr>
+        <p:spPr>
+          <a:xfrm flipH="1">
+            <a:off x="7186686" y="2945245"/>
+            <a:ext cx="127204" cy="188340"/>
+          </a:xfrm>
+          <a:prstGeom prst="line">
+            <a:avLst/>
+          </a:prstGeom>
+          <a:noFill/>
+          <a:ln w="28575">
+            <a:solidFill>
+              <a:schemeClr val="accent2"/>
+            </a:solidFill>
+          </a:ln>
+        </p:spPr>
+        <p:style>
+          <a:lnRef idx="2">
+            <a:schemeClr val="accent1">
+              <a:shade val="50000"/>
+            </a:schemeClr>
+          </a:lnRef>
+          <a:fillRef idx="1">
+            <a:schemeClr val="accent1"/>
+          </a:fillRef>
+          <a:effectRef idx="0">
+            <a:schemeClr val="accent1"/>
+          </a:effectRef>
+          <a:fontRef idx="minor">
+            <a:schemeClr val="lt1"/>
+          </a:fontRef>
+        </p:style>
+      </p:cxnSp>
+      <p:cxnSp>
+        <p:nvCxnSpPr>
+          <p:cNvPr id="57" name="Connecteur droit 56">
+            <a:extLst>
+              <a:ext uri="{FF2B5EF4-FFF2-40B4-BE49-F238E27FC236}">
+                <a16:creationId xmlns:a16="http://schemas.microsoft.com/office/drawing/2014/main" id="{62E01407-260E-A68F-17EA-7CCCB622B465}"/>
+              </a:ext>
+            </a:extLst>
+          </p:cNvPr>
+          <p:cNvCxnSpPr>
+            <a:cxnSpLocks/>
+          </p:cNvCxnSpPr>
+          <p:nvPr/>
+        </p:nvCxnSpPr>
+        <p:spPr>
+          <a:xfrm flipH="1">
+            <a:off x="7530050" y="3186642"/>
+            <a:ext cx="127204" cy="188340"/>
+          </a:xfrm>
+          <a:prstGeom prst="line">
+            <a:avLst/>
+          </a:prstGeom>
+          <a:noFill/>
+          <a:ln w="28575">
+            <a:solidFill>
+              <a:schemeClr val="accent2"/>
+            </a:solidFill>
+          </a:ln>
+        </p:spPr>
+        <p:style>
+          <a:lnRef idx="2">
+            <a:schemeClr val="accent1">
+              <a:shade val="50000"/>
+            </a:schemeClr>
+          </a:lnRef>
+          <a:fillRef idx="1">
+            <a:schemeClr val="accent1"/>
+          </a:fillRef>
+          <a:effectRef idx="0">
+            <a:schemeClr val="accent1"/>
+          </a:effectRef>
+          <a:fontRef idx="minor">
+            <a:schemeClr val="lt1"/>
+          </a:fontRef>
+        </p:style>
+      </p:cxnSp>
+      <p:sp>
+        <p:nvSpPr>
+          <p:cNvPr id="62" name="Parallélogramme 61">
+            <a:extLst>
+              <a:ext uri="{FF2B5EF4-FFF2-40B4-BE49-F238E27FC236}">
+                <a16:creationId xmlns:a16="http://schemas.microsoft.com/office/drawing/2014/main" id="{70B3368D-D71A-E0E2-4EB4-499AC38364B2}"/>
+              </a:ext>
+            </a:extLst>
+          </p:cNvPr>
+          <p:cNvSpPr/>
+          <p:nvPr/>
+        </p:nvSpPr>
+        <p:spPr>
+          <a:xfrm rot="16200000" flipV="1">
+            <a:off x="4559783" y="1451479"/>
+            <a:ext cx="311550" cy="197740"/>
+          </a:xfrm>
+          <a:prstGeom prst="parallelogram">
+            <a:avLst>
+              <a:gd name="adj" fmla="val 65507"/>
+            </a:avLst>
+          </a:prstGeom>
+          <a:noFill/>
+          <a:ln w="28575">
+            <a:solidFill>
+              <a:schemeClr val="accent2"/>
+            </a:solidFill>
+          </a:ln>
+        </p:spPr>
+        <p:style>
+          <a:lnRef idx="2">
+            <a:schemeClr val="accent1">
+              <a:shade val="50000"/>
+            </a:schemeClr>
+          </a:lnRef>
+          <a:fillRef idx="1">
+            <a:schemeClr val="accent1"/>
+          </a:fillRef>
+          <a:effectRef idx="0">
+            <a:schemeClr val="accent1"/>
+          </a:effectRef>
+          <a:fontRef idx="minor">
+            <a:schemeClr val="lt1"/>
+          </a:fontRef>
+        </p:style>
+        <p:txBody>
+          <a:bodyPr rtlCol="0" anchor="ctr"/>
+          <a:lstStyle/>
+          <a:p>
+            <a:pPr algn="ctr"/>
+            <a:endParaRPr lang="fr-FR"/>
+          </a:p>
+        </p:txBody>
+      </p:sp>
+      <p:sp>
+        <p:nvSpPr>
+          <p:cNvPr id="66" name="Parallélogramme 65">
+            <a:extLst>
+              <a:ext uri="{FF2B5EF4-FFF2-40B4-BE49-F238E27FC236}">
+                <a16:creationId xmlns:a16="http://schemas.microsoft.com/office/drawing/2014/main" id="{160C211C-5C89-F578-3333-7FF2D182A640}"/>
+              </a:ext>
+            </a:extLst>
+          </p:cNvPr>
+          <p:cNvSpPr/>
+          <p:nvPr/>
+        </p:nvSpPr>
+        <p:spPr>
+          <a:xfrm rot="16200000" flipV="1">
+            <a:off x="7676115" y="3307325"/>
+            <a:ext cx="311550" cy="197740"/>
+          </a:xfrm>
+          <a:prstGeom prst="parallelogram">
+            <a:avLst>
+              <a:gd name="adj" fmla="val 65507"/>
+            </a:avLst>
+          </a:prstGeom>
+          <a:noFill/>
+          <a:ln w="28575">
+            <a:solidFill>
+              <a:schemeClr val="accent2"/>
+            </a:solidFill>
+          </a:ln>
+        </p:spPr>
+        <p:style>
+          <a:lnRef idx="2">
+            <a:schemeClr val="accent1">
+              <a:shade val="50000"/>
+            </a:schemeClr>
+          </a:lnRef>
+          <a:fillRef idx="1">
+            <a:schemeClr val="accent1"/>
+          </a:fillRef>
+          <a:effectRef idx="0">
+            <a:schemeClr val="accent1"/>
+          </a:effectRef>
+          <a:fontRef idx="minor">
+            <a:schemeClr val="lt1"/>
+          </a:fontRef>
+        </p:style>
+        <p:txBody>
+          <a:bodyPr rtlCol="0" anchor="ctr"/>
+          <a:lstStyle/>
+          <a:p>
+            <a:pPr algn="ctr"/>
+            <a:endParaRPr lang="fr-FR"/>
+          </a:p>
+        </p:txBody>
+      </p:sp>
+      <p:sp>
+        <p:nvSpPr>
+          <p:cNvPr id="68" name="Ellipse 67">
+            <a:extLst>
+              <a:ext uri="{FF2B5EF4-FFF2-40B4-BE49-F238E27FC236}">
+                <a16:creationId xmlns:a16="http://schemas.microsoft.com/office/drawing/2014/main" id="{89A3A9E7-91AC-9EA6-2D12-FCA32A7C3C07}"/>
+              </a:ext>
+            </a:extLst>
+          </p:cNvPr>
+          <p:cNvSpPr/>
+          <p:nvPr/>
+        </p:nvSpPr>
+        <p:spPr>
+          <a:xfrm>
+            <a:off x="5428798" y="2524259"/>
             <a:ext cx="224593" cy="218355"/>
           </a:xfrm>
           <a:prstGeom prst="ellipse">
@@ -8210,10 +8885,10 @@
       </p:sp>
       <p:sp>
         <p:nvSpPr>
-          <p:cNvPr id="60" name="Ellipse 59">
-            <a:extLst>
-              <a:ext uri="{FF2B5EF4-FFF2-40B4-BE49-F238E27FC236}">
-                <a16:creationId xmlns:a16="http://schemas.microsoft.com/office/drawing/2014/main" id="{FFBA7405-7228-4350-645B-A6036DD108C3}"/>
+          <p:cNvPr id="69" name="Ellipse 68">
+            <a:extLst>
+              <a:ext uri="{FF2B5EF4-FFF2-40B4-BE49-F238E27FC236}">
+                <a16:creationId xmlns:a16="http://schemas.microsoft.com/office/drawing/2014/main" id="{D1843EEB-5EA5-B64A-1E86-E3BAD6B89642}"/>
               </a:ext>
             </a:extLst>
           </p:cNvPr>
@@ -8222,7 +8897,139 @@
         </p:nvSpPr>
         <p:spPr>
           <a:xfrm>
-            <a:off x="4307684" y="3673126"/>
+            <a:off x="6189892" y="2136269"/>
+            <a:ext cx="224593" cy="218355"/>
+          </a:xfrm>
+          <a:prstGeom prst="ellipse">
+            <a:avLst/>
+          </a:prstGeom>
+          <a:noFill/>
+          <a:ln w="19050">
+            <a:solidFill>
+              <a:schemeClr val="accent2"/>
+            </a:solidFill>
+          </a:ln>
+        </p:spPr>
+        <p:style>
+          <a:lnRef idx="2">
+            <a:schemeClr val="accent1">
+              <a:shade val="50000"/>
+            </a:schemeClr>
+          </a:lnRef>
+          <a:fillRef idx="1">
+            <a:schemeClr val="accent1"/>
+          </a:fillRef>
+          <a:effectRef idx="0">
+            <a:schemeClr val="accent1"/>
+          </a:effectRef>
+          <a:fontRef idx="minor">
+            <a:schemeClr val="lt1"/>
+          </a:fontRef>
+        </p:style>
+        <p:txBody>
+          <a:bodyPr rtlCol="0" anchor="ctr"/>
+          <a:lstStyle/>
+          <a:p>
+            <a:pPr algn="ctr"/>
+            <a:r>
+              <a:rPr lang="fr-FR" sz="1100" b="1" dirty="0">
+                <a:solidFill>
+                  <a:schemeClr val="accent2">
+                    <a:lumMod val="75000"/>
+                  </a:schemeClr>
+                </a:solidFill>
+              </a:rPr>
+              <a:t>0</a:t>
+            </a:r>
+            <a:endParaRPr lang="fr-FR" b="1" dirty="0">
+              <a:solidFill>
+                <a:schemeClr val="accent2">
+                  <a:lumMod val="75000"/>
+                </a:schemeClr>
+              </a:solidFill>
+            </a:endParaRPr>
+          </a:p>
+        </p:txBody>
+      </p:sp>
+      <p:sp>
+        <p:nvSpPr>
+          <p:cNvPr id="70" name="Ellipse 69">
+            <a:extLst>
+              <a:ext uri="{FF2B5EF4-FFF2-40B4-BE49-F238E27FC236}">
+                <a16:creationId xmlns:a16="http://schemas.microsoft.com/office/drawing/2014/main" id="{7943723E-2F90-823C-5499-4F280EA6E898}"/>
+              </a:ext>
+            </a:extLst>
+          </p:cNvPr>
+          <p:cNvSpPr/>
+          <p:nvPr/>
+        </p:nvSpPr>
+        <p:spPr>
+          <a:xfrm>
+            <a:off x="7453363" y="3894317"/>
+            <a:ext cx="224593" cy="218355"/>
+          </a:xfrm>
+          <a:prstGeom prst="ellipse">
+            <a:avLst/>
+          </a:prstGeom>
+          <a:noFill/>
+          <a:ln w="19050">
+            <a:solidFill>
+              <a:srgbClr val="00B050"/>
+            </a:solidFill>
+          </a:ln>
+        </p:spPr>
+        <p:style>
+          <a:lnRef idx="2">
+            <a:schemeClr val="accent1">
+              <a:shade val="50000"/>
+            </a:schemeClr>
+          </a:lnRef>
+          <a:fillRef idx="1">
+            <a:schemeClr val="accent1"/>
+          </a:fillRef>
+          <a:effectRef idx="0">
+            <a:schemeClr val="accent1"/>
+          </a:effectRef>
+          <a:fontRef idx="minor">
+            <a:schemeClr val="lt1"/>
+          </a:fontRef>
+        </p:style>
+        <p:txBody>
+          <a:bodyPr rtlCol="0" anchor="ctr"/>
+          <a:lstStyle/>
+          <a:p>
+            <a:pPr algn="ctr"/>
+            <a:r>
+              <a:rPr lang="fr-FR" sz="1100" b="1" dirty="0">
+                <a:solidFill>
+                  <a:srgbClr val="00B050"/>
+                </a:solidFill>
+              </a:rPr>
+              <a:t>1</a:t>
+            </a:r>
+            <a:endParaRPr lang="fr-FR" b="1" dirty="0">
+              <a:solidFill>
+                <a:srgbClr val="00B050"/>
+              </a:solidFill>
+            </a:endParaRPr>
+          </a:p>
+        </p:txBody>
+      </p:sp>
+      <p:sp>
+        <p:nvSpPr>
+          <p:cNvPr id="71" name="Ellipse 70">
+            <a:extLst>
+              <a:ext uri="{FF2B5EF4-FFF2-40B4-BE49-F238E27FC236}">
+                <a16:creationId xmlns:a16="http://schemas.microsoft.com/office/drawing/2014/main" id="{9DA7AFC2-FCBD-4318-CAF0-7B3E9FFD39E5}"/>
+              </a:ext>
+            </a:extLst>
+          </p:cNvPr>
+          <p:cNvSpPr/>
+          <p:nvPr/>
+        </p:nvSpPr>
+        <p:spPr>
+          <a:xfrm>
+            <a:off x="6979062" y="4556987"/>
             <a:ext cx="224593" cy="218355"/>
           </a:xfrm>
           <a:prstGeom prst="ellipse">
@@ -8262,7 +9069,7 @@
                   <a:srgbClr val="002060"/>
                 </a:solidFill>
               </a:rPr>
-              <a:t>M</a:t>
+              <a:t>2</a:t>
             </a:r>
             <a:endParaRPr lang="fr-FR" b="1" dirty="0">
               <a:solidFill>
@@ -8274,10 +9081,10 @@
       </p:sp>
       <p:sp>
         <p:nvSpPr>
-          <p:cNvPr id="61" name="Ellipse 60">
-            <a:extLst>
-              <a:ext uri="{FF2B5EF4-FFF2-40B4-BE49-F238E27FC236}">
-                <a16:creationId xmlns:a16="http://schemas.microsoft.com/office/drawing/2014/main" id="{0B7D52A1-0971-4D30-A344-2D3661A37811}"/>
+          <p:cNvPr id="72" name="Ellipse 71">
+            <a:extLst>
+              <a:ext uri="{FF2B5EF4-FFF2-40B4-BE49-F238E27FC236}">
+                <a16:creationId xmlns:a16="http://schemas.microsoft.com/office/drawing/2014/main" id="{7ED85DE3-F722-68B0-0125-999551EE204E}"/>
               </a:ext>
             </a:extLst>
           </p:cNvPr>
@@ -8286,7 +9093,7 @@
         </p:nvSpPr>
         <p:spPr>
           <a:xfrm>
-            <a:off x="4295045" y="1645698"/>
+            <a:off x="5647675" y="4886432"/>
             <a:ext cx="224593" cy="218355"/>
           </a:xfrm>
           <a:prstGeom prst="ellipse">
@@ -8294,72 +9101,6 @@
           </a:prstGeom>
           <a:noFill/>
           <a:ln w="19050">
-            <a:solidFill>
-              <a:srgbClr val="002060"/>
-            </a:solidFill>
-          </a:ln>
-        </p:spPr>
-        <p:style>
-          <a:lnRef idx="2">
-            <a:schemeClr val="accent1">
-              <a:shade val="50000"/>
-            </a:schemeClr>
-          </a:lnRef>
-          <a:fillRef idx="1">
-            <a:schemeClr val="accent1"/>
-          </a:fillRef>
-          <a:effectRef idx="0">
-            <a:schemeClr val="accent1"/>
-          </a:effectRef>
-          <a:fontRef idx="minor">
-            <a:schemeClr val="lt1"/>
-          </a:fontRef>
-        </p:style>
-        <p:txBody>
-          <a:bodyPr rtlCol="0" anchor="ctr"/>
-          <a:lstStyle/>
-          <a:p>
-            <a:pPr algn="ctr"/>
-            <a:r>
-              <a:rPr lang="fr-FR" sz="1100" b="1" dirty="0">
-                <a:solidFill>
-                  <a:srgbClr val="002060"/>
-                </a:solidFill>
-              </a:rPr>
-              <a:t>M</a:t>
-            </a:r>
-            <a:endParaRPr lang="fr-FR" b="1" dirty="0">
-              <a:solidFill>
-                <a:srgbClr val="002060"/>
-              </a:solidFill>
-            </a:endParaRPr>
-          </a:p>
-        </p:txBody>
-      </p:sp>
-      <p:sp>
-        <p:nvSpPr>
-          <p:cNvPr id="63" name="Parallélogramme 62">
-            <a:extLst>
-              <a:ext uri="{FF2B5EF4-FFF2-40B4-BE49-F238E27FC236}">
-                <a16:creationId xmlns:a16="http://schemas.microsoft.com/office/drawing/2014/main" id="{EFDC5AAA-5C20-29C7-D667-1E94C6F194AB}"/>
-              </a:ext>
-            </a:extLst>
-          </p:cNvPr>
-          <p:cNvSpPr/>
-          <p:nvPr/>
-        </p:nvSpPr>
-        <p:spPr>
-          <a:xfrm rot="16200000" flipV="1">
-            <a:off x="3621361" y="4368199"/>
-            <a:ext cx="311550" cy="197740"/>
-          </a:xfrm>
-          <a:prstGeom prst="parallelogram">
-            <a:avLst>
-              <a:gd name="adj" fmla="val 65507"/>
-            </a:avLst>
-          </a:prstGeom>
-          <a:noFill/>
-          <a:ln w="28575">
             <a:solidFill>
               <a:srgbClr val="C00000"/>
             </a:solidFill>
@@ -8386,16 +9127,28 @@
           <a:lstStyle/>
           <a:p>
             <a:pPr algn="ctr"/>
-            <a:endParaRPr lang="fr-FR"/>
+            <a:r>
+              <a:rPr lang="fr-FR" sz="1100" b="1" dirty="0">
+                <a:solidFill>
+                  <a:srgbClr val="C00000"/>
+                </a:solidFill>
+              </a:rPr>
+              <a:t>3</a:t>
+            </a:r>
+            <a:endParaRPr lang="fr-FR" b="1" dirty="0">
+              <a:solidFill>
+                <a:srgbClr val="C00000"/>
+              </a:solidFill>
+            </a:endParaRPr>
           </a:p>
         </p:txBody>
       </p:sp>
       <p:cxnSp>
         <p:nvCxnSpPr>
-          <p:cNvPr id="64" name="Connecteur droit 63">
-            <a:extLst>
-              <a:ext uri="{FF2B5EF4-FFF2-40B4-BE49-F238E27FC236}">
-                <a16:creationId xmlns:a16="http://schemas.microsoft.com/office/drawing/2014/main" id="{5A5563C5-3B3D-7169-D125-90061FE8F3FF}"/>
+          <p:cNvPr id="75" name="Connecteur droit avec flèche 74">
+            <a:extLst>
+              <a:ext uri="{FF2B5EF4-FFF2-40B4-BE49-F238E27FC236}">
+                <a16:creationId xmlns:a16="http://schemas.microsoft.com/office/drawing/2014/main" id="{0F5D1E4B-2BFE-7EAF-3B94-81DA033DB51F}"/>
               </a:ext>
             </a:extLst>
           </p:cNvPr>
@@ -8405,41 +9158,542 @@
           <p:nvPr/>
         </p:nvCxnSpPr>
         <p:spPr>
-          <a:xfrm flipH="1" flipV="1">
-            <a:off x="3777136" y="4467069"/>
-            <a:ext cx="224593" cy="130584"/>
+          <a:xfrm>
+            <a:off x="7801334" y="3406195"/>
+            <a:ext cx="1122533" cy="649891"/>
           </a:xfrm>
-          <a:prstGeom prst="line">
+          <a:prstGeom prst="straightConnector1">
             <a:avLst/>
           </a:prstGeom>
-          <a:noFill/>
-          <a:ln w="28575">
+          <a:ln>
             <a:solidFill>
-              <a:srgbClr val="C00000"/>
+              <a:schemeClr val="accent2">
+                <a:lumMod val="75000"/>
+              </a:schemeClr>
             </a:solidFill>
+            <a:tailEnd type="stealth" w="med" len="lg"/>
           </a:ln>
         </p:spPr>
         <p:style>
-          <a:lnRef idx="2">
-            <a:schemeClr val="accent1">
-              <a:shade val="50000"/>
-            </a:schemeClr>
+          <a:lnRef idx="1">
+            <a:schemeClr val="accent1"/>
           </a:lnRef>
-          <a:fillRef idx="1">
+          <a:fillRef idx="0">
             <a:schemeClr val="accent1"/>
           </a:fillRef>
           <a:effectRef idx="0">
             <a:schemeClr val="accent1"/>
           </a:effectRef>
           <a:fontRef idx="minor">
-            <a:schemeClr val="lt1"/>
+            <a:schemeClr val="tx1"/>
           </a:fontRef>
         </p:style>
       </p:cxnSp>
+      <p:cxnSp>
+        <p:nvCxnSpPr>
+          <p:cNvPr id="78" name="Connecteur droit avec flèche 77">
+            <a:extLst>
+              <a:ext uri="{FF2B5EF4-FFF2-40B4-BE49-F238E27FC236}">
+                <a16:creationId xmlns:a16="http://schemas.microsoft.com/office/drawing/2014/main" id="{0E5B08B6-A0F4-4B9F-1DAC-42BA5C49C781}"/>
+              </a:ext>
+            </a:extLst>
+          </p:cNvPr>
+          <p:cNvCxnSpPr>
+            <a:cxnSpLocks/>
+          </p:cNvCxnSpPr>
+          <p:nvPr/>
+        </p:nvCxnSpPr>
+        <p:spPr>
+          <a:xfrm flipV="1">
+            <a:off x="7831890" y="2616628"/>
+            <a:ext cx="0" cy="836328"/>
+          </a:xfrm>
+          <a:prstGeom prst="straightConnector1">
+            <a:avLst/>
+          </a:prstGeom>
+          <a:ln>
+            <a:solidFill>
+              <a:schemeClr val="accent2">
+                <a:lumMod val="75000"/>
+              </a:schemeClr>
+            </a:solidFill>
+            <a:tailEnd type="stealth" w="med" len="lg"/>
+          </a:ln>
+        </p:spPr>
+        <p:style>
+          <a:lnRef idx="1">
+            <a:schemeClr val="accent1"/>
+          </a:lnRef>
+          <a:fillRef idx="0">
+            <a:schemeClr val="accent1"/>
+          </a:fillRef>
+          <a:effectRef idx="0">
+            <a:schemeClr val="accent1"/>
+          </a:effectRef>
+          <a:fontRef idx="minor">
+            <a:schemeClr val="tx1"/>
+          </a:fontRef>
+        </p:style>
+      </p:cxnSp>
+      <mc:AlternateContent xmlns:mc="http://schemas.openxmlformats.org/markup-compatibility/2006">
+        <mc:Choice xmlns:a14="http://schemas.microsoft.com/office/drawing/2010/main" Requires="a14">
+          <p:sp>
+            <p:nvSpPr>
+              <p:cNvPr id="80" name="ZoneTexte 79">
+                <a:extLst>
+                  <a:ext uri="{FF2B5EF4-FFF2-40B4-BE49-F238E27FC236}">
+                    <a16:creationId xmlns:a16="http://schemas.microsoft.com/office/drawing/2014/main" id="{62737897-6654-86A7-2F16-D2A5D5717B16}"/>
+                  </a:ext>
+                </a:extLst>
+              </p:cNvPr>
+              <p:cNvSpPr txBox="1"/>
+              <p:nvPr/>
+            </p:nvSpPr>
+            <p:spPr>
+              <a:xfrm>
+                <a:off x="8715681" y="3740428"/>
+                <a:ext cx="626532" cy="307777"/>
+              </a:xfrm>
+              <a:prstGeom prst="rect">
+                <a:avLst/>
+              </a:prstGeom>
+              <a:noFill/>
+            </p:spPr>
+            <p:txBody>
+              <a:bodyPr wrap="square" rtlCol="0">
+                <a:spAutoFit/>
+              </a:bodyPr>
+              <a:lstStyle/>
+              <a:p>
+                <a14:m>
+                  <m:oMathPara xmlns:m="http://schemas.openxmlformats.org/officeDocument/2006/math">
+                    <m:oMathParaPr>
+                      <m:jc m:val="centerGroup"/>
+                    </m:oMathParaPr>
+                    <m:oMath xmlns:m="http://schemas.openxmlformats.org/officeDocument/2006/math">
+                      <m:acc>
+                        <m:accPr>
+                          <m:chr m:val="⃗"/>
+                          <m:ctrlPr>
+                            <a:rPr lang="fr-FR" sz="1400" b="0" i="1" smtClean="0">
+                              <a:latin typeface="Cambria Math" panose="02040503050406030204" pitchFamily="18" charset="0"/>
+                            </a:rPr>
+                          </m:ctrlPr>
+                        </m:accPr>
+                        <m:e>
+                          <m:sSub>
+                            <m:sSubPr>
+                              <m:ctrlPr>
+                                <a:rPr lang="fr-FR" sz="1400" i="1">
+                                  <a:latin typeface="Cambria Math" panose="02040503050406030204" pitchFamily="18" charset="0"/>
+                                </a:rPr>
+                              </m:ctrlPr>
+                            </m:sSubPr>
+                            <m:e>
+                              <m:r>
+                                <a:rPr lang="fr-FR" sz="1400" i="1">
+                                  <a:latin typeface="Cambria Math" panose="02040503050406030204" pitchFamily="18" charset="0"/>
+                                </a:rPr>
+                                <m:t>𝑥</m:t>
+                              </m:r>
+                            </m:e>
+                            <m:sub>
+                              <m:r>
+                                <a:rPr lang="fr-FR" sz="1400" i="1">
+                                  <a:latin typeface="Cambria Math" panose="02040503050406030204" pitchFamily="18" charset="0"/>
+                                </a:rPr>
+                                <m:t>0</m:t>
+                              </m:r>
+                            </m:sub>
+                          </m:sSub>
+                        </m:e>
+                      </m:acc>
+                    </m:oMath>
+                  </m:oMathPara>
+                </a14:m>
+                <a:endParaRPr lang="fr-FR" sz="1400" dirty="0"/>
+              </a:p>
+            </p:txBody>
+          </p:sp>
+        </mc:Choice>
+        <mc:Fallback>
+          <p:sp>
+            <p:nvSpPr>
+              <p:cNvPr id="80" name="ZoneTexte 79">
+                <a:extLst>
+                  <a:ext uri="{FF2B5EF4-FFF2-40B4-BE49-F238E27FC236}">
+                    <a16:creationId xmlns:a16="http://schemas.microsoft.com/office/drawing/2014/main" id="{62737897-6654-86A7-2F16-D2A5D5717B16}"/>
+                  </a:ext>
+                </a:extLst>
+              </p:cNvPr>
+              <p:cNvSpPr txBox="1">
+                <a:spLocks noRot="1" noChangeAspect="1" noMove="1" noResize="1" noEditPoints="1" noAdjustHandles="1" noChangeArrowheads="1" noChangeShapeType="1" noTextEdit="1"/>
+              </p:cNvSpPr>
+              <p:nvPr/>
+            </p:nvSpPr>
+            <p:spPr>
+              <a:xfrm>
+                <a:off x="8715681" y="3740428"/>
+                <a:ext cx="626532" cy="307777"/>
+              </a:xfrm>
+              <a:prstGeom prst="rect">
+                <a:avLst/>
+              </a:prstGeom>
+              <a:blipFill>
+                <a:blip r:embed="rId2"/>
+                <a:stretch>
+                  <a:fillRect/>
+                </a:stretch>
+              </a:blipFill>
+            </p:spPr>
+            <p:txBody>
+              <a:bodyPr/>
+              <a:lstStyle/>
+              <a:p>
+                <a:r>
+                  <a:rPr lang="fr-FR">
+                    <a:noFill/>
+                  </a:rPr>
+                  <a:t> </a:t>
+                </a:r>
+              </a:p>
+            </p:txBody>
+          </p:sp>
+        </mc:Fallback>
+      </mc:AlternateContent>
+      <mc:AlternateContent xmlns:mc="http://schemas.openxmlformats.org/markup-compatibility/2006">
+        <mc:Choice xmlns:a14="http://schemas.microsoft.com/office/drawing/2010/main" Requires="a14">
+          <p:sp>
+            <p:nvSpPr>
+              <p:cNvPr id="81" name="ZoneTexte 80">
+                <a:extLst>
+                  <a:ext uri="{FF2B5EF4-FFF2-40B4-BE49-F238E27FC236}">
+                    <a16:creationId xmlns:a16="http://schemas.microsoft.com/office/drawing/2014/main" id="{F280E020-5230-8368-33C9-A4D4D5851212}"/>
+                  </a:ext>
+                </a:extLst>
+              </p:cNvPr>
+              <p:cNvSpPr txBox="1"/>
+              <p:nvPr/>
+            </p:nvSpPr>
+            <p:spPr>
+              <a:xfrm>
+                <a:off x="7714148" y="2451405"/>
+                <a:ext cx="626532" cy="307777"/>
+              </a:xfrm>
+              <a:prstGeom prst="rect">
+                <a:avLst/>
+              </a:prstGeom>
+              <a:noFill/>
+            </p:spPr>
+            <p:txBody>
+              <a:bodyPr wrap="square" rtlCol="0">
+                <a:spAutoFit/>
+              </a:bodyPr>
+              <a:lstStyle/>
+              <a:p>
+                <a14:m>
+                  <m:oMathPara xmlns:m="http://schemas.openxmlformats.org/officeDocument/2006/math">
+                    <m:oMathParaPr>
+                      <m:jc m:val="centerGroup"/>
+                    </m:oMathParaPr>
+                    <m:oMath xmlns:m="http://schemas.openxmlformats.org/officeDocument/2006/math">
+                      <m:acc>
+                        <m:accPr>
+                          <m:chr m:val="⃗"/>
+                          <m:ctrlPr>
+                            <a:rPr lang="fr-FR" sz="1400" b="0" i="1" smtClean="0">
+                              <a:latin typeface="Cambria Math" panose="02040503050406030204" pitchFamily="18" charset="0"/>
+                            </a:rPr>
+                          </m:ctrlPr>
+                        </m:accPr>
+                        <m:e>
+                          <m:sSub>
+                            <m:sSubPr>
+                              <m:ctrlPr>
+                                <a:rPr lang="fr-FR" sz="1400" i="1">
+                                  <a:latin typeface="Cambria Math" panose="02040503050406030204" pitchFamily="18" charset="0"/>
+                                </a:rPr>
+                              </m:ctrlPr>
+                            </m:sSubPr>
+                            <m:e>
+                              <m:r>
+                                <a:rPr lang="fr-FR" sz="1400" b="0" i="1" smtClean="0">
+                                  <a:latin typeface="Cambria Math" panose="02040503050406030204" pitchFamily="18" charset="0"/>
+                                </a:rPr>
+                                <m:t>𝑦</m:t>
+                              </m:r>
+                            </m:e>
+                            <m:sub>
+                              <m:r>
+                                <a:rPr lang="fr-FR" sz="1400" i="1">
+                                  <a:latin typeface="Cambria Math" panose="02040503050406030204" pitchFamily="18" charset="0"/>
+                                </a:rPr>
+                                <m:t>0</m:t>
+                              </m:r>
+                            </m:sub>
+                          </m:sSub>
+                        </m:e>
+                      </m:acc>
+                    </m:oMath>
+                  </m:oMathPara>
+                </a14:m>
+                <a:endParaRPr lang="fr-FR" sz="1400" dirty="0"/>
+              </a:p>
+            </p:txBody>
+          </p:sp>
+        </mc:Choice>
+        <mc:Fallback>
+          <p:sp>
+            <p:nvSpPr>
+              <p:cNvPr id="81" name="ZoneTexte 80">
+                <a:extLst>
+                  <a:ext uri="{FF2B5EF4-FFF2-40B4-BE49-F238E27FC236}">
+                    <a16:creationId xmlns:a16="http://schemas.microsoft.com/office/drawing/2014/main" id="{F280E020-5230-8368-33C9-A4D4D5851212}"/>
+                  </a:ext>
+                </a:extLst>
+              </p:cNvPr>
+              <p:cNvSpPr txBox="1">
+                <a:spLocks noRot="1" noChangeAspect="1" noMove="1" noResize="1" noEditPoints="1" noAdjustHandles="1" noChangeArrowheads="1" noChangeShapeType="1" noTextEdit="1"/>
+              </p:cNvSpPr>
+              <p:nvPr/>
+            </p:nvSpPr>
+            <p:spPr>
+              <a:xfrm>
+                <a:off x="7714148" y="2451405"/>
+                <a:ext cx="626532" cy="307777"/>
+              </a:xfrm>
+              <a:prstGeom prst="rect">
+                <a:avLst/>
+              </a:prstGeom>
+              <a:blipFill>
+                <a:blip r:embed="rId3"/>
+                <a:stretch>
+                  <a:fillRect/>
+                </a:stretch>
+              </a:blipFill>
+            </p:spPr>
+            <p:txBody>
+              <a:bodyPr/>
+              <a:lstStyle/>
+              <a:p>
+                <a:r>
+                  <a:rPr lang="fr-FR">
+                    <a:noFill/>
+                  </a:rPr>
+                  <a:t> </a:t>
+                </a:r>
+              </a:p>
+            </p:txBody>
+          </p:sp>
+        </mc:Fallback>
+      </mc:AlternateContent>
+      <p:cxnSp>
+        <p:nvCxnSpPr>
+          <p:cNvPr id="82" name="Connecteur droit avec flèche 81">
+            <a:extLst>
+              <a:ext uri="{FF2B5EF4-FFF2-40B4-BE49-F238E27FC236}">
+                <a16:creationId xmlns:a16="http://schemas.microsoft.com/office/drawing/2014/main" id="{F601B8E5-CDD3-5072-58D7-E2E99B06F1EA}"/>
+              </a:ext>
+            </a:extLst>
+          </p:cNvPr>
+          <p:cNvCxnSpPr>
+            <a:cxnSpLocks/>
+            <a:stCxn id="66" idx="1"/>
+          </p:cNvCxnSpPr>
+          <p:nvPr/>
+        </p:nvCxnSpPr>
+        <p:spPr>
+          <a:xfrm flipH="1">
+            <a:off x="7468139" y="3341428"/>
+            <a:ext cx="462621" cy="302849"/>
+          </a:xfrm>
+          <a:prstGeom prst="straightConnector1">
+            <a:avLst/>
+          </a:prstGeom>
+          <a:ln>
+            <a:solidFill>
+              <a:schemeClr val="accent2">
+                <a:lumMod val="75000"/>
+              </a:schemeClr>
+            </a:solidFill>
+            <a:tailEnd type="stealth" w="med" len="lg"/>
+          </a:ln>
+        </p:spPr>
+        <p:style>
+          <a:lnRef idx="1">
+            <a:schemeClr val="accent1"/>
+          </a:lnRef>
+          <a:fillRef idx="0">
+            <a:schemeClr val="accent1"/>
+          </a:fillRef>
+          <a:effectRef idx="0">
+            <a:schemeClr val="accent1"/>
+          </a:effectRef>
+          <a:fontRef idx="minor">
+            <a:schemeClr val="tx1"/>
+          </a:fontRef>
+        </p:style>
+      </p:cxnSp>
+      <mc:AlternateContent xmlns:mc="http://schemas.openxmlformats.org/markup-compatibility/2006">
+        <mc:Choice xmlns:a14="http://schemas.microsoft.com/office/drawing/2010/main" Requires="a14">
+          <p:sp>
+            <p:nvSpPr>
+              <p:cNvPr id="85" name="ZoneTexte 84">
+                <a:extLst>
+                  <a:ext uri="{FF2B5EF4-FFF2-40B4-BE49-F238E27FC236}">
+                    <a16:creationId xmlns:a16="http://schemas.microsoft.com/office/drawing/2014/main" id="{6D00142B-7689-4844-D292-114B065BD22D}"/>
+                  </a:ext>
+                </a:extLst>
+              </p:cNvPr>
+              <p:cNvSpPr txBox="1"/>
+              <p:nvPr/>
+            </p:nvSpPr>
+            <p:spPr>
+              <a:xfrm>
+                <a:off x="7231804" y="3590545"/>
+                <a:ext cx="626532" cy="307777"/>
+              </a:xfrm>
+              <a:prstGeom prst="rect">
+                <a:avLst/>
+              </a:prstGeom>
+              <a:noFill/>
+            </p:spPr>
+            <p:txBody>
+              <a:bodyPr wrap="square" rtlCol="0">
+                <a:spAutoFit/>
+              </a:bodyPr>
+              <a:lstStyle/>
+              <a:p>
+                <a14:m>
+                  <m:oMathPara xmlns:m="http://schemas.openxmlformats.org/officeDocument/2006/math">
+                    <m:oMathParaPr>
+                      <m:jc m:val="centerGroup"/>
+                    </m:oMathParaPr>
+                    <m:oMath xmlns:m="http://schemas.openxmlformats.org/officeDocument/2006/math">
+                      <m:acc>
+                        <m:accPr>
+                          <m:chr m:val="⃗"/>
+                          <m:ctrlPr>
+                            <a:rPr lang="fr-FR" sz="1400" b="0" i="1" smtClean="0">
+                              <a:latin typeface="Cambria Math" panose="02040503050406030204" pitchFamily="18" charset="0"/>
+                            </a:rPr>
+                          </m:ctrlPr>
+                        </m:accPr>
+                        <m:e>
+                          <m:sSub>
+                            <m:sSubPr>
+                              <m:ctrlPr>
+                                <a:rPr lang="fr-FR" sz="1400" i="1">
+                                  <a:latin typeface="Cambria Math" panose="02040503050406030204" pitchFamily="18" charset="0"/>
+                                </a:rPr>
+                              </m:ctrlPr>
+                            </m:sSubPr>
+                            <m:e>
+                              <m:r>
+                                <a:rPr lang="fr-FR" sz="1400" b="0" i="1" smtClean="0">
+                                  <a:latin typeface="Cambria Math" panose="02040503050406030204" pitchFamily="18" charset="0"/>
+                                </a:rPr>
+                                <m:t>𝑧</m:t>
+                              </m:r>
+                            </m:e>
+                            <m:sub>
+                              <m:r>
+                                <a:rPr lang="fr-FR" sz="1400" i="1">
+                                  <a:latin typeface="Cambria Math" panose="02040503050406030204" pitchFamily="18" charset="0"/>
+                                </a:rPr>
+                                <m:t>0</m:t>
+                              </m:r>
+                            </m:sub>
+                          </m:sSub>
+                        </m:e>
+                      </m:acc>
+                    </m:oMath>
+                  </m:oMathPara>
+                </a14:m>
+                <a:endParaRPr lang="fr-FR" sz="1400" dirty="0"/>
+              </a:p>
+            </p:txBody>
+          </p:sp>
+        </mc:Choice>
+        <mc:Fallback>
+          <p:sp>
+            <p:nvSpPr>
+              <p:cNvPr id="85" name="ZoneTexte 84">
+                <a:extLst>
+                  <a:ext uri="{FF2B5EF4-FFF2-40B4-BE49-F238E27FC236}">
+                    <a16:creationId xmlns:a16="http://schemas.microsoft.com/office/drawing/2014/main" id="{6D00142B-7689-4844-D292-114B065BD22D}"/>
+                  </a:ext>
+                </a:extLst>
+              </p:cNvPr>
+              <p:cNvSpPr txBox="1">
+                <a:spLocks noRot="1" noChangeAspect="1" noMove="1" noResize="1" noEditPoints="1" noAdjustHandles="1" noChangeArrowheads="1" noChangeShapeType="1" noTextEdit="1"/>
+              </p:cNvSpPr>
+              <p:nvPr/>
+            </p:nvSpPr>
+            <p:spPr>
+              <a:xfrm>
+                <a:off x="7231804" y="3590545"/>
+                <a:ext cx="626532" cy="307777"/>
+              </a:xfrm>
+              <a:prstGeom prst="rect">
+                <a:avLst/>
+              </a:prstGeom>
+              <a:blipFill>
+                <a:blip r:embed="rId4"/>
+                <a:stretch>
+                  <a:fillRect/>
+                </a:stretch>
+              </a:blipFill>
+            </p:spPr>
+            <p:txBody>
+              <a:bodyPr/>
+              <a:lstStyle/>
+              <a:p>
+                <a:r>
+                  <a:rPr lang="fr-FR">
+                    <a:noFill/>
+                  </a:rPr>
+                  <a:t> </a:t>
+                </a:r>
+              </a:p>
+            </p:txBody>
+          </p:sp>
+        </mc:Fallback>
+      </mc:AlternateContent>
     </p:spTree>
     <p:extLst>
       <p:ext uri="{BB962C8B-B14F-4D97-AF65-F5344CB8AC3E}">
         <p14:creationId xmlns:p14="http://schemas.microsoft.com/office/powerpoint/2010/main" val="4005203864"/>
+      </p:ext>
+    </p:extLst>
+  </p:cSld>
+  <p:clrMapOvr>
+    <a:masterClrMapping/>
+  </p:clrMapOvr>
+</p:sld>
+</file>
+
+<file path=ppt/slides/slide5.xml><?xml version="1.0" encoding="utf-8"?>
+<p:sld xmlns:a="http://schemas.openxmlformats.org/drawingml/2006/main" xmlns:r="http://schemas.openxmlformats.org/officeDocument/2006/relationships" xmlns:p="http://schemas.openxmlformats.org/presentationml/2006/main">
+  <p:cSld>
+    <p:spTree>
+      <p:nvGrpSpPr>
+        <p:cNvPr id="1" name=""/>
+        <p:cNvGrpSpPr/>
+        <p:nvPr/>
+      </p:nvGrpSpPr>
+      <p:grpSpPr>
+        <a:xfrm>
+          <a:off x="0" y="0"/>
+          <a:ext cx="0" cy="0"/>
+          <a:chOff x="0" y="0"/>
+          <a:chExt cx="0" cy="0"/>
+        </a:xfrm>
+      </p:grpSpPr>
+    </p:spTree>
+    <p:extLst>
+      <p:ext uri="{BB962C8B-B14F-4D97-AF65-F5344CB8AC3E}">
+        <p14:creationId xmlns:p14="http://schemas.microsoft.com/office/powerpoint/2010/main" val="518156337"/>
       </p:ext>
     </p:extLst>
   </p:cSld>

--- a/Figures.pptx
+++ b/Figures.pptx
@@ -15,6 +15,7 @@
     <p:sldId id="263" r:id="rId9"/>
     <p:sldId id="264" r:id="rId10"/>
     <p:sldId id="265" r:id="rId11"/>
+    <p:sldId id="266" r:id="rId12"/>
   </p:sldIdLst>
   <p:sldSz cx="12192000" cy="6858000"/>
   <p:notesSz cx="6858000" cy="9144000"/>
@@ -268,7 +269,7 @@
           <a:p>
             <a:fld id="{8650A246-1026-46AD-AFCC-0ACF25FECB60}" type="datetimeFigureOut">
               <a:rPr lang="fr-FR" smtClean="0"/>
-              <a:t>23/05/2023</a:t>
+              <a:t>25/06/2023</a:t>
             </a:fld>
             <a:endParaRPr lang="fr-FR"/>
           </a:p>
@@ -556,7 +557,7 @@
           <a:p>
             <a:fld id="{8650A246-1026-46AD-AFCC-0ACF25FECB60}" type="datetimeFigureOut">
               <a:rPr lang="fr-FR" smtClean="0"/>
-              <a:t>23/05/2023</a:t>
+              <a:t>25/06/2023</a:t>
             </a:fld>
             <a:endParaRPr lang="fr-FR"/>
           </a:p>
@@ -754,7 +755,7 @@
           <a:p>
             <a:fld id="{8650A246-1026-46AD-AFCC-0ACF25FECB60}" type="datetimeFigureOut">
               <a:rPr lang="fr-FR" smtClean="0"/>
-              <a:t>23/05/2023</a:t>
+              <a:t>25/06/2023</a:t>
             </a:fld>
             <a:endParaRPr lang="fr-FR"/>
           </a:p>
@@ -962,7 +963,7 @@
           <a:p>
             <a:fld id="{8650A246-1026-46AD-AFCC-0ACF25FECB60}" type="datetimeFigureOut">
               <a:rPr lang="fr-FR" smtClean="0"/>
-              <a:t>23/05/2023</a:t>
+              <a:t>25/06/2023</a:t>
             </a:fld>
             <a:endParaRPr lang="fr-FR"/>
           </a:p>
@@ -1160,7 +1161,7 @@
           <a:p>
             <a:fld id="{8650A246-1026-46AD-AFCC-0ACF25FECB60}" type="datetimeFigureOut">
               <a:rPr lang="fr-FR" smtClean="0"/>
-              <a:t>23/05/2023</a:t>
+              <a:t>25/06/2023</a:t>
             </a:fld>
             <a:endParaRPr lang="fr-FR"/>
           </a:p>
@@ -1435,7 +1436,7 @@
           <a:p>
             <a:fld id="{8650A246-1026-46AD-AFCC-0ACF25FECB60}" type="datetimeFigureOut">
               <a:rPr lang="fr-FR" smtClean="0"/>
-              <a:t>23/05/2023</a:t>
+              <a:t>25/06/2023</a:t>
             </a:fld>
             <a:endParaRPr lang="fr-FR"/>
           </a:p>
@@ -1700,7 +1701,7 @@
           <a:p>
             <a:fld id="{8650A246-1026-46AD-AFCC-0ACF25FECB60}" type="datetimeFigureOut">
               <a:rPr lang="fr-FR" smtClean="0"/>
-              <a:t>23/05/2023</a:t>
+              <a:t>25/06/2023</a:t>
             </a:fld>
             <a:endParaRPr lang="fr-FR"/>
           </a:p>
@@ -2112,7 +2113,7 @@
           <a:p>
             <a:fld id="{8650A246-1026-46AD-AFCC-0ACF25FECB60}" type="datetimeFigureOut">
               <a:rPr lang="fr-FR" smtClean="0"/>
-              <a:t>23/05/2023</a:t>
+              <a:t>25/06/2023</a:t>
             </a:fld>
             <a:endParaRPr lang="fr-FR"/>
           </a:p>
@@ -2253,7 +2254,7 @@
           <a:p>
             <a:fld id="{8650A246-1026-46AD-AFCC-0ACF25FECB60}" type="datetimeFigureOut">
               <a:rPr lang="fr-FR" smtClean="0"/>
-              <a:t>23/05/2023</a:t>
+              <a:t>25/06/2023</a:t>
             </a:fld>
             <a:endParaRPr lang="fr-FR"/>
           </a:p>
@@ -2467,7 +2468,7 @@
           <a:p>
             <a:fld id="{8650A246-1026-46AD-AFCC-0ACF25FECB60}" type="datetimeFigureOut">
               <a:rPr lang="fr-FR" smtClean="0"/>
-              <a:t>23/05/2023</a:t>
+              <a:t>25/06/2023</a:t>
             </a:fld>
             <a:endParaRPr lang="fr-FR"/>
           </a:p>
@@ -2580,7 +2581,7 @@
           <a:p>
             <a:fld id="{8650A246-1026-46AD-AFCC-0ACF25FECB60}" type="datetimeFigureOut">
               <a:rPr lang="fr-FR" smtClean="0"/>
-              <a:t>23/05/2023</a:t>
+              <a:t>25/06/2023</a:t>
             </a:fld>
             <a:endParaRPr lang="fr-FR"/>
           </a:p>
@@ -2891,7 +2892,7 @@
           <a:p>
             <a:fld id="{8650A246-1026-46AD-AFCC-0ACF25FECB60}" type="datetimeFigureOut">
               <a:rPr lang="fr-FR" smtClean="0"/>
-              <a:t>23/05/2023</a:t>
+              <a:t>25/06/2023</a:t>
             </a:fld>
             <a:endParaRPr lang="fr-FR"/>
           </a:p>
@@ -3132,7 +3133,7 @@
           <a:p>
             <a:fld id="{8650A246-1026-46AD-AFCC-0ACF25FECB60}" type="datetimeFigureOut">
               <a:rPr lang="fr-FR" smtClean="0"/>
-              <a:t>23/05/2023</a:t>
+              <a:t>25/06/2023</a:t>
             </a:fld>
             <a:endParaRPr lang="fr-FR"/>
           </a:p>
@@ -7410,6 +7411,5157 @@
     <p:extLst>
       <p:ext uri="{BB962C8B-B14F-4D97-AF65-F5344CB8AC3E}">
         <p14:creationId xmlns:p14="http://schemas.microsoft.com/office/powerpoint/2010/main" val="1410893382"/>
+      </p:ext>
+    </p:extLst>
+  </p:cSld>
+  <p:clrMapOvr>
+    <a:masterClrMapping/>
+  </p:clrMapOvr>
+</p:sld>
+</file>
+
+<file path=ppt/slides/slide11.xml><?xml version="1.0" encoding="utf-8"?>
+<p:sld xmlns:a="http://schemas.openxmlformats.org/drawingml/2006/main" xmlns:r="http://schemas.openxmlformats.org/officeDocument/2006/relationships" xmlns:p="http://schemas.openxmlformats.org/presentationml/2006/main">
+  <p:cSld>
+    <p:spTree>
+      <p:nvGrpSpPr>
+        <p:cNvPr id="1" name=""/>
+        <p:cNvGrpSpPr/>
+        <p:nvPr/>
+      </p:nvGrpSpPr>
+      <p:grpSpPr>
+        <a:xfrm>
+          <a:off x="0" y="0"/>
+          <a:ext cx="0" cy="0"/>
+          <a:chOff x="0" y="0"/>
+          <a:chExt cx="0" cy="0"/>
+        </a:xfrm>
+      </p:grpSpPr>
+      <mc:AlternateContent xmlns:mc="http://schemas.openxmlformats.org/markup-compatibility/2006">
+        <mc:Choice xmlns:a14="http://schemas.microsoft.com/office/drawing/2010/main" Requires="a14">
+          <p:sp>
+            <p:nvSpPr>
+              <p:cNvPr id="50" name="ZoneTexte 49">
+                <a:extLst>
+                  <a:ext uri="{FF2B5EF4-FFF2-40B4-BE49-F238E27FC236}">
+                    <a16:creationId xmlns:a16="http://schemas.microsoft.com/office/drawing/2014/main" id="{974ED272-0116-EC4D-8278-54DD4C53B3CD}"/>
+                  </a:ext>
+                </a:extLst>
+              </p:cNvPr>
+              <p:cNvSpPr txBox="1"/>
+              <p:nvPr/>
+            </p:nvSpPr>
+            <p:spPr>
+              <a:xfrm>
+                <a:off x="3324608" y="1723778"/>
+                <a:ext cx="311752" cy="276999"/>
+              </a:xfrm>
+              <a:prstGeom prst="rect">
+                <a:avLst/>
+              </a:prstGeom>
+              <a:noFill/>
+            </p:spPr>
+            <p:txBody>
+              <a:bodyPr wrap="none" lIns="0" tIns="0" rIns="0" bIns="0" rtlCol="0">
+                <a:spAutoFit/>
+              </a:bodyPr>
+              <a:lstStyle/>
+              <a:p>
+                <a14:m>
+                  <m:oMathPara xmlns:m="http://schemas.openxmlformats.org/officeDocument/2006/math">
+                    <m:oMathParaPr>
+                      <m:jc m:val="centerGroup"/>
+                    </m:oMathParaPr>
+                    <m:oMath xmlns:m="http://schemas.openxmlformats.org/officeDocument/2006/math">
+                      <m:sSub>
+                        <m:sSubPr>
+                          <m:ctrlPr>
+                            <a:rPr lang="fr-FR" b="0" i="1" smtClean="0">
+                              <a:latin typeface="Cambria Math" panose="02040503050406030204" pitchFamily="18" charset="0"/>
+                            </a:rPr>
+                          </m:ctrlPr>
+                        </m:sSubPr>
+                        <m:e>
+                          <m:r>
+                            <a:rPr lang="fr-FR" b="0" i="1" smtClean="0">
+                              <a:latin typeface="Cambria Math" panose="02040503050406030204" pitchFamily="18" charset="0"/>
+                            </a:rPr>
+                            <m:t>𝐵</m:t>
+                          </m:r>
+                        </m:e>
+                        <m:sub>
+                          <m:r>
+                            <a:rPr lang="fr-FR" b="0" i="1" smtClean="0">
+                              <a:latin typeface="Cambria Math" panose="02040503050406030204" pitchFamily="18" charset="0"/>
+                            </a:rPr>
+                            <m:t>𝛼</m:t>
+                          </m:r>
+                        </m:sub>
+                      </m:sSub>
+                    </m:oMath>
+                  </m:oMathPara>
+                </a14:m>
+                <a:endParaRPr lang="fr-FR" dirty="0"/>
+              </a:p>
+            </p:txBody>
+          </p:sp>
+        </mc:Choice>
+        <mc:Fallback>
+          <p:sp>
+            <p:nvSpPr>
+              <p:cNvPr id="50" name="ZoneTexte 49">
+                <a:extLst>
+                  <a:ext uri="{FF2B5EF4-FFF2-40B4-BE49-F238E27FC236}">
+                    <a16:creationId xmlns:a16="http://schemas.microsoft.com/office/drawing/2014/main" id="{974ED272-0116-EC4D-8278-54DD4C53B3CD}"/>
+                  </a:ext>
+                </a:extLst>
+              </p:cNvPr>
+              <p:cNvSpPr txBox="1">
+                <a:spLocks noRot="1" noChangeAspect="1" noMove="1" noResize="1" noEditPoints="1" noAdjustHandles="1" noChangeArrowheads="1" noChangeShapeType="1" noTextEdit="1"/>
+              </p:cNvSpPr>
+              <p:nvPr/>
+            </p:nvSpPr>
+            <p:spPr>
+              <a:xfrm>
+                <a:off x="3324608" y="1723778"/>
+                <a:ext cx="311752" cy="276999"/>
+              </a:xfrm>
+              <a:prstGeom prst="rect">
+                <a:avLst/>
+              </a:prstGeom>
+              <a:blipFill>
+                <a:blip r:embed="rId2"/>
+                <a:stretch>
+                  <a:fillRect l="-17308" r="-1923" b="-11111"/>
+                </a:stretch>
+              </a:blipFill>
+            </p:spPr>
+            <p:txBody>
+              <a:bodyPr/>
+              <a:lstStyle/>
+              <a:p>
+                <a:r>
+                  <a:rPr lang="fr-FR">
+                    <a:noFill/>
+                  </a:rPr>
+                  <a:t> </a:t>
+                </a:r>
+              </a:p>
+            </p:txBody>
+          </p:sp>
+        </mc:Fallback>
+      </mc:AlternateContent>
+      <p:cxnSp>
+        <p:nvCxnSpPr>
+          <p:cNvPr id="61" name="Connecteur droit 60">
+            <a:extLst>
+              <a:ext uri="{FF2B5EF4-FFF2-40B4-BE49-F238E27FC236}">
+                <a16:creationId xmlns:a16="http://schemas.microsoft.com/office/drawing/2014/main" id="{2BD35F94-52A7-DECB-905F-AD250ACFD3DC}"/>
+              </a:ext>
+            </a:extLst>
+          </p:cNvPr>
+          <p:cNvCxnSpPr>
+            <a:cxnSpLocks/>
+            <a:stCxn id="45" idx="1"/>
+            <a:endCxn id="39" idx="1"/>
+          </p:cNvCxnSpPr>
+          <p:nvPr/>
+        </p:nvCxnSpPr>
+        <p:spPr>
+          <a:xfrm flipH="1" flipV="1">
+            <a:off x="3438453" y="1661858"/>
+            <a:ext cx="127604" cy="126153"/>
+          </a:xfrm>
+          <a:prstGeom prst="line">
+            <a:avLst/>
+          </a:prstGeom>
+          <a:noFill/>
+          <a:ln w="28575">
+            <a:solidFill>
+              <a:srgbClr val="FFC000"/>
+            </a:solidFill>
+          </a:ln>
+        </p:spPr>
+        <p:style>
+          <a:lnRef idx="2">
+            <a:schemeClr val="accent1">
+              <a:shade val="50000"/>
+            </a:schemeClr>
+          </a:lnRef>
+          <a:fillRef idx="1">
+            <a:schemeClr val="accent1"/>
+          </a:fillRef>
+          <a:effectRef idx="0">
+            <a:schemeClr val="accent1"/>
+          </a:effectRef>
+          <a:fontRef idx="minor">
+            <a:schemeClr val="lt1"/>
+          </a:fontRef>
+        </p:style>
+      </p:cxnSp>
+      <p:sp>
+        <p:nvSpPr>
+          <p:cNvPr id="163" name="Ellipse 162">
+            <a:extLst>
+              <a:ext uri="{FF2B5EF4-FFF2-40B4-BE49-F238E27FC236}">
+                <a16:creationId xmlns:a16="http://schemas.microsoft.com/office/drawing/2014/main" id="{59F8A3FE-FB97-3C0D-33C8-88CEA71936FA}"/>
+              </a:ext>
+            </a:extLst>
+          </p:cNvPr>
+          <p:cNvSpPr/>
+          <p:nvPr/>
+        </p:nvSpPr>
+        <p:spPr>
+          <a:xfrm>
+            <a:off x="4084134" y="3193351"/>
+            <a:ext cx="1139184" cy="430056"/>
+          </a:xfrm>
+          <a:prstGeom prst="ellipse">
+            <a:avLst/>
+          </a:prstGeom>
+          <a:noFill/>
+          <a:ln w="12700">
+            <a:solidFill>
+              <a:srgbClr val="7030A0"/>
+            </a:solidFill>
+          </a:ln>
+        </p:spPr>
+        <p:style>
+          <a:lnRef idx="2">
+            <a:schemeClr val="accent1">
+              <a:shade val="50000"/>
+            </a:schemeClr>
+          </a:lnRef>
+          <a:fillRef idx="1">
+            <a:schemeClr val="accent1"/>
+          </a:fillRef>
+          <a:effectRef idx="0">
+            <a:schemeClr val="accent1"/>
+          </a:effectRef>
+          <a:fontRef idx="minor">
+            <a:schemeClr val="lt1"/>
+          </a:fontRef>
+        </p:style>
+        <p:txBody>
+          <a:bodyPr rtlCol="0" anchor="ctr"/>
+          <a:lstStyle/>
+          <a:p>
+            <a:pPr algn="ctr"/>
+            <a:endParaRPr lang="fr-FR"/>
+          </a:p>
+        </p:txBody>
+      </p:sp>
+      <p:cxnSp>
+        <p:nvCxnSpPr>
+          <p:cNvPr id="121" name="Connecteur droit 120">
+            <a:extLst>
+              <a:ext uri="{FF2B5EF4-FFF2-40B4-BE49-F238E27FC236}">
+                <a16:creationId xmlns:a16="http://schemas.microsoft.com/office/drawing/2014/main" id="{EE2302E5-05B3-8B84-EB83-E7549A458186}"/>
+              </a:ext>
+            </a:extLst>
+          </p:cNvPr>
+          <p:cNvCxnSpPr>
+            <a:cxnSpLocks/>
+            <a:endCxn id="75" idx="3"/>
+          </p:cNvCxnSpPr>
+          <p:nvPr/>
+        </p:nvCxnSpPr>
+        <p:spPr>
+          <a:xfrm flipV="1">
+            <a:off x="5597875" y="1678303"/>
+            <a:ext cx="0" cy="3098863"/>
+          </a:xfrm>
+          <a:prstGeom prst="line">
+            <a:avLst/>
+          </a:prstGeom>
+          <a:noFill/>
+          <a:ln w="28575">
+            <a:solidFill>
+              <a:srgbClr val="002060"/>
+            </a:solidFill>
+          </a:ln>
+        </p:spPr>
+        <p:style>
+          <a:lnRef idx="2">
+            <a:schemeClr val="accent1">
+              <a:shade val="50000"/>
+            </a:schemeClr>
+          </a:lnRef>
+          <a:fillRef idx="1">
+            <a:schemeClr val="accent1"/>
+          </a:fillRef>
+          <a:effectRef idx="0">
+            <a:schemeClr val="accent1"/>
+          </a:effectRef>
+          <a:fontRef idx="minor">
+            <a:schemeClr val="lt1"/>
+          </a:fontRef>
+        </p:style>
+      </p:cxnSp>
+      <p:cxnSp>
+        <p:nvCxnSpPr>
+          <p:cNvPr id="120" name="Connecteur droit 119">
+            <a:extLst>
+              <a:ext uri="{FF2B5EF4-FFF2-40B4-BE49-F238E27FC236}">
+                <a16:creationId xmlns:a16="http://schemas.microsoft.com/office/drawing/2014/main" id="{B4CCE870-36DA-6320-8021-5CF2BE805FE2}"/>
+              </a:ext>
+            </a:extLst>
+          </p:cNvPr>
+          <p:cNvCxnSpPr>
+            <a:cxnSpLocks/>
+          </p:cNvCxnSpPr>
+          <p:nvPr/>
+        </p:nvCxnSpPr>
+        <p:spPr>
+          <a:xfrm flipV="1">
+            <a:off x="3748549" y="1689841"/>
+            <a:ext cx="0" cy="3075933"/>
+          </a:xfrm>
+          <a:prstGeom prst="line">
+            <a:avLst/>
+          </a:prstGeom>
+          <a:noFill/>
+          <a:ln w="28575">
+            <a:solidFill>
+              <a:srgbClr val="002060"/>
+            </a:solidFill>
+          </a:ln>
+        </p:spPr>
+        <p:style>
+          <a:lnRef idx="2">
+            <a:schemeClr val="accent1">
+              <a:shade val="50000"/>
+            </a:schemeClr>
+          </a:lnRef>
+          <a:fillRef idx="1">
+            <a:schemeClr val="accent1"/>
+          </a:fillRef>
+          <a:effectRef idx="0">
+            <a:schemeClr val="accent1"/>
+          </a:effectRef>
+          <a:fontRef idx="minor">
+            <a:schemeClr val="lt1"/>
+          </a:fontRef>
+        </p:style>
+      </p:cxnSp>
+      <p:sp>
+        <p:nvSpPr>
+          <p:cNvPr id="2" name="Arc 1">
+            <a:extLst>
+              <a:ext uri="{FF2B5EF4-FFF2-40B4-BE49-F238E27FC236}">
+                <a16:creationId xmlns:a16="http://schemas.microsoft.com/office/drawing/2014/main" id="{C0CAE14D-5267-730E-405C-3B964C0A949F}"/>
+              </a:ext>
+            </a:extLst>
+          </p:cNvPr>
+          <p:cNvSpPr/>
+          <p:nvPr/>
+        </p:nvSpPr>
+        <p:spPr>
+          <a:xfrm rot="9700156">
+            <a:off x="3787057" y="1744417"/>
+            <a:ext cx="181812" cy="108000"/>
+          </a:xfrm>
+          <a:prstGeom prst="arc">
+            <a:avLst>
+              <a:gd name="adj1" fmla="val 862801"/>
+              <a:gd name="adj2" fmla="val 9930362"/>
+            </a:avLst>
+          </a:prstGeom>
+          <a:noFill/>
+          <a:ln w="28575">
+            <a:solidFill>
+              <a:srgbClr val="FFC000"/>
+            </a:solidFill>
+          </a:ln>
+        </p:spPr>
+        <p:style>
+          <a:lnRef idx="2">
+            <a:schemeClr val="accent1">
+              <a:shade val="50000"/>
+            </a:schemeClr>
+          </a:lnRef>
+          <a:fillRef idx="1">
+            <a:schemeClr val="accent1"/>
+          </a:fillRef>
+          <a:effectRef idx="0">
+            <a:schemeClr val="accent1"/>
+          </a:effectRef>
+          <a:fontRef idx="minor">
+            <a:schemeClr val="lt1"/>
+          </a:fontRef>
+        </p:style>
+        <p:txBody>
+          <a:bodyPr rtlCol="0" anchor="ctr"/>
+          <a:lstStyle/>
+          <a:p>
+            <a:pPr algn="ctr"/>
+            <a:endParaRPr lang="fr-FR">
+              <a:solidFill>
+                <a:schemeClr val="lt1"/>
+              </a:solidFill>
+            </a:endParaRPr>
+          </a:p>
+        </p:txBody>
+      </p:sp>
+      <p:sp>
+        <p:nvSpPr>
+          <p:cNvPr id="3" name="Ellipse 2">
+            <a:extLst>
+              <a:ext uri="{FF2B5EF4-FFF2-40B4-BE49-F238E27FC236}">
+                <a16:creationId xmlns:a16="http://schemas.microsoft.com/office/drawing/2014/main" id="{70C7ECA3-DAB8-991A-B8ED-0AF212002FD0}"/>
+              </a:ext>
+            </a:extLst>
+          </p:cNvPr>
+          <p:cNvSpPr/>
+          <p:nvPr/>
+        </p:nvSpPr>
+        <p:spPr>
+          <a:xfrm rot="20500156">
+            <a:off x="3748361" y="1707564"/>
+            <a:ext cx="230400" cy="93135"/>
+          </a:xfrm>
+          <a:prstGeom prst="ellipse">
+            <a:avLst/>
+          </a:prstGeom>
+          <a:noFill/>
+          <a:ln w="28575">
+            <a:solidFill>
+              <a:srgbClr val="00B050"/>
+            </a:solidFill>
+          </a:ln>
+        </p:spPr>
+        <p:style>
+          <a:lnRef idx="2">
+            <a:schemeClr val="accent1">
+              <a:shade val="50000"/>
+            </a:schemeClr>
+          </a:lnRef>
+          <a:fillRef idx="1">
+            <a:schemeClr val="accent1"/>
+          </a:fillRef>
+          <a:effectRef idx="0">
+            <a:schemeClr val="accent1"/>
+          </a:effectRef>
+          <a:fontRef idx="minor">
+            <a:schemeClr val="lt1"/>
+          </a:fontRef>
+        </p:style>
+        <p:txBody>
+          <a:bodyPr rtlCol="0" anchor="ctr"/>
+          <a:lstStyle/>
+          <a:p>
+            <a:pPr algn="ctr"/>
+            <a:endParaRPr lang="fr-FR"/>
+          </a:p>
+        </p:txBody>
+      </p:sp>
+      <p:sp>
+        <p:nvSpPr>
+          <p:cNvPr id="4" name="Arc 3">
+            <a:extLst>
+              <a:ext uri="{FF2B5EF4-FFF2-40B4-BE49-F238E27FC236}">
+                <a16:creationId xmlns:a16="http://schemas.microsoft.com/office/drawing/2014/main" id="{37DA8112-F97B-7BF7-5772-56F538124C99}"/>
+              </a:ext>
+            </a:extLst>
+          </p:cNvPr>
+          <p:cNvSpPr/>
+          <p:nvPr/>
+        </p:nvSpPr>
+        <p:spPr>
+          <a:xfrm rot="20500156">
+            <a:off x="3753499" y="1677781"/>
+            <a:ext cx="252720" cy="252720"/>
+          </a:xfrm>
+          <a:prstGeom prst="arc">
+            <a:avLst>
+              <a:gd name="adj1" fmla="val 20032654"/>
+              <a:gd name="adj2" fmla="val 12194834"/>
+            </a:avLst>
+          </a:prstGeom>
+          <a:noFill/>
+          <a:ln w="28575">
+            <a:solidFill>
+              <a:srgbClr val="00B050"/>
+            </a:solidFill>
+          </a:ln>
+        </p:spPr>
+        <p:style>
+          <a:lnRef idx="2">
+            <a:schemeClr val="accent1">
+              <a:shade val="50000"/>
+            </a:schemeClr>
+          </a:lnRef>
+          <a:fillRef idx="1">
+            <a:schemeClr val="accent1"/>
+          </a:fillRef>
+          <a:effectRef idx="0">
+            <a:schemeClr val="accent1"/>
+          </a:effectRef>
+          <a:fontRef idx="minor">
+            <a:schemeClr val="lt1"/>
+          </a:fontRef>
+        </p:style>
+        <p:txBody>
+          <a:bodyPr rtlCol="0" anchor="ctr"/>
+          <a:lstStyle/>
+          <a:p>
+            <a:pPr algn="ctr"/>
+            <a:endParaRPr lang="fr-FR">
+              <a:solidFill>
+                <a:schemeClr val="lt1"/>
+              </a:solidFill>
+            </a:endParaRPr>
+          </a:p>
+        </p:txBody>
+      </p:sp>
+      <p:cxnSp>
+        <p:nvCxnSpPr>
+          <p:cNvPr id="5" name="Connecteur droit 4">
+            <a:extLst>
+              <a:ext uri="{FF2B5EF4-FFF2-40B4-BE49-F238E27FC236}">
+                <a16:creationId xmlns:a16="http://schemas.microsoft.com/office/drawing/2014/main" id="{3DDFAD5B-C610-A862-DF69-9211790CE980}"/>
+              </a:ext>
+            </a:extLst>
+          </p:cNvPr>
+          <p:cNvCxnSpPr>
+            <a:cxnSpLocks/>
+          </p:cNvCxnSpPr>
+          <p:nvPr/>
+        </p:nvCxnSpPr>
+        <p:spPr>
+          <a:xfrm rot="20500156" flipV="1">
+            <a:off x="3822259" y="1505568"/>
+            <a:ext cx="0" cy="249441"/>
+          </a:xfrm>
+          <a:prstGeom prst="line">
+            <a:avLst/>
+          </a:prstGeom>
+          <a:noFill/>
+          <a:ln w="28575">
+            <a:solidFill>
+              <a:srgbClr val="FFC000"/>
+            </a:solidFill>
+          </a:ln>
+        </p:spPr>
+        <p:style>
+          <a:lnRef idx="2">
+            <a:schemeClr val="accent1">
+              <a:shade val="50000"/>
+            </a:schemeClr>
+          </a:lnRef>
+          <a:fillRef idx="1">
+            <a:schemeClr val="accent1"/>
+          </a:fillRef>
+          <a:effectRef idx="0">
+            <a:schemeClr val="accent1"/>
+          </a:effectRef>
+          <a:fontRef idx="minor">
+            <a:schemeClr val="lt1"/>
+          </a:fontRef>
+        </p:style>
+      </p:cxnSp>
+      <p:cxnSp>
+        <p:nvCxnSpPr>
+          <p:cNvPr id="6" name="Connecteur droit 5">
+            <a:extLst>
+              <a:ext uri="{FF2B5EF4-FFF2-40B4-BE49-F238E27FC236}">
+                <a16:creationId xmlns:a16="http://schemas.microsoft.com/office/drawing/2014/main" id="{846CE034-AADA-A933-5148-3761767D19A8}"/>
+              </a:ext>
+            </a:extLst>
+          </p:cNvPr>
+          <p:cNvCxnSpPr>
+            <a:cxnSpLocks/>
+          </p:cNvCxnSpPr>
+          <p:nvPr/>
+        </p:nvCxnSpPr>
+        <p:spPr>
+          <a:xfrm rot="20500156" flipV="1">
+            <a:off x="4046743" y="1903576"/>
+            <a:ext cx="0" cy="808545"/>
+          </a:xfrm>
+          <a:prstGeom prst="line">
+            <a:avLst/>
+          </a:prstGeom>
+          <a:noFill/>
+          <a:ln w="28575">
+            <a:solidFill>
+              <a:srgbClr val="00B050"/>
+            </a:solidFill>
+          </a:ln>
+        </p:spPr>
+        <p:style>
+          <a:lnRef idx="2">
+            <a:schemeClr val="accent1">
+              <a:shade val="50000"/>
+            </a:schemeClr>
+          </a:lnRef>
+          <a:fillRef idx="1">
+            <a:schemeClr val="accent1"/>
+          </a:fillRef>
+          <a:effectRef idx="0">
+            <a:schemeClr val="accent1"/>
+          </a:effectRef>
+          <a:fontRef idx="minor">
+            <a:schemeClr val="lt1"/>
+          </a:fontRef>
+        </p:style>
+      </p:cxnSp>
+      <p:sp>
+        <p:nvSpPr>
+          <p:cNvPr id="8" name="Arc 7">
+            <a:extLst>
+              <a:ext uri="{FF2B5EF4-FFF2-40B4-BE49-F238E27FC236}">
+                <a16:creationId xmlns:a16="http://schemas.microsoft.com/office/drawing/2014/main" id="{22607B7C-46C6-FB66-7577-6EC5FB5A59DC}"/>
+              </a:ext>
+            </a:extLst>
+          </p:cNvPr>
+          <p:cNvSpPr/>
+          <p:nvPr/>
+        </p:nvSpPr>
+        <p:spPr>
+          <a:xfrm rot="9700156" flipV="1">
+            <a:off x="4127099" y="2770769"/>
+            <a:ext cx="181812" cy="108000"/>
+          </a:xfrm>
+          <a:prstGeom prst="arc">
+            <a:avLst>
+              <a:gd name="adj1" fmla="val 862801"/>
+              <a:gd name="adj2" fmla="val 9930362"/>
+            </a:avLst>
+          </a:prstGeom>
+          <a:noFill/>
+          <a:ln w="28575">
+            <a:solidFill>
+              <a:srgbClr val="7030A0"/>
+            </a:solidFill>
+          </a:ln>
+        </p:spPr>
+        <p:style>
+          <a:lnRef idx="2">
+            <a:schemeClr val="accent1">
+              <a:shade val="50000"/>
+            </a:schemeClr>
+          </a:lnRef>
+          <a:fillRef idx="1">
+            <a:schemeClr val="accent1"/>
+          </a:fillRef>
+          <a:effectRef idx="0">
+            <a:schemeClr val="accent1"/>
+          </a:effectRef>
+          <a:fontRef idx="minor">
+            <a:schemeClr val="lt1"/>
+          </a:fontRef>
+        </p:style>
+        <p:txBody>
+          <a:bodyPr rtlCol="0" anchor="ctr"/>
+          <a:lstStyle/>
+          <a:p>
+            <a:pPr algn="ctr"/>
+            <a:endParaRPr lang="fr-FR">
+              <a:solidFill>
+                <a:schemeClr val="lt1"/>
+              </a:solidFill>
+            </a:endParaRPr>
+          </a:p>
+        </p:txBody>
+      </p:sp>
+      <p:sp>
+        <p:nvSpPr>
+          <p:cNvPr id="9" name="Ellipse 8">
+            <a:extLst>
+              <a:ext uri="{FF2B5EF4-FFF2-40B4-BE49-F238E27FC236}">
+                <a16:creationId xmlns:a16="http://schemas.microsoft.com/office/drawing/2014/main" id="{3B3AAD2E-10B2-6F7A-3B9D-DEA90B6290DB}"/>
+              </a:ext>
+            </a:extLst>
+          </p:cNvPr>
+          <p:cNvSpPr/>
+          <p:nvPr/>
+        </p:nvSpPr>
+        <p:spPr>
+          <a:xfrm rot="20500156" flipV="1">
+            <a:off x="4117695" y="2822325"/>
+            <a:ext cx="230400" cy="93135"/>
+          </a:xfrm>
+          <a:prstGeom prst="ellipse">
+            <a:avLst/>
+          </a:prstGeom>
+          <a:noFill/>
+          <a:ln w="28575">
+            <a:solidFill>
+              <a:srgbClr val="00B050"/>
+            </a:solidFill>
+          </a:ln>
+        </p:spPr>
+        <p:style>
+          <a:lnRef idx="2">
+            <a:schemeClr val="accent1">
+              <a:shade val="50000"/>
+            </a:schemeClr>
+          </a:lnRef>
+          <a:fillRef idx="1">
+            <a:schemeClr val="accent1"/>
+          </a:fillRef>
+          <a:effectRef idx="0">
+            <a:schemeClr val="accent1"/>
+          </a:effectRef>
+          <a:fontRef idx="minor">
+            <a:schemeClr val="lt1"/>
+          </a:fontRef>
+        </p:style>
+        <p:txBody>
+          <a:bodyPr rtlCol="0" anchor="ctr"/>
+          <a:lstStyle/>
+          <a:p>
+            <a:pPr algn="ctr"/>
+            <a:endParaRPr lang="fr-FR"/>
+          </a:p>
+        </p:txBody>
+      </p:sp>
+      <p:sp>
+        <p:nvSpPr>
+          <p:cNvPr id="10" name="Arc 9">
+            <a:extLst>
+              <a:ext uri="{FF2B5EF4-FFF2-40B4-BE49-F238E27FC236}">
+                <a16:creationId xmlns:a16="http://schemas.microsoft.com/office/drawing/2014/main" id="{76774164-5F6F-B2AC-7C94-D2BE721A7447}"/>
+              </a:ext>
+            </a:extLst>
+          </p:cNvPr>
+          <p:cNvSpPr/>
+          <p:nvPr/>
+        </p:nvSpPr>
+        <p:spPr>
+          <a:xfrm rot="20500156" flipV="1">
+            <a:off x="4089749" y="2692685"/>
+            <a:ext cx="252720" cy="252720"/>
+          </a:xfrm>
+          <a:prstGeom prst="arc">
+            <a:avLst>
+              <a:gd name="adj1" fmla="val 20032654"/>
+              <a:gd name="adj2" fmla="val 12194834"/>
+            </a:avLst>
+          </a:prstGeom>
+          <a:noFill/>
+          <a:ln w="28575">
+            <a:solidFill>
+              <a:srgbClr val="00B050"/>
+            </a:solidFill>
+          </a:ln>
+        </p:spPr>
+        <p:style>
+          <a:lnRef idx="2">
+            <a:schemeClr val="accent1">
+              <a:shade val="50000"/>
+            </a:schemeClr>
+          </a:lnRef>
+          <a:fillRef idx="1">
+            <a:schemeClr val="accent1"/>
+          </a:fillRef>
+          <a:effectRef idx="0">
+            <a:schemeClr val="accent1"/>
+          </a:effectRef>
+          <a:fontRef idx="minor">
+            <a:schemeClr val="lt1"/>
+          </a:fontRef>
+        </p:style>
+        <p:txBody>
+          <a:bodyPr rtlCol="0" anchor="ctr"/>
+          <a:lstStyle/>
+          <a:p>
+            <a:pPr algn="ctr"/>
+            <a:endParaRPr lang="fr-FR">
+              <a:solidFill>
+                <a:schemeClr val="lt1"/>
+              </a:solidFill>
+            </a:endParaRPr>
+          </a:p>
+        </p:txBody>
+      </p:sp>
+      <p:cxnSp>
+        <p:nvCxnSpPr>
+          <p:cNvPr id="11" name="Connecteur droit 10">
+            <a:extLst>
+              <a:ext uri="{FF2B5EF4-FFF2-40B4-BE49-F238E27FC236}">
+                <a16:creationId xmlns:a16="http://schemas.microsoft.com/office/drawing/2014/main" id="{C445BAF2-709A-9B34-5DE6-B110B84C1DF4}"/>
+              </a:ext>
+            </a:extLst>
+          </p:cNvPr>
+          <p:cNvCxnSpPr>
+            <a:cxnSpLocks/>
+          </p:cNvCxnSpPr>
+          <p:nvPr/>
+        </p:nvCxnSpPr>
+        <p:spPr>
+          <a:xfrm rot="20500156" flipH="1" flipV="1">
+            <a:off x="4269788" y="2871420"/>
+            <a:ext cx="1" cy="219292"/>
+          </a:xfrm>
+          <a:prstGeom prst="line">
+            <a:avLst/>
+          </a:prstGeom>
+          <a:noFill/>
+          <a:ln w="28575">
+            <a:solidFill>
+              <a:srgbClr val="7030A0"/>
+            </a:solidFill>
+          </a:ln>
+        </p:spPr>
+        <p:style>
+          <a:lnRef idx="2">
+            <a:schemeClr val="accent1">
+              <a:shade val="50000"/>
+            </a:schemeClr>
+          </a:lnRef>
+          <a:fillRef idx="1">
+            <a:schemeClr val="accent1"/>
+          </a:fillRef>
+          <a:effectRef idx="0">
+            <a:schemeClr val="accent1"/>
+          </a:effectRef>
+          <a:fontRef idx="minor">
+            <a:schemeClr val="lt1"/>
+          </a:fontRef>
+        </p:style>
+      </p:cxnSp>
+      <p:sp>
+        <p:nvSpPr>
+          <p:cNvPr id="29" name="Forme libre : forme 28">
+            <a:extLst>
+              <a:ext uri="{FF2B5EF4-FFF2-40B4-BE49-F238E27FC236}">
+                <a16:creationId xmlns:a16="http://schemas.microsoft.com/office/drawing/2014/main" id="{62C070FA-D37E-151F-0609-24D1CE05AD78}"/>
+              </a:ext>
+            </a:extLst>
+          </p:cNvPr>
+          <p:cNvSpPr/>
+          <p:nvPr/>
+        </p:nvSpPr>
+        <p:spPr>
+          <a:xfrm>
+            <a:off x="3724276" y="3078980"/>
+            <a:ext cx="1895474" cy="692150"/>
+          </a:xfrm>
+          <a:custGeom>
+            <a:avLst/>
+            <a:gdLst>
+              <a:gd name="connsiteX0" fmla="*/ 584200 w 1898650"/>
+              <a:gd name="connsiteY0" fmla="*/ 3175 h 692150"/>
+              <a:gd name="connsiteX1" fmla="*/ 0 w 1898650"/>
+              <a:gd name="connsiteY1" fmla="*/ 349250 h 692150"/>
+              <a:gd name="connsiteX2" fmla="*/ 587375 w 1898650"/>
+              <a:gd name="connsiteY2" fmla="*/ 692150 h 692150"/>
+              <a:gd name="connsiteX3" fmla="*/ 1304925 w 1898650"/>
+              <a:gd name="connsiteY3" fmla="*/ 688975 h 692150"/>
+              <a:gd name="connsiteX4" fmla="*/ 1898650 w 1898650"/>
+              <a:gd name="connsiteY4" fmla="*/ 342900 h 692150"/>
+              <a:gd name="connsiteX5" fmla="*/ 1301750 w 1898650"/>
+              <a:gd name="connsiteY5" fmla="*/ 0 h 692150"/>
+              <a:gd name="connsiteX6" fmla="*/ 584200 w 1898650"/>
+              <a:gd name="connsiteY6" fmla="*/ 3175 h 692150"/>
+            </a:gdLst>
+            <a:ahLst/>
+            <a:cxnLst>
+              <a:cxn ang="0">
+                <a:pos x="connsiteX0" y="connsiteY0"/>
+              </a:cxn>
+              <a:cxn ang="0">
+                <a:pos x="connsiteX1" y="connsiteY1"/>
+              </a:cxn>
+              <a:cxn ang="0">
+                <a:pos x="connsiteX2" y="connsiteY2"/>
+              </a:cxn>
+              <a:cxn ang="0">
+                <a:pos x="connsiteX3" y="connsiteY3"/>
+              </a:cxn>
+              <a:cxn ang="0">
+                <a:pos x="connsiteX4" y="connsiteY4"/>
+              </a:cxn>
+              <a:cxn ang="0">
+                <a:pos x="connsiteX5" y="connsiteY5"/>
+              </a:cxn>
+              <a:cxn ang="0">
+                <a:pos x="connsiteX6" y="connsiteY6"/>
+              </a:cxn>
+            </a:cxnLst>
+            <a:rect l="l" t="t" r="r" b="b"/>
+            <a:pathLst>
+              <a:path w="1898650" h="692150">
+                <a:moveTo>
+                  <a:pt x="584200" y="3175"/>
+                </a:moveTo>
+                <a:lnTo>
+                  <a:pt x="0" y="349250"/>
+                </a:lnTo>
+                <a:lnTo>
+                  <a:pt x="587375" y="692150"/>
+                </a:lnTo>
+                <a:lnTo>
+                  <a:pt x="1304925" y="688975"/>
+                </a:lnTo>
+                <a:lnTo>
+                  <a:pt x="1898650" y="342900"/>
+                </a:lnTo>
+                <a:lnTo>
+                  <a:pt x="1301750" y="0"/>
+                </a:lnTo>
+                <a:lnTo>
+                  <a:pt x="584200" y="3175"/>
+                </a:lnTo>
+                <a:close/>
+              </a:path>
+            </a:pathLst>
+          </a:custGeom>
+          <a:noFill/>
+          <a:ln w="28575">
+            <a:solidFill>
+              <a:srgbClr val="7030A0"/>
+            </a:solidFill>
+          </a:ln>
+        </p:spPr>
+        <p:style>
+          <a:lnRef idx="2">
+            <a:schemeClr val="accent1">
+              <a:shade val="50000"/>
+            </a:schemeClr>
+          </a:lnRef>
+          <a:fillRef idx="1">
+            <a:schemeClr val="accent1"/>
+          </a:fillRef>
+          <a:effectRef idx="0">
+            <a:schemeClr val="accent1"/>
+          </a:effectRef>
+          <a:fontRef idx="minor">
+            <a:schemeClr val="lt1"/>
+          </a:fontRef>
+        </p:style>
+        <p:txBody>
+          <a:bodyPr rtlCol="0" anchor="ctr"/>
+          <a:lstStyle/>
+          <a:p>
+            <a:pPr algn="ctr"/>
+            <a:endParaRPr lang="fr-FR" dirty="0"/>
+          </a:p>
+        </p:txBody>
+      </p:sp>
+      <p:cxnSp>
+        <p:nvCxnSpPr>
+          <p:cNvPr id="30" name="Connecteur droit 29">
+            <a:extLst>
+              <a:ext uri="{FF2B5EF4-FFF2-40B4-BE49-F238E27FC236}">
+                <a16:creationId xmlns:a16="http://schemas.microsoft.com/office/drawing/2014/main" id="{7649E33B-4F7C-F8B1-C45A-FE557AB4EBE3}"/>
+              </a:ext>
+            </a:extLst>
+          </p:cNvPr>
+          <p:cNvCxnSpPr>
+            <a:cxnSpLocks/>
+          </p:cNvCxnSpPr>
+          <p:nvPr/>
+        </p:nvCxnSpPr>
+        <p:spPr>
+          <a:xfrm flipV="1">
+            <a:off x="3254879" y="1528453"/>
+            <a:ext cx="474741" cy="286831"/>
+          </a:xfrm>
+          <a:prstGeom prst="line">
+            <a:avLst/>
+          </a:prstGeom>
+          <a:noFill/>
+          <a:ln w="28575">
+            <a:solidFill>
+              <a:srgbClr val="FFC000"/>
+            </a:solidFill>
+          </a:ln>
+        </p:spPr>
+        <p:style>
+          <a:lnRef idx="2">
+            <a:schemeClr val="accent1">
+              <a:shade val="50000"/>
+            </a:schemeClr>
+          </a:lnRef>
+          <a:fillRef idx="1">
+            <a:schemeClr val="accent1"/>
+          </a:fillRef>
+          <a:effectRef idx="0">
+            <a:schemeClr val="accent1"/>
+          </a:effectRef>
+          <a:fontRef idx="minor">
+            <a:schemeClr val="lt1"/>
+          </a:fontRef>
+        </p:style>
+      </p:cxnSp>
+      <p:cxnSp>
+        <p:nvCxnSpPr>
+          <p:cNvPr id="33" name="Connecteur droit 32">
+            <a:extLst>
+              <a:ext uri="{FF2B5EF4-FFF2-40B4-BE49-F238E27FC236}">
+                <a16:creationId xmlns:a16="http://schemas.microsoft.com/office/drawing/2014/main" id="{B8B247C1-5E52-51BD-D6A2-93E46DD8ED67}"/>
+              </a:ext>
+            </a:extLst>
+          </p:cNvPr>
+          <p:cNvCxnSpPr>
+            <a:cxnSpLocks/>
+            <a:stCxn id="77" idx="2"/>
+          </p:cNvCxnSpPr>
+          <p:nvPr/>
+        </p:nvCxnSpPr>
+        <p:spPr>
+          <a:xfrm flipH="1" flipV="1">
+            <a:off x="5631189" y="1511896"/>
+            <a:ext cx="457851" cy="270876"/>
+          </a:xfrm>
+          <a:prstGeom prst="line">
+            <a:avLst/>
+          </a:prstGeom>
+          <a:noFill/>
+          <a:ln w="28575">
+            <a:solidFill>
+              <a:srgbClr val="FFC000"/>
+            </a:solidFill>
+          </a:ln>
+        </p:spPr>
+        <p:style>
+          <a:lnRef idx="2">
+            <a:schemeClr val="accent1">
+              <a:shade val="50000"/>
+            </a:schemeClr>
+          </a:lnRef>
+          <a:fillRef idx="1">
+            <a:schemeClr val="accent1"/>
+          </a:fillRef>
+          <a:effectRef idx="0">
+            <a:schemeClr val="accent1"/>
+          </a:effectRef>
+          <a:fontRef idx="minor">
+            <a:schemeClr val="lt1"/>
+          </a:fontRef>
+        </p:style>
+      </p:cxnSp>
+      <p:sp>
+        <p:nvSpPr>
+          <p:cNvPr id="40" name="Arc 39">
+            <a:extLst>
+              <a:ext uri="{FF2B5EF4-FFF2-40B4-BE49-F238E27FC236}">
+                <a16:creationId xmlns:a16="http://schemas.microsoft.com/office/drawing/2014/main" id="{FB5F9C46-EE2E-BB24-BCEB-74AE4551ADF1}"/>
+              </a:ext>
+            </a:extLst>
+          </p:cNvPr>
+          <p:cNvSpPr/>
+          <p:nvPr/>
+        </p:nvSpPr>
+        <p:spPr>
+          <a:xfrm rot="9700156">
+            <a:off x="3202348" y="2098737"/>
+            <a:ext cx="181812" cy="108000"/>
+          </a:xfrm>
+          <a:prstGeom prst="arc">
+            <a:avLst>
+              <a:gd name="adj1" fmla="val 862801"/>
+              <a:gd name="adj2" fmla="val 9930362"/>
+            </a:avLst>
+          </a:prstGeom>
+          <a:noFill/>
+          <a:ln w="28575">
+            <a:solidFill>
+              <a:srgbClr val="FFC000"/>
+            </a:solidFill>
+          </a:ln>
+        </p:spPr>
+        <p:style>
+          <a:lnRef idx="2">
+            <a:schemeClr val="accent1">
+              <a:shade val="50000"/>
+            </a:schemeClr>
+          </a:lnRef>
+          <a:fillRef idx="1">
+            <a:schemeClr val="accent1"/>
+          </a:fillRef>
+          <a:effectRef idx="0">
+            <a:schemeClr val="accent1"/>
+          </a:effectRef>
+          <a:fontRef idx="minor">
+            <a:schemeClr val="lt1"/>
+          </a:fontRef>
+        </p:style>
+        <p:txBody>
+          <a:bodyPr rtlCol="0" anchor="ctr"/>
+          <a:lstStyle/>
+          <a:p>
+            <a:pPr algn="ctr"/>
+            <a:endParaRPr lang="fr-FR">
+              <a:solidFill>
+                <a:schemeClr val="lt1"/>
+              </a:solidFill>
+            </a:endParaRPr>
+          </a:p>
+        </p:txBody>
+      </p:sp>
+      <p:sp>
+        <p:nvSpPr>
+          <p:cNvPr id="41" name="Ellipse 40">
+            <a:extLst>
+              <a:ext uri="{FF2B5EF4-FFF2-40B4-BE49-F238E27FC236}">
+                <a16:creationId xmlns:a16="http://schemas.microsoft.com/office/drawing/2014/main" id="{0C24D906-C12D-6300-E0C7-5908D2B28719}"/>
+              </a:ext>
+            </a:extLst>
+          </p:cNvPr>
+          <p:cNvSpPr/>
+          <p:nvPr/>
+        </p:nvSpPr>
+        <p:spPr>
+          <a:xfrm rot="20500156">
+            <a:off x="3163652" y="2061884"/>
+            <a:ext cx="230400" cy="93135"/>
+          </a:xfrm>
+          <a:prstGeom prst="ellipse">
+            <a:avLst/>
+          </a:prstGeom>
+          <a:noFill/>
+          <a:ln w="28575">
+            <a:solidFill>
+              <a:srgbClr val="00B050"/>
+            </a:solidFill>
+          </a:ln>
+        </p:spPr>
+        <p:style>
+          <a:lnRef idx="2">
+            <a:schemeClr val="accent1">
+              <a:shade val="50000"/>
+            </a:schemeClr>
+          </a:lnRef>
+          <a:fillRef idx="1">
+            <a:schemeClr val="accent1"/>
+          </a:fillRef>
+          <a:effectRef idx="0">
+            <a:schemeClr val="accent1"/>
+          </a:effectRef>
+          <a:fontRef idx="minor">
+            <a:schemeClr val="lt1"/>
+          </a:fontRef>
+        </p:style>
+        <p:txBody>
+          <a:bodyPr rtlCol="0" anchor="ctr"/>
+          <a:lstStyle/>
+          <a:p>
+            <a:pPr algn="ctr"/>
+            <a:endParaRPr lang="fr-FR"/>
+          </a:p>
+        </p:txBody>
+      </p:sp>
+      <p:sp>
+        <p:nvSpPr>
+          <p:cNvPr id="42" name="Arc 41">
+            <a:extLst>
+              <a:ext uri="{FF2B5EF4-FFF2-40B4-BE49-F238E27FC236}">
+                <a16:creationId xmlns:a16="http://schemas.microsoft.com/office/drawing/2014/main" id="{56A40D8A-49C3-8BC1-47D0-B6C4F178B6F1}"/>
+              </a:ext>
+            </a:extLst>
+          </p:cNvPr>
+          <p:cNvSpPr/>
+          <p:nvPr/>
+        </p:nvSpPr>
+        <p:spPr>
+          <a:xfrm rot="20500156">
+            <a:off x="3168790" y="2032101"/>
+            <a:ext cx="252720" cy="252720"/>
+          </a:xfrm>
+          <a:prstGeom prst="arc">
+            <a:avLst>
+              <a:gd name="adj1" fmla="val 20032654"/>
+              <a:gd name="adj2" fmla="val 12194834"/>
+            </a:avLst>
+          </a:prstGeom>
+          <a:noFill/>
+          <a:ln w="28575">
+            <a:solidFill>
+              <a:srgbClr val="00B050"/>
+            </a:solidFill>
+          </a:ln>
+        </p:spPr>
+        <p:style>
+          <a:lnRef idx="2">
+            <a:schemeClr val="accent1">
+              <a:shade val="50000"/>
+            </a:schemeClr>
+          </a:lnRef>
+          <a:fillRef idx="1">
+            <a:schemeClr val="accent1"/>
+          </a:fillRef>
+          <a:effectRef idx="0">
+            <a:schemeClr val="accent1"/>
+          </a:effectRef>
+          <a:fontRef idx="minor">
+            <a:schemeClr val="lt1"/>
+          </a:fontRef>
+        </p:style>
+        <p:txBody>
+          <a:bodyPr rtlCol="0" anchor="ctr"/>
+          <a:lstStyle/>
+          <a:p>
+            <a:pPr algn="ctr"/>
+            <a:endParaRPr lang="fr-FR">
+              <a:solidFill>
+                <a:schemeClr val="lt1"/>
+              </a:solidFill>
+            </a:endParaRPr>
+          </a:p>
+        </p:txBody>
+      </p:sp>
+      <p:cxnSp>
+        <p:nvCxnSpPr>
+          <p:cNvPr id="43" name="Connecteur droit 42">
+            <a:extLst>
+              <a:ext uri="{FF2B5EF4-FFF2-40B4-BE49-F238E27FC236}">
+                <a16:creationId xmlns:a16="http://schemas.microsoft.com/office/drawing/2014/main" id="{B118C6D9-29B4-D892-E2F4-A86D3CEDA0ED}"/>
+              </a:ext>
+            </a:extLst>
+          </p:cNvPr>
+          <p:cNvCxnSpPr>
+            <a:cxnSpLocks/>
+          </p:cNvCxnSpPr>
+          <p:nvPr/>
+        </p:nvCxnSpPr>
+        <p:spPr>
+          <a:xfrm rot="20500156" flipV="1">
+            <a:off x="3237550" y="1859888"/>
+            <a:ext cx="0" cy="249441"/>
+          </a:xfrm>
+          <a:prstGeom prst="line">
+            <a:avLst/>
+          </a:prstGeom>
+          <a:noFill/>
+          <a:ln w="28575">
+            <a:solidFill>
+              <a:srgbClr val="FFC000"/>
+            </a:solidFill>
+          </a:ln>
+        </p:spPr>
+        <p:style>
+          <a:lnRef idx="2">
+            <a:schemeClr val="accent1">
+              <a:shade val="50000"/>
+            </a:schemeClr>
+          </a:lnRef>
+          <a:fillRef idx="1">
+            <a:schemeClr val="accent1"/>
+          </a:fillRef>
+          <a:effectRef idx="0">
+            <a:schemeClr val="accent1"/>
+          </a:effectRef>
+          <a:fontRef idx="minor">
+            <a:schemeClr val="lt1"/>
+          </a:fontRef>
+        </p:style>
+      </p:cxnSp>
+      <p:cxnSp>
+        <p:nvCxnSpPr>
+          <p:cNvPr id="44" name="Connecteur droit 43">
+            <a:extLst>
+              <a:ext uri="{FF2B5EF4-FFF2-40B4-BE49-F238E27FC236}">
+                <a16:creationId xmlns:a16="http://schemas.microsoft.com/office/drawing/2014/main" id="{2E5C5052-7803-40FA-2C5F-CCCB070B0625}"/>
+              </a:ext>
+            </a:extLst>
+          </p:cNvPr>
+          <p:cNvCxnSpPr>
+            <a:cxnSpLocks/>
+          </p:cNvCxnSpPr>
+          <p:nvPr/>
+        </p:nvCxnSpPr>
+        <p:spPr>
+          <a:xfrm rot="20500156" flipV="1">
+            <a:off x="3462034" y="2257896"/>
+            <a:ext cx="0" cy="808545"/>
+          </a:xfrm>
+          <a:prstGeom prst="line">
+            <a:avLst/>
+          </a:prstGeom>
+          <a:noFill/>
+          <a:ln w="28575">
+            <a:solidFill>
+              <a:srgbClr val="00B050"/>
+            </a:solidFill>
+          </a:ln>
+        </p:spPr>
+        <p:style>
+          <a:lnRef idx="2">
+            <a:schemeClr val="accent1">
+              <a:shade val="50000"/>
+            </a:schemeClr>
+          </a:lnRef>
+          <a:fillRef idx="1">
+            <a:schemeClr val="accent1"/>
+          </a:fillRef>
+          <a:effectRef idx="0">
+            <a:schemeClr val="accent1"/>
+          </a:effectRef>
+          <a:fontRef idx="minor">
+            <a:schemeClr val="lt1"/>
+          </a:fontRef>
+        </p:style>
+      </p:cxnSp>
+      <p:sp>
+        <p:nvSpPr>
+          <p:cNvPr id="47" name="Arc 46">
+            <a:extLst>
+              <a:ext uri="{FF2B5EF4-FFF2-40B4-BE49-F238E27FC236}">
+                <a16:creationId xmlns:a16="http://schemas.microsoft.com/office/drawing/2014/main" id="{0CD74E16-5932-CB84-2C8E-E1556D5492AA}"/>
+              </a:ext>
+            </a:extLst>
+          </p:cNvPr>
+          <p:cNvSpPr/>
+          <p:nvPr/>
+        </p:nvSpPr>
+        <p:spPr>
+          <a:xfrm rot="9700156" flipV="1">
+            <a:off x="3542390" y="3125089"/>
+            <a:ext cx="181812" cy="108000"/>
+          </a:xfrm>
+          <a:prstGeom prst="arc">
+            <a:avLst>
+              <a:gd name="adj1" fmla="val 862801"/>
+              <a:gd name="adj2" fmla="val 9930362"/>
+            </a:avLst>
+          </a:prstGeom>
+          <a:noFill/>
+          <a:ln w="28575">
+            <a:solidFill>
+              <a:srgbClr val="7030A0"/>
+            </a:solidFill>
+          </a:ln>
+        </p:spPr>
+        <p:style>
+          <a:lnRef idx="2">
+            <a:schemeClr val="accent1">
+              <a:shade val="50000"/>
+            </a:schemeClr>
+          </a:lnRef>
+          <a:fillRef idx="1">
+            <a:schemeClr val="accent1"/>
+          </a:fillRef>
+          <a:effectRef idx="0">
+            <a:schemeClr val="accent1"/>
+          </a:effectRef>
+          <a:fontRef idx="minor">
+            <a:schemeClr val="lt1"/>
+          </a:fontRef>
+        </p:style>
+        <p:txBody>
+          <a:bodyPr rtlCol="0" anchor="ctr"/>
+          <a:lstStyle/>
+          <a:p>
+            <a:pPr algn="ctr"/>
+            <a:endParaRPr lang="fr-FR">
+              <a:solidFill>
+                <a:schemeClr val="lt1"/>
+              </a:solidFill>
+            </a:endParaRPr>
+          </a:p>
+        </p:txBody>
+      </p:sp>
+      <p:sp>
+        <p:nvSpPr>
+          <p:cNvPr id="48" name="Ellipse 47">
+            <a:extLst>
+              <a:ext uri="{FF2B5EF4-FFF2-40B4-BE49-F238E27FC236}">
+                <a16:creationId xmlns:a16="http://schemas.microsoft.com/office/drawing/2014/main" id="{39A96B3E-229A-C17F-366A-BEF41FC4D980}"/>
+              </a:ext>
+            </a:extLst>
+          </p:cNvPr>
+          <p:cNvSpPr/>
+          <p:nvPr/>
+        </p:nvSpPr>
+        <p:spPr>
+          <a:xfrm rot="20500156" flipV="1">
+            <a:off x="3532986" y="3176645"/>
+            <a:ext cx="230400" cy="93135"/>
+          </a:xfrm>
+          <a:prstGeom prst="ellipse">
+            <a:avLst/>
+          </a:prstGeom>
+          <a:noFill/>
+          <a:ln w="28575">
+            <a:solidFill>
+              <a:srgbClr val="00B050"/>
+            </a:solidFill>
+          </a:ln>
+        </p:spPr>
+        <p:style>
+          <a:lnRef idx="2">
+            <a:schemeClr val="accent1">
+              <a:shade val="50000"/>
+            </a:schemeClr>
+          </a:lnRef>
+          <a:fillRef idx="1">
+            <a:schemeClr val="accent1"/>
+          </a:fillRef>
+          <a:effectRef idx="0">
+            <a:schemeClr val="accent1"/>
+          </a:effectRef>
+          <a:fontRef idx="minor">
+            <a:schemeClr val="lt1"/>
+          </a:fontRef>
+        </p:style>
+        <p:txBody>
+          <a:bodyPr rtlCol="0" anchor="ctr"/>
+          <a:lstStyle/>
+          <a:p>
+            <a:pPr algn="ctr"/>
+            <a:endParaRPr lang="fr-FR"/>
+          </a:p>
+        </p:txBody>
+      </p:sp>
+      <p:sp>
+        <p:nvSpPr>
+          <p:cNvPr id="49" name="Arc 48">
+            <a:extLst>
+              <a:ext uri="{FF2B5EF4-FFF2-40B4-BE49-F238E27FC236}">
+                <a16:creationId xmlns:a16="http://schemas.microsoft.com/office/drawing/2014/main" id="{4A7DBFA0-9D57-352A-C981-A410DE92AD51}"/>
+              </a:ext>
+            </a:extLst>
+          </p:cNvPr>
+          <p:cNvSpPr/>
+          <p:nvPr/>
+        </p:nvSpPr>
+        <p:spPr>
+          <a:xfrm rot="20500156" flipV="1">
+            <a:off x="3505040" y="3047005"/>
+            <a:ext cx="252720" cy="252720"/>
+          </a:xfrm>
+          <a:prstGeom prst="arc">
+            <a:avLst>
+              <a:gd name="adj1" fmla="val 20032654"/>
+              <a:gd name="adj2" fmla="val 12194834"/>
+            </a:avLst>
+          </a:prstGeom>
+          <a:noFill/>
+          <a:ln w="28575">
+            <a:solidFill>
+              <a:srgbClr val="00B050"/>
+            </a:solidFill>
+          </a:ln>
+        </p:spPr>
+        <p:style>
+          <a:lnRef idx="2">
+            <a:schemeClr val="accent1">
+              <a:shade val="50000"/>
+            </a:schemeClr>
+          </a:lnRef>
+          <a:fillRef idx="1">
+            <a:schemeClr val="accent1"/>
+          </a:fillRef>
+          <a:effectRef idx="0">
+            <a:schemeClr val="accent1"/>
+          </a:effectRef>
+          <a:fontRef idx="minor">
+            <a:schemeClr val="lt1"/>
+          </a:fontRef>
+        </p:style>
+        <p:txBody>
+          <a:bodyPr rtlCol="0" anchor="ctr"/>
+          <a:lstStyle/>
+          <a:p>
+            <a:pPr algn="ctr"/>
+            <a:endParaRPr lang="fr-FR">
+              <a:solidFill>
+                <a:schemeClr val="lt1"/>
+              </a:solidFill>
+            </a:endParaRPr>
+          </a:p>
+        </p:txBody>
+      </p:sp>
+      <p:cxnSp>
+        <p:nvCxnSpPr>
+          <p:cNvPr id="46" name="Connecteur droit 45">
+            <a:extLst>
+              <a:ext uri="{FF2B5EF4-FFF2-40B4-BE49-F238E27FC236}">
+                <a16:creationId xmlns:a16="http://schemas.microsoft.com/office/drawing/2014/main" id="{2FE6CCBE-C3DB-0390-0FE6-1223711097BA}"/>
+              </a:ext>
+            </a:extLst>
+          </p:cNvPr>
+          <p:cNvCxnSpPr>
+            <a:cxnSpLocks/>
+          </p:cNvCxnSpPr>
+          <p:nvPr/>
+        </p:nvCxnSpPr>
+        <p:spPr>
+          <a:xfrm rot="20500156" flipH="1" flipV="1">
+            <a:off x="3685079" y="3225740"/>
+            <a:ext cx="1" cy="219292"/>
+          </a:xfrm>
+          <a:prstGeom prst="line">
+            <a:avLst/>
+          </a:prstGeom>
+          <a:noFill/>
+          <a:ln w="28575">
+            <a:solidFill>
+              <a:srgbClr val="7030A0"/>
+            </a:solidFill>
+          </a:ln>
+        </p:spPr>
+        <p:style>
+          <a:lnRef idx="2">
+            <a:schemeClr val="accent1">
+              <a:shade val="50000"/>
+            </a:schemeClr>
+          </a:lnRef>
+          <a:fillRef idx="1">
+            <a:schemeClr val="accent1"/>
+          </a:fillRef>
+          <a:effectRef idx="0">
+            <a:schemeClr val="accent1"/>
+          </a:effectRef>
+          <a:fontRef idx="minor">
+            <a:schemeClr val="lt1"/>
+          </a:fontRef>
+        </p:style>
+      </p:cxnSp>
+      <p:sp>
+        <p:nvSpPr>
+          <p:cNvPr id="51" name="Arc 50">
+            <a:extLst>
+              <a:ext uri="{FF2B5EF4-FFF2-40B4-BE49-F238E27FC236}">
+                <a16:creationId xmlns:a16="http://schemas.microsoft.com/office/drawing/2014/main" id="{6811DAE1-957F-93DD-2E31-61557D2DA31A}"/>
+              </a:ext>
+            </a:extLst>
+          </p:cNvPr>
+          <p:cNvSpPr/>
+          <p:nvPr/>
+        </p:nvSpPr>
+        <p:spPr>
+          <a:xfrm rot="11899844" flipH="1">
+            <a:off x="5373844" y="1753743"/>
+            <a:ext cx="181812" cy="108000"/>
+          </a:xfrm>
+          <a:prstGeom prst="arc">
+            <a:avLst>
+              <a:gd name="adj1" fmla="val 862801"/>
+              <a:gd name="adj2" fmla="val 9930362"/>
+            </a:avLst>
+          </a:prstGeom>
+          <a:noFill/>
+          <a:ln w="28575">
+            <a:solidFill>
+              <a:srgbClr val="FFC000"/>
+            </a:solidFill>
+          </a:ln>
+        </p:spPr>
+        <p:style>
+          <a:lnRef idx="2">
+            <a:schemeClr val="accent1">
+              <a:shade val="50000"/>
+            </a:schemeClr>
+          </a:lnRef>
+          <a:fillRef idx="1">
+            <a:schemeClr val="accent1"/>
+          </a:fillRef>
+          <a:effectRef idx="0">
+            <a:schemeClr val="accent1"/>
+          </a:effectRef>
+          <a:fontRef idx="minor">
+            <a:schemeClr val="lt1"/>
+          </a:fontRef>
+        </p:style>
+        <p:txBody>
+          <a:bodyPr rtlCol="0" anchor="ctr"/>
+          <a:lstStyle/>
+          <a:p>
+            <a:pPr algn="ctr"/>
+            <a:endParaRPr lang="fr-FR">
+              <a:solidFill>
+                <a:schemeClr val="lt1"/>
+              </a:solidFill>
+            </a:endParaRPr>
+          </a:p>
+        </p:txBody>
+      </p:sp>
+      <p:sp>
+        <p:nvSpPr>
+          <p:cNvPr id="52" name="Ellipse 51">
+            <a:extLst>
+              <a:ext uri="{FF2B5EF4-FFF2-40B4-BE49-F238E27FC236}">
+                <a16:creationId xmlns:a16="http://schemas.microsoft.com/office/drawing/2014/main" id="{CE98ED1E-A015-145E-3DB7-279CD365CBFB}"/>
+              </a:ext>
+            </a:extLst>
+          </p:cNvPr>
+          <p:cNvSpPr/>
+          <p:nvPr/>
+        </p:nvSpPr>
+        <p:spPr>
+          <a:xfrm rot="1099844" flipH="1">
+            <a:off x="5363952" y="1716890"/>
+            <a:ext cx="230400" cy="93135"/>
+          </a:xfrm>
+          <a:prstGeom prst="ellipse">
+            <a:avLst/>
+          </a:prstGeom>
+          <a:noFill/>
+          <a:ln w="28575">
+            <a:solidFill>
+              <a:srgbClr val="00B050"/>
+            </a:solidFill>
+          </a:ln>
+        </p:spPr>
+        <p:style>
+          <a:lnRef idx="2">
+            <a:schemeClr val="accent1">
+              <a:shade val="50000"/>
+            </a:schemeClr>
+          </a:lnRef>
+          <a:fillRef idx="1">
+            <a:schemeClr val="accent1"/>
+          </a:fillRef>
+          <a:effectRef idx="0">
+            <a:schemeClr val="accent1"/>
+          </a:effectRef>
+          <a:fontRef idx="minor">
+            <a:schemeClr val="lt1"/>
+          </a:fontRef>
+        </p:style>
+        <p:txBody>
+          <a:bodyPr rtlCol="0" anchor="ctr"/>
+          <a:lstStyle/>
+          <a:p>
+            <a:pPr algn="ctr"/>
+            <a:endParaRPr lang="fr-FR"/>
+          </a:p>
+        </p:txBody>
+      </p:sp>
+      <p:sp>
+        <p:nvSpPr>
+          <p:cNvPr id="53" name="Arc 52">
+            <a:extLst>
+              <a:ext uri="{FF2B5EF4-FFF2-40B4-BE49-F238E27FC236}">
+                <a16:creationId xmlns:a16="http://schemas.microsoft.com/office/drawing/2014/main" id="{170BED4C-F3C2-8E48-BDF5-793B04F3DE12}"/>
+              </a:ext>
+            </a:extLst>
+          </p:cNvPr>
+          <p:cNvSpPr/>
+          <p:nvPr/>
+        </p:nvSpPr>
+        <p:spPr>
+          <a:xfrm rot="1099844" flipH="1">
+            <a:off x="5336494" y="1687107"/>
+            <a:ext cx="252720" cy="252720"/>
+          </a:xfrm>
+          <a:prstGeom prst="arc">
+            <a:avLst>
+              <a:gd name="adj1" fmla="val 20032654"/>
+              <a:gd name="adj2" fmla="val 12194834"/>
+            </a:avLst>
+          </a:prstGeom>
+          <a:noFill/>
+          <a:ln w="28575">
+            <a:solidFill>
+              <a:srgbClr val="00B050"/>
+            </a:solidFill>
+          </a:ln>
+        </p:spPr>
+        <p:style>
+          <a:lnRef idx="2">
+            <a:schemeClr val="accent1">
+              <a:shade val="50000"/>
+            </a:schemeClr>
+          </a:lnRef>
+          <a:fillRef idx="1">
+            <a:schemeClr val="accent1"/>
+          </a:fillRef>
+          <a:effectRef idx="0">
+            <a:schemeClr val="accent1"/>
+          </a:effectRef>
+          <a:fontRef idx="minor">
+            <a:schemeClr val="lt1"/>
+          </a:fontRef>
+        </p:style>
+        <p:txBody>
+          <a:bodyPr rtlCol="0" anchor="ctr"/>
+          <a:lstStyle/>
+          <a:p>
+            <a:pPr algn="ctr"/>
+            <a:endParaRPr lang="fr-FR">
+              <a:solidFill>
+                <a:schemeClr val="lt1"/>
+              </a:solidFill>
+            </a:endParaRPr>
+          </a:p>
+        </p:txBody>
+      </p:sp>
+      <p:cxnSp>
+        <p:nvCxnSpPr>
+          <p:cNvPr id="54" name="Connecteur droit 53">
+            <a:extLst>
+              <a:ext uri="{FF2B5EF4-FFF2-40B4-BE49-F238E27FC236}">
+                <a16:creationId xmlns:a16="http://schemas.microsoft.com/office/drawing/2014/main" id="{8DA38485-D4BD-BFD5-21FA-24F072BECF9D}"/>
+              </a:ext>
+            </a:extLst>
+          </p:cNvPr>
+          <p:cNvCxnSpPr>
+            <a:cxnSpLocks/>
+          </p:cNvCxnSpPr>
+          <p:nvPr/>
+        </p:nvCxnSpPr>
+        <p:spPr>
+          <a:xfrm rot="1099844" flipH="1" flipV="1">
+            <a:off x="5520454" y="1514894"/>
+            <a:ext cx="0" cy="249441"/>
+          </a:xfrm>
+          <a:prstGeom prst="line">
+            <a:avLst/>
+          </a:prstGeom>
+          <a:noFill/>
+          <a:ln w="28575">
+            <a:solidFill>
+              <a:srgbClr val="FFC000"/>
+            </a:solidFill>
+          </a:ln>
+        </p:spPr>
+        <p:style>
+          <a:lnRef idx="2">
+            <a:schemeClr val="accent1">
+              <a:shade val="50000"/>
+            </a:schemeClr>
+          </a:lnRef>
+          <a:fillRef idx="1">
+            <a:schemeClr val="accent1"/>
+          </a:fillRef>
+          <a:effectRef idx="0">
+            <a:schemeClr val="accent1"/>
+          </a:effectRef>
+          <a:fontRef idx="minor">
+            <a:schemeClr val="lt1"/>
+          </a:fontRef>
+        </p:style>
+      </p:cxnSp>
+      <p:cxnSp>
+        <p:nvCxnSpPr>
+          <p:cNvPr id="55" name="Connecteur droit 54">
+            <a:extLst>
+              <a:ext uri="{FF2B5EF4-FFF2-40B4-BE49-F238E27FC236}">
+                <a16:creationId xmlns:a16="http://schemas.microsoft.com/office/drawing/2014/main" id="{0F6526C3-BA5C-B9A2-7356-56F340962378}"/>
+              </a:ext>
+            </a:extLst>
+          </p:cNvPr>
+          <p:cNvCxnSpPr>
+            <a:cxnSpLocks/>
+          </p:cNvCxnSpPr>
+          <p:nvPr/>
+        </p:nvCxnSpPr>
+        <p:spPr>
+          <a:xfrm rot="1099844" flipH="1" flipV="1">
+            <a:off x="5295970" y="1912902"/>
+            <a:ext cx="0" cy="808545"/>
+          </a:xfrm>
+          <a:prstGeom prst="line">
+            <a:avLst/>
+          </a:prstGeom>
+          <a:noFill/>
+          <a:ln w="28575">
+            <a:solidFill>
+              <a:srgbClr val="00B050"/>
+            </a:solidFill>
+          </a:ln>
+        </p:spPr>
+        <p:style>
+          <a:lnRef idx="2">
+            <a:schemeClr val="accent1">
+              <a:shade val="50000"/>
+            </a:schemeClr>
+          </a:lnRef>
+          <a:fillRef idx="1">
+            <a:schemeClr val="accent1"/>
+          </a:fillRef>
+          <a:effectRef idx="0">
+            <a:schemeClr val="accent1"/>
+          </a:effectRef>
+          <a:fontRef idx="minor">
+            <a:schemeClr val="lt1"/>
+          </a:fontRef>
+        </p:style>
+      </p:cxnSp>
+      <p:sp>
+        <p:nvSpPr>
+          <p:cNvPr id="58" name="Arc 57">
+            <a:extLst>
+              <a:ext uri="{FF2B5EF4-FFF2-40B4-BE49-F238E27FC236}">
+                <a16:creationId xmlns:a16="http://schemas.microsoft.com/office/drawing/2014/main" id="{B32B03B1-C8BA-F40D-B770-1119973A2524}"/>
+              </a:ext>
+            </a:extLst>
+          </p:cNvPr>
+          <p:cNvSpPr/>
+          <p:nvPr/>
+        </p:nvSpPr>
+        <p:spPr>
+          <a:xfrm rot="11899844" flipH="1" flipV="1">
+            <a:off x="5033802" y="2780095"/>
+            <a:ext cx="181812" cy="108000"/>
+          </a:xfrm>
+          <a:prstGeom prst="arc">
+            <a:avLst>
+              <a:gd name="adj1" fmla="val 862801"/>
+              <a:gd name="adj2" fmla="val 9930362"/>
+            </a:avLst>
+          </a:prstGeom>
+          <a:noFill/>
+          <a:ln w="28575">
+            <a:solidFill>
+              <a:srgbClr val="7030A0"/>
+            </a:solidFill>
+          </a:ln>
+        </p:spPr>
+        <p:style>
+          <a:lnRef idx="2">
+            <a:schemeClr val="accent1">
+              <a:shade val="50000"/>
+            </a:schemeClr>
+          </a:lnRef>
+          <a:fillRef idx="1">
+            <a:schemeClr val="accent1"/>
+          </a:fillRef>
+          <a:effectRef idx="0">
+            <a:schemeClr val="accent1"/>
+          </a:effectRef>
+          <a:fontRef idx="minor">
+            <a:schemeClr val="lt1"/>
+          </a:fontRef>
+        </p:style>
+        <p:txBody>
+          <a:bodyPr rtlCol="0" anchor="ctr"/>
+          <a:lstStyle/>
+          <a:p>
+            <a:pPr algn="ctr"/>
+            <a:endParaRPr lang="fr-FR">
+              <a:solidFill>
+                <a:schemeClr val="lt1"/>
+              </a:solidFill>
+            </a:endParaRPr>
+          </a:p>
+        </p:txBody>
+      </p:sp>
+      <p:sp>
+        <p:nvSpPr>
+          <p:cNvPr id="59" name="Ellipse 58">
+            <a:extLst>
+              <a:ext uri="{FF2B5EF4-FFF2-40B4-BE49-F238E27FC236}">
+                <a16:creationId xmlns:a16="http://schemas.microsoft.com/office/drawing/2014/main" id="{6E820BE5-D446-B247-B03C-26DFBC1AF5B9}"/>
+              </a:ext>
+            </a:extLst>
+          </p:cNvPr>
+          <p:cNvSpPr/>
+          <p:nvPr/>
+        </p:nvSpPr>
+        <p:spPr>
+          <a:xfrm rot="1099844" flipH="1" flipV="1">
+            <a:off x="4994618" y="2831651"/>
+            <a:ext cx="230400" cy="93135"/>
+          </a:xfrm>
+          <a:prstGeom prst="ellipse">
+            <a:avLst/>
+          </a:prstGeom>
+          <a:noFill/>
+          <a:ln w="28575">
+            <a:solidFill>
+              <a:srgbClr val="00B050"/>
+            </a:solidFill>
+          </a:ln>
+        </p:spPr>
+        <p:style>
+          <a:lnRef idx="2">
+            <a:schemeClr val="accent1">
+              <a:shade val="50000"/>
+            </a:schemeClr>
+          </a:lnRef>
+          <a:fillRef idx="1">
+            <a:schemeClr val="accent1"/>
+          </a:fillRef>
+          <a:effectRef idx="0">
+            <a:schemeClr val="accent1"/>
+          </a:effectRef>
+          <a:fontRef idx="minor">
+            <a:schemeClr val="lt1"/>
+          </a:fontRef>
+        </p:style>
+        <p:txBody>
+          <a:bodyPr rtlCol="0" anchor="ctr"/>
+          <a:lstStyle/>
+          <a:p>
+            <a:pPr algn="ctr"/>
+            <a:endParaRPr lang="fr-FR"/>
+          </a:p>
+        </p:txBody>
+      </p:sp>
+      <p:sp>
+        <p:nvSpPr>
+          <p:cNvPr id="60" name="Arc 59">
+            <a:extLst>
+              <a:ext uri="{FF2B5EF4-FFF2-40B4-BE49-F238E27FC236}">
+                <a16:creationId xmlns:a16="http://schemas.microsoft.com/office/drawing/2014/main" id="{EA85FFCB-8751-777D-FFF3-30B6D654F21A}"/>
+              </a:ext>
+            </a:extLst>
+          </p:cNvPr>
+          <p:cNvSpPr/>
+          <p:nvPr/>
+        </p:nvSpPr>
+        <p:spPr>
+          <a:xfrm rot="1099844" flipH="1" flipV="1">
+            <a:off x="5000244" y="2702011"/>
+            <a:ext cx="252720" cy="252720"/>
+          </a:xfrm>
+          <a:prstGeom prst="arc">
+            <a:avLst>
+              <a:gd name="adj1" fmla="val 20032654"/>
+              <a:gd name="adj2" fmla="val 12194834"/>
+            </a:avLst>
+          </a:prstGeom>
+          <a:noFill/>
+          <a:ln w="28575">
+            <a:solidFill>
+              <a:srgbClr val="00B050"/>
+            </a:solidFill>
+          </a:ln>
+        </p:spPr>
+        <p:style>
+          <a:lnRef idx="2">
+            <a:schemeClr val="accent1">
+              <a:shade val="50000"/>
+            </a:schemeClr>
+          </a:lnRef>
+          <a:fillRef idx="1">
+            <a:schemeClr val="accent1"/>
+          </a:fillRef>
+          <a:effectRef idx="0">
+            <a:schemeClr val="accent1"/>
+          </a:effectRef>
+          <a:fontRef idx="minor">
+            <a:schemeClr val="lt1"/>
+          </a:fontRef>
+        </p:style>
+        <p:txBody>
+          <a:bodyPr rtlCol="0" anchor="ctr"/>
+          <a:lstStyle/>
+          <a:p>
+            <a:pPr algn="ctr"/>
+            <a:endParaRPr lang="fr-FR">
+              <a:solidFill>
+                <a:schemeClr val="lt1"/>
+              </a:solidFill>
+            </a:endParaRPr>
+          </a:p>
+        </p:txBody>
+      </p:sp>
+      <p:cxnSp>
+        <p:nvCxnSpPr>
+          <p:cNvPr id="57" name="Connecteur droit 56">
+            <a:extLst>
+              <a:ext uri="{FF2B5EF4-FFF2-40B4-BE49-F238E27FC236}">
+                <a16:creationId xmlns:a16="http://schemas.microsoft.com/office/drawing/2014/main" id="{4ED3B791-16FB-9C3C-93C9-C411E4249820}"/>
+              </a:ext>
+            </a:extLst>
+          </p:cNvPr>
+          <p:cNvCxnSpPr>
+            <a:cxnSpLocks/>
+          </p:cNvCxnSpPr>
+          <p:nvPr/>
+        </p:nvCxnSpPr>
+        <p:spPr>
+          <a:xfrm rot="1099844" flipV="1">
+            <a:off x="5072924" y="2880746"/>
+            <a:ext cx="1" cy="219292"/>
+          </a:xfrm>
+          <a:prstGeom prst="line">
+            <a:avLst/>
+          </a:prstGeom>
+          <a:noFill/>
+          <a:ln w="28575">
+            <a:solidFill>
+              <a:srgbClr val="7030A0"/>
+            </a:solidFill>
+          </a:ln>
+        </p:spPr>
+        <p:style>
+          <a:lnRef idx="2">
+            <a:schemeClr val="accent1">
+              <a:shade val="50000"/>
+            </a:schemeClr>
+          </a:lnRef>
+          <a:fillRef idx="1">
+            <a:schemeClr val="accent1"/>
+          </a:fillRef>
+          <a:effectRef idx="0">
+            <a:schemeClr val="accent1"/>
+          </a:effectRef>
+          <a:fontRef idx="minor">
+            <a:schemeClr val="lt1"/>
+          </a:fontRef>
+        </p:style>
+      </p:cxnSp>
+      <p:sp>
+        <p:nvSpPr>
+          <p:cNvPr id="62" name="Arc 61">
+            <a:extLst>
+              <a:ext uri="{FF2B5EF4-FFF2-40B4-BE49-F238E27FC236}">
+                <a16:creationId xmlns:a16="http://schemas.microsoft.com/office/drawing/2014/main" id="{CAE4C483-2EF4-6E6C-AD0C-3DB9DBE5ADC0}"/>
+              </a:ext>
+            </a:extLst>
+          </p:cNvPr>
+          <p:cNvSpPr/>
+          <p:nvPr/>
+        </p:nvSpPr>
+        <p:spPr>
+          <a:xfrm rot="11899844" flipH="1">
+            <a:off x="5961095" y="2095242"/>
+            <a:ext cx="181812" cy="108000"/>
+          </a:xfrm>
+          <a:prstGeom prst="arc">
+            <a:avLst>
+              <a:gd name="adj1" fmla="val 862801"/>
+              <a:gd name="adj2" fmla="val 9930362"/>
+            </a:avLst>
+          </a:prstGeom>
+          <a:noFill/>
+          <a:ln w="28575">
+            <a:solidFill>
+              <a:srgbClr val="FFC000"/>
+            </a:solidFill>
+          </a:ln>
+        </p:spPr>
+        <p:style>
+          <a:lnRef idx="2">
+            <a:schemeClr val="accent1">
+              <a:shade val="50000"/>
+            </a:schemeClr>
+          </a:lnRef>
+          <a:fillRef idx="1">
+            <a:schemeClr val="accent1"/>
+          </a:fillRef>
+          <a:effectRef idx="0">
+            <a:schemeClr val="accent1"/>
+          </a:effectRef>
+          <a:fontRef idx="minor">
+            <a:schemeClr val="lt1"/>
+          </a:fontRef>
+        </p:style>
+        <p:txBody>
+          <a:bodyPr rtlCol="0" anchor="ctr"/>
+          <a:lstStyle/>
+          <a:p>
+            <a:pPr algn="ctr"/>
+            <a:endParaRPr lang="fr-FR">
+              <a:solidFill>
+                <a:schemeClr val="lt1"/>
+              </a:solidFill>
+            </a:endParaRPr>
+          </a:p>
+        </p:txBody>
+      </p:sp>
+      <p:sp>
+        <p:nvSpPr>
+          <p:cNvPr id="63" name="Ellipse 62">
+            <a:extLst>
+              <a:ext uri="{FF2B5EF4-FFF2-40B4-BE49-F238E27FC236}">
+                <a16:creationId xmlns:a16="http://schemas.microsoft.com/office/drawing/2014/main" id="{0528C947-B13C-7FB3-B927-96F173218B3B}"/>
+              </a:ext>
+            </a:extLst>
+          </p:cNvPr>
+          <p:cNvSpPr/>
+          <p:nvPr/>
+        </p:nvSpPr>
+        <p:spPr>
+          <a:xfrm rot="1099844" flipH="1">
+            <a:off x="5951203" y="2058389"/>
+            <a:ext cx="230400" cy="93135"/>
+          </a:xfrm>
+          <a:prstGeom prst="ellipse">
+            <a:avLst/>
+          </a:prstGeom>
+          <a:noFill/>
+          <a:ln w="28575">
+            <a:solidFill>
+              <a:srgbClr val="00B050"/>
+            </a:solidFill>
+          </a:ln>
+        </p:spPr>
+        <p:style>
+          <a:lnRef idx="2">
+            <a:schemeClr val="accent1">
+              <a:shade val="50000"/>
+            </a:schemeClr>
+          </a:lnRef>
+          <a:fillRef idx="1">
+            <a:schemeClr val="accent1"/>
+          </a:fillRef>
+          <a:effectRef idx="0">
+            <a:schemeClr val="accent1"/>
+          </a:effectRef>
+          <a:fontRef idx="minor">
+            <a:schemeClr val="lt1"/>
+          </a:fontRef>
+        </p:style>
+        <p:txBody>
+          <a:bodyPr rtlCol="0" anchor="ctr"/>
+          <a:lstStyle/>
+          <a:p>
+            <a:pPr algn="ctr"/>
+            <a:endParaRPr lang="fr-FR"/>
+          </a:p>
+        </p:txBody>
+      </p:sp>
+      <p:sp>
+        <p:nvSpPr>
+          <p:cNvPr id="64" name="Arc 63">
+            <a:extLst>
+              <a:ext uri="{FF2B5EF4-FFF2-40B4-BE49-F238E27FC236}">
+                <a16:creationId xmlns:a16="http://schemas.microsoft.com/office/drawing/2014/main" id="{ECEBA45E-F344-A6E9-B38A-02FE832705BA}"/>
+              </a:ext>
+            </a:extLst>
+          </p:cNvPr>
+          <p:cNvSpPr/>
+          <p:nvPr/>
+        </p:nvSpPr>
+        <p:spPr>
+          <a:xfrm rot="1099844" flipH="1">
+            <a:off x="5923745" y="2028606"/>
+            <a:ext cx="252720" cy="252720"/>
+          </a:xfrm>
+          <a:prstGeom prst="arc">
+            <a:avLst>
+              <a:gd name="adj1" fmla="val 20032654"/>
+              <a:gd name="adj2" fmla="val 12194834"/>
+            </a:avLst>
+          </a:prstGeom>
+          <a:noFill/>
+          <a:ln w="28575">
+            <a:solidFill>
+              <a:srgbClr val="00B050"/>
+            </a:solidFill>
+          </a:ln>
+        </p:spPr>
+        <p:style>
+          <a:lnRef idx="2">
+            <a:schemeClr val="accent1">
+              <a:shade val="50000"/>
+            </a:schemeClr>
+          </a:lnRef>
+          <a:fillRef idx="1">
+            <a:schemeClr val="accent1"/>
+          </a:fillRef>
+          <a:effectRef idx="0">
+            <a:schemeClr val="accent1"/>
+          </a:effectRef>
+          <a:fontRef idx="minor">
+            <a:schemeClr val="lt1"/>
+          </a:fontRef>
+        </p:style>
+        <p:txBody>
+          <a:bodyPr rtlCol="0" anchor="ctr"/>
+          <a:lstStyle/>
+          <a:p>
+            <a:pPr algn="ctr"/>
+            <a:endParaRPr lang="fr-FR">
+              <a:solidFill>
+                <a:schemeClr val="lt1"/>
+              </a:solidFill>
+            </a:endParaRPr>
+          </a:p>
+        </p:txBody>
+      </p:sp>
+      <p:cxnSp>
+        <p:nvCxnSpPr>
+          <p:cNvPr id="65" name="Connecteur droit 64">
+            <a:extLst>
+              <a:ext uri="{FF2B5EF4-FFF2-40B4-BE49-F238E27FC236}">
+                <a16:creationId xmlns:a16="http://schemas.microsoft.com/office/drawing/2014/main" id="{3C26E870-4103-0A16-BC60-6FA7C4995D85}"/>
+              </a:ext>
+            </a:extLst>
+          </p:cNvPr>
+          <p:cNvCxnSpPr>
+            <a:cxnSpLocks/>
+          </p:cNvCxnSpPr>
+          <p:nvPr/>
+        </p:nvCxnSpPr>
+        <p:spPr>
+          <a:xfrm rot="1099844" flipH="1" flipV="1">
+            <a:off x="6107705" y="1856393"/>
+            <a:ext cx="0" cy="249441"/>
+          </a:xfrm>
+          <a:prstGeom prst="line">
+            <a:avLst/>
+          </a:prstGeom>
+          <a:noFill/>
+          <a:ln w="28575">
+            <a:solidFill>
+              <a:srgbClr val="FFC000"/>
+            </a:solidFill>
+          </a:ln>
+        </p:spPr>
+        <p:style>
+          <a:lnRef idx="2">
+            <a:schemeClr val="accent1">
+              <a:shade val="50000"/>
+            </a:schemeClr>
+          </a:lnRef>
+          <a:fillRef idx="1">
+            <a:schemeClr val="accent1"/>
+          </a:fillRef>
+          <a:effectRef idx="0">
+            <a:schemeClr val="accent1"/>
+          </a:effectRef>
+          <a:fontRef idx="minor">
+            <a:schemeClr val="lt1"/>
+          </a:fontRef>
+        </p:style>
+      </p:cxnSp>
+      <p:cxnSp>
+        <p:nvCxnSpPr>
+          <p:cNvPr id="66" name="Connecteur droit 65">
+            <a:extLst>
+              <a:ext uri="{FF2B5EF4-FFF2-40B4-BE49-F238E27FC236}">
+                <a16:creationId xmlns:a16="http://schemas.microsoft.com/office/drawing/2014/main" id="{643A71DA-8FE9-0FC6-058D-3BC356F4288B}"/>
+              </a:ext>
+            </a:extLst>
+          </p:cNvPr>
+          <p:cNvCxnSpPr>
+            <a:cxnSpLocks/>
+          </p:cNvCxnSpPr>
+          <p:nvPr/>
+        </p:nvCxnSpPr>
+        <p:spPr>
+          <a:xfrm rot="1099844" flipH="1" flipV="1">
+            <a:off x="5883221" y="2254401"/>
+            <a:ext cx="0" cy="808545"/>
+          </a:xfrm>
+          <a:prstGeom prst="line">
+            <a:avLst/>
+          </a:prstGeom>
+          <a:noFill/>
+          <a:ln w="28575">
+            <a:solidFill>
+              <a:srgbClr val="00B050"/>
+            </a:solidFill>
+          </a:ln>
+        </p:spPr>
+        <p:style>
+          <a:lnRef idx="2">
+            <a:schemeClr val="accent1">
+              <a:shade val="50000"/>
+            </a:schemeClr>
+          </a:lnRef>
+          <a:fillRef idx="1">
+            <a:schemeClr val="accent1"/>
+          </a:fillRef>
+          <a:effectRef idx="0">
+            <a:schemeClr val="accent1"/>
+          </a:effectRef>
+          <a:fontRef idx="minor">
+            <a:schemeClr val="lt1"/>
+          </a:fontRef>
+        </p:style>
+      </p:cxnSp>
+      <p:sp>
+        <p:nvSpPr>
+          <p:cNvPr id="69" name="Arc 68">
+            <a:extLst>
+              <a:ext uri="{FF2B5EF4-FFF2-40B4-BE49-F238E27FC236}">
+                <a16:creationId xmlns:a16="http://schemas.microsoft.com/office/drawing/2014/main" id="{1AD6C584-280D-88AB-1CFF-456A0EBB5277}"/>
+              </a:ext>
+            </a:extLst>
+          </p:cNvPr>
+          <p:cNvSpPr/>
+          <p:nvPr/>
+        </p:nvSpPr>
+        <p:spPr>
+          <a:xfrm rot="11899844" flipH="1" flipV="1">
+            <a:off x="5621053" y="3121594"/>
+            <a:ext cx="181812" cy="108000"/>
+          </a:xfrm>
+          <a:prstGeom prst="arc">
+            <a:avLst>
+              <a:gd name="adj1" fmla="val 862801"/>
+              <a:gd name="adj2" fmla="val 9930362"/>
+            </a:avLst>
+          </a:prstGeom>
+          <a:noFill/>
+          <a:ln w="28575">
+            <a:solidFill>
+              <a:srgbClr val="7030A0"/>
+            </a:solidFill>
+          </a:ln>
+        </p:spPr>
+        <p:style>
+          <a:lnRef idx="2">
+            <a:schemeClr val="accent1">
+              <a:shade val="50000"/>
+            </a:schemeClr>
+          </a:lnRef>
+          <a:fillRef idx="1">
+            <a:schemeClr val="accent1"/>
+          </a:fillRef>
+          <a:effectRef idx="0">
+            <a:schemeClr val="accent1"/>
+          </a:effectRef>
+          <a:fontRef idx="minor">
+            <a:schemeClr val="lt1"/>
+          </a:fontRef>
+        </p:style>
+        <p:txBody>
+          <a:bodyPr rtlCol="0" anchor="ctr"/>
+          <a:lstStyle/>
+          <a:p>
+            <a:pPr algn="ctr"/>
+            <a:endParaRPr lang="fr-FR">
+              <a:solidFill>
+                <a:schemeClr val="lt1"/>
+              </a:solidFill>
+            </a:endParaRPr>
+          </a:p>
+        </p:txBody>
+      </p:sp>
+      <p:sp>
+        <p:nvSpPr>
+          <p:cNvPr id="70" name="Ellipse 69">
+            <a:extLst>
+              <a:ext uri="{FF2B5EF4-FFF2-40B4-BE49-F238E27FC236}">
+                <a16:creationId xmlns:a16="http://schemas.microsoft.com/office/drawing/2014/main" id="{11BBB675-8391-3622-6847-3AE4A9E014AD}"/>
+              </a:ext>
+            </a:extLst>
+          </p:cNvPr>
+          <p:cNvSpPr/>
+          <p:nvPr/>
+        </p:nvSpPr>
+        <p:spPr>
+          <a:xfrm rot="1099844" flipH="1" flipV="1">
+            <a:off x="5581869" y="3173150"/>
+            <a:ext cx="230400" cy="93135"/>
+          </a:xfrm>
+          <a:prstGeom prst="ellipse">
+            <a:avLst/>
+          </a:prstGeom>
+          <a:noFill/>
+          <a:ln w="28575">
+            <a:solidFill>
+              <a:srgbClr val="00B050"/>
+            </a:solidFill>
+          </a:ln>
+        </p:spPr>
+        <p:style>
+          <a:lnRef idx="2">
+            <a:schemeClr val="accent1">
+              <a:shade val="50000"/>
+            </a:schemeClr>
+          </a:lnRef>
+          <a:fillRef idx="1">
+            <a:schemeClr val="accent1"/>
+          </a:fillRef>
+          <a:effectRef idx="0">
+            <a:schemeClr val="accent1"/>
+          </a:effectRef>
+          <a:fontRef idx="minor">
+            <a:schemeClr val="lt1"/>
+          </a:fontRef>
+        </p:style>
+        <p:txBody>
+          <a:bodyPr rtlCol="0" anchor="ctr"/>
+          <a:lstStyle/>
+          <a:p>
+            <a:pPr algn="ctr"/>
+            <a:endParaRPr lang="fr-FR"/>
+          </a:p>
+        </p:txBody>
+      </p:sp>
+      <p:sp>
+        <p:nvSpPr>
+          <p:cNvPr id="71" name="Arc 70">
+            <a:extLst>
+              <a:ext uri="{FF2B5EF4-FFF2-40B4-BE49-F238E27FC236}">
+                <a16:creationId xmlns:a16="http://schemas.microsoft.com/office/drawing/2014/main" id="{10E2412F-E59F-09BE-ECF5-04EFA9725EDE}"/>
+              </a:ext>
+            </a:extLst>
+          </p:cNvPr>
+          <p:cNvSpPr/>
+          <p:nvPr/>
+        </p:nvSpPr>
+        <p:spPr>
+          <a:xfrm rot="1099844" flipH="1" flipV="1">
+            <a:off x="5587495" y="3043510"/>
+            <a:ext cx="252720" cy="252720"/>
+          </a:xfrm>
+          <a:prstGeom prst="arc">
+            <a:avLst>
+              <a:gd name="adj1" fmla="val 20032654"/>
+              <a:gd name="adj2" fmla="val 12194834"/>
+            </a:avLst>
+          </a:prstGeom>
+          <a:noFill/>
+          <a:ln w="28575">
+            <a:solidFill>
+              <a:srgbClr val="00B050"/>
+            </a:solidFill>
+          </a:ln>
+        </p:spPr>
+        <p:style>
+          <a:lnRef idx="2">
+            <a:schemeClr val="accent1">
+              <a:shade val="50000"/>
+            </a:schemeClr>
+          </a:lnRef>
+          <a:fillRef idx="1">
+            <a:schemeClr val="accent1"/>
+          </a:fillRef>
+          <a:effectRef idx="0">
+            <a:schemeClr val="accent1"/>
+          </a:effectRef>
+          <a:fontRef idx="minor">
+            <a:schemeClr val="lt1"/>
+          </a:fontRef>
+        </p:style>
+        <p:txBody>
+          <a:bodyPr rtlCol="0" anchor="ctr"/>
+          <a:lstStyle/>
+          <a:p>
+            <a:pPr algn="ctr"/>
+            <a:endParaRPr lang="fr-FR">
+              <a:solidFill>
+                <a:schemeClr val="lt1"/>
+              </a:solidFill>
+            </a:endParaRPr>
+          </a:p>
+        </p:txBody>
+      </p:sp>
+      <p:cxnSp>
+        <p:nvCxnSpPr>
+          <p:cNvPr id="68" name="Connecteur droit 67">
+            <a:extLst>
+              <a:ext uri="{FF2B5EF4-FFF2-40B4-BE49-F238E27FC236}">
+                <a16:creationId xmlns:a16="http://schemas.microsoft.com/office/drawing/2014/main" id="{289F3E93-BDAB-19EE-74DA-EBB23C3E4B4C}"/>
+              </a:ext>
+            </a:extLst>
+          </p:cNvPr>
+          <p:cNvCxnSpPr>
+            <a:cxnSpLocks/>
+          </p:cNvCxnSpPr>
+          <p:nvPr/>
+        </p:nvCxnSpPr>
+        <p:spPr>
+          <a:xfrm rot="1099844" flipV="1">
+            <a:off x="5660175" y="3222245"/>
+            <a:ext cx="1" cy="219292"/>
+          </a:xfrm>
+          <a:prstGeom prst="line">
+            <a:avLst/>
+          </a:prstGeom>
+          <a:noFill/>
+          <a:ln w="28575">
+            <a:solidFill>
+              <a:srgbClr val="7030A0"/>
+            </a:solidFill>
+          </a:ln>
+        </p:spPr>
+        <p:style>
+          <a:lnRef idx="2">
+            <a:schemeClr val="accent1">
+              <a:shade val="50000"/>
+            </a:schemeClr>
+          </a:lnRef>
+          <a:fillRef idx="1">
+            <a:schemeClr val="accent1"/>
+          </a:fillRef>
+          <a:effectRef idx="0">
+            <a:schemeClr val="accent1"/>
+          </a:effectRef>
+          <a:fontRef idx="minor">
+            <a:schemeClr val="lt1"/>
+          </a:fontRef>
+        </p:style>
+      </p:cxnSp>
+      <p:sp>
+        <p:nvSpPr>
+          <p:cNvPr id="72" name="Cylindre 71">
+            <a:extLst>
+              <a:ext uri="{FF2B5EF4-FFF2-40B4-BE49-F238E27FC236}">
+                <a16:creationId xmlns:a16="http://schemas.microsoft.com/office/drawing/2014/main" id="{FA7AB54D-DE8E-BB6A-DD18-997F7368F12D}"/>
+              </a:ext>
+            </a:extLst>
+          </p:cNvPr>
+          <p:cNvSpPr/>
+          <p:nvPr/>
+        </p:nvSpPr>
+        <p:spPr>
+          <a:xfrm>
+            <a:off x="3045803" y="1597467"/>
+            <a:ext cx="216000" cy="432000"/>
+          </a:xfrm>
+          <a:prstGeom prst="can">
+            <a:avLst>
+              <a:gd name="adj" fmla="val 52625"/>
+            </a:avLst>
+          </a:prstGeom>
+          <a:noFill/>
+          <a:ln w="28575">
+            <a:solidFill>
+              <a:srgbClr val="FFC000"/>
+            </a:solidFill>
+          </a:ln>
+        </p:spPr>
+        <p:style>
+          <a:lnRef idx="2">
+            <a:schemeClr val="accent1">
+              <a:shade val="50000"/>
+            </a:schemeClr>
+          </a:lnRef>
+          <a:fillRef idx="1">
+            <a:schemeClr val="accent1"/>
+          </a:fillRef>
+          <a:effectRef idx="0">
+            <a:schemeClr val="accent1"/>
+          </a:effectRef>
+          <a:fontRef idx="minor">
+            <a:schemeClr val="lt1"/>
+          </a:fontRef>
+        </p:style>
+        <p:txBody>
+          <a:bodyPr rtlCol="0" anchor="ctr"/>
+          <a:lstStyle/>
+          <a:p>
+            <a:pPr algn="ctr"/>
+            <a:endParaRPr lang="fr-FR"/>
+          </a:p>
+        </p:txBody>
+      </p:sp>
+      <p:sp>
+        <p:nvSpPr>
+          <p:cNvPr id="73" name="Cylindre 72">
+            <a:extLst>
+              <a:ext uri="{FF2B5EF4-FFF2-40B4-BE49-F238E27FC236}">
+                <a16:creationId xmlns:a16="http://schemas.microsoft.com/office/drawing/2014/main" id="{85BFB106-E4ED-5505-0336-7EC7F9D0801C}"/>
+              </a:ext>
+            </a:extLst>
+          </p:cNvPr>
+          <p:cNvSpPr/>
+          <p:nvPr/>
+        </p:nvSpPr>
+        <p:spPr>
+          <a:xfrm>
+            <a:off x="3642683" y="1255990"/>
+            <a:ext cx="216000" cy="432000"/>
+          </a:xfrm>
+          <a:prstGeom prst="can">
+            <a:avLst>
+              <a:gd name="adj" fmla="val 52625"/>
+            </a:avLst>
+          </a:prstGeom>
+          <a:noFill/>
+          <a:ln w="28575">
+            <a:solidFill>
+              <a:srgbClr val="FFC000"/>
+            </a:solidFill>
+          </a:ln>
+        </p:spPr>
+        <p:style>
+          <a:lnRef idx="2">
+            <a:schemeClr val="accent1">
+              <a:shade val="50000"/>
+            </a:schemeClr>
+          </a:lnRef>
+          <a:fillRef idx="1">
+            <a:schemeClr val="accent1"/>
+          </a:fillRef>
+          <a:effectRef idx="0">
+            <a:schemeClr val="accent1"/>
+          </a:effectRef>
+          <a:fontRef idx="minor">
+            <a:schemeClr val="lt1"/>
+          </a:fontRef>
+        </p:style>
+        <p:txBody>
+          <a:bodyPr rtlCol="0" anchor="ctr"/>
+          <a:lstStyle/>
+          <a:p>
+            <a:pPr algn="ctr"/>
+            <a:endParaRPr lang="fr-FR" u="sng" dirty="0"/>
+          </a:p>
+        </p:txBody>
+      </p:sp>
+      <p:sp>
+        <p:nvSpPr>
+          <p:cNvPr id="75" name="Cylindre 74">
+            <a:extLst>
+              <a:ext uri="{FF2B5EF4-FFF2-40B4-BE49-F238E27FC236}">
+                <a16:creationId xmlns:a16="http://schemas.microsoft.com/office/drawing/2014/main" id="{F9BEF65B-C7D2-8C29-47EA-64B03D0A9415}"/>
+              </a:ext>
+            </a:extLst>
+          </p:cNvPr>
+          <p:cNvSpPr/>
+          <p:nvPr/>
+        </p:nvSpPr>
+        <p:spPr>
+          <a:xfrm>
+            <a:off x="5489875" y="1246303"/>
+            <a:ext cx="216000" cy="432000"/>
+          </a:xfrm>
+          <a:prstGeom prst="can">
+            <a:avLst>
+              <a:gd name="adj" fmla="val 52625"/>
+            </a:avLst>
+          </a:prstGeom>
+          <a:noFill/>
+          <a:ln w="28575">
+            <a:solidFill>
+              <a:srgbClr val="FFC000"/>
+            </a:solidFill>
+          </a:ln>
+        </p:spPr>
+        <p:style>
+          <a:lnRef idx="2">
+            <a:schemeClr val="accent1">
+              <a:shade val="50000"/>
+            </a:schemeClr>
+          </a:lnRef>
+          <a:fillRef idx="1">
+            <a:schemeClr val="accent1"/>
+          </a:fillRef>
+          <a:effectRef idx="0">
+            <a:schemeClr val="accent1"/>
+          </a:effectRef>
+          <a:fontRef idx="minor">
+            <a:schemeClr val="lt1"/>
+          </a:fontRef>
+        </p:style>
+        <p:txBody>
+          <a:bodyPr rtlCol="0" anchor="ctr"/>
+          <a:lstStyle/>
+          <a:p>
+            <a:pPr algn="ctr"/>
+            <a:endParaRPr lang="fr-FR"/>
+          </a:p>
+        </p:txBody>
+      </p:sp>
+      <p:cxnSp>
+        <p:nvCxnSpPr>
+          <p:cNvPr id="76" name="Connecteur droit 75">
+            <a:extLst>
+              <a:ext uri="{FF2B5EF4-FFF2-40B4-BE49-F238E27FC236}">
+                <a16:creationId xmlns:a16="http://schemas.microsoft.com/office/drawing/2014/main" id="{B59709BC-632F-00D4-912B-5896569AEB6F}"/>
+              </a:ext>
+            </a:extLst>
+          </p:cNvPr>
+          <p:cNvCxnSpPr>
+            <a:cxnSpLocks/>
+            <a:endCxn id="72" idx="3"/>
+          </p:cNvCxnSpPr>
+          <p:nvPr/>
+        </p:nvCxnSpPr>
+        <p:spPr>
+          <a:xfrm flipV="1">
+            <a:off x="3153803" y="2029467"/>
+            <a:ext cx="0" cy="3114354"/>
+          </a:xfrm>
+          <a:prstGeom prst="line">
+            <a:avLst/>
+          </a:prstGeom>
+          <a:noFill/>
+          <a:ln w="28575">
+            <a:solidFill>
+              <a:srgbClr val="002060"/>
+            </a:solidFill>
+          </a:ln>
+        </p:spPr>
+        <p:style>
+          <a:lnRef idx="2">
+            <a:schemeClr val="accent1">
+              <a:shade val="50000"/>
+            </a:schemeClr>
+          </a:lnRef>
+          <a:fillRef idx="1">
+            <a:schemeClr val="accent1"/>
+          </a:fillRef>
+          <a:effectRef idx="0">
+            <a:schemeClr val="accent1"/>
+          </a:effectRef>
+          <a:fontRef idx="minor">
+            <a:schemeClr val="lt1"/>
+          </a:fontRef>
+        </p:style>
+      </p:cxnSp>
+      <p:sp>
+        <p:nvSpPr>
+          <p:cNvPr id="77" name="Cylindre 76">
+            <a:extLst>
+              <a:ext uri="{FF2B5EF4-FFF2-40B4-BE49-F238E27FC236}">
+                <a16:creationId xmlns:a16="http://schemas.microsoft.com/office/drawing/2014/main" id="{5C2A223F-F87C-B34D-61AC-DAA0CAA8AA58}"/>
+              </a:ext>
+            </a:extLst>
+          </p:cNvPr>
+          <p:cNvSpPr/>
+          <p:nvPr/>
+        </p:nvSpPr>
+        <p:spPr>
+          <a:xfrm>
+            <a:off x="6089040" y="1566772"/>
+            <a:ext cx="216000" cy="432000"/>
+          </a:xfrm>
+          <a:prstGeom prst="can">
+            <a:avLst>
+              <a:gd name="adj" fmla="val 52625"/>
+            </a:avLst>
+          </a:prstGeom>
+          <a:noFill/>
+          <a:ln w="28575">
+            <a:solidFill>
+              <a:srgbClr val="FFC000"/>
+            </a:solidFill>
+          </a:ln>
+        </p:spPr>
+        <p:style>
+          <a:lnRef idx="2">
+            <a:schemeClr val="accent1">
+              <a:shade val="50000"/>
+            </a:schemeClr>
+          </a:lnRef>
+          <a:fillRef idx="1">
+            <a:schemeClr val="accent1"/>
+          </a:fillRef>
+          <a:effectRef idx="0">
+            <a:schemeClr val="accent1"/>
+          </a:effectRef>
+          <a:fontRef idx="minor">
+            <a:schemeClr val="lt1"/>
+          </a:fontRef>
+        </p:style>
+        <p:txBody>
+          <a:bodyPr rtlCol="0" anchor="ctr"/>
+          <a:lstStyle/>
+          <a:p>
+            <a:pPr algn="ctr"/>
+            <a:endParaRPr lang="fr-FR"/>
+          </a:p>
+        </p:txBody>
+      </p:sp>
+      <p:cxnSp>
+        <p:nvCxnSpPr>
+          <p:cNvPr id="94" name="Connecteur droit 93">
+            <a:extLst>
+              <a:ext uri="{FF2B5EF4-FFF2-40B4-BE49-F238E27FC236}">
+                <a16:creationId xmlns:a16="http://schemas.microsoft.com/office/drawing/2014/main" id="{3C76D90E-C78D-0D78-2457-1B177BADEA09}"/>
+              </a:ext>
+            </a:extLst>
+          </p:cNvPr>
+          <p:cNvCxnSpPr>
+            <a:cxnSpLocks/>
+          </p:cNvCxnSpPr>
+          <p:nvPr/>
+        </p:nvCxnSpPr>
+        <p:spPr>
+          <a:xfrm flipV="1">
+            <a:off x="5026519" y="3206146"/>
+            <a:ext cx="0" cy="155125"/>
+          </a:xfrm>
+          <a:prstGeom prst="line">
+            <a:avLst/>
+          </a:prstGeom>
+          <a:noFill/>
+          <a:ln w="28575">
+            <a:solidFill>
+              <a:srgbClr val="00B050"/>
+            </a:solidFill>
+          </a:ln>
+        </p:spPr>
+        <p:style>
+          <a:lnRef idx="2">
+            <a:schemeClr val="accent1">
+              <a:shade val="50000"/>
+            </a:schemeClr>
+          </a:lnRef>
+          <a:fillRef idx="1">
+            <a:schemeClr val="accent1"/>
+          </a:fillRef>
+          <a:effectRef idx="0">
+            <a:schemeClr val="accent1"/>
+          </a:effectRef>
+          <a:fontRef idx="minor">
+            <a:schemeClr val="lt1"/>
+          </a:fontRef>
+        </p:style>
+      </p:cxnSp>
+      <p:sp>
+        <p:nvSpPr>
+          <p:cNvPr id="97" name="Arc 96">
+            <a:extLst>
+              <a:ext uri="{FF2B5EF4-FFF2-40B4-BE49-F238E27FC236}">
+                <a16:creationId xmlns:a16="http://schemas.microsoft.com/office/drawing/2014/main" id="{52E83CD3-67EC-CE40-E32C-546613B32903}"/>
+              </a:ext>
+            </a:extLst>
+          </p:cNvPr>
+          <p:cNvSpPr/>
+          <p:nvPr/>
+        </p:nvSpPr>
+        <p:spPr>
+          <a:xfrm rot="10800000" flipV="1">
+            <a:off x="4935613" y="3447552"/>
+            <a:ext cx="181812" cy="108000"/>
+          </a:xfrm>
+          <a:prstGeom prst="arc">
+            <a:avLst>
+              <a:gd name="adj1" fmla="val 862801"/>
+              <a:gd name="adj2" fmla="val 9930362"/>
+            </a:avLst>
+          </a:prstGeom>
+          <a:noFill/>
+          <a:ln w="28575">
+            <a:solidFill>
+              <a:srgbClr val="7030A0"/>
+            </a:solidFill>
+          </a:ln>
+        </p:spPr>
+        <p:style>
+          <a:lnRef idx="2">
+            <a:schemeClr val="accent1">
+              <a:shade val="50000"/>
+            </a:schemeClr>
+          </a:lnRef>
+          <a:fillRef idx="1">
+            <a:schemeClr val="accent1"/>
+          </a:fillRef>
+          <a:effectRef idx="0">
+            <a:schemeClr val="accent1"/>
+          </a:effectRef>
+          <a:fontRef idx="minor">
+            <a:schemeClr val="lt1"/>
+          </a:fontRef>
+        </p:style>
+        <p:txBody>
+          <a:bodyPr rtlCol="0" anchor="ctr"/>
+          <a:lstStyle/>
+          <a:p>
+            <a:pPr algn="ctr"/>
+            <a:endParaRPr lang="fr-FR">
+              <a:solidFill>
+                <a:schemeClr val="lt1"/>
+              </a:solidFill>
+            </a:endParaRPr>
+          </a:p>
+        </p:txBody>
+      </p:sp>
+      <p:sp>
+        <p:nvSpPr>
+          <p:cNvPr id="98" name="Ellipse 97">
+            <a:extLst>
+              <a:ext uri="{FF2B5EF4-FFF2-40B4-BE49-F238E27FC236}">
+                <a16:creationId xmlns:a16="http://schemas.microsoft.com/office/drawing/2014/main" id="{7DBE543D-E704-C1F7-8A8A-40FCFC50404E}"/>
+              </a:ext>
+            </a:extLst>
+          </p:cNvPr>
+          <p:cNvSpPr/>
+          <p:nvPr/>
+        </p:nvSpPr>
+        <p:spPr>
+          <a:xfrm flipV="1">
+            <a:off x="4911576" y="3501552"/>
+            <a:ext cx="230400" cy="93135"/>
+          </a:xfrm>
+          <a:prstGeom prst="ellipse">
+            <a:avLst/>
+          </a:prstGeom>
+          <a:noFill/>
+          <a:ln w="28575">
+            <a:solidFill>
+              <a:srgbClr val="00B050"/>
+            </a:solidFill>
+          </a:ln>
+        </p:spPr>
+        <p:style>
+          <a:lnRef idx="2">
+            <a:schemeClr val="accent1">
+              <a:shade val="50000"/>
+            </a:schemeClr>
+          </a:lnRef>
+          <a:fillRef idx="1">
+            <a:schemeClr val="accent1"/>
+          </a:fillRef>
+          <a:effectRef idx="0">
+            <a:schemeClr val="accent1"/>
+          </a:effectRef>
+          <a:fontRef idx="minor">
+            <a:schemeClr val="lt1"/>
+          </a:fontRef>
+        </p:style>
+        <p:txBody>
+          <a:bodyPr rtlCol="0" anchor="ctr"/>
+          <a:lstStyle/>
+          <a:p>
+            <a:pPr algn="ctr"/>
+            <a:endParaRPr lang="fr-FR"/>
+          </a:p>
+        </p:txBody>
+      </p:sp>
+      <p:sp>
+        <p:nvSpPr>
+          <p:cNvPr id="99" name="Arc 98">
+            <a:extLst>
+              <a:ext uri="{FF2B5EF4-FFF2-40B4-BE49-F238E27FC236}">
+                <a16:creationId xmlns:a16="http://schemas.microsoft.com/office/drawing/2014/main" id="{5CCFE251-A70F-D1B9-4287-08FF5D6E54E5}"/>
+              </a:ext>
+            </a:extLst>
+          </p:cNvPr>
+          <p:cNvSpPr/>
+          <p:nvPr/>
+        </p:nvSpPr>
+        <p:spPr>
+          <a:xfrm flipV="1">
+            <a:off x="4900159" y="3369162"/>
+            <a:ext cx="252720" cy="252720"/>
+          </a:xfrm>
+          <a:prstGeom prst="arc">
+            <a:avLst>
+              <a:gd name="adj1" fmla="val 20032654"/>
+              <a:gd name="adj2" fmla="val 12194834"/>
+            </a:avLst>
+          </a:prstGeom>
+          <a:noFill/>
+          <a:ln w="28575">
+            <a:solidFill>
+              <a:srgbClr val="00B050"/>
+            </a:solidFill>
+          </a:ln>
+        </p:spPr>
+        <p:style>
+          <a:lnRef idx="2">
+            <a:schemeClr val="accent1">
+              <a:shade val="50000"/>
+            </a:schemeClr>
+          </a:lnRef>
+          <a:fillRef idx="1">
+            <a:schemeClr val="accent1"/>
+          </a:fillRef>
+          <a:effectRef idx="0">
+            <a:schemeClr val="accent1"/>
+          </a:effectRef>
+          <a:fontRef idx="minor">
+            <a:schemeClr val="lt1"/>
+          </a:fontRef>
+        </p:style>
+        <p:txBody>
+          <a:bodyPr rtlCol="0" anchor="ctr"/>
+          <a:lstStyle/>
+          <a:p>
+            <a:pPr algn="ctr"/>
+            <a:endParaRPr lang="fr-FR">
+              <a:solidFill>
+                <a:schemeClr val="lt1"/>
+              </a:solidFill>
+            </a:endParaRPr>
+          </a:p>
+        </p:txBody>
+      </p:sp>
+      <p:cxnSp>
+        <p:nvCxnSpPr>
+          <p:cNvPr id="96" name="Connecteur droit 95">
+            <a:extLst>
+              <a:ext uri="{FF2B5EF4-FFF2-40B4-BE49-F238E27FC236}">
+                <a16:creationId xmlns:a16="http://schemas.microsoft.com/office/drawing/2014/main" id="{34AAF618-267D-B7D9-E1E0-5ADC122BF31B}"/>
+              </a:ext>
+            </a:extLst>
+          </p:cNvPr>
+          <p:cNvCxnSpPr>
+            <a:cxnSpLocks/>
+          </p:cNvCxnSpPr>
+          <p:nvPr/>
+        </p:nvCxnSpPr>
+        <p:spPr>
+          <a:xfrm flipH="1" flipV="1">
+            <a:off x="5026518" y="3556557"/>
+            <a:ext cx="1" cy="219292"/>
+          </a:xfrm>
+          <a:prstGeom prst="line">
+            <a:avLst/>
+          </a:prstGeom>
+          <a:noFill/>
+          <a:ln w="28575">
+            <a:solidFill>
+              <a:srgbClr val="7030A0"/>
+            </a:solidFill>
+          </a:ln>
+        </p:spPr>
+        <p:style>
+          <a:lnRef idx="2">
+            <a:schemeClr val="accent1">
+              <a:shade val="50000"/>
+            </a:schemeClr>
+          </a:lnRef>
+          <a:fillRef idx="1">
+            <a:schemeClr val="accent1"/>
+          </a:fillRef>
+          <a:effectRef idx="0">
+            <a:schemeClr val="accent1"/>
+          </a:effectRef>
+          <a:fontRef idx="minor">
+            <a:schemeClr val="lt1"/>
+          </a:fontRef>
+        </p:style>
+      </p:cxnSp>
+      <p:cxnSp>
+        <p:nvCxnSpPr>
+          <p:cNvPr id="102" name="Connecteur droit 101">
+            <a:extLst>
+              <a:ext uri="{FF2B5EF4-FFF2-40B4-BE49-F238E27FC236}">
+                <a16:creationId xmlns:a16="http://schemas.microsoft.com/office/drawing/2014/main" id="{CF7DC1F7-A04D-3B0D-DDC3-C131674F8CAF}"/>
+              </a:ext>
+            </a:extLst>
+          </p:cNvPr>
+          <p:cNvCxnSpPr>
+            <a:cxnSpLocks/>
+          </p:cNvCxnSpPr>
+          <p:nvPr/>
+        </p:nvCxnSpPr>
+        <p:spPr>
+          <a:xfrm flipV="1">
+            <a:off x="4321282" y="3210865"/>
+            <a:ext cx="0" cy="155125"/>
+          </a:xfrm>
+          <a:prstGeom prst="line">
+            <a:avLst/>
+          </a:prstGeom>
+          <a:noFill/>
+          <a:ln w="28575">
+            <a:solidFill>
+              <a:srgbClr val="00B050"/>
+            </a:solidFill>
+          </a:ln>
+        </p:spPr>
+        <p:style>
+          <a:lnRef idx="2">
+            <a:schemeClr val="accent1">
+              <a:shade val="50000"/>
+            </a:schemeClr>
+          </a:lnRef>
+          <a:fillRef idx="1">
+            <a:schemeClr val="accent1"/>
+          </a:fillRef>
+          <a:effectRef idx="0">
+            <a:schemeClr val="accent1"/>
+          </a:effectRef>
+          <a:fontRef idx="minor">
+            <a:schemeClr val="lt1"/>
+          </a:fontRef>
+        </p:style>
+      </p:cxnSp>
+      <p:sp>
+        <p:nvSpPr>
+          <p:cNvPr id="105" name="Arc 104">
+            <a:extLst>
+              <a:ext uri="{FF2B5EF4-FFF2-40B4-BE49-F238E27FC236}">
+                <a16:creationId xmlns:a16="http://schemas.microsoft.com/office/drawing/2014/main" id="{512A7857-16C6-19B8-0B18-2316233F0536}"/>
+              </a:ext>
+            </a:extLst>
+          </p:cNvPr>
+          <p:cNvSpPr/>
+          <p:nvPr/>
+        </p:nvSpPr>
+        <p:spPr>
+          <a:xfrm rot="10800000" flipV="1">
+            <a:off x="4230376" y="3452271"/>
+            <a:ext cx="181812" cy="108000"/>
+          </a:xfrm>
+          <a:prstGeom prst="arc">
+            <a:avLst>
+              <a:gd name="adj1" fmla="val 862801"/>
+              <a:gd name="adj2" fmla="val 9930362"/>
+            </a:avLst>
+          </a:prstGeom>
+          <a:noFill/>
+          <a:ln w="28575">
+            <a:solidFill>
+              <a:srgbClr val="7030A0"/>
+            </a:solidFill>
+          </a:ln>
+        </p:spPr>
+        <p:style>
+          <a:lnRef idx="2">
+            <a:schemeClr val="accent1">
+              <a:shade val="50000"/>
+            </a:schemeClr>
+          </a:lnRef>
+          <a:fillRef idx="1">
+            <a:schemeClr val="accent1"/>
+          </a:fillRef>
+          <a:effectRef idx="0">
+            <a:schemeClr val="accent1"/>
+          </a:effectRef>
+          <a:fontRef idx="minor">
+            <a:schemeClr val="lt1"/>
+          </a:fontRef>
+        </p:style>
+        <p:txBody>
+          <a:bodyPr rtlCol="0" anchor="ctr"/>
+          <a:lstStyle/>
+          <a:p>
+            <a:pPr algn="ctr"/>
+            <a:endParaRPr lang="fr-FR">
+              <a:solidFill>
+                <a:schemeClr val="lt1"/>
+              </a:solidFill>
+            </a:endParaRPr>
+          </a:p>
+        </p:txBody>
+      </p:sp>
+      <p:sp>
+        <p:nvSpPr>
+          <p:cNvPr id="106" name="Ellipse 105">
+            <a:extLst>
+              <a:ext uri="{FF2B5EF4-FFF2-40B4-BE49-F238E27FC236}">
+                <a16:creationId xmlns:a16="http://schemas.microsoft.com/office/drawing/2014/main" id="{9C37E470-2EEE-85D3-F118-1BD5C93A8208}"/>
+              </a:ext>
+            </a:extLst>
+          </p:cNvPr>
+          <p:cNvSpPr/>
+          <p:nvPr/>
+        </p:nvSpPr>
+        <p:spPr>
+          <a:xfrm flipV="1">
+            <a:off x="4206339" y="3506271"/>
+            <a:ext cx="230400" cy="93135"/>
+          </a:xfrm>
+          <a:prstGeom prst="ellipse">
+            <a:avLst/>
+          </a:prstGeom>
+          <a:noFill/>
+          <a:ln w="28575">
+            <a:solidFill>
+              <a:srgbClr val="00B050"/>
+            </a:solidFill>
+          </a:ln>
+        </p:spPr>
+        <p:style>
+          <a:lnRef idx="2">
+            <a:schemeClr val="accent1">
+              <a:shade val="50000"/>
+            </a:schemeClr>
+          </a:lnRef>
+          <a:fillRef idx="1">
+            <a:schemeClr val="accent1"/>
+          </a:fillRef>
+          <a:effectRef idx="0">
+            <a:schemeClr val="accent1"/>
+          </a:effectRef>
+          <a:fontRef idx="minor">
+            <a:schemeClr val="lt1"/>
+          </a:fontRef>
+        </p:style>
+        <p:txBody>
+          <a:bodyPr rtlCol="0" anchor="ctr"/>
+          <a:lstStyle/>
+          <a:p>
+            <a:pPr algn="ctr"/>
+            <a:endParaRPr lang="fr-FR"/>
+          </a:p>
+        </p:txBody>
+      </p:sp>
+      <p:sp>
+        <p:nvSpPr>
+          <p:cNvPr id="107" name="Arc 106">
+            <a:extLst>
+              <a:ext uri="{FF2B5EF4-FFF2-40B4-BE49-F238E27FC236}">
+                <a16:creationId xmlns:a16="http://schemas.microsoft.com/office/drawing/2014/main" id="{4E8D71CD-ED1A-2E62-E47B-1C3B62215175}"/>
+              </a:ext>
+            </a:extLst>
+          </p:cNvPr>
+          <p:cNvSpPr/>
+          <p:nvPr/>
+        </p:nvSpPr>
+        <p:spPr>
+          <a:xfrm flipV="1">
+            <a:off x="4194922" y="3373881"/>
+            <a:ext cx="252720" cy="252720"/>
+          </a:xfrm>
+          <a:prstGeom prst="arc">
+            <a:avLst>
+              <a:gd name="adj1" fmla="val 20032654"/>
+              <a:gd name="adj2" fmla="val 12194834"/>
+            </a:avLst>
+          </a:prstGeom>
+          <a:noFill/>
+          <a:ln w="28575">
+            <a:solidFill>
+              <a:srgbClr val="00B050"/>
+            </a:solidFill>
+          </a:ln>
+        </p:spPr>
+        <p:style>
+          <a:lnRef idx="2">
+            <a:schemeClr val="accent1">
+              <a:shade val="50000"/>
+            </a:schemeClr>
+          </a:lnRef>
+          <a:fillRef idx="1">
+            <a:schemeClr val="accent1"/>
+          </a:fillRef>
+          <a:effectRef idx="0">
+            <a:schemeClr val="accent1"/>
+          </a:effectRef>
+          <a:fontRef idx="minor">
+            <a:schemeClr val="lt1"/>
+          </a:fontRef>
+        </p:style>
+        <p:txBody>
+          <a:bodyPr rtlCol="0" anchor="ctr"/>
+          <a:lstStyle/>
+          <a:p>
+            <a:pPr algn="ctr"/>
+            <a:endParaRPr lang="fr-FR">
+              <a:solidFill>
+                <a:schemeClr val="lt1"/>
+              </a:solidFill>
+            </a:endParaRPr>
+          </a:p>
+        </p:txBody>
+      </p:sp>
+      <p:cxnSp>
+        <p:nvCxnSpPr>
+          <p:cNvPr id="104" name="Connecteur droit 103">
+            <a:extLst>
+              <a:ext uri="{FF2B5EF4-FFF2-40B4-BE49-F238E27FC236}">
+                <a16:creationId xmlns:a16="http://schemas.microsoft.com/office/drawing/2014/main" id="{7B3FBF26-1C66-B766-5227-9A417A9FA275}"/>
+              </a:ext>
+            </a:extLst>
+          </p:cNvPr>
+          <p:cNvCxnSpPr>
+            <a:cxnSpLocks/>
+          </p:cNvCxnSpPr>
+          <p:nvPr/>
+        </p:nvCxnSpPr>
+        <p:spPr>
+          <a:xfrm flipH="1" flipV="1">
+            <a:off x="4321281" y="3561276"/>
+            <a:ext cx="1" cy="219292"/>
+          </a:xfrm>
+          <a:prstGeom prst="line">
+            <a:avLst/>
+          </a:prstGeom>
+          <a:noFill/>
+          <a:ln w="28575">
+            <a:solidFill>
+              <a:srgbClr val="7030A0"/>
+            </a:solidFill>
+          </a:ln>
+        </p:spPr>
+        <p:style>
+          <a:lnRef idx="2">
+            <a:schemeClr val="accent1">
+              <a:shade val="50000"/>
+            </a:schemeClr>
+          </a:lnRef>
+          <a:fillRef idx="1">
+            <a:schemeClr val="accent1"/>
+          </a:fillRef>
+          <a:effectRef idx="0">
+            <a:schemeClr val="accent1"/>
+          </a:effectRef>
+          <a:fontRef idx="minor">
+            <a:schemeClr val="lt1"/>
+          </a:fontRef>
+        </p:style>
+      </p:cxnSp>
+      <p:cxnSp>
+        <p:nvCxnSpPr>
+          <p:cNvPr id="122" name="Connecteur droit 121">
+            <a:extLst>
+              <a:ext uri="{FF2B5EF4-FFF2-40B4-BE49-F238E27FC236}">
+                <a16:creationId xmlns:a16="http://schemas.microsoft.com/office/drawing/2014/main" id="{92ED4E3C-1618-E075-C4A8-C43B238E15D3}"/>
+              </a:ext>
+            </a:extLst>
+          </p:cNvPr>
+          <p:cNvCxnSpPr>
+            <a:cxnSpLocks/>
+          </p:cNvCxnSpPr>
+          <p:nvPr/>
+        </p:nvCxnSpPr>
+        <p:spPr>
+          <a:xfrm flipV="1">
+            <a:off x="6190403" y="1995277"/>
+            <a:ext cx="0" cy="3119471"/>
+          </a:xfrm>
+          <a:prstGeom prst="line">
+            <a:avLst/>
+          </a:prstGeom>
+          <a:noFill/>
+          <a:ln w="28575">
+            <a:solidFill>
+              <a:srgbClr val="002060"/>
+            </a:solidFill>
+          </a:ln>
+        </p:spPr>
+        <p:style>
+          <a:lnRef idx="2">
+            <a:schemeClr val="accent1">
+              <a:shade val="50000"/>
+            </a:schemeClr>
+          </a:lnRef>
+          <a:fillRef idx="1">
+            <a:schemeClr val="accent1"/>
+          </a:fillRef>
+          <a:effectRef idx="0">
+            <a:schemeClr val="accent1"/>
+          </a:effectRef>
+          <a:fontRef idx="minor">
+            <a:schemeClr val="lt1"/>
+          </a:fontRef>
+        </p:style>
+      </p:cxnSp>
+      <p:cxnSp>
+        <p:nvCxnSpPr>
+          <p:cNvPr id="146" name="Connecteur droit 145">
+            <a:extLst>
+              <a:ext uri="{FF2B5EF4-FFF2-40B4-BE49-F238E27FC236}">
+                <a16:creationId xmlns:a16="http://schemas.microsoft.com/office/drawing/2014/main" id="{3F50B5FD-E4D7-32FA-53F5-0B995C87498B}"/>
+              </a:ext>
+            </a:extLst>
+          </p:cNvPr>
+          <p:cNvCxnSpPr>
+            <a:cxnSpLocks/>
+          </p:cNvCxnSpPr>
+          <p:nvPr/>
+        </p:nvCxnSpPr>
+        <p:spPr>
+          <a:xfrm flipV="1">
+            <a:off x="5031243" y="4897967"/>
+            <a:ext cx="0" cy="892984"/>
+          </a:xfrm>
+          <a:prstGeom prst="line">
+            <a:avLst/>
+          </a:prstGeom>
+          <a:noFill/>
+          <a:ln w="28575">
+            <a:solidFill>
+              <a:srgbClr val="002060"/>
+            </a:solidFill>
+          </a:ln>
+        </p:spPr>
+        <p:style>
+          <a:lnRef idx="2">
+            <a:schemeClr val="accent1">
+              <a:shade val="50000"/>
+            </a:schemeClr>
+          </a:lnRef>
+          <a:fillRef idx="1">
+            <a:schemeClr val="accent1"/>
+          </a:fillRef>
+          <a:effectRef idx="0">
+            <a:schemeClr val="accent1"/>
+          </a:effectRef>
+          <a:fontRef idx="minor">
+            <a:schemeClr val="lt1"/>
+          </a:fontRef>
+        </p:style>
+      </p:cxnSp>
+      <p:cxnSp>
+        <p:nvCxnSpPr>
+          <p:cNvPr id="151" name="Connecteur droit 150">
+            <a:extLst>
+              <a:ext uri="{FF2B5EF4-FFF2-40B4-BE49-F238E27FC236}">
+                <a16:creationId xmlns:a16="http://schemas.microsoft.com/office/drawing/2014/main" id="{61E0AC97-A475-5E90-D904-224AFBC31FC7}"/>
+              </a:ext>
+            </a:extLst>
+          </p:cNvPr>
+          <p:cNvCxnSpPr>
+            <a:cxnSpLocks/>
+          </p:cNvCxnSpPr>
+          <p:nvPr/>
+        </p:nvCxnSpPr>
+        <p:spPr>
+          <a:xfrm flipV="1">
+            <a:off x="4312013" y="4897967"/>
+            <a:ext cx="0" cy="892984"/>
+          </a:xfrm>
+          <a:prstGeom prst="line">
+            <a:avLst/>
+          </a:prstGeom>
+          <a:noFill/>
+          <a:ln w="28575">
+            <a:solidFill>
+              <a:srgbClr val="002060"/>
+            </a:solidFill>
+          </a:ln>
+        </p:spPr>
+        <p:style>
+          <a:lnRef idx="2">
+            <a:schemeClr val="accent1">
+              <a:shade val="50000"/>
+            </a:schemeClr>
+          </a:lnRef>
+          <a:fillRef idx="1">
+            <a:schemeClr val="accent1"/>
+          </a:fillRef>
+          <a:effectRef idx="0">
+            <a:schemeClr val="accent1"/>
+          </a:effectRef>
+          <a:fontRef idx="minor">
+            <a:schemeClr val="lt1"/>
+          </a:fontRef>
+        </p:style>
+      </p:cxnSp>
+      <p:cxnSp>
+        <p:nvCxnSpPr>
+          <p:cNvPr id="152" name="Connecteur droit 151">
+            <a:extLst>
+              <a:ext uri="{FF2B5EF4-FFF2-40B4-BE49-F238E27FC236}">
+                <a16:creationId xmlns:a16="http://schemas.microsoft.com/office/drawing/2014/main" id="{55EFB5B8-EC3E-BF62-E655-27675DCDF46B}"/>
+              </a:ext>
+            </a:extLst>
+          </p:cNvPr>
+          <p:cNvCxnSpPr>
+            <a:cxnSpLocks/>
+          </p:cNvCxnSpPr>
+          <p:nvPr/>
+        </p:nvCxnSpPr>
+        <p:spPr>
+          <a:xfrm flipV="1">
+            <a:off x="3165839" y="826860"/>
+            <a:ext cx="0" cy="820474"/>
+          </a:xfrm>
+          <a:prstGeom prst="line">
+            <a:avLst/>
+          </a:prstGeom>
+          <a:noFill/>
+          <a:ln w="28575">
+            <a:solidFill>
+              <a:srgbClr val="002060"/>
+            </a:solidFill>
+          </a:ln>
+        </p:spPr>
+        <p:style>
+          <a:lnRef idx="2">
+            <a:schemeClr val="accent1">
+              <a:shade val="50000"/>
+            </a:schemeClr>
+          </a:lnRef>
+          <a:fillRef idx="1">
+            <a:schemeClr val="accent1"/>
+          </a:fillRef>
+          <a:effectRef idx="0">
+            <a:schemeClr val="accent1"/>
+          </a:effectRef>
+          <a:fontRef idx="minor">
+            <a:schemeClr val="lt1"/>
+          </a:fontRef>
+        </p:style>
+      </p:cxnSp>
+      <p:cxnSp>
+        <p:nvCxnSpPr>
+          <p:cNvPr id="154" name="Connecteur droit 153">
+            <a:extLst>
+              <a:ext uri="{FF2B5EF4-FFF2-40B4-BE49-F238E27FC236}">
+                <a16:creationId xmlns:a16="http://schemas.microsoft.com/office/drawing/2014/main" id="{5825EF89-6E59-AB68-04CC-884355A094E9}"/>
+              </a:ext>
+            </a:extLst>
+          </p:cNvPr>
+          <p:cNvCxnSpPr>
+            <a:cxnSpLocks/>
+          </p:cNvCxnSpPr>
+          <p:nvPr/>
+        </p:nvCxnSpPr>
+        <p:spPr>
+          <a:xfrm flipV="1">
+            <a:off x="3746331" y="487853"/>
+            <a:ext cx="0" cy="820474"/>
+          </a:xfrm>
+          <a:prstGeom prst="line">
+            <a:avLst/>
+          </a:prstGeom>
+          <a:noFill/>
+          <a:ln w="28575">
+            <a:solidFill>
+              <a:srgbClr val="002060"/>
+            </a:solidFill>
+          </a:ln>
+        </p:spPr>
+        <p:style>
+          <a:lnRef idx="2">
+            <a:schemeClr val="accent1">
+              <a:shade val="50000"/>
+            </a:schemeClr>
+          </a:lnRef>
+          <a:fillRef idx="1">
+            <a:schemeClr val="accent1"/>
+          </a:fillRef>
+          <a:effectRef idx="0">
+            <a:schemeClr val="accent1"/>
+          </a:effectRef>
+          <a:fontRef idx="minor">
+            <a:schemeClr val="lt1"/>
+          </a:fontRef>
+        </p:style>
+      </p:cxnSp>
+      <p:cxnSp>
+        <p:nvCxnSpPr>
+          <p:cNvPr id="155" name="Connecteur droit 154">
+            <a:extLst>
+              <a:ext uri="{FF2B5EF4-FFF2-40B4-BE49-F238E27FC236}">
+                <a16:creationId xmlns:a16="http://schemas.microsoft.com/office/drawing/2014/main" id="{2BB13C17-5316-819E-39A4-4B0C287A572E}"/>
+              </a:ext>
+            </a:extLst>
+          </p:cNvPr>
+          <p:cNvCxnSpPr>
+            <a:cxnSpLocks/>
+          </p:cNvCxnSpPr>
+          <p:nvPr/>
+        </p:nvCxnSpPr>
+        <p:spPr>
+          <a:xfrm flipV="1">
+            <a:off x="5594090" y="487853"/>
+            <a:ext cx="0" cy="820474"/>
+          </a:xfrm>
+          <a:prstGeom prst="line">
+            <a:avLst/>
+          </a:prstGeom>
+          <a:noFill/>
+          <a:ln w="28575">
+            <a:solidFill>
+              <a:srgbClr val="002060"/>
+            </a:solidFill>
+          </a:ln>
+        </p:spPr>
+        <p:style>
+          <a:lnRef idx="2">
+            <a:schemeClr val="accent1">
+              <a:shade val="50000"/>
+            </a:schemeClr>
+          </a:lnRef>
+          <a:fillRef idx="1">
+            <a:schemeClr val="accent1"/>
+          </a:fillRef>
+          <a:effectRef idx="0">
+            <a:schemeClr val="accent1"/>
+          </a:effectRef>
+          <a:fontRef idx="minor">
+            <a:schemeClr val="lt1"/>
+          </a:fontRef>
+        </p:style>
+      </p:cxnSp>
+      <p:cxnSp>
+        <p:nvCxnSpPr>
+          <p:cNvPr id="156" name="Connecteur droit 155">
+            <a:extLst>
+              <a:ext uri="{FF2B5EF4-FFF2-40B4-BE49-F238E27FC236}">
+                <a16:creationId xmlns:a16="http://schemas.microsoft.com/office/drawing/2014/main" id="{EAE8477C-5967-2DA7-F38C-F875B4D5B765}"/>
+              </a:ext>
+            </a:extLst>
+          </p:cNvPr>
+          <p:cNvCxnSpPr>
+            <a:cxnSpLocks/>
+          </p:cNvCxnSpPr>
+          <p:nvPr/>
+        </p:nvCxnSpPr>
+        <p:spPr>
+          <a:xfrm flipV="1">
+            <a:off x="6188748" y="803900"/>
+            <a:ext cx="0" cy="820474"/>
+          </a:xfrm>
+          <a:prstGeom prst="line">
+            <a:avLst/>
+          </a:prstGeom>
+          <a:noFill/>
+          <a:ln w="28575">
+            <a:solidFill>
+              <a:srgbClr val="002060"/>
+            </a:solidFill>
+          </a:ln>
+        </p:spPr>
+        <p:style>
+          <a:lnRef idx="2">
+            <a:schemeClr val="accent1">
+              <a:shade val="50000"/>
+            </a:schemeClr>
+          </a:lnRef>
+          <a:fillRef idx="1">
+            <a:schemeClr val="accent1"/>
+          </a:fillRef>
+          <a:effectRef idx="0">
+            <a:schemeClr val="accent1"/>
+          </a:effectRef>
+          <a:fontRef idx="minor">
+            <a:schemeClr val="lt1"/>
+          </a:fontRef>
+        </p:style>
+      </p:cxnSp>
+      <p:sp>
+        <p:nvSpPr>
+          <p:cNvPr id="159" name="Forme libre : forme 158">
+            <a:extLst>
+              <a:ext uri="{FF2B5EF4-FFF2-40B4-BE49-F238E27FC236}">
+                <a16:creationId xmlns:a16="http://schemas.microsoft.com/office/drawing/2014/main" id="{53AA887D-BB24-FA34-FA2C-5CBB5DF4A916}"/>
+              </a:ext>
+            </a:extLst>
+          </p:cNvPr>
+          <p:cNvSpPr/>
+          <p:nvPr/>
+        </p:nvSpPr>
+        <p:spPr>
+          <a:xfrm>
+            <a:off x="3160759" y="4762380"/>
+            <a:ext cx="3013177" cy="1012825"/>
+          </a:xfrm>
+          <a:custGeom>
+            <a:avLst/>
+            <a:gdLst>
+              <a:gd name="connsiteX0" fmla="*/ 603250 w 3038475"/>
+              <a:gd name="connsiteY0" fmla="*/ 0 h 1012825"/>
+              <a:gd name="connsiteX1" fmla="*/ 2451100 w 3038475"/>
+              <a:gd name="connsiteY1" fmla="*/ 0 h 1012825"/>
+              <a:gd name="connsiteX2" fmla="*/ 3038475 w 3038475"/>
+              <a:gd name="connsiteY2" fmla="*/ 349250 h 1012825"/>
+              <a:gd name="connsiteX3" fmla="*/ 1879600 w 3038475"/>
+              <a:gd name="connsiteY3" fmla="*/ 1012825 h 1012825"/>
+              <a:gd name="connsiteX4" fmla="*/ 1165225 w 3038475"/>
+              <a:gd name="connsiteY4" fmla="*/ 1012825 h 1012825"/>
+              <a:gd name="connsiteX5" fmla="*/ 0 w 3038475"/>
+              <a:gd name="connsiteY5" fmla="*/ 346075 h 1012825"/>
+              <a:gd name="connsiteX6" fmla="*/ 603250 w 3038475"/>
+              <a:gd name="connsiteY6" fmla="*/ 0 h 1012825"/>
+              <a:gd name="connsiteX0" fmla="*/ 603250 w 3038475"/>
+              <a:gd name="connsiteY0" fmla="*/ 0 h 1012825"/>
+              <a:gd name="connsiteX1" fmla="*/ 2451100 w 3038475"/>
+              <a:gd name="connsiteY1" fmla="*/ 0 h 1012825"/>
+              <a:gd name="connsiteX2" fmla="*/ 3038475 w 3038475"/>
+              <a:gd name="connsiteY2" fmla="*/ 349250 h 1012825"/>
+              <a:gd name="connsiteX3" fmla="*/ 1879600 w 3038475"/>
+              <a:gd name="connsiteY3" fmla="*/ 1012825 h 1012825"/>
+              <a:gd name="connsiteX4" fmla="*/ 1165225 w 3038475"/>
+              <a:gd name="connsiteY4" fmla="*/ 1012825 h 1012825"/>
+              <a:gd name="connsiteX5" fmla="*/ 0 w 3038475"/>
+              <a:gd name="connsiteY5" fmla="*/ 356235 h 1012825"/>
+              <a:gd name="connsiteX6" fmla="*/ 603250 w 3038475"/>
+              <a:gd name="connsiteY6" fmla="*/ 0 h 1012825"/>
+            </a:gdLst>
+            <a:ahLst/>
+            <a:cxnLst>
+              <a:cxn ang="0">
+                <a:pos x="connsiteX0" y="connsiteY0"/>
+              </a:cxn>
+              <a:cxn ang="0">
+                <a:pos x="connsiteX1" y="connsiteY1"/>
+              </a:cxn>
+              <a:cxn ang="0">
+                <a:pos x="connsiteX2" y="connsiteY2"/>
+              </a:cxn>
+              <a:cxn ang="0">
+                <a:pos x="connsiteX3" y="connsiteY3"/>
+              </a:cxn>
+              <a:cxn ang="0">
+                <a:pos x="connsiteX4" y="connsiteY4"/>
+              </a:cxn>
+              <a:cxn ang="0">
+                <a:pos x="connsiteX5" y="connsiteY5"/>
+              </a:cxn>
+              <a:cxn ang="0">
+                <a:pos x="connsiteX6" y="connsiteY6"/>
+              </a:cxn>
+            </a:cxnLst>
+            <a:rect l="l" t="t" r="r" b="b"/>
+            <a:pathLst>
+              <a:path w="3038475" h="1012825">
+                <a:moveTo>
+                  <a:pt x="603250" y="0"/>
+                </a:moveTo>
+                <a:lnTo>
+                  <a:pt x="2451100" y="0"/>
+                </a:lnTo>
+                <a:lnTo>
+                  <a:pt x="3038475" y="349250"/>
+                </a:lnTo>
+                <a:lnTo>
+                  <a:pt x="1879600" y="1012825"/>
+                </a:lnTo>
+                <a:lnTo>
+                  <a:pt x="1165225" y="1012825"/>
+                </a:lnTo>
+                <a:lnTo>
+                  <a:pt x="0" y="356235"/>
+                </a:lnTo>
+                <a:lnTo>
+                  <a:pt x="603250" y="0"/>
+                </a:lnTo>
+                <a:close/>
+              </a:path>
+            </a:pathLst>
+          </a:custGeom>
+          <a:noFill/>
+          <a:ln w="28575">
+            <a:solidFill>
+              <a:srgbClr val="002060"/>
+            </a:solidFill>
+          </a:ln>
+        </p:spPr>
+        <p:style>
+          <a:lnRef idx="2">
+            <a:schemeClr val="accent1">
+              <a:shade val="50000"/>
+            </a:schemeClr>
+          </a:lnRef>
+          <a:fillRef idx="1">
+            <a:schemeClr val="accent1"/>
+          </a:fillRef>
+          <a:effectRef idx="0">
+            <a:schemeClr val="accent1"/>
+          </a:effectRef>
+          <a:fontRef idx="minor">
+            <a:schemeClr val="lt1"/>
+          </a:fontRef>
+        </p:style>
+        <p:txBody>
+          <a:bodyPr rtlCol="0" anchor="ctr"/>
+          <a:lstStyle/>
+          <a:p>
+            <a:pPr algn="ctr"/>
+            <a:endParaRPr lang="fr-FR"/>
+          </a:p>
+        </p:txBody>
+      </p:sp>
+      <p:sp>
+        <p:nvSpPr>
+          <p:cNvPr id="160" name="Forme libre : forme 159">
+            <a:extLst>
+              <a:ext uri="{FF2B5EF4-FFF2-40B4-BE49-F238E27FC236}">
+                <a16:creationId xmlns:a16="http://schemas.microsoft.com/office/drawing/2014/main" id="{D7BB53FD-3EC9-1E38-1C1C-D4D7095917A7}"/>
+              </a:ext>
+            </a:extLst>
+          </p:cNvPr>
+          <p:cNvSpPr/>
+          <p:nvPr/>
+        </p:nvSpPr>
+        <p:spPr>
+          <a:xfrm>
+            <a:off x="3174235" y="483325"/>
+            <a:ext cx="3013177" cy="1012825"/>
+          </a:xfrm>
+          <a:custGeom>
+            <a:avLst/>
+            <a:gdLst>
+              <a:gd name="connsiteX0" fmla="*/ 603250 w 3038475"/>
+              <a:gd name="connsiteY0" fmla="*/ 0 h 1012825"/>
+              <a:gd name="connsiteX1" fmla="*/ 2451100 w 3038475"/>
+              <a:gd name="connsiteY1" fmla="*/ 0 h 1012825"/>
+              <a:gd name="connsiteX2" fmla="*/ 3038475 w 3038475"/>
+              <a:gd name="connsiteY2" fmla="*/ 349250 h 1012825"/>
+              <a:gd name="connsiteX3" fmla="*/ 1879600 w 3038475"/>
+              <a:gd name="connsiteY3" fmla="*/ 1012825 h 1012825"/>
+              <a:gd name="connsiteX4" fmla="*/ 1165225 w 3038475"/>
+              <a:gd name="connsiteY4" fmla="*/ 1012825 h 1012825"/>
+              <a:gd name="connsiteX5" fmla="*/ 0 w 3038475"/>
+              <a:gd name="connsiteY5" fmla="*/ 346075 h 1012825"/>
+              <a:gd name="connsiteX6" fmla="*/ 603250 w 3038475"/>
+              <a:gd name="connsiteY6" fmla="*/ 0 h 1012825"/>
+              <a:gd name="connsiteX0" fmla="*/ 603250 w 3038475"/>
+              <a:gd name="connsiteY0" fmla="*/ 0 h 1012825"/>
+              <a:gd name="connsiteX1" fmla="*/ 2451100 w 3038475"/>
+              <a:gd name="connsiteY1" fmla="*/ 0 h 1012825"/>
+              <a:gd name="connsiteX2" fmla="*/ 3038475 w 3038475"/>
+              <a:gd name="connsiteY2" fmla="*/ 349250 h 1012825"/>
+              <a:gd name="connsiteX3" fmla="*/ 1879600 w 3038475"/>
+              <a:gd name="connsiteY3" fmla="*/ 1012825 h 1012825"/>
+              <a:gd name="connsiteX4" fmla="*/ 1165225 w 3038475"/>
+              <a:gd name="connsiteY4" fmla="*/ 1012825 h 1012825"/>
+              <a:gd name="connsiteX5" fmla="*/ 0 w 3038475"/>
+              <a:gd name="connsiteY5" fmla="*/ 356235 h 1012825"/>
+              <a:gd name="connsiteX6" fmla="*/ 603250 w 3038475"/>
+              <a:gd name="connsiteY6" fmla="*/ 0 h 1012825"/>
+            </a:gdLst>
+            <a:ahLst/>
+            <a:cxnLst>
+              <a:cxn ang="0">
+                <a:pos x="connsiteX0" y="connsiteY0"/>
+              </a:cxn>
+              <a:cxn ang="0">
+                <a:pos x="connsiteX1" y="connsiteY1"/>
+              </a:cxn>
+              <a:cxn ang="0">
+                <a:pos x="connsiteX2" y="connsiteY2"/>
+              </a:cxn>
+              <a:cxn ang="0">
+                <a:pos x="connsiteX3" y="connsiteY3"/>
+              </a:cxn>
+              <a:cxn ang="0">
+                <a:pos x="connsiteX4" y="connsiteY4"/>
+              </a:cxn>
+              <a:cxn ang="0">
+                <a:pos x="connsiteX5" y="connsiteY5"/>
+              </a:cxn>
+              <a:cxn ang="0">
+                <a:pos x="connsiteX6" y="connsiteY6"/>
+              </a:cxn>
+            </a:cxnLst>
+            <a:rect l="l" t="t" r="r" b="b"/>
+            <a:pathLst>
+              <a:path w="3038475" h="1012825">
+                <a:moveTo>
+                  <a:pt x="603250" y="0"/>
+                </a:moveTo>
+                <a:lnTo>
+                  <a:pt x="2451100" y="0"/>
+                </a:lnTo>
+                <a:lnTo>
+                  <a:pt x="3038475" y="349250"/>
+                </a:lnTo>
+                <a:lnTo>
+                  <a:pt x="1879600" y="1012825"/>
+                </a:lnTo>
+                <a:lnTo>
+                  <a:pt x="1165225" y="1012825"/>
+                </a:lnTo>
+                <a:lnTo>
+                  <a:pt x="0" y="356235"/>
+                </a:lnTo>
+                <a:lnTo>
+                  <a:pt x="603250" y="0"/>
+                </a:lnTo>
+                <a:close/>
+              </a:path>
+            </a:pathLst>
+          </a:custGeom>
+          <a:noFill/>
+          <a:ln w="12700">
+            <a:solidFill>
+              <a:srgbClr val="002060"/>
+            </a:solidFill>
+          </a:ln>
+        </p:spPr>
+        <p:style>
+          <a:lnRef idx="2">
+            <a:schemeClr val="accent1">
+              <a:shade val="50000"/>
+            </a:schemeClr>
+          </a:lnRef>
+          <a:fillRef idx="1">
+            <a:schemeClr val="accent1"/>
+          </a:fillRef>
+          <a:effectRef idx="0">
+            <a:schemeClr val="accent1"/>
+          </a:effectRef>
+          <a:fontRef idx="minor">
+            <a:schemeClr val="lt1"/>
+          </a:fontRef>
+        </p:style>
+        <p:txBody>
+          <a:bodyPr rtlCol="0" anchor="ctr"/>
+          <a:lstStyle/>
+          <a:p>
+            <a:pPr algn="ctr"/>
+            <a:endParaRPr lang="fr-FR"/>
+          </a:p>
+        </p:txBody>
+      </p:sp>
+      <p:sp>
+        <p:nvSpPr>
+          <p:cNvPr id="162" name="Ellipse 161">
+            <a:extLst>
+              <a:ext uri="{FF2B5EF4-FFF2-40B4-BE49-F238E27FC236}">
+                <a16:creationId xmlns:a16="http://schemas.microsoft.com/office/drawing/2014/main" id="{44A81C01-24E8-8DED-D3FF-FD51F5DBBA0C}"/>
+              </a:ext>
+            </a:extLst>
+          </p:cNvPr>
+          <p:cNvSpPr/>
+          <p:nvPr/>
+        </p:nvSpPr>
+        <p:spPr>
+          <a:xfrm>
+            <a:off x="3798299" y="4865941"/>
+            <a:ext cx="1771032" cy="668586"/>
+          </a:xfrm>
+          <a:prstGeom prst="ellipse">
+            <a:avLst/>
+          </a:prstGeom>
+          <a:noFill/>
+          <a:ln w="12700">
+            <a:solidFill>
+              <a:srgbClr val="002060"/>
+            </a:solidFill>
+          </a:ln>
+        </p:spPr>
+        <p:style>
+          <a:lnRef idx="2">
+            <a:schemeClr val="accent1">
+              <a:shade val="50000"/>
+            </a:schemeClr>
+          </a:lnRef>
+          <a:fillRef idx="1">
+            <a:schemeClr val="accent1"/>
+          </a:fillRef>
+          <a:effectRef idx="0">
+            <a:schemeClr val="accent1"/>
+          </a:effectRef>
+          <a:fontRef idx="minor">
+            <a:schemeClr val="lt1"/>
+          </a:fontRef>
+        </p:style>
+        <p:txBody>
+          <a:bodyPr rtlCol="0" anchor="ctr"/>
+          <a:lstStyle/>
+          <a:p>
+            <a:pPr algn="ctr"/>
+            <a:endParaRPr lang="fr-FR"/>
+          </a:p>
+        </p:txBody>
+      </p:sp>
+      <p:sp>
+        <p:nvSpPr>
+          <p:cNvPr id="164" name="Ellipse 163">
+            <a:extLst>
+              <a:ext uri="{FF2B5EF4-FFF2-40B4-BE49-F238E27FC236}">
+                <a16:creationId xmlns:a16="http://schemas.microsoft.com/office/drawing/2014/main" id="{421320E4-37AE-CE21-B5A8-2401A576F77C}"/>
+              </a:ext>
+            </a:extLst>
+          </p:cNvPr>
+          <p:cNvSpPr/>
+          <p:nvPr/>
+        </p:nvSpPr>
+        <p:spPr>
+          <a:xfrm>
+            <a:off x="3772186" y="572963"/>
+            <a:ext cx="1771032" cy="668586"/>
+          </a:xfrm>
+          <a:prstGeom prst="ellipse">
+            <a:avLst/>
+          </a:prstGeom>
+          <a:noFill/>
+          <a:ln w="12700">
+            <a:solidFill>
+              <a:srgbClr val="002060"/>
+            </a:solidFill>
+          </a:ln>
+        </p:spPr>
+        <p:style>
+          <a:lnRef idx="2">
+            <a:schemeClr val="accent1">
+              <a:shade val="50000"/>
+            </a:schemeClr>
+          </a:lnRef>
+          <a:fillRef idx="1">
+            <a:schemeClr val="accent1"/>
+          </a:fillRef>
+          <a:effectRef idx="0">
+            <a:schemeClr val="accent1"/>
+          </a:effectRef>
+          <a:fontRef idx="minor">
+            <a:schemeClr val="lt1"/>
+          </a:fontRef>
+        </p:style>
+        <p:txBody>
+          <a:bodyPr rtlCol="0" anchor="ctr"/>
+          <a:lstStyle/>
+          <a:p>
+            <a:pPr algn="ctr"/>
+            <a:endParaRPr lang="fr-FR"/>
+          </a:p>
+        </p:txBody>
+      </p:sp>
+      <p:sp>
+        <p:nvSpPr>
+          <p:cNvPr id="18" name="Ellipse 17">
+            <a:extLst>
+              <a:ext uri="{FF2B5EF4-FFF2-40B4-BE49-F238E27FC236}">
+                <a16:creationId xmlns:a16="http://schemas.microsoft.com/office/drawing/2014/main" id="{F8AF1812-C57D-BA65-3354-B930A13B94B8}"/>
+              </a:ext>
+            </a:extLst>
+          </p:cNvPr>
+          <p:cNvSpPr/>
+          <p:nvPr/>
+        </p:nvSpPr>
+        <p:spPr>
+          <a:xfrm>
+            <a:off x="4631347" y="5204643"/>
+            <a:ext cx="72000" cy="45719"/>
+          </a:xfrm>
+          <a:prstGeom prst="ellipse">
+            <a:avLst/>
+          </a:prstGeom>
+          <a:solidFill>
+            <a:srgbClr val="C00000"/>
+          </a:solidFill>
+          <a:ln>
+            <a:solidFill>
+              <a:srgbClr val="C00000"/>
+            </a:solidFill>
+          </a:ln>
+        </p:spPr>
+        <p:style>
+          <a:lnRef idx="2">
+            <a:schemeClr val="accent1">
+              <a:shade val="15000"/>
+            </a:schemeClr>
+          </a:lnRef>
+          <a:fillRef idx="1">
+            <a:schemeClr val="accent1"/>
+          </a:fillRef>
+          <a:effectRef idx="0">
+            <a:schemeClr val="accent1"/>
+          </a:effectRef>
+          <a:fontRef idx="minor">
+            <a:schemeClr val="lt1"/>
+          </a:fontRef>
+        </p:style>
+        <p:txBody>
+          <a:bodyPr rtlCol="0" anchor="ctr"/>
+          <a:lstStyle/>
+          <a:p>
+            <a:pPr algn="ctr"/>
+            <a:endParaRPr lang="fr-FR"/>
+          </a:p>
+        </p:txBody>
+      </p:sp>
+      <mc:AlternateContent xmlns:mc="http://schemas.openxmlformats.org/markup-compatibility/2006">
+        <mc:Choice xmlns:a14="http://schemas.microsoft.com/office/drawing/2010/main" Requires="a14">
+          <p:sp>
+            <p:nvSpPr>
+              <p:cNvPr id="19" name="ZoneTexte 18">
+                <a:extLst>
+                  <a:ext uri="{FF2B5EF4-FFF2-40B4-BE49-F238E27FC236}">
+                    <a16:creationId xmlns:a16="http://schemas.microsoft.com/office/drawing/2014/main" id="{0741F2F3-64B9-1F0F-663F-48862814A01E}"/>
+                  </a:ext>
+                </a:extLst>
+              </p:cNvPr>
+              <p:cNvSpPr txBox="1"/>
+              <p:nvPr/>
+            </p:nvSpPr>
+            <p:spPr>
+              <a:xfrm>
+                <a:off x="4722302" y="5084671"/>
+                <a:ext cx="320729" cy="276999"/>
+              </a:xfrm>
+              <a:prstGeom prst="rect">
+                <a:avLst/>
+              </a:prstGeom>
+              <a:noFill/>
+            </p:spPr>
+            <p:txBody>
+              <a:bodyPr wrap="none" lIns="0" tIns="0" rIns="0" bIns="0" rtlCol="0">
+                <a:spAutoFit/>
+              </a:bodyPr>
+              <a:lstStyle/>
+              <a:p>
+                <a14:m>
+                  <m:oMathPara xmlns:m="http://schemas.openxmlformats.org/officeDocument/2006/math">
+                    <m:oMathParaPr>
+                      <m:jc m:val="centerGroup"/>
+                    </m:oMathParaPr>
+                    <m:oMath xmlns:m="http://schemas.openxmlformats.org/officeDocument/2006/math">
+                      <m:sSub>
+                        <m:sSubPr>
+                          <m:ctrlPr>
+                            <a:rPr lang="fr-FR" b="0" i="1" smtClean="0">
+                              <a:latin typeface="Cambria Math" panose="02040503050406030204" pitchFamily="18" charset="0"/>
+                            </a:rPr>
+                          </m:ctrlPr>
+                        </m:sSubPr>
+                        <m:e>
+                          <m:r>
+                            <a:rPr lang="fr-FR" b="0" i="1" smtClean="0">
+                              <a:latin typeface="Cambria Math" panose="02040503050406030204" pitchFamily="18" charset="0"/>
+                            </a:rPr>
+                            <m:t>𝑂</m:t>
+                          </m:r>
+                        </m:e>
+                        <m:sub>
+                          <m:r>
+                            <a:rPr lang="fr-FR" b="0" i="1" smtClean="0">
+                              <a:latin typeface="Cambria Math" panose="02040503050406030204" pitchFamily="18" charset="0"/>
+                            </a:rPr>
+                            <m:t>𝑃</m:t>
+                          </m:r>
+                        </m:sub>
+                      </m:sSub>
+                    </m:oMath>
+                  </m:oMathPara>
+                </a14:m>
+                <a:endParaRPr lang="fr-FR" dirty="0"/>
+              </a:p>
+            </p:txBody>
+          </p:sp>
+        </mc:Choice>
+        <mc:Fallback>
+          <p:sp>
+            <p:nvSpPr>
+              <p:cNvPr id="19" name="ZoneTexte 18">
+                <a:extLst>
+                  <a:ext uri="{FF2B5EF4-FFF2-40B4-BE49-F238E27FC236}">
+                    <a16:creationId xmlns:a16="http://schemas.microsoft.com/office/drawing/2014/main" id="{0741F2F3-64B9-1F0F-663F-48862814A01E}"/>
+                  </a:ext>
+                </a:extLst>
+              </p:cNvPr>
+              <p:cNvSpPr txBox="1">
+                <a:spLocks noRot="1" noChangeAspect="1" noMove="1" noResize="1" noEditPoints="1" noAdjustHandles="1" noChangeArrowheads="1" noChangeShapeType="1" noTextEdit="1"/>
+              </p:cNvSpPr>
+              <p:nvPr/>
+            </p:nvSpPr>
+            <p:spPr>
+              <a:xfrm>
+                <a:off x="4722302" y="5084671"/>
+                <a:ext cx="320729" cy="276999"/>
+              </a:xfrm>
+              <a:prstGeom prst="rect">
+                <a:avLst/>
+              </a:prstGeom>
+              <a:blipFill>
+                <a:blip r:embed="rId3"/>
+                <a:stretch>
+                  <a:fillRect l="-17308" r="-7692" b="-15217"/>
+                </a:stretch>
+              </a:blipFill>
+            </p:spPr>
+            <p:txBody>
+              <a:bodyPr/>
+              <a:lstStyle/>
+              <a:p>
+                <a:r>
+                  <a:rPr lang="fr-FR">
+                    <a:noFill/>
+                  </a:rPr>
+                  <a:t> </a:t>
+                </a:r>
+              </a:p>
+            </p:txBody>
+          </p:sp>
+        </mc:Fallback>
+      </mc:AlternateContent>
+      <mc:AlternateContent xmlns:mc="http://schemas.openxmlformats.org/markup-compatibility/2006">
+        <mc:Choice xmlns:a14="http://schemas.microsoft.com/office/drawing/2010/main" Requires="a14">
+          <p:sp>
+            <p:nvSpPr>
+              <p:cNvPr id="20" name="ZoneTexte 19">
+                <a:extLst>
+                  <a:ext uri="{FF2B5EF4-FFF2-40B4-BE49-F238E27FC236}">
+                    <a16:creationId xmlns:a16="http://schemas.microsoft.com/office/drawing/2014/main" id="{B812CB90-CA3C-0DB2-3CF0-812487398A42}"/>
+                  </a:ext>
+                </a:extLst>
+              </p:cNvPr>
+              <p:cNvSpPr txBox="1"/>
+              <p:nvPr/>
+            </p:nvSpPr>
+            <p:spPr>
+              <a:xfrm>
+                <a:off x="3197704" y="4549710"/>
+                <a:ext cx="314958" cy="276999"/>
+              </a:xfrm>
+              <a:prstGeom prst="rect">
+                <a:avLst/>
+              </a:prstGeom>
+              <a:noFill/>
+            </p:spPr>
+            <p:txBody>
+              <a:bodyPr wrap="none" lIns="0" tIns="0" rIns="0" bIns="0" rtlCol="0">
+                <a:spAutoFit/>
+              </a:bodyPr>
+              <a:lstStyle/>
+              <a:p>
+                <a14:m>
+                  <m:oMathPara xmlns:m="http://schemas.openxmlformats.org/officeDocument/2006/math">
+                    <m:oMathParaPr>
+                      <m:jc m:val="centerGroup"/>
+                    </m:oMathParaPr>
+                    <m:oMath xmlns:m="http://schemas.openxmlformats.org/officeDocument/2006/math">
+                      <m:sSub>
+                        <m:sSubPr>
+                          <m:ctrlPr>
+                            <a:rPr lang="fr-FR" b="0" i="1" smtClean="0">
+                              <a:latin typeface="Cambria Math" panose="02040503050406030204" pitchFamily="18" charset="0"/>
+                            </a:rPr>
+                          </m:ctrlPr>
+                        </m:sSubPr>
+                        <m:e>
+                          <m:r>
+                            <a:rPr lang="fr-FR" b="0" i="1" smtClean="0">
+                              <a:latin typeface="Cambria Math" panose="02040503050406030204" pitchFamily="18" charset="0"/>
+                            </a:rPr>
+                            <m:t>𝑂</m:t>
+                          </m:r>
+                        </m:e>
+                        <m:sub>
+                          <m:r>
+                            <a:rPr lang="fr-FR" b="0" i="1" smtClean="0">
+                              <a:latin typeface="Cambria Math" panose="02040503050406030204" pitchFamily="18" charset="0"/>
+                            </a:rPr>
+                            <m:t>𝛼</m:t>
+                          </m:r>
+                        </m:sub>
+                      </m:sSub>
+                    </m:oMath>
+                  </m:oMathPara>
+                </a14:m>
+                <a:endParaRPr lang="fr-FR" dirty="0"/>
+              </a:p>
+            </p:txBody>
+          </p:sp>
+        </mc:Choice>
+        <mc:Fallback>
+          <p:sp>
+            <p:nvSpPr>
+              <p:cNvPr id="20" name="ZoneTexte 19">
+                <a:extLst>
+                  <a:ext uri="{FF2B5EF4-FFF2-40B4-BE49-F238E27FC236}">
+                    <a16:creationId xmlns:a16="http://schemas.microsoft.com/office/drawing/2014/main" id="{B812CB90-CA3C-0DB2-3CF0-812487398A42}"/>
+                  </a:ext>
+                </a:extLst>
+              </p:cNvPr>
+              <p:cNvSpPr txBox="1">
+                <a:spLocks noRot="1" noChangeAspect="1" noMove="1" noResize="1" noEditPoints="1" noAdjustHandles="1" noChangeArrowheads="1" noChangeShapeType="1" noTextEdit="1"/>
+              </p:cNvSpPr>
+              <p:nvPr/>
+            </p:nvSpPr>
+            <p:spPr>
+              <a:xfrm>
+                <a:off x="3197704" y="4549710"/>
+                <a:ext cx="314958" cy="276999"/>
+              </a:xfrm>
+              <a:prstGeom prst="rect">
+                <a:avLst/>
+              </a:prstGeom>
+              <a:blipFill>
+                <a:blip r:embed="rId4"/>
+                <a:stretch>
+                  <a:fillRect l="-19608" r="-3922" b="-10870"/>
+                </a:stretch>
+              </a:blipFill>
+            </p:spPr>
+            <p:txBody>
+              <a:bodyPr/>
+              <a:lstStyle/>
+              <a:p>
+                <a:r>
+                  <a:rPr lang="fr-FR">
+                    <a:noFill/>
+                  </a:rPr>
+                  <a:t> </a:t>
+                </a:r>
+              </a:p>
+            </p:txBody>
+          </p:sp>
+        </mc:Fallback>
+      </mc:AlternateContent>
+      <p:sp>
+        <p:nvSpPr>
+          <p:cNvPr id="21" name="Ellipse 20">
+            <a:extLst>
+              <a:ext uri="{FF2B5EF4-FFF2-40B4-BE49-F238E27FC236}">
+                <a16:creationId xmlns:a16="http://schemas.microsoft.com/office/drawing/2014/main" id="{A2CD0DFB-971C-6BFE-409A-85B4D691E27E}"/>
+              </a:ext>
+            </a:extLst>
+          </p:cNvPr>
+          <p:cNvSpPr/>
+          <p:nvPr/>
+        </p:nvSpPr>
+        <p:spPr>
+          <a:xfrm>
+            <a:off x="3459290" y="4891039"/>
+            <a:ext cx="72000" cy="45719"/>
+          </a:xfrm>
+          <a:prstGeom prst="ellipse">
+            <a:avLst/>
+          </a:prstGeom>
+          <a:solidFill>
+            <a:srgbClr val="C00000"/>
+          </a:solidFill>
+          <a:ln>
+            <a:solidFill>
+              <a:srgbClr val="C00000"/>
+            </a:solidFill>
+          </a:ln>
+        </p:spPr>
+        <p:style>
+          <a:lnRef idx="2">
+            <a:schemeClr val="accent1">
+              <a:shade val="15000"/>
+            </a:schemeClr>
+          </a:lnRef>
+          <a:fillRef idx="1">
+            <a:schemeClr val="accent1"/>
+          </a:fillRef>
+          <a:effectRef idx="0">
+            <a:schemeClr val="accent1"/>
+          </a:effectRef>
+          <a:fontRef idx="minor">
+            <a:schemeClr val="lt1"/>
+          </a:fontRef>
+        </p:style>
+        <p:txBody>
+          <a:bodyPr rtlCol="0" anchor="ctr"/>
+          <a:lstStyle/>
+          <a:p>
+            <a:pPr algn="ctr"/>
+            <a:endParaRPr lang="fr-FR"/>
+          </a:p>
+        </p:txBody>
+      </p:sp>
+      <p:sp>
+        <p:nvSpPr>
+          <p:cNvPr id="22" name="Ellipse 21">
+            <a:extLst>
+              <a:ext uri="{FF2B5EF4-FFF2-40B4-BE49-F238E27FC236}">
+                <a16:creationId xmlns:a16="http://schemas.microsoft.com/office/drawing/2014/main" id="{4A66FC75-6387-E55C-2A2E-97090EBF0615}"/>
+              </a:ext>
+            </a:extLst>
+          </p:cNvPr>
+          <p:cNvSpPr/>
+          <p:nvPr/>
+        </p:nvSpPr>
+        <p:spPr>
+          <a:xfrm>
+            <a:off x="4631347" y="5752345"/>
+            <a:ext cx="72000" cy="45719"/>
+          </a:xfrm>
+          <a:prstGeom prst="ellipse">
+            <a:avLst/>
+          </a:prstGeom>
+          <a:solidFill>
+            <a:srgbClr val="C00000"/>
+          </a:solidFill>
+          <a:ln>
+            <a:solidFill>
+              <a:srgbClr val="C00000"/>
+            </a:solidFill>
+          </a:ln>
+        </p:spPr>
+        <p:style>
+          <a:lnRef idx="2">
+            <a:schemeClr val="accent1">
+              <a:shade val="15000"/>
+            </a:schemeClr>
+          </a:lnRef>
+          <a:fillRef idx="1">
+            <a:schemeClr val="accent1"/>
+          </a:fillRef>
+          <a:effectRef idx="0">
+            <a:schemeClr val="accent1"/>
+          </a:effectRef>
+          <a:fontRef idx="minor">
+            <a:schemeClr val="lt1"/>
+          </a:fontRef>
+        </p:style>
+        <p:txBody>
+          <a:bodyPr rtlCol="0" anchor="ctr"/>
+          <a:lstStyle/>
+          <a:p>
+            <a:pPr algn="ctr"/>
+            <a:endParaRPr lang="fr-FR"/>
+          </a:p>
+        </p:txBody>
+      </p:sp>
+      <p:sp>
+        <p:nvSpPr>
+          <p:cNvPr id="23" name="Ellipse 22">
+            <a:extLst>
+              <a:ext uri="{FF2B5EF4-FFF2-40B4-BE49-F238E27FC236}">
+                <a16:creationId xmlns:a16="http://schemas.microsoft.com/office/drawing/2014/main" id="{1FD8529C-FF23-5006-9177-DBC8A07270E9}"/>
+              </a:ext>
+            </a:extLst>
+          </p:cNvPr>
+          <p:cNvSpPr/>
+          <p:nvPr/>
+        </p:nvSpPr>
+        <p:spPr>
+          <a:xfrm>
+            <a:off x="5814190" y="4885133"/>
+            <a:ext cx="72000" cy="45719"/>
+          </a:xfrm>
+          <a:prstGeom prst="ellipse">
+            <a:avLst/>
+          </a:prstGeom>
+          <a:solidFill>
+            <a:srgbClr val="C00000"/>
+          </a:solidFill>
+          <a:ln>
+            <a:solidFill>
+              <a:srgbClr val="C00000"/>
+            </a:solidFill>
+          </a:ln>
+        </p:spPr>
+        <p:style>
+          <a:lnRef idx="2">
+            <a:schemeClr val="accent1">
+              <a:shade val="15000"/>
+            </a:schemeClr>
+          </a:lnRef>
+          <a:fillRef idx="1">
+            <a:schemeClr val="accent1"/>
+          </a:fillRef>
+          <a:effectRef idx="0">
+            <a:schemeClr val="accent1"/>
+          </a:effectRef>
+          <a:fontRef idx="minor">
+            <a:schemeClr val="lt1"/>
+          </a:fontRef>
+        </p:style>
+        <p:txBody>
+          <a:bodyPr rtlCol="0" anchor="ctr"/>
+          <a:lstStyle/>
+          <a:p>
+            <a:pPr algn="ctr"/>
+            <a:endParaRPr lang="fr-FR"/>
+          </a:p>
+        </p:txBody>
+      </p:sp>
+      <mc:AlternateContent xmlns:mc="http://schemas.openxmlformats.org/markup-compatibility/2006">
+        <mc:Choice xmlns:a14="http://schemas.microsoft.com/office/drawing/2010/main" Requires="a14">
+          <p:sp>
+            <p:nvSpPr>
+              <p:cNvPr id="24" name="ZoneTexte 23">
+                <a:extLst>
+                  <a:ext uri="{FF2B5EF4-FFF2-40B4-BE49-F238E27FC236}">
+                    <a16:creationId xmlns:a16="http://schemas.microsoft.com/office/drawing/2014/main" id="{288020A7-652A-FFE2-89B6-A160FF01ABDE}"/>
+                  </a:ext>
+                </a:extLst>
+              </p:cNvPr>
+              <p:cNvSpPr txBox="1"/>
+              <p:nvPr/>
+            </p:nvSpPr>
+            <p:spPr>
+              <a:xfrm>
+                <a:off x="5772636" y="4452480"/>
+                <a:ext cx="301556" cy="299184"/>
+              </a:xfrm>
+              <a:prstGeom prst="rect">
+                <a:avLst/>
+              </a:prstGeom>
+              <a:noFill/>
+            </p:spPr>
+            <p:txBody>
+              <a:bodyPr wrap="none" lIns="0" tIns="0" rIns="0" bIns="0" rtlCol="0">
+                <a:spAutoFit/>
+              </a:bodyPr>
+              <a:lstStyle/>
+              <a:p>
+                <a14:m>
+                  <m:oMathPara xmlns:m="http://schemas.openxmlformats.org/officeDocument/2006/math">
+                    <m:oMathParaPr>
+                      <m:jc m:val="centerGroup"/>
+                    </m:oMathParaPr>
+                    <m:oMath xmlns:m="http://schemas.openxmlformats.org/officeDocument/2006/math">
+                      <m:sSub>
+                        <m:sSubPr>
+                          <m:ctrlPr>
+                            <a:rPr lang="fr-FR" b="0" i="1" smtClean="0">
+                              <a:latin typeface="Cambria Math" panose="02040503050406030204" pitchFamily="18" charset="0"/>
+                            </a:rPr>
+                          </m:ctrlPr>
+                        </m:sSubPr>
+                        <m:e>
+                          <m:r>
+                            <a:rPr lang="fr-FR" b="0" i="1" smtClean="0">
+                              <a:latin typeface="Cambria Math" panose="02040503050406030204" pitchFamily="18" charset="0"/>
+                            </a:rPr>
+                            <m:t>𝑂</m:t>
+                          </m:r>
+                        </m:e>
+                        <m:sub>
+                          <m:r>
+                            <a:rPr lang="fr-FR" b="0" i="1" smtClean="0">
+                              <a:latin typeface="Cambria Math" panose="02040503050406030204" pitchFamily="18" charset="0"/>
+                            </a:rPr>
+                            <m:t>𝛾</m:t>
+                          </m:r>
+                        </m:sub>
+                      </m:sSub>
+                    </m:oMath>
+                  </m:oMathPara>
+                </a14:m>
+                <a:endParaRPr lang="fr-FR" dirty="0"/>
+              </a:p>
+            </p:txBody>
+          </p:sp>
+        </mc:Choice>
+        <mc:Fallback>
+          <p:sp>
+            <p:nvSpPr>
+              <p:cNvPr id="24" name="ZoneTexte 23">
+                <a:extLst>
+                  <a:ext uri="{FF2B5EF4-FFF2-40B4-BE49-F238E27FC236}">
+                    <a16:creationId xmlns:a16="http://schemas.microsoft.com/office/drawing/2014/main" id="{288020A7-652A-FFE2-89B6-A160FF01ABDE}"/>
+                  </a:ext>
+                </a:extLst>
+              </p:cNvPr>
+              <p:cNvSpPr txBox="1">
+                <a:spLocks noRot="1" noChangeAspect="1" noMove="1" noResize="1" noEditPoints="1" noAdjustHandles="1" noChangeArrowheads="1" noChangeShapeType="1" noTextEdit="1"/>
+              </p:cNvSpPr>
+              <p:nvPr/>
+            </p:nvSpPr>
+            <p:spPr>
+              <a:xfrm>
+                <a:off x="5772636" y="4452480"/>
+                <a:ext cx="301556" cy="299184"/>
+              </a:xfrm>
+              <a:prstGeom prst="rect">
+                <a:avLst/>
+              </a:prstGeom>
+              <a:blipFill>
+                <a:blip r:embed="rId5"/>
+                <a:stretch>
+                  <a:fillRect l="-20408" r="-10204" b="-20408"/>
+                </a:stretch>
+              </a:blipFill>
+            </p:spPr>
+            <p:txBody>
+              <a:bodyPr/>
+              <a:lstStyle/>
+              <a:p>
+                <a:r>
+                  <a:rPr lang="fr-FR">
+                    <a:noFill/>
+                  </a:rPr>
+                  <a:t> </a:t>
+                </a:r>
+              </a:p>
+            </p:txBody>
+          </p:sp>
+        </mc:Fallback>
+      </mc:AlternateContent>
+      <mc:AlternateContent xmlns:mc="http://schemas.openxmlformats.org/markup-compatibility/2006">
+        <mc:Choice xmlns:a14="http://schemas.microsoft.com/office/drawing/2010/main" Requires="a14">
+          <p:sp>
+            <p:nvSpPr>
+              <p:cNvPr id="25" name="ZoneTexte 24">
+                <a:extLst>
+                  <a:ext uri="{FF2B5EF4-FFF2-40B4-BE49-F238E27FC236}">
+                    <a16:creationId xmlns:a16="http://schemas.microsoft.com/office/drawing/2014/main" id="{97EDF7BE-E5AD-0F11-8EA5-8880155FD982}"/>
+                  </a:ext>
+                </a:extLst>
+              </p:cNvPr>
+              <p:cNvSpPr txBox="1"/>
+              <p:nvPr/>
+            </p:nvSpPr>
+            <p:spPr>
+              <a:xfrm>
+                <a:off x="4495317" y="5865007"/>
+                <a:ext cx="316817" cy="301749"/>
+              </a:xfrm>
+              <a:prstGeom prst="rect">
+                <a:avLst/>
+              </a:prstGeom>
+              <a:noFill/>
+            </p:spPr>
+            <p:txBody>
+              <a:bodyPr wrap="none" lIns="0" tIns="0" rIns="0" bIns="0" rtlCol="0">
+                <a:spAutoFit/>
+              </a:bodyPr>
+              <a:lstStyle/>
+              <a:p>
+                <a14:m>
+                  <m:oMathPara xmlns:m="http://schemas.openxmlformats.org/officeDocument/2006/math">
+                    <m:oMathParaPr>
+                      <m:jc m:val="centerGroup"/>
+                    </m:oMathParaPr>
+                    <m:oMath xmlns:m="http://schemas.openxmlformats.org/officeDocument/2006/math">
+                      <m:sSub>
+                        <m:sSubPr>
+                          <m:ctrlPr>
+                            <a:rPr lang="fr-FR" b="0" i="1" smtClean="0">
+                              <a:latin typeface="Cambria Math" panose="02040503050406030204" pitchFamily="18" charset="0"/>
+                            </a:rPr>
+                          </m:ctrlPr>
+                        </m:sSubPr>
+                        <m:e>
+                          <m:r>
+                            <a:rPr lang="fr-FR" b="0" i="1" smtClean="0">
+                              <a:latin typeface="Cambria Math" panose="02040503050406030204" pitchFamily="18" charset="0"/>
+                            </a:rPr>
+                            <m:t>𝑂</m:t>
+                          </m:r>
+                        </m:e>
+                        <m:sub>
+                          <m:r>
+                            <a:rPr lang="fr-FR" b="0" i="1" smtClean="0">
+                              <a:latin typeface="Cambria Math" panose="02040503050406030204" pitchFamily="18" charset="0"/>
+                            </a:rPr>
+                            <m:t>𝛽</m:t>
+                          </m:r>
+                        </m:sub>
+                      </m:sSub>
+                    </m:oMath>
+                  </m:oMathPara>
+                </a14:m>
+                <a:endParaRPr lang="fr-FR" dirty="0"/>
+              </a:p>
+            </p:txBody>
+          </p:sp>
+        </mc:Choice>
+        <mc:Fallback>
+          <p:sp>
+            <p:nvSpPr>
+              <p:cNvPr id="25" name="ZoneTexte 24">
+                <a:extLst>
+                  <a:ext uri="{FF2B5EF4-FFF2-40B4-BE49-F238E27FC236}">
+                    <a16:creationId xmlns:a16="http://schemas.microsoft.com/office/drawing/2014/main" id="{97EDF7BE-E5AD-0F11-8EA5-8880155FD982}"/>
+                  </a:ext>
+                </a:extLst>
+              </p:cNvPr>
+              <p:cNvSpPr txBox="1">
+                <a:spLocks noRot="1" noChangeAspect="1" noMove="1" noResize="1" noEditPoints="1" noAdjustHandles="1" noChangeArrowheads="1" noChangeShapeType="1" noTextEdit="1"/>
+              </p:cNvSpPr>
+              <p:nvPr/>
+            </p:nvSpPr>
+            <p:spPr>
+              <a:xfrm>
+                <a:off x="4495317" y="5865007"/>
+                <a:ext cx="316817" cy="301749"/>
+              </a:xfrm>
+              <a:prstGeom prst="rect">
+                <a:avLst/>
+              </a:prstGeom>
+              <a:blipFill>
+                <a:blip r:embed="rId6"/>
+                <a:stretch>
+                  <a:fillRect l="-17308" r="-13462" b="-28000"/>
+                </a:stretch>
+              </a:blipFill>
+            </p:spPr>
+            <p:txBody>
+              <a:bodyPr/>
+              <a:lstStyle/>
+              <a:p>
+                <a:r>
+                  <a:rPr lang="fr-FR">
+                    <a:noFill/>
+                  </a:rPr>
+                  <a:t> </a:t>
+                </a:r>
+              </a:p>
+            </p:txBody>
+          </p:sp>
+        </mc:Fallback>
+      </mc:AlternateContent>
+      <mc:AlternateContent xmlns:mc="http://schemas.openxmlformats.org/markup-compatibility/2006">
+        <mc:Choice xmlns:a14="http://schemas.microsoft.com/office/drawing/2010/main" Requires="a14">
+          <p:sp>
+            <p:nvSpPr>
+              <p:cNvPr id="38" name="ZoneTexte 37">
+                <a:extLst>
+                  <a:ext uri="{FF2B5EF4-FFF2-40B4-BE49-F238E27FC236}">
+                    <a16:creationId xmlns:a16="http://schemas.microsoft.com/office/drawing/2014/main" id="{396EBFBB-F79B-3BB1-D733-07593380D138}"/>
+                  </a:ext>
+                </a:extLst>
+              </p:cNvPr>
+              <p:cNvSpPr txBox="1"/>
+              <p:nvPr/>
+            </p:nvSpPr>
+            <p:spPr>
+              <a:xfrm>
+                <a:off x="3305019" y="1329865"/>
+                <a:ext cx="325602" cy="276999"/>
+              </a:xfrm>
+              <a:prstGeom prst="rect">
+                <a:avLst/>
+              </a:prstGeom>
+              <a:noFill/>
+            </p:spPr>
+            <p:txBody>
+              <a:bodyPr wrap="none" lIns="0" tIns="0" rIns="0" bIns="0" rtlCol="0">
+                <a:spAutoFit/>
+              </a:bodyPr>
+              <a:lstStyle/>
+              <a:p>
+                <a14:m>
+                  <m:oMathPara xmlns:m="http://schemas.openxmlformats.org/officeDocument/2006/math">
+                    <m:oMathParaPr>
+                      <m:jc m:val="centerGroup"/>
+                    </m:oMathParaPr>
+                    <m:oMath xmlns:m="http://schemas.openxmlformats.org/officeDocument/2006/math">
+                      <m:sSub>
+                        <m:sSubPr>
+                          <m:ctrlPr>
+                            <a:rPr lang="fr-FR" b="0" i="1" smtClean="0">
+                              <a:latin typeface="Cambria Math" panose="02040503050406030204" pitchFamily="18" charset="0"/>
+                            </a:rPr>
+                          </m:ctrlPr>
+                        </m:sSubPr>
+                        <m:e>
+                          <m:r>
+                            <a:rPr lang="fr-FR" b="0" i="1" smtClean="0">
+                              <a:latin typeface="Cambria Math" panose="02040503050406030204" pitchFamily="18" charset="0"/>
+                            </a:rPr>
+                            <m:t>𝐴</m:t>
+                          </m:r>
+                        </m:e>
+                        <m:sub>
+                          <m:r>
+                            <a:rPr lang="fr-FR" b="0" i="1" smtClean="0">
+                              <a:latin typeface="Cambria Math" panose="02040503050406030204" pitchFamily="18" charset="0"/>
+                            </a:rPr>
+                            <m:t>𝛼</m:t>
+                          </m:r>
+                        </m:sub>
+                      </m:sSub>
+                    </m:oMath>
+                  </m:oMathPara>
+                </a14:m>
+                <a:endParaRPr lang="fr-FR" dirty="0"/>
+              </a:p>
+            </p:txBody>
+          </p:sp>
+        </mc:Choice>
+        <mc:Fallback>
+          <p:sp>
+            <p:nvSpPr>
+              <p:cNvPr id="38" name="ZoneTexte 37">
+                <a:extLst>
+                  <a:ext uri="{FF2B5EF4-FFF2-40B4-BE49-F238E27FC236}">
+                    <a16:creationId xmlns:a16="http://schemas.microsoft.com/office/drawing/2014/main" id="{396EBFBB-F79B-3BB1-D733-07593380D138}"/>
+                  </a:ext>
+                </a:extLst>
+              </p:cNvPr>
+              <p:cNvSpPr txBox="1">
+                <a:spLocks noRot="1" noChangeAspect="1" noMove="1" noResize="1" noEditPoints="1" noAdjustHandles="1" noChangeArrowheads="1" noChangeShapeType="1" noTextEdit="1"/>
+              </p:cNvSpPr>
+              <p:nvPr/>
+            </p:nvSpPr>
+            <p:spPr>
+              <a:xfrm>
+                <a:off x="3305019" y="1329865"/>
+                <a:ext cx="325602" cy="276999"/>
+              </a:xfrm>
+              <a:prstGeom prst="rect">
+                <a:avLst/>
+              </a:prstGeom>
+              <a:blipFill>
+                <a:blip r:embed="rId7"/>
+                <a:stretch>
+                  <a:fillRect l="-14815" r="-1852" b="-10870"/>
+                </a:stretch>
+              </a:blipFill>
+            </p:spPr>
+            <p:txBody>
+              <a:bodyPr/>
+              <a:lstStyle/>
+              <a:p>
+                <a:r>
+                  <a:rPr lang="fr-FR">
+                    <a:noFill/>
+                  </a:rPr>
+                  <a:t> </a:t>
+                </a:r>
+              </a:p>
+            </p:txBody>
+          </p:sp>
+        </mc:Fallback>
+      </mc:AlternateContent>
+      <p:sp>
+        <p:nvSpPr>
+          <p:cNvPr id="39" name="Ellipse 38">
+            <a:extLst>
+              <a:ext uri="{FF2B5EF4-FFF2-40B4-BE49-F238E27FC236}">
+                <a16:creationId xmlns:a16="http://schemas.microsoft.com/office/drawing/2014/main" id="{E12955DC-4C6E-57A7-F08F-32CC7B06911A}"/>
+              </a:ext>
+            </a:extLst>
+          </p:cNvPr>
+          <p:cNvSpPr/>
+          <p:nvPr/>
+        </p:nvSpPr>
+        <p:spPr>
+          <a:xfrm>
+            <a:off x="3427909" y="1651314"/>
+            <a:ext cx="72000" cy="72000"/>
+          </a:xfrm>
+          <a:prstGeom prst="ellipse">
+            <a:avLst/>
+          </a:prstGeom>
+          <a:solidFill>
+            <a:srgbClr val="C00000"/>
+          </a:solidFill>
+          <a:ln>
+            <a:solidFill>
+              <a:srgbClr val="C00000"/>
+            </a:solidFill>
+          </a:ln>
+        </p:spPr>
+        <p:style>
+          <a:lnRef idx="2">
+            <a:schemeClr val="accent1">
+              <a:shade val="15000"/>
+            </a:schemeClr>
+          </a:lnRef>
+          <a:fillRef idx="1">
+            <a:schemeClr val="accent1"/>
+          </a:fillRef>
+          <a:effectRef idx="0">
+            <a:schemeClr val="accent1"/>
+          </a:effectRef>
+          <a:fontRef idx="minor">
+            <a:schemeClr val="lt1"/>
+          </a:fontRef>
+        </p:style>
+        <p:txBody>
+          <a:bodyPr rtlCol="0" anchor="ctr"/>
+          <a:lstStyle/>
+          <a:p>
+            <a:pPr algn="ctr"/>
+            <a:endParaRPr lang="fr-FR"/>
+          </a:p>
+        </p:txBody>
+      </p:sp>
+      <p:sp>
+        <p:nvSpPr>
+          <p:cNvPr id="45" name="Ellipse 44">
+            <a:extLst>
+              <a:ext uri="{FF2B5EF4-FFF2-40B4-BE49-F238E27FC236}">
+                <a16:creationId xmlns:a16="http://schemas.microsoft.com/office/drawing/2014/main" id="{89C5E11C-8248-E469-94D0-4EF991CFE0E2}"/>
+              </a:ext>
+            </a:extLst>
+          </p:cNvPr>
+          <p:cNvSpPr/>
+          <p:nvPr/>
+        </p:nvSpPr>
+        <p:spPr>
+          <a:xfrm>
+            <a:off x="3555513" y="1777467"/>
+            <a:ext cx="72000" cy="72000"/>
+          </a:xfrm>
+          <a:prstGeom prst="ellipse">
+            <a:avLst/>
+          </a:prstGeom>
+          <a:solidFill>
+            <a:srgbClr val="C00000"/>
+          </a:solidFill>
+          <a:ln>
+            <a:solidFill>
+              <a:srgbClr val="C00000"/>
+            </a:solidFill>
+          </a:ln>
+        </p:spPr>
+        <p:style>
+          <a:lnRef idx="2">
+            <a:schemeClr val="accent1">
+              <a:shade val="15000"/>
+            </a:schemeClr>
+          </a:lnRef>
+          <a:fillRef idx="1">
+            <a:schemeClr val="accent1"/>
+          </a:fillRef>
+          <a:effectRef idx="0">
+            <a:schemeClr val="accent1"/>
+          </a:effectRef>
+          <a:fontRef idx="minor">
+            <a:schemeClr val="lt1"/>
+          </a:fontRef>
+        </p:style>
+        <p:txBody>
+          <a:bodyPr rtlCol="0" anchor="ctr"/>
+          <a:lstStyle/>
+          <a:p>
+            <a:pPr algn="ctr"/>
+            <a:endParaRPr lang="fr-FR"/>
+          </a:p>
+        </p:txBody>
+      </p:sp>
+      <p:sp>
+        <p:nvSpPr>
+          <p:cNvPr id="56" name="Ellipse 55">
+            <a:extLst>
+              <a:ext uri="{FF2B5EF4-FFF2-40B4-BE49-F238E27FC236}">
+                <a16:creationId xmlns:a16="http://schemas.microsoft.com/office/drawing/2014/main" id="{4CB31AA5-874A-C156-5E84-D8191FD822B1}"/>
+              </a:ext>
+            </a:extLst>
+          </p:cNvPr>
+          <p:cNvSpPr/>
+          <p:nvPr/>
+        </p:nvSpPr>
+        <p:spPr>
+          <a:xfrm>
+            <a:off x="4003901" y="3206146"/>
+            <a:ext cx="72000" cy="72000"/>
+          </a:xfrm>
+          <a:prstGeom prst="ellipse">
+            <a:avLst/>
+          </a:prstGeom>
+          <a:solidFill>
+            <a:srgbClr val="C00000"/>
+          </a:solidFill>
+          <a:ln>
+            <a:solidFill>
+              <a:srgbClr val="C00000"/>
+            </a:solidFill>
+          </a:ln>
+        </p:spPr>
+        <p:style>
+          <a:lnRef idx="2">
+            <a:schemeClr val="accent1">
+              <a:shade val="15000"/>
+            </a:schemeClr>
+          </a:lnRef>
+          <a:fillRef idx="1">
+            <a:schemeClr val="accent1"/>
+          </a:fillRef>
+          <a:effectRef idx="0">
+            <a:schemeClr val="accent1"/>
+          </a:effectRef>
+          <a:fontRef idx="minor">
+            <a:schemeClr val="lt1"/>
+          </a:fontRef>
+        </p:style>
+        <p:txBody>
+          <a:bodyPr rtlCol="0" anchor="ctr"/>
+          <a:lstStyle/>
+          <a:p>
+            <a:pPr algn="ctr"/>
+            <a:endParaRPr lang="fr-FR"/>
+          </a:p>
+        </p:txBody>
+      </p:sp>
+      <mc:AlternateContent xmlns:mc="http://schemas.openxmlformats.org/markup-compatibility/2006">
+        <mc:Choice xmlns:a14="http://schemas.microsoft.com/office/drawing/2010/main" Requires="a14">
+          <p:sp>
+            <p:nvSpPr>
+              <p:cNvPr id="83" name="ZoneTexte 82">
+                <a:extLst>
+                  <a:ext uri="{FF2B5EF4-FFF2-40B4-BE49-F238E27FC236}">
+                    <a16:creationId xmlns:a16="http://schemas.microsoft.com/office/drawing/2014/main" id="{5483198B-1E1E-B537-0F85-5FE5243B2CE6}"/>
+                  </a:ext>
+                </a:extLst>
+              </p:cNvPr>
+              <p:cNvSpPr txBox="1"/>
+              <p:nvPr/>
+            </p:nvSpPr>
+            <p:spPr>
+              <a:xfrm>
+                <a:off x="3802976" y="2891517"/>
+                <a:ext cx="304058" cy="276999"/>
+              </a:xfrm>
+              <a:prstGeom prst="rect">
+                <a:avLst/>
+              </a:prstGeom>
+              <a:noFill/>
+            </p:spPr>
+            <p:txBody>
+              <a:bodyPr wrap="none" lIns="0" tIns="0" rIns="0" bIns="0" rtlCol="0">
+                <a:spAutoFit/>
+              </a:bodyPr>
+              <a:lstStyle/>
+              <a:p>
+                <a14:m>
+                  <m:oMathPara xmlns:m="http://schemas.openxmlformats.org/officeDocument/2006/math">
+                    <m:oMathParaPr>
+                      <m:jc m:val="centerGroup"/>
+                    </m:oMathParaPr>
+                    <m:oMath xmlns:m="http://schemas.openxmlformats.org/officeDocument/2006/math">
+                      <m:sSub>
+                        <m:sSubPr>
+                          <m:ctrlPr>
+                            <a:rPr lang="fr-FR" b="0" i="1" smtClean="0">
+                              <a:latin typeface="Cambria Math" panose="02040503050406030204" pitchFamily="18" charset="0"/>
+                            </a:rPr>
+                          </m:ctrlPr>
+                        </m:sSubPr>
+                        <m:e>
+                          <m:r>
+                            <a:rPr lang="fr-FR" b="0" i="1" smtClean="0">
+                              <a:latin typeface="Cambria Math" panose="02040503050406030204" pitchFamily="18" charset="0"/>
+                            </a:rPr>
+                            <m:t>𝐶</m:t>
+                          </m:r>
+                        </m:e>
+                        <m:sub>
+                          <m:r>
+                            <a:rPr lang="fr-FR" b="0" i="1" smtClean="0">
+                              <a:latin typeface="Cambria Math" panose="02040503050406030204" pitchFamily="18" charset="0"/>
+                            </a:rPr>
+                            <m:t>𝛼</m:t>
+                          </m:r>
+                        </m:sub>
+                      </m:sSub>
+                    </m:oMath>
+                  </m:oMathPara>
+                </a14:m>
+                <a:endParaRPr lang="fr-FR" dirty="0"/>
+              </a:p>
+            </p:txBody>
+          </p:sp>
+        </mc:Choice>
+        <mc:Fallback>
+          <p:sp>
+            <p:nvSpPr>
+              <p:cNvPr id="83" name="ZoneTexte 82">
+                <a:extLst>
+                  <a:ext uri="{FF2B5EF4-FFF2-40B4-BE49-F238E27FC236}">
+                    <a16:creationId xmlns:a16="http://schemas.microsoft.com/office/drawing/2014/main" id="{5483198B-1E1E-B537-0F85-5FE5243B2CE6}"/>
+                  </a:ext>
+                </a:extLst>
+              </p:cNvPr>
+              <p:cNvSpPr txBox="1">
+                <a:spLocks noRot="1" noChangeAspect="1" noMove="1" noResize="1" noEditPoints="1" noAdjustHandles="1" noChangeArrowheads="1" noChangeShapeType="1" noTextEdit="1"/>
+              </p:cNvSpPr>
+              <p:nvPr/>
+            </p:nvSpPr>
+            <p:spPr>
+              <a:xfrm>
+                <a:off x="3802976" y="2891517"/>
+                <a:ext cx="304058" cy="276999"/>
+              </a:xfrm>
+              <a:prstGeom prst="rect">
+                <a:avLst/>
+              </a:prstGeom>
+              <a:blipFill>
+                <a:blip r:embed="rId8"/>
+                <a:stretch>
+                  <a:fillRect l="-20000" r="-2000" b="-10870"/>
+                </a:stretch>
+              </a:blipFill>
+            </p:spPr>
+            <p:txBody>
+              <a:bodyPr/>
+              <a:lstStyle/>
+              <a:p>
+                <a:r>
+                  <a:rPr lang="fr-FR">
+                    <a:noFill/>
+                  </a:rPr>
+                  <a:t> </a:t>
+                </a:r>
+              </a:p>
+            </p:txBody>
+          </p:sp>
+        </mc:Fallback>
+      </mc:AlternateContent>
+      <p:sp>
+        <p:nvSpPr>
+          <p:cNvPr id="84" name="Ellipse 83">
+            <a:extLst>
+              <a:ext uri="{FF2B5EF4-FFF2-40B4-BE49-F238E27FC236}">
+                <a16:creationId xmlns:a16="http://schemas.microsoft.com/office/drawing/2014/main" id="{9BAE5176-4A35-5F52-D627-82C15490DF6F}"/>
+              </a:ext>
+            </a:extLst>
+          </p:cNvPr>
+          <p:cNvSpPr/>
+          <p:nvPr/>
+        </p:nvSpPr>
+        <p:spPr>
+          <a:xfrm>
+            <a:off x="4624367" y="3366971"/>
+            <a:ext cx="72000" cy="45719"/>
+          </a:xfrm>
+          <a:prstGeom prst="ellipse">
+            <a:avLst/>
+          </a:prstGeom>
+          <a:solidFill>
+            <a:srgbClr val="C00000"/>
+          </a:solidFill>
+          <a:ln>
+            <a:solidFill>
+              <a:srgbClr val="C00000"/>
+            </a:solidFill>
+          </a:ln>
+        </p:spPr>
+        <p:style>
+          <a:lnRef idx="2">
+            <a:schemeClr val="accent1">
+              <a:shade val="15000"/>
+            </a:schemeClr>
+          </a:lnRef>
+          <a:fillRef idx="1">
+            <a:schemeClr val="accent1"/>
+          </a:fillRef>
+          <a:effectRef idx="0">
+            <a:schemeClr val="accent1"/>
+          </a:effectRef>
+          <a:fontRef idx="minor">
+            <a:schemeClr val="lt1"/>
+          </a:fontRef>
+        </p:style>
+        <p:txBody>
+          <a:bodyPr rtlCol="0" anchor="ctr"/>
+          <a:lstStyle/>
+          <a:p>
+            <a:pPr algn="ctr"/>
+            <a:endParaRPr lang="fr-FR"/>
+          </a:p>
+        </p:txBody>
+      </p:sp>
+      <mc:AlternateContent xmlns:mc="http://schemas.openxmlformats.org/markup-compatibility/2006">
+        <mc:Choice xmlns:a14="http://schemas.microsoft.com/office/drawing/2010/main" Requires="a14">
+          <p:sp>
+            <p:nvSpPr>
+              <p:cNvPr id="85" name="ZoneTexte 84">
+                <a:extLst>
+                  <a:ext uri="{FF2B5EF4-FFF2-40B4-BE49-F238E27FC236}">
+                    <a16:creationId xmlns:a16="http://schemas.microsoft.com/office/drawing/2014/main" id="{D97AEB48-51AC-C974-BA0E-FED57BE35CBB}"/>
+                  </a:ext>
+                </a:extLst>
+              </p:cNvPr>
+              <p:cNvSpPr txBox="1"/>
+              <p:nvPr/>
+            </p:nvSpPr>
+            <p:spPr>
+              <a:xfrm>
+                <a:off x="4539784" y="3063234"/>
+                <a:ext cx="255711" cy="276999"/>
+              </a:xfrm>
+              <a:prstGeom prst="rect">
+                <a:avLst/>
+              </a:prstGeom>
+              <a:noFill/>
+            </p:spPr>
+            <p:txBody>
+              <a:bodyPr wrap="none" lIns="0" tIns="0" rIns="0" bIns="0" rtlCol="0">
+                <a:spAutoFit/>
+              </a:bodyPr>
+              <a:lstStyle/>
+              <a:p>
+                <a14:m>
+                  <m:oMathPara xmlns:m="http://schemas.openxmlformats.org/officeDocument/2006/math">
+                    <m:oMathParaPr>
+                      <m:jc m:val="centerGroup"/>
+                    </m:oMathParaPr>
+                    <m:oMath xmlns:m="http://schemas.openxmlformats.org/officeDocument/2006/math">
+                      <m:r>
+                        <a:rPr lang="fr-FR" b="0" i="1" smtClean="0">
+                          <a:latin typeface="Cambria Math" panose="02040503050406030204" pitchFamily="18" charset="0"/>
+                        </a:rPr>
+                        <m:t>𝑀</m:t>
+                      </m:r>
+                    </m:oMath>
+                  </m:oMathPara>
+                </a14:m>
+                <a:endParaRPr lang="fr-FR" dirty="0"/>
+              </a:p>
+            </p:txBody>
+          </p:sp>
+        </mc:Choice>
+        <mc:Fallback>
+          <p:sp>
+            <p:nvSpPr>
+              <p:cNvPr id="85" name="ZoneTexte 84">
+                <a:extLst>
+                  <a:ext uri="{FF2B5EF4-FFF2-40B4-BE49-F238E27FC236}">
+                    <a16:creationId xmlns:a16="http://schemas.microsoft.com/office/drawing/2014/main" id="{D97AEB48-51AC-C974-BA0E-FED57BE35CBB}"/>
+                  </a:ext>
+                </a:extLst>
+              </p:cNvPr>
+              <p:cNvSpPr txBox="1">
+                <a:spLocks noRot="1" noChangeAspect="1" noMove="1" noResize="1" noEditPoints="1" noAdjustHandles="1" noChangeArrowheads="1" noChangeShapeType="1" noTextEdit="1"/>
+              </p:cNvSpPr>
+              <p:nvPr/>
+            </p:nvSpPr>
+            <p:spPr>
+              <a:xfrm>
+                <a:off x="4539784" y="3063234"/>
+                <a:ext cx="255711" cy="276999"/>
+              </a:xfrm>
+              <a:prstGeom prst="rect">
+                <a:avLst/>
+              </a:prstGeom>
+              <a:blipFill>
+                <a:blip r:embed="rId9"/>
+                <a:stretch>
+                  <a:fillRect l="-23810" r="-16667" b="-6522"/>
+                </a:stretch>
+              </a:blipFill>
+            </p:spPr>
+            <p:txBody>
+              <a:bodyPr/>
+              <a:lstStyle/>
+              <a:p>
+                <a:r>
+                  <a:rPr lang="fr-FR">
+                    <a:noFill/>
+                  </a:rPr>
+                  <a:t> </a:t>
+                </a:r>
+              </a:p>
+            </p:txBody>
+          </p:sp>
+        </mc:Fallback>
+      </mc:AlternateContent>
+    </p:spTree>
+    <p:extLst>
+      <p:ext uri="{BB962C8B-B14F-4D97-AF65-F5344CB8AC3E}">
+        <p14:creationId xmlns:p14="http://schemas.microsoft.com/office/powerpoint/2010/main" val="1261986602"/>
       </p:ext>
     </p:extLst>
   </p:cSld>

--- a/Figures.pptx
+++ b/Figures.pptx
@@ -269,7 +269,7 @@
           <a:p>
             <a:fld id="{8650A246-1026-46AD-AFCC-0ACF25FECB60}" type="datetimeFigureOut">
               <a:rPr lang="fr-FR" smtClean="0"/>
-              <a:t>25/06/2023</a:t>
+              <a:t>26/06/2023</a:t>
             </a:fld>
             <a:endParaRPr lang="fr-FR"/>
           </a:p>
@@ -557,7 +557,7 @@
           <a:p>
             <a:fld id="{8650A246-1026-46AD-AFCC-0ACF25FECB60}" type="datetimeFigureOut">
               <a:rPr lang="fr-FR" smtClean="0"/>
-              <a:t>25/06/2023</a:t>
+              <a:t>26/06/2023</a:t>
             </a:fld>
             <a:endParaRPr lang="fr-FR"/>
           </a:p>
@@ -755,7 +755,7 @@
           <a:p>
             <a:fld id="{8650A246-1026-46AD-AFCC-0ACF25FECB60}" type="datetimeFigureOut">
               <a:rPr lang="fr-FR" smtClean="0"/>
-              <a:t>25/06/2023</a:t>
+              <a:t>26/06/2023</a:t>
             </a:fld>
             <a:endParaRPr lang="fr-FR"/>
           </a:p>
@@ -963,7 +963,7 @@
           <a:p>
             <a:fld id="{8650A246-1026-46AD-AFCC-0ACF25FECB60}" type="datetimeFigureOut">
               <a:rPr lang="fr-FR" smtClean="0"/>
-              <a:t>25/06/2023</a:t>
+              <a:t>26/06/2023</a:t>
             </a:fld>
             <a:endParaRPr lang="fr-FR"/>
           </a:p>
@@ -1161,7 +1161,7 @@
           <a:p>
             <a:fld id="{8650A246-1026-46AD-AFCC-0ACF25FECB60}" type="datetimeFigureOut">
               <a:rPr lang="fr-FR" smtClean="0"/>
-              <a:t>25/06/2023</a:t>
+              <a:t>26/06/2023</a:t>
             </a:fld>
             <a:endParaRPr lang="fr-FR"/>
           </a:p>
@@ -1436,7 +1436,7 @@
           <a:p>
             <a:fld id="{8650A246-1026-46AD-AFCC-0ACF25FECB60}" type="datetimeFigureOut">
               <a:rPr lang="fr-FR" smtClean="0"/>
-              <a:t>25/06/2023</a:t>
+              <a:t>26/06/2023</a:t>
             </a:fld>
             <a:endParaRPr lang="fr-FR"/>
           </a:p>
@@ -1701,7 +1701,7 @@
           <a:p>
             <a:fld id="{8650A246-1026-46AD-AFCC-0ACF25FECB60}" type="datetimeFigureOut">
               <a:rPr lang="fr-FR" smtClean="0"/>
-              <a:t>25/06/2023</a:t>
+              <a:t>26/06/2023</a:t>
             </a:fld>
             <a:endParaRPr lang="fr-FR"/>
           </a:p>
@@ -2113,7 +2113,7 @@
           <a:p>
             <a:fld id="{8650A246-1026-46AD-AFCC-0ACF25FECB60}" type="datetimeFigureOut">
               <a:rPr lang="fr-FR" smtClean="0"/>
-              <a:t>25/06/2023</a:t>
+              <a:t>26/06/2023</a:t>
             </a:fld>
             <a:endParaRPr lang="fr-FR"/>
           </a:p>
@@ -2254,7 +2254,7 @@
           <a:p>
             <a:fld id="{8650A246-1026-46AD-AFCC-0ACF25FECB60}" type="datetimeFigureOut">
               <a:rPr lang="fr-FR" smtClean="0"/>
-              <a:t>25/06/2023</a:t>
+              <a:t>26/06/2023</a:t>
             </a:fld>
             <a:endParaRPr lang="fr-FR"/>
           </a:p>
@@ -2468,7 +2468,7 @@
           <a:p>
             <a:fld id="{8650A246-1026-46AD-AFCC-0ACF25FECB60}" type="datetimeFigureOut">
               <a:rPr lang="fr-FR" smtClean="0"/>
-              <a:t>25/06/2023</a:t>
+              <a:t>26/06/2023</a:t>
             </a:fld>
             <a:endParaRPr lang="fr-FR"/>
           </a:p>
@@ -2581,7 +2581,7 @@
           <a:p>
             <a:fld id="{8650A246-1026-46AD-AFCC-0ACF25FECB60}" type="datetimeFigureOut">
               <a:rPr lang="fr-FR" smtClean="0"/>
-              <a:t>25/06/2023</a:t>
+              <a:t>26/06/2023</a:t>
             </a:fld>
             <a:endParaRPr lang="fr-FR"/>
           </a:p>
@@ -2892,7 +2892,7 @@
           <a:p>
             <a:fld id="{8650A246-1026-46AD-AFCC-0ACF25FECB60}" type="datetimeFigureOut">
               <a:rPr lang="fr-FR" smtClean="0"/>
-              <a:t>25/06/2023</a:t>
+              <a:t>26/06/2023</a:t>
             </a:fld>
             <a:endParaRPr lang="fr-FR"/>
           </a:p>
@@ -3133,7 +3133,7 @@
           <a:p>
             <a:fld id="{8650A246-1026-46AD-AFCC-0ACF25FECB60}" type="datetimeFigureOut">
               <a:rPr lang="fr-FR" smtClean="0"/>
-              <a:t>25/06/2023</a:t>
+              <a:t>26/06/2023</a:t>
             </a:fld>
             <a:endParaRPr lang="fr-FR"/>
           </a:p>
@@ -7437,8 +7437,54 @@
           <a:chExt cx="0" cy="0"/>
         </a:xfrm>
       </p:grpSpPr>
-      <mc:AlternateContent xmlns:mc="http://schemas.openxmlformats.org/markup-compatibility/2006">
-        <mc:Choice xmlns:a14="http://schemas.microsoft.com/office/drawing/2010/main" Requires="a14">
+      <p:cxnSp>
+        <p:nvCxnSpPr>
+          <p:cNvPr id="16" name="Connecteur droit 15">
+            <a:extLst>
+              <a:ext uri="{FF2B5EF4-FFF2-40B4-BE49-F238E27FC236}">
+                <a16:creationId xmlns:a16="http://schemas.microsoft.com/office/drawing/2014/main" id="{BD3B681C-CE31-094B-3DE6-D13F2B5BF004}"/>
+              </a:ext>
+            </a:extLst>
+          </p:cNvPr>
+          <p:cNvCxnSpPr>
+            <a:cxnSpLocks/>
+            <a:stCxn id="45" idx="6"/>
+          </p:cNvCxnSpPr>
+          <p:nvPr/>
+        </p:nvCxnSpPr>
+        <p:spPr>
+          <a:xfrm flipH="1" flipV="1">
+            <a:off x="2393265" y="1376682"/>
+            <a:ext cx="1294019" cy="367650"/>
+          </a:xfrm>
+          <a:prstGeom prst="line">
+            <a:avLst/>
+          </a:prstGeom>
+          <a:ln>
+            <a:solidFill>
+              <a:srgbClr val="C00000"/>
+            </a:solidFill>
+            <a:headEnd w="med" len="lg"/>
+            <a:tailEnd type="stealth" w="med" len="lg"/>
+          </a:ln>
+        </p:spPr>
+        <p:style>
+          <a:lnRef idx="1">
+            <a:schemeClr val="accent1"/>
+          </a:lnRef>
+          <a:fillRef idx="0">
+            <a:schemeClr val="accent1"/>
+          </a:fillRef>
+          <a:effectRef idx="0">
+            <a:schemeClr val="accent1"/>
+          </a:effectRef>
+          <a:fontRef idx="minor">
+            <a:schemeClr val="tx1"/>
+          </a:fontRef>
+        </p:style>
+      </p:cxnSp>
+      <mc:AlternateContent xmlns:mc="http://schemas.openxmlformats.org/markup-compatibility/2006" xmlns:a14="http://schemas.microsoft.com/office/drawing/2010/main">
+        <mc:Choice Requires="a14">
           <p:sp>
             <p:nvSpPr>
               <p:cNvPr id="50" name="ZoneTexte 49">
@@ -7467,6 +7513,7 @@
               </a:bodyPr>
               <a:lstStyle/>
               <a:p>
+                <a:pPr/>
                 <a14:m>
                   <m:oMathPara xmlns:m="http://schemas.openxmlformats.org/officeDocument/2006/math">
                     <m:oMathParaPr>
@@ -7506,7 +7553,7 @@
             </p:txBody>
           </p:sp>
         </mc:Choice>
-        <mc:Fallback>
+        <mc:Fallback xmlns="">
           <p:sp>
             <p:nvSpPr>
               <p:cNvPr id="50" name="ZoneTexte 49">
@@ -7562,15 +7609,13 @@
           </p:cNvPr>
           <p:cNvCxnSpPr>
             <a:cxnSpLocks/>
-            <a:stCxn id="45" idx="1"/>
-            <a:endCxn id="39" idx="1"/>
           </p:cNvCxnSpPr>
           <p:nvPr/>
         </p:nvCxnSpPr>
         <p:spPr>
           <a:xfrm flipH="1" flipV="1">
-            <a:off x="3438453" y="1661858"/>
-            <a:ext cx="127604" cy="126153"/>
+            <a:off x="3425725" y="1670661"/>
+            <a:ext cx="248831" cy="82474"/>
           </a:xfrm>
           <a:prstGeom prst="line">
             <a:avLst/>
@@ -11401,8 +11446,8 @@
           </a:p>
         </p:txBody>
       </p:sp>
-      <mc:AlternateContent xmlns:mc="http://schemas.openxmlformats.org/markup-compatibility/2006">
-        <mc:Choice xmlns:a14="http://schemas.microsoft.com/office/drawing/2010/main" Requires="a14">
+      <mc:AlternateContent xmlns:mc="http://schemas.openxmlformats.org/markup-compatibility/2006" xmlns:a14="http://schemas.microsoft.com/office/drawing/2010/main">
+        <mc:Choice Requires="a14">
           <p:sp>
             <p:nvSpPr>
               <p:cNvPr id="19" name="ZoneTexte 18">
@@ -11431,6 +11476,7 @@
               </a:bodyPr>
               <a:lstStyle/>
               <a:p>
+                <a:pPr/>
                 <a14:m>
                   <m:oMathPara xmlns:m="http://schemas.openxmlformats.org/officeDocument/2006/math">
                     <m:oMathParaPr>
@@ -11470,7 +11516,7 @@
             </p:txBody>
           </p:sp>
         </mc:Choice>
-        <mc:Fallback>
+        <mc:Fallback xmlns="">
           <p:sp>
             <p:nvSpPr>
               <p:cNvPr id="19" name="ZoneTexte 18">
@@ -11515,8 +11561,8 @@
           </p:sp>
         </mc:Fallback>
       </mc:AlternateContent>
-      <mc:AlternateContent xmlns:mc="http://schemas.openxmlformats.org/markup-compatibility/2006">
-        <mc:Choice xmlns:a14="http://schemas.microsoft.com/office/drawing/2010/main" Requires="a14">
+      <mc:AlternateContent xmlns:mc="http://schemas.openxmlformats.org/markup-compatibility/2006" xmlns:a14="http://schemas.microsoft.com/office/drawing/2010/main">
+        <mc:Choice Requires="a14">
           <p:sp>
             <p:nvSpPr>
               <p:cNvPr id="20" name="ZoneTexte 19">
@@ -11545,6 +11591,7 @@
               </a:bodyPr>
               <a:lstStyle/>
               <a:p>
+                <a:pPr/>
                 <a14:m>
                   <m:oMathPara xmlns:m="http://schemas.openxmlformats.org/officeDocument/2006/math">
                     <m:oMathParaPr>
@@ -11584,7 +11631,7 @@
             </p:txBody>
           </p:sp>
         </mc:Choice>
-        <mc:Fallback>
+        <mc:Fallback xmlns="">
           <p:sp>
             <p:nvSpPr>
               <p:cNvPr id="20" name="ZoneTexte 19">
@@ -11791,8 +11838,8 @@
           </a:p>
         </p:txBody>
       </p:sp>
-      <mc:AlternateContent xmlns:mc="http://schemas.openxmlformats.org/markup-compatibility/2006">
-        <mc:Choice xmlns:a14="http://schemas.microsoft.com/office/drawing/2010/main" Requires="a14">
+      <mc:AlternateContent xmlns:mc="http://schemas.openxmlformats.org/markup-compatibility/2006" xmlns:a14="http://schemas.microsoft.com/office/drawing/2010/main">
+        <mc:Choice Requires="a14">
           <p:sp>
             <p:nvSpPr>
               <p:cNvPr id="24" name="ZoneTexte 23">
@@ -11821,6 +11868,7 @@
               </a:bodyPr>
               <a:lstStyle/>
               <a:p>
+                <a:pPr/>
                 <a14:m>
                   <m:oMathPara xmlns:m="http://schemas.openxmlformats.org/officeDocument/2006/math">
                     <m:oMathParaPr>
@@ -11860,7 +11908,7 @@
             </p:txBody>
           </p:sp>
         </mc:Choice>
-        <mc:Fallback>
+        <mc:Fallback xmlns="">
           <p:sp>
             <p:nvSpPr>
               <p:cNvPr id="24" name="ZoneTexte 23">
@@ -11905,8 +11953,8 @@
           </p:sp>
         </mc:Fallback>
       </mc:AlternateContent>
-      <mc:AlternateContent xmlns:mc="http://schemas.openxmlformats.org/markup-compatibility/2006">
-        <mc:Choice xmlns:a14="http://schemas.microsoft.com/office/drawing/2010/main" Requires="a14">
+      <mc:AlternateContent xmlns:mc="http://schemas.openxmlformats.org/markup-compatibility/2006" xmlns:a14="http://schemas.microsoft.com/office/drawing/2010/main">
+        <mc:Choice Requires="a14">
           <p:sp>
             <p:nvSpPr>
               <p:cNvPr id="25" name="ZoneTexte 24">
@@ -11935,6 +11983,7 @@
               </a:bodyPr>
               <a:lstStyle/>
               <a:p>
+                <a:pPr/>
                 <a14:m>
                   <m:oMathPara xmlns:m="http://schemas.openxmlformats.org/officeDocument/2006/math">
                     <m:oMathParaPr>
@@ -11974,7 +12023,7 @@
             </p:txBody>
           </p:sp>
         </mc:Choice>
-        <mc:Fallback>
+        <mc:Fallback xmlns="">
           <p:sp>
             <p:nvSpPr>
               <p:cNvPr id="25" name="ZoneTexte 24">
@@ -12019,8 +12068,8 @@
           </p:sp>
         </mc:Fallback>
       </mc:AlternateContent>
-      <mc:AlternateContent xmlns:mc="http://schemas.openxmlformats.org/markup-compatibility/2006">
-        <mc:Choice xmlns:a14="http://schemas.microsoft.com/office/drawing/2010/main" Requires="a14">
+      <mc:AlternateContent xmlns:mc="http://schemas.openxmlformats.org/markup-compatibility/2006" xmlns:a14="http://schemas.microsoft.com/office/drawing/2010/main">
+        <mc:Choice Requires="a14">
           <p:sp>
             <p:nvSpPr>
               <p:cNvPr id="38" name="ZoneTexte 37">
@@ -12049,6 +12098,7 @@
               </a:bodyPr>
               <a:lstStyle/>
               <a:p>
+                <a:pPr/>
                 <a14:m>
                   <m:oMathPara xmlns:m="http://schemas.openxmlformats.org/officeDocument/2006/math">
                     <m:oMathParaPr>
@@ -12088,7 +12138,7 @@
             </p:txBody>
           </p:sp>
         </mc:Choice>
-        <mc:Fallback>
+        <mc:Fallback xmlns="">
           <p:sp>
             <p:nvSpPr>
               <p:cNvPr id="38" name="ZoneTexte 37">
@@ -12201,7 +12251,7 @@
         </p:nvSpPr>
         <p:spPr>
           <a:xfrm>
-            <a:off x="3555513" y="1777467"/>
+            <a:off x="3615284" y="1708332"/>
             <a:ext cx="72000" cy="72000"/>
           </a:xfrm>
           <a:prstGeom prst="ellipse">
@@ -12295,8 +12345,8 @@
           </a:p>
         </p:txBody>
       </p:sp>
-      <mc:AlternateContent xmlns:mc="http://schemas.openxmlformats.org/markup-compatibility/2006">
-        <mc:Choice xmlns:a14="http://schemas.microsoft.com/office/drawing/2010/main" Requires="a14">
+      <mc:AlternateContent xmlns:mc="http://schemas.openxmlformats.org/markup-compatibility/2006" xmlns:a14="http://schemas.microsoft.com/office/drawing/2010/main">
+        <mc:Choice Requires="a14">
           <p:sp>
             <p:nvSpPr>
               <p:cNvPr id="83" name="ZoneTexte 82">
@@ -12325,6 +12375,7 @@
               </a:bodyPr>
               <a:lstStyle/>
               <a:p>
+                <a:pPr/>
                 <a14:m>
                   <m:oMathPara xmlns:m="http://schemas.openxmlformats.org/officeDocument/2006/math">
                     <m:oMathParaPr>
@@ -12364,7 +12415,7 @@
             </p:txBody>
           </p:sp>
         </mc:Choice>
-        <mc:Fallback>
+        <mc:Fallback xmlns="">
           <p:sp>
             <p:nvSpPr>
               <p:cNvPr id="83" name="ZoneTexte 82">
@@ -12463,8 +12514,8 @@
           </a:p>
         </p:txBody>
       </p:sp>
-      <mc:AlternateContent xmlns:mc="http://schemas.openxmlformats.org/markup-compatibility/2006">
-        <mc:Choice xmlns:a14="http://schemas.microsoft.com/office/drawing/2010/main" Requires="a14">
+      <mc:AlternateContent xmlns:mc="http://schemas.openxmlformats.org/markup-compatibility/2006" xmlns:a14="http://schemas.microsoft.com/office/drawing/2010/main">
+        <mc:Choice Requires="a14">
           <p:sp>
             <p:nvSpPr>
               <p:cNvPr id="85" name="ZoneTexte 84">
@@ -12493,6 +12544,7 @@
               </a:bodyPr>
               <a:lstStyle/>
               <a:p>
+                <a:pPr/>
                 <a14:m>
                   <m:oMathPara xmlns:m="http://schemas.openxmlformats.org/officeDocument/2006/math">
                     <m:oMathParaPr>
@@ -12513,7 +12565,7 @@
             </p:txBody>
           </p:sp>
         </mc:Choice>
-        <mc:Fallback>
+        <mc:Fallback xmlns="">
           <p:sp>
             <p:nvSpPr>
               <p:cNvPr id="85" name="ZoneTexte 84">
@@ -12540,6 +12592,306 @@
                 <a:blip r:embed="rId9"/>
                 <a:stretch>
                   <a:fillRect l="-23810" r="-16667" b="-6522"/>
+                </a:stretch>
+              </a:blipFill>
+            </p:spPr>
+            <p:txBody>
+              <a:bodyPr/>
+              <a:lstStyle/>
+              <a:p>
+                <a:r>
+                  <a:rPr lang="fr-FR">
+                    <a:noFill/>
+                  </a:rPr>
+                  <a:t> </a:t>
+                </a:r>
+              </a:p>
+            </p:txBody>
+          </p:sp>
+        </mc:Fallback>
+      </mc:AlternateContent>
+      <p:cxnSp>
+        <p:nvCxnSpPr>
+          <p:cNvPr id="7" name="Connecteur droit 6">
+            <a:extLst>
+              <a:ext uri="{FF2B5EF4-FFF2-40B4-BE49-F238E27FC236}">
+                <a16:creationId xmlns:a16="http://schemas.microsoft.com/office/drawing/2014/main" id="{0B54BA43-FAA6-61CE-9A60-DC9AE908B508}"/>
+              </a:ext>
+            </a:extLst>
+          </p:cNvPr>
+          <p:cNvCxnSpPr>
+            <a:cxnSpLocks/>
+            <a:stCxn id="18" idx="3"/>
+          </p:cNvCxnSpPr>
+          <p:nvPr/>
+        </p:nvCxnSpPr>
+        <p:spPr>
+          <a:xfrm flipH="1" flipV="1">
+            <a:off x="2939143" y="4751664"/>
+            <a:ext cx="1702748" cy="492003"/>
+          </a:xfrm>
+          <a:prstGeom prst="line">
+            <a:avLst/>
+          </a:prstGeom>
+          <a:ln>
+            <a:solidFill>
+              <a:srgbClr val="C00000"/>
+            </a:solidFill>
+            <a:headEnd w="med" len="lg"/>
+            <a:tailEnd type="stealth" w="med" len="lg"/>
+          </a:ln>
+        </p:spPr>
+        <p:style>
+          <a:lnRef idx="1">
+            <a:schemeClr val="accent1"/>
+          </a:lnRef>
+          <a:fillRef idx="0">
+            <a:schemeClr val="accent1"/>
+          </a:fillRef>
+          <a:effectRef idx="0">
+            <a:schemeClr val="accent1"/>
+          </a:effectRef>
+          <a:fontRef idx="minor">
+            <a:schemeClr val="tx1"/>
+          </a:fontRef>
+        </p:style>
+      </p:cxnSp>
+      <mc:AlternateContent xmlns:mc="http://schemas.openxmlformats.org/markup-compatibility/2006">
+        <mc:Choice xmlns:a14="http://schemas.microsoft.com/office/drawing/2010/main" Requires="a14">
+          <p:sp>
+            <p:nvSpPr>
+              <p:cNvPr id="15" name="ZoneTexte 14">
+                <a:extLst>
+                  <a:ext uri="{FF2B5EF4-FFF2-40B4-BE49-F238E27FC236}">
+                    <a16:creationId xmlns:a16="http://schemas.microsoft.com/office/drawing/2014/main" id="{ABD5F6AF-F1E6-C435-832C-88C18AB8F2F9}"/>
+                  </a:ext>
+                </a:extLst>
+              </p:cNvPr>
+              <p:cNvSpPr txBox="1"/>
+              <p:nvPr/>
+            </p:nvSpPr>
+            <p:spPr>
+              <a:xfrm>
+                <a:off x="2615716" y="4727441"/>
+                <a:ext cx="300915" cy="276999"/>
+              </a:xfrm>
+              <a:prstGeom prst="rect">
+                <a:avLst/>
+              </a:prstGeom>
+              <a:noFill/>
+            </p:spPr>
+            <p:txBody>
+              <a:bodyPr wrap="none" lIns="0" tIns="0" rIns="0" bIns="0" rtlCol="0">
+                <a:spAutoFit/>
+              </a:bodyPr>
+              <a:lstStyle/>
+              <a:p>
+                <a:pPr/>
+                <a14:m>
+                  <m:oMathPara xmlns:m="http://schemas.openxmlformats.org/officeDocument/2006/math">
+                    <m:oMathParaPr>
+                      <m:jc m:val="centerGroup"/>
+                    </m:oMathParaPr>
+                    <m:oMath xmlns:m="http://schemas.openxmlformats.org/officeDocument/2006/math">
+                      <m:acc>
+                        <m:accPr>
+                          <m:chr m:val="⃗"/>
+                          <m:ctrlPr>
+                            <a:rPr lang="fr-FR" b="0" i="1" smtClean="0">
+                              <a:latin typeface="Cambria Math" panose="02040503050406030204" pitchFamily="18" charset="0"/>
+                            </a:rPr>
+                          </m:ctrlPr>
+                        </m:accPr>
+                        <m:e>
+                          <m:sSub>
+                            <m:sSubPr>
+                              <m:ctrlPr>
+                                <a:rPr lang="fr-FR" i="1">
+                                  <a:latin typeface="Cambria Math" panose="02040503050406030204" pitchFamily="18" charset="0"/>
+                                </a:rPr>
+                              </m:ctrlPr>
+                            </m:sSubPr>
+                            <m:e>
+                              <m:r>
+                                <a:rPr lang="fr-FR" i="1">
+                                  <a:latin typeface="Cambria Math" panose="02040503050406030204" pitchFamily="18" charset="0"/>
+                                </a:rPr>
+                                <m:t>𝑥</m:t>
+                              </m:r>
+                            </m:e>
+                            <m:sub>
+                              <m:r>
+                                <a:rPr lang="fr-FR" b="0" i="1" smtClean="0">
+                                  <a:latin typeface="Cambria Math" panose="02040503050406030204" pitchFamily="18" charset="0"/>
+                                </a:rPr>
+                                <m:t>𝛼</m:t>
+                              </m:r>
+                            </m:sub>
+                          </m:sSub>
+                        </m:e>
+                      </m:acc>
+                    </m:oMath>
+                  </m:oMathPara>
+                </a14:m>
+                <a:endParaRPr lang="fr-FR" dirty="0"/>
+              </a:p>
+            </p:txBody>
+          </p:sp>
+        </mc:Choice>
+        <mc:Fallback>
+          <p:sp>
+            <p:nvSpPr>
+              <p:cNvPr id="15" name="ZoneTexte 14">
+                <a:extLst>
+                  <a:ext uri="{FF2B5EF4-FFF2-40B4-BE49-F238E27FC236}">
+                    <a16:creationId xmlns:a16="http://schemas.microsoft.com/office/drawing/2014/main" id="{ABD5F6AF-F1E6-C435-832C-88C18AB8F2F9}"/>
+                  </a:ext>
+                </a:extLst>
+              </p:cNvPr>
+              <p:cNvSpPr txBox="1">
+                <a:spLocks noRot="1" noChangeAspect="1" noMove="1" noResize="1" noEditPoints="1" noAdjustHandles="1" noChangeArrowheads="1" noChangeShapeType="1" noTextEdit="1"/>
+              </p:cNvSpPr>
+              <p:nvPr/>
+            </p:nvSpPr>
+            <p:spPr>
+              <a:xfrm>
+                <a:off x="2615716" y="4727441"/>
+                <a:ext cx="300915" cy="276999"/>
+              </a:xfrm>
+              <a:prstGeom prst="rect">
+                <a:avLst/>
+              </a:prstGeom>
+              <a:blipFill>
+                <a:blip r:embed="rId10"/>
+                <a:stretch>
+                  <a:fillRect l="-12245" r="-4082" b="-10870"/>
+                </a:stretch>
+              </a:blipFill>
+            </p:spPr>
+            <p:txBody>
+              <a:bodyPr/>
+              <a:lstStyle/>
+              <a:p>
+                <a:r>
+                  <a:rPr lang="fr-FR">
+                    <a:noFill/>
+                  </a:rPr>
+                  <a:t> </a:t>
+                </a:r>
+              </a:p>
+            </p:txBody>
+          </p:sp>
+        </mc:Fallback>
+      </mc:AlternateContent>
+      <mc:AlternateContent xmlns:mc="http://schemas.openxmlformats.org/markup-compatibility/2006">
+        <mc:Choice xmlns:a14="http://schemas.microsoft.com/office/drawing/2010/main" Requires="a14">
+          <p:sp>
+            <p:nvSpPr>
+              <p:cNvPr id="17" name="ZoneTexte 16">
+                <a:extLst>
+                  <a:ext uri="{FF2B5EF4-FFF2-40B4-BE49-F238E27FC236}">
+                    <a16:creationId xmlns:a16="http://schemas.microsoft.com/office/drawing/2014/main" id="{261871B6-9108-7AA5-C3DE-7F35476F7E3C}"/>
+                  </a:ext>
+                </a:extLst>
+              </p:cNvPr>
+              <p:cNvSpPr txBox="1"/>
+              <p:nvPr/>
+            </p:nvSpPr>
+            <p:spPr>
+              <a:xfrm>
+                <a:off x="2565034" y="1143037"/>
+                <a:ext cx="300915" cy="276999"/>
+              </a:xfrm>
+              <a:prstGeom prst="rect">
+                <a:avLst/>
+              </a:prstGeom>
+              <a:noFill/>
+            </p:spPr>
+            <p:txBody>
+              <a:bodyPr wrap="none" lIns="0" tIns="0" rIns="0" bIns="0" rtlCol="0">
+                <a:spAutoFit/>
+              </a:bodyPr>
+              <a:lstStyle/>
+              <a:p>
+                <a:pPr/>
+                <a14:m>
+                  <m:oMathPara xmlns:m="http://schemas.openxmlformats.org/officeDocument/2006/math">
+                    <m:oMathParaPr>
+                      <m:jc m:val="centerGroup"/>
+                    </m:oMathParaPr>
+                    <m:oMath xmlns:m="http://schemas.openxmlformats.org/officeDocument/2006/math">
+                      <m:acc>
+                        <m:accPr>
+                          <m:chr m:val="⃗"/>
+                          <m:ctrlPr>
+                            <a:rPr lang="fr-FR" b="0" i="1" smtClean="0">
+                              <a:latin typeface="Cambria Math" panose="02040503050406030204" pitchFamily="18" charset="0"/>
+                            </a:rPr>
+                          </m:ctrlPr>
+                        </m:accPr>
+                        <m:e>
+                          <m:sSub>
+                            <m:sSubPr>
+                              <m:ctrlPr>
+                                <a:rPr lang="fr-FR" i="1">
+                                  <a:latin typeface="Cambria Math" panose="02040503050406030204" pitchFamily="18" charset="0"/>
+                                </a:rPr>
+                              </m:ctrlPr>
+                            </m:sSubPr>
+                            <m:e>
+                              <m:r>
+                                <a:rPr lang="fr-FR" i="1">
+                                  <a:latin typeface="Cambria Math" panose="02040503050406030204" pitchFamily="18" charset="0"/>
+                                </a:rPr>
+                                <m:t>𝑥</m:t>
+                              </m:r>
+                            </m:e>
+                            <m:sub>
+                              <m:r>
+                                <a:rPr lang="fr-FR" b="0" i="1" smtClean="0">
+                                  <a:latin typeface="Cambria Math" panose="02040503050406030204" pitchFamily="18" charset="0"/>
+                                </a:rPr>
+                                <m:t>𝛼</m:t>
+                              </m:r>
+                            </m:sub>
+                          </m:sSub>
+                        </m:e>
+                      </m:acc>
+                    </m:oMath>
+                  </m:oMathPara>
+                </a14:m>
+                <a:endParaRPr lang="fr-FR" dirty="0"/>
+              </a:p>
+            </p:txBody>
+          </p:sp>
+        </mc:Choice>
+        <mc:Fallback>
+          <p:sp>
+            <p:nvSpPr>
+              <p:cNvPr id="17" name="ZoneTexte 16">
+                <a:extLst>
+                  <a:ext uri="{FF2B5EF4-FFF2-40B4-BE49-F238E27FC236}">
+                    <a16:creationId xmlns:a16="http://schemas.microsoft.com/office/drawing/2014/main" id="{261871B6-9108-7AA5-C3DE-7F35476F7E3C}"/>
+                  </a:ext>
+                </a:extLst>
+              </p:cNvPr>
+              <p:cNvSpPr txBox="1">
+                <a:spLocks noRot="1" noChangeAspect="1" noMove="1" noResize="1" noEditPoints="1" noAdjustHandles="1" noChangeArrowheads="1" noChangeShapeType="1" noTextEdit="1"/>
+              </p:cNvSpPr>
+              <p:nvPr/>
+            </p:nvSpPr>
+            <p:spPr>
+              <a:xfrm>
+                <a:off x="2565034" y="1143037"/>
+                <a:ext cx="300915" cy="276999"/>
+              </a:xfrm>
+              <a:prstGeom prst="rect">
+                <a:avLst/>
+              </a:prstGeom>
+              <a:blipFill>
+                <a:blip r:embed="rId11"/>
+                <a:stretch>
+                  <a:fillRect l="-12245" r="-2041" b="-11111"/>
                 </a:stretch>
               </a:blipFill>
             </p:spPr>
